--- a/outsidewar/deliverables/EEteamJ1 Final Presentation.pptx
+++ b/outsidewar/deliverables/EEteamJ1 Final Presentation.pptx
@@ -274,11 +274,11 @@
         </c:dLbls>
         <c:gapWidth val="219"/>
         <c:overlap val="-27"/>
-        <c:axId val="1973590544"/>
-        <c:axId val="1973584560"/>
+        <c:axId val="-1081311920"/>
+        <c:axId val="-1081311376"/>
       </c:barChart>
       <c:catAx>
-        <c:axId val="1973590544"/>
+        <c:axId val="-1081311920"/>
         <c:scaling>
           <c:orientation val="minMax"/>
         </c:scaling>
@@ -363,7 +363,7 @@
             <a:endParaRPr lang="en-US"/>
           </a:p>
         </c:txPr>
-        <c:crossAx val="1973584560"/>
+        <c:crossAx val="-1081311376"/>
         <c:crosses val="autoZero"/>
         <c:auto val="1"/>
         <c:lblAlgn val="ctr"/>
@@ -371,7 +371,7 @@
         <c:noMultiLvlLbl val="0"/>
       </c:catAx>
       <c:valAx>
-        <c:axId val="1973584560"/>
+        <c:axId val="-1081311376"/>
         <c:scaling>
           <c:orientation val="minMax"/>
         </c:scaling>
@@ -462,7 +462,7 @@
             <a:endParaRPr lang="en-US"/>
           </a:p>
         </c:txPr>
-        <c:crossAx val="1973590544"/>
+        <c:crossAx val="-1081311920"/>
         <c:crosses val="autoZero"/>
         <c:crossBetween val="between"/>
       </c:valAx>
@@ -1483,7 +1483,7 @@
         <p:spPr>
           <a:extLst>
             <a:ext uri="{FAA26D3D-D897-4be2-8F04-BA451C77F1D7}">
-              <ma14:placeholderFlag xmlns="" xmlns:ma14="http://schemas.microsoft.com/office/mac/drawingml/2011/main" val="1"/>
+              <ma14:placeholderFlag xmlns:ma14="http://schemas.microsoft.com/office/mac/drawingml/2011/main" xmlns="" val="1"/>
             </a:ext>
           </a:extLst>
         </p:spPr>
@@ -1816,7 +1816,7 @@
         <p:spPr>
           <a:extLst>
             <a:ext uri="{FAA26D3D-D897-4be2-8F04-BA451C77F1D7}">
-              <ma14:placeholderFlag xmlns="" xmlns:ma14="http://schemas.microsoft.com/office/mac/drawingml/2011/main" val="1"/>
+              <ma14:placeholderFlag xmlns:ma14="http://schemas.microsoft.com/office/mac/drawingml/2011/main" xmlns="" val="1"/>
             </a:ext>
           </a:extLst>
         </p:spPr>
@@ -2128,7 +2128,7 @@
         <p:spPr>
           <a:extLst>
             <a:ext uri="{FAA26D3D-D897-4be2-8F04-BA451C77F1D7}">
-              <ma14:placeholderFlag xmlns="" xmlns:ma14="http://schemas.microsoft.com/office/mac/drawingml/2011/main" val="1"/>
+              <ma14:placeholderFlag xmlns:ma14="http://schemas.microsoft.com/office/mac/drawingml/2011/main" xmlns="" val="1"/>
             </a:ext>
           </a:extLst>
         </p:spPr>
@@ -2465,7 +2465,7 @@
         <p:spPr>
           <a:extLst>
             <a:ext uri="{FAA26D3D-D897-4be2-8F04-BA451C77F1D7}">
-              <ma14:placeholderFlag xmlns="" xmlns:ma14="http://schemas.microsoft.com/office/mac/drawingml/2011/main" val="1"/>
+              <ma14:placeholderFlag xmlns:ma14="http://schemas.microsoft.com/office/mac/drawingml/2011/main" xmlns="" val="1"/>
             </a:ext>
           </a:extLst>
         </p:spPr>
@@ -2660,7 +2660,7 @@
         <p:spPr>
           <a:extLst>
             <a:ext uri="{FAA26D3D-D897-4be2-8F04-BA451C77F1D7}">
-              <ma14:placeholderFlag xmlns="" xmlns:ma14="http://schemas.microsoft.com/office/mac/drawingml/2011/main" val="1"/>
+              <ma14:placeholderFlag xmlns:ma14="http://schemas.microsoft.com/office/mac/drawingml/2011/main" xmlns="" val="1"/>
             </a:ext>
           </a:extLst>
         </p:spPr>
@@ -2936,7 +2936,7 @@
         <p:spPr>
           <a:extLst>
             <a:ext uri="{FAA26D3D-D897-4be2-8F04-BA451C77F1D7}">
-              <ma14:placeholderFlag xmlns="" xmlns:ma14="http://schemas.microsoft.com/office/mac/drawingml/2011/main" val="1"/>
+              <ma14:placeholderFlag xmlns:ma14="http://schemas.microsoft.com/office/mac/drawingml/2011/main" xmlns="" val="1"/>
             </a:ext>
           </a:extLst>
         </p:spPr>
@@ -3186,7 +3186,7 @@
         <p:spPr>
           <a:extLst>
             <a:ext uri="{FAA26D3D-D897-4be2-8F04-BA451C77F1D7}">
-              <ma14:placeholderFlag xmlns="" xmlns:ma14="http://schemas.microsoft.com/office/mac/drawingml/2011/main" val="1"/>
+              <ma14:placeholderFlag xmlns:ma14="http://schemas.microsoft.com/office/mac/drawingml/2011/main" xmlns="" val="1"/>
             </a:ext>
           </a:extLst>
         </p:spPr>
@@ -3472,7 +3472,7 @@
               </a14:hiddenEffects>
             </a:ext>
             <a:ext uri="{FAA26D3D-D897-4be2-8F04-BA451C77F1D7}">
-              <ma14:placeholderFlag xmlns="" xmlns:ma14="http://schemas.microsoft.com/office/mac/drawingml/2011/main" val="1"/>
+              <ma14:placeholderFlag xmlns:ma14="http://schemas.microsoft.com/office/mac/drawingml/2011/main" xmlns="" val="1"/>
             </a:ext>
           </a:extLst>
         </p:spPr>
@@ -4126,7 +4126,7 @@
         <p:spPr>
           <a:extLst>
             <a:ext uri="{FAA26D3D-D897-4be2-8F04-BA451C77F1D7}">
-              <ma14:placeholderFlag xmlns="" xmlns:ma14="http://schemas.microsoft.com/office/mac/drawingml/2011/main" val="1"/>
+              <ma14:placeholderFlag xmlns:ma14="http://schemas.microsoft.com/office/mac/drawingml/2011/main" xmlns="" val="1"/>
             </a:ext>
           </a:extLst>
         </p:spPr>
@@ -7272,9 +7272,8 @@
             </a:r>
             <a:r>
               <a:rPr lang="en-US" sz="3200" dirty="0" smtClean="0"/>
-              <a:t>53</a:t>
-            </a:r>
-            <a:endParaRPr lang="en-US" sz="3200" dirty="0"/>
+              <a:t>58</a:t>
+            </a:r>
           </a:p>
           <a:p>
             <a:r>
@@ -7287,8 +7286,9 @@
             </a:r>
             <a:r>
               <a:rPr lang="en-US" sz="3200" dirty="0" smtClean="0"/>
-              <a:t>=</a:t>
-            </a:r>
+              <a:t>=64</a:t>
+            </a:r>
+            <a:endParaRPr lang="en-US" sz="3200" dirty="0" smtClean="0"/>
           </a:p>
         </p:txBody>
       </p:sp>
@@ -7482,6 +7482,30 @@
           </a:p>
         </p:txBody>
       </p:sp>
+      <p:pic>
+        <p:nvPicPr>
+          <p:cNvPr id="5" name="Picture 4"/>
+          <p:cNvPicPr>
+            <a:picLocks noChangeAspect="1"/>
+          </p:cNvPicPr>
+          <p:nvPr/>
+        </p:nvPicPr>
+        <p:blipFill>
+          <a:blip r:embed="rId2"/>
+          <a:stretch>
+            <a:fillRect/>
+          </a:stretch>
+        </p:blipFill>
+        <p:spPr>
+          <a:xfrm>
+            <a:off x="711200" y="3735864"/>
+            <a:ext cx="11506200" cy="5715000"/>
+          </a:xfrm>
+          <a:prstGeom prst="rect">
+            <a:avLst/>
+          </a:prstGeom>
+        </p:spPr>
+      </p:pic>
     </p:spTree>
     <p:extLst>
       <p:ext uri="{BB962C8B-B14F-4D97-AF65-F5344CB8AC3E}">
@@ -7652,6 +7676,54 @@
           </a:p>
         </p:txBody>
       </p:sp>
+      <p:pic>
+        <p:nvPicPr>
+          <p:cNvPr id="7" name="Picture 6"/>
+          <p:cNvPicPr>
+            <a:picLocks noChangeAspect="1"/>
+          </p:cNvPicPr>
+          <p:nvPr/>
+        </p:nvPicPr>
+        <p:blipFill>
+          <a:blip r:embed="rId2"/>
+          <a:stretch>
+            <a:fillRect/>
+          </a:stretch>
+        </p:blipFill>
+        <p:spPr>
+          <a:xfrm>
+            <a:off x="7000320" y="3451385"/>
+            <a:ext cx="5140880" cy="5652610"/>
+          </a:xfrm>
+          <a:prstGeom prst="rect">
+            <a:avLst/>
+          </a:prstGeom>
+        </p:spPr>
+      </p:pic>
+      <p:pic>
+        <p:nvPicPr>
+          <p:cNvPr id="9" name="Picture 8"/>
+          <p:cNvPicPr>
+            <a:picLocks noChangeAspect="1"/>
+          </p:cNvPicPr>
+          <p:nvPr/>
+        </p:nvPicPr>
+        <p:blipFill>
+          <a:blip r:embed="rId3"/>
+          <a:stretch>
+            <a:fillRect/>
+          </a:stretch>
+        </p:blipFill>
+        <p:spPr>
+          <a:xfrm>
+            <a:off x="1092199" y="3481864"/>
+            <a:ext cx="5029201" cy="5652611"/>
+          </a:xfrm>
+          <a:prstGeom prst="rect">
+            <a:avLst/>
+          </a:prstGeom>
+        </p:spPr>
+      </p:pic>
     </p:spTree>
     <p:extLst>
       <p:ext uri="{BB962C8B-B14F-4D97-AF65-F5344CB8AC3E}">
@@ -7824,6 +7896,54 @@
           </a:p>
         </p:txBody>
       </p:sp>
+      <p:pic>
+        <p:nvPicPr>
+          <p:cNvPr id="5" name="Picture 4"/>
+          <p:cNvPicPr>
+            <a:picLocks noChangeAspect="1"/>
+          </p:cNvPicPr>
+          <p:nvPr/>
+        </p:nvPicPr>
+        <p:blipFill>
+          <a:blip r:embed="rId2"/>
+          <a:stretch>
+            <a:fillRect/>
+          </a:stretch>
+        </p:blipFill>
+        <p:spPr>
+          <a:xfrm>
+            <a:off x="7340600" y="3481864"/>
+            <a:ext cx="5045075" cy="5890736"/>
+          </a:xfrm>
+          <a:prstGeom prst="rect">
+            <a:avLst/>
+          </a:prstGeom>
+        </p:spPr>
+      </p:pic>
+      <p:pic>
+        <p:nvPicPr>
+          <p:cNvPr id="7" name="Picture 6"/>
+          <p:cNvPicPr>
+            <a:picLocks noChangeAspect="1"/>
+          </p:cNvPicPr>
+          <p:nvPr/>
+        </p:nvPicPr>
+        <p:blipFill>
+          <a:blip r:embed="rId3"/>
+          <a:stretch>
+            <a:fillRect/>
+          </a:stretch>
+        </p:blipFill>
+        <p:spPr>
+          <a:xfrm>
+            <a:off x="1270000" y="3481864"/>
+            <a:ext cx="5156200" cy="5890736"/>
+          </a:xfrm>
+          <a:prstGeom prst="rect">
+            <a:avLst/>
+          </a:prstGeom>
+        </p:spPr>
+      </p:pic>
     </p:spTree>
     <p:extLst>
       <p:ext uri="{BB962C8B-B14F-4D97-AF65-F5344CB8AC3E}">
@@ -8399,11 +8519,7 @@
             </a:r>
             <a:r>
               <a:rPr lang="en-US" sz="3200" dirty="0" smtClean="0"/>
-              <a:t>Scrum desk, </a:t>
-            </a:r>
-            <a:r>
-              <a:rPr lang="en-US" sz="3200" dirty="0" smtClean="0"/>
-              <a:t>effectively</a:t>
+              <a:t>Scrum desk, effectively</a:t>
             </a:r>
           </a:p>
           <a:p>

--- a/outsidewar/deliverables/EEteamJ1 Final Presentation.pptx
+++ b/outsidewar/deliverables/EEteamJ1 Final Presentation.pptx
@@ -9539,8 +9539,20 @@
             <a:pPr lvl="0"/>
             <a:r>
               <a:rPr lang="en-US" sz="3200" dirty="0" smtClean="0"/>
-              <a:t>Writing feature file in table format</a:t>
-            </a:r>
+              <a:t>Writing feature file in table </a:t>
+            </a:r>
+            <a:r>
+              <a:rPr lang="en-US" sz="3200" dirty="0" smtClean="0"/>
+              <a:t>format</a:t>
+            </a:r>
+          </a:p>
+          <a:p>
+            <a:pPr lvl="0"/>
+            <a:r>
+              <a:rPr lang="en-US" sz="3200" dirty="0" smtClean="0"/>
+              <a:t>Sprint Boot</a:t>
+            </a:r>
+            <a:endParaRPr lang="en-US" sz="3200" dirty="0" smtClean="0"/>
           </a:p>
           <a:p>
             <a:pPr marL="0" lvl="0" indent="0">

--- a/outsidewar/deliverables/EEteamJ1 Final Presentation.pptx
+++ b/outsidewar/deliverables/EEteamJ1 Final Presentation.pptx
@@ -5,7 +5,7 @@
     <p:sldMasterId id="2147483649" r:id="rId1"/>
   </p:sldMasterIdLst>
   <p:notesMasterIdLst>
-    <p:notesMasterId r:id="rId34"/>
+    <p:notesMasterId r:id="rId36"/>
   </p:notesMasterIdLst>
   <p:sldIdLst>
     <p:sldId id="343" r:id="rId2"/>
@@ -24,22 +24,24 @@
     <p:sldId id="374" r:id="rId15"/>
     <p:sldId id="395" r:id="rId16"/>
     <p:sldId id="375" r:id="rId17"/>
-    <p:sldId id="376" r:id="rId18"/>
-    <p:sldId id="377" r:id="rId19"/>
-    <p:sldId id="417" r:id="rId20"/>
-    <p:sldId id="385" r:id="rId21"/>
-    <p:sldId id="418" r:id="rId22"/>
-    <p:sldId id="373" r:id="rId23"/>
-    <p:sldId id="378" r:id="rId24"/>
-    <p:sldId id="381" r:id="rId25"/>
-    <p:sldId id="412" r:id="rId26"/>
-    <p:sldId id="382" r:id="rId27"/>
-    <p:sldId id="379" r:id="rId28"/>
-    <p:sldId id="390" r:id="rId29"/>
-    <p:sldId id="380" r:id="rId30"/>
-    <p:sldId id="393" r:id="rId31"/>
-    <p:sldId id="389" r:id="rId32"/>
-    <p:sldId id="348" r:id="rId33"/>
+    <p:sldId id="420" r:id="rId18"/>
+    <p:sldId id="419" r:id="rId19"/>
+    <p:sldId id="376" r:id="rId20"/>
+    <p:sldId id="377" r:id="rId21"/>
+    <p:sldId id="417" r:id="rId22"/>
+    <p:sldId id="385" r:id="rId23"/>
+    <p:sldId id="418" r:id="rId24"/>
+    <p:sldId id="373" r:id="rId25"/>
+    <p:sldId id="378" r:id="rId26"/>
+    <p:sldId id="381" r:id="rId27"/>
+    <p:sldId id="412" r:id="rId28"/>
+    <p:sldId id="382" r:id="rId29"/>
+    <p:sldId id="379" r:id="rId30"/>
+    <p:sldId id="390" r:id="rId31"/>
+    <p:sldId id="380" r:id="rId32"/>
+    <p:sldId id="393" r:id="rId33"/>
+    <p:sldId id="389" r:id="rId34"/>
+    <p:sldId id="348" r:id="rId35"/>
   </p:sldIdLst>
   <p:sldSz cx="13004800" cy="9753600"/>
   <p:notesSz cx="6858000" cy="9144000"/>
@@ -274,11 +276,11 @@
         </c:dLbls>
         <c:gapWidth val="219"/>
         <c:overlap val="-27"/>
-        <c:axId val="-1081311920"/>
-        <c:axId val="-1081311376"/>
+        <c:axId val="1719244848"/>
+        <c:axId val="1719245936"/>
       </c:barChart>
       <c:catAx>
-        <c:axId val="-1081311920"/>
+        <c:axId val="1719244848"/>
         <c:scaling>
           <c:orientation val="minMax"/>
         </c:scaling>
@@ -363,7 +365,7 @@
             <a:endParaRPr lang="en-US"/>
           </a:p>
         </c:txPr>
-        <c:crossAx val="-1081311376"/>
+        <c:crossAx val="1719245936"/>
         <c:crosses val="autoZero"/>
         <c:auto val="1"/>
         <c:lblAlgn val="ctr"/>
@@ -371,7 +373,7 @@
         <c:noMultiLvlLbl val="0"/>
       </c:catAx>
       <c:valAx>
-        <c:axId val="-1081311376"/>
+        <c:axId val="1719245936"/>
         <c:scaling>
           <c:orientation val="minMax"/>
         </c:scaling>
@@ -462,7 +464,7 @@
             <a:endParaRPr lang="en-US"/>
           </a:p>
         </c:txPr>
-        <c:crossAx val="-1081311920"/>
+        <c:crossAx val="1719244848"/>
         <c:crosses val="autoZero"/>
         <c:crossBetween val="between"/>
       </c:valAx>
@@ -505,7 +507,46 @@
   <c:externalData r:id="rId1">
     <c:autoUpdate val="0"/>
   </c:externalData>
+  <c:userShapes r:id="rId2"/>
 </c:chartSpace>
+</file>
+
+<file path=ppt/drawings/drawing1.xml><?xml version="1.0" encoding="utf-8"?>
+<c:userShapes xmlns:c="http://schemas.openxmlformats.org/drawingml/2006/chart">
+  <cdr:relSizeAnchor xmlns:cdr="http://schemas.openxmlformats.org/drawingml/2006/chartDrawing">
+    <cdr:from>
+      <cdr:x>0</cdr:x>
+      <cdr:y>0</cdr:y>
+    </cdr:from>
+    <cdr:to>
+      <cdr:x>0.9763</cdr:x>
+      <cdr:y>1</cdr:y>
+    </cdr:to>
+    <cdr:pic>
+      <cdr:nvPicPr>
+        <cdr:cNvPr id="2" name="chart"/>
+        <cdr:cNvPicPr>
+          <a:picLocks xmlns:a="http://schemas.openxmlformats.org/drawingml/2006/main" noChangeAspect="1"/>
+        </cdr:cNvPicPr>
+      </cdr:nvPicPr>
+      <cdr:blipFill>
+        <a:blip xmlns:a="http://schemas.openxmlformats.org/drawingml/2006/main" xmlns:r="http://schemas.openxmlformats.org/officeDocument/2006/relationships" r:embed="rId1"/>
+        <a:stretch xmlns:a="http://schemas.openxmlformats.org/drawingml/2006/main">
+          <a:fillRect/>
+        </a:stretch>
+      </cdr:blipFill>
+      <cdr:spPr>
+        <a:xfrm xmlns:a="http://schemas.openxmlformats.org/drawingml/2006/main">
+          <a:off x="0" y="0"/>
+          <a:ext cx="10464800" cy="4800600"/>
+        </a:xfrm>
+        <a:prstGeom xmlns:a="http://schemas.openxmlformats.org/drawingml/2006/main" prst="rect">
+          <a:avLst/>
+        </a:prstGeom>
+      </cdr:spPr>
+    </cdr:pic>
+  </cdr:relSizeAnchor>
+</c:userShapes>
 </file>
 
 <file path=ppt/notesMasters/notesMaster1.xml><?xml version="1.0" encoding="utf-8"?>
@@ -603,7 +644,7 @@
             <a:fld id="{C3811913-B8DA-492B-B826-9518B83BF6E7}" type="datetimeFigureOut">
               <a:rPr lang="en-US"/>
               <a:pPr/>
-              <a:t>12/1/2015</a:t>
+              <a:t>12/30/2015</a:t>
             </a:fld>
             <a:endParaRPr lang="en-US"/>
           </a:p>
@@ -1483,7 +1524,7 @@
         <p:spPr>
           <a:extLst>
             <a:ext uri="{FAA26D3D-D897-4be2-8F04-BA451C77F1D7}">
-              <ma14:placeholderFlag xmlns:ma14="http://schemas.microsoft.com/office/mac/drawingml/2011/main" xmlns="" val="1"/>
+              <ma14:placeholderFlag xmlns="" xmlns:ma14="http://schemas.microsoft.com/office/mac/drawingml/2011/main" val="1"/>
             </a:ext>
           </a:extLst>
         </p:spPr>
@@ -1816,7 +1857,7 @@
         <p:spPr>
           <a:extLst>
             <a:ext uri="{FAA26D3D-D897-4be2-8F04-BA451C77F1D7}">
-              <ma14:placeholderFlag xmlns:ma14="http://schemas.microsoft.com/office/mac/drawingml/2011/main" xmlns="" val="1"/>
+              <ma14:placeholderFlag xmlns="" xmlns:ma14="http://schemas.microsoft.com/office/mac/drawingml/2011/main" val="1"/>
             </a:ext>
           </a:extLst>
         </p:spPr>
@@ -2128,7 +2169,7 @@
         <p:spPr>
           <a:extLst>
             <a:ext uri="{FAA26D3D-D897-4be2-8F04-BA451C77F1D7}">
-              <ma14:placeholderFlag xmlns:ma14="http://schemas.microsoft.com/office/mac/drawingml/2011/main" xmlns="" val="1"/>
+              <ma14:placeholderFlag xmlns="" xmlns:ma14="http://schemas.microsoft.com/office/mac/drawingml/2011/main" val="1"/>
             </a:ext>
           </a:extLst>
         </p:spPr>
@@ -2465,7 +2506,7 @@
         <p:spPr>
           <a:extLst>
             <a:ext uri="{FAA26D3D-D897-4be2-8F04-BA451C77F1D7}">
-              <ma14:placeholderFlag xmlns:ma14="http://schemas.microsoft.com/office/mac/drawingml/2011/main" xmlns="" val="1"/>
+              <ma14:placeholderFlag xmlns="" xmlns:ma14="http://schemas.microsoft.com/office/mac/drawingml/2011/main" val="1"/>
             </a:ext>
           </a:extLst>
         </p:spPr>
@@ -2660,7 +2701,7 @@
         <p:spPr>
           <a:extLst>
             <a:ext uri="{FAA26D3D-D897-4be2-8F04-BA451C77F1D7}">
-              <ma14:placeholderFlag xmlns:ma14="http://schemas.microsoft.com/office/mac/drawingml/2011/main" xmlns="" val="1"/>
+              <ma14:placeholderFlag xmlns="" xmlns:ma14="http://schemas.microsoft.com/office/mac/drawingml/2011/main" val="1"/>
             </a:ext>
           </a:extLst>
         </p:spPr>
@@ -2936,7 +2977,7 @@
         <p:spPr>
           <a:extLst>
             <a:ext uri="{FAA26D3D-D897-4be2-8F04-BA451C77F1D7}">
-              <ma14:placeholderFlag xmlns:ma14="http://schemas.microsoft.com/office/mac/drawingml/2011/main" xmlns="" val="1"/>
+              <ma14:placeholderFlag xmlns="" xmlns:ma14="http://schemas.microsoft.com/office/mac/drawingml/2011/main" val="1"/>
             </a:ext>
           </a:extLst>
         </p:spPr>
@@ -3186,7 +3227,7 @@
         <p:spPr>
           <a:extLst>
             <a:ext uri="{FAA26D3D-D897-4be2-8F04-BA451C77F1D7}">
-              <ma14:placeholderFlag xmlns:ma14="http://schemas.microsoft.com/office/mac/drawingml/2011/main" xmlns="" val="1"/>
+              <ma14:placeholderFlag xmlns="" xmlns:ma14="http://schemas.microsoft.com/office/mac/drawingml/2011/main" val="1"/>
             </a:ext>
           </a:extLst>
         </p:spPr>
@@ -3472,7 +3513,7 @@
               </a14:hiddenEffects>
             </a:ext>
             <a:ext uri="{FAA26D3D-D897-4be2-8F04-BA451C77F1D7}">
-              <ma14:placeholderFlag xmlns:ma14="http://schemas.microsoft.com/office/mac/drawingml/2011/main" xmlns="" val="1"/>
+              <ma14:placeholderFlag xmlns="" xmlns:ma14="http://schemas.microsoft.com/office/mac/drawingml/2011/main" val="1"/>
             </a:ext>
           </a:extLst>
         </p:spPr>
@@ -4126,7 +4167,7 @@
         <p:spPr>
           <a:extLst>
             <a:ext uri="{FAA26D3D-D897-4be2-8F04-BA451C77F1D7}">
-              <ma14:placeholderFlag xmlns:ma14="http://schemas.microsoft.com/office/mac/drawingml/2011/main" xmlns="" val="1"/>
+              <ma14:placeholderFlag xmlns="" xmlns:ma14="http://schemas.microsoft.com/office/mac/drawingml/2011/main" val="1"/>
             </a:ext>
           </a:extLst>
         </p:spPr>
@@ -5516,25 +5557,32 @@
           </a:p>
         </p:txBody>
       </p:sp>
-      <p:sp>
-        <p:nvSpPr>
-          <p:cNvPr id="7" name="Content Placeholder 6"/>
-          <p:cNvSpPr>
-            <a:spLocks noGrp="1"/>
-          </p:cNvSpPr>
+      <p:pic>
+        <p:nvPicPr>
+          <p:cNvPr id="2" name="Content Placeholder 1"/>
+          <p:cNvPicPr>
+            <a:picLocks noGrp="1" noChangeAspect="1"/>
+          </p:cNvPicPr>
           <p:nvPr>
             <p:ph idx="1"/>
           </p:nvPr>
-        </p:nvSpPr>
-        <p:spPr/>
-        <p:txBody>
-          <a:bodyPr/>
-          <a:lstStyle/>
-          <a:p>
-            <a:endParaRPr lang="en-US"/>
-          </a:p>
-        </p:txBody>
-      </p:sp>
+        </p:nvPicPr>
+        <p:blipFill>
+          <a:blip r:embed="rId2"/>
+          <a:stretch>
+            <a:fillRect/>
+          </a:stretch>
+        </p:blipFill>
+        <p:spPr>
+          <a:xfrm>
+            <a:off x="1270000" y="2590800"/>
+            <a:ext cx="10464800" cy="7162800"/>
+          </a:xfrm>
+          <a:prstGeom prst="rect">
+            <a:avLst/>
+          </a:prstGeom>
+        </p:spPr>
+      </p:pic>
     </p:spTree>
     <p:extLst>
       <p:ext uri="{BB962C8B-B14F-4D97-AF65-F5344CB8AC3E}">
@@ -5577,88 +5625,6 @@
       </p:grpSpPr>
       <p:sp>
         <p:nvSpPr>
-          <p:cNvPr id="2" name="Content Placeholder 1"/>
-          <p:cNvSpPr>
-            <a:spLocks noGrp="1"/>
-          </p:cNvSpPr>
-          <p:nvPr>
-            <p:ph idx="1"/>
-          </p:nvPr>
-        </p:nvSpPr>
-        <p:spPr/>
-        <p:txBody>
-          <a:bodyPr/>
-          <a:lstStyle/>
-          <a:p>
-            <a:r>
-              <a:rPr lang="en-US" sz="3200" dirty="0" smtClean="0"/>
-              <a:t>Build tools</a:t>
-            </a:r>
-          </a:p>
-          <a:p>
-            <a:pPr lvl="1"/>
-            <a:r>
-              <a:rPr lang="en-US" sz="2800" dirty="0" smtClean="0">
-                <a:solidFill>
-                  <a:srgbClr val="6D706D"/>
-                </a:solidFill>
-              </a:rPr>
-              <a:t>Maven 3.2.5</a:t>
-            </a:r>
-            <a:endParaRPr lang="en-US" sz="3200" dirty="0" smtClean="0"/>
-          </a:p>
-          <a:p>
-            <a:r>
-              <a:rPr lang="en-US" sz="3200" dirty="0" smtClean="0"/>
-              <a:t>CI tools</a:t>
-            </a:r>
-            <a:endParaRPr lang="en-US" sz="3200" dirty="0"/>
-          </a:p>
-          <a:p>
-            <a:pPr lvl="1"/>
-            <a:r>
-              <a:rPr lang="en-US" sz="2800" dirty="0" smtClean="0"/>
-              <a:t>Jenkins </a:t>
-            </a:r>
-            <a:r>
-              <a:rPr lang="en-US" sz="2800" dirty="0"/>
-              <a:t>CI </a:t>
-            </a:r>
-            <a:r>
-              <a:rPr lang="en-US" sz="2800" dirty="0" smtClean="0"/>
-              <a:t>for App</a:t>
-            </a:r>
-            <a:endParaRPr lang="en-US" sz="2800" dirty="0"/>
-          </a:p>
-          <a:p>
-            <a:pPr lvl="1"/>
-            <a:r>
-              <a:rPr lang="en-US" sz="2800" dirty="0" smtClean="0"/>
-              <a:t>Sonar and  Cucumber plugins.</a:t>
-            </a:r>
-            <a:endParaRPr lang="en-US" sz="2800" dirty="0"/>
-          </a:p>
-          <a:p>
-            <a:pPr marL="0" indent="0">
-              <a:buNone/>
-            </a:pPr>
-            <a:r>
-              <a:rPr lang="en-US" sz="3200" dirty="0" smtClean="0"/>
-              <a:t>.</a:t>
-            </a:r>
-            <a:endParaRPr lang="en-US" sz="3200" dirty="0"/>
-          </a:p>
-          <a:p>
-            <a:pPr lvl="0"/>
-            <a:endParaRPr lang="en-US" sz="3200" dirty="0" smtClean="0"/>
-          </a:p>
-          <a:p>
-            <a:endParaRPr lang="en-US" sz="3200" dirty="0"/>
-          </a:p>
-        </p:txBody>
-      </p:sp>
-      <p:sp>
-        <p:nvSpPr>
           <p:cNvPr id="3" name="Title 2"/>
           <p:cNvSpPr>
             <a:spLocks noGrp="1"/>
@@ -5673,10 +5639,10 @@
           <a:lstStyle/>
           <a:p>
             <a:r>
-              <a:rPr lang="en-US" sz="6000" dirty="0" smtClean="0"/>
-              <a:t>Build &amp; CI Tools &amp; Techniques</a:t>
-            </a:r>
-            <a:endParaRPr lang="en-US" sz="6000" dirty="0"/>
+              <a:rPr lang="en-US" dirty="0" smtClean="0"/>
+              <a:t>Sonar Report</a:t>
+            </a:r>
+            <a:endParaRPr lang="en-US" dirty="0"/>
           </a:p>
         </p:txBody>
       </p:sp>
@@ -5704,10 +5670,36 @@
           </a:p>
         </p:txBody>
       </p:sp>
+      <p:pic>
+        <p:nvPicPr>
+          <p:cNvPr id="2" name="Content Placeholder 1"/>
+          <p:cNvPicPr>
+            <a:picLocks noGrp="1" noChangeAspect="1"/>
+          </p:cNvPicPr>
+          <p:nvPr>
+            <p:ph idx="1"/>
+          </p:nvPr>
+        </p:nvPicPr>
+        <p:blipFill>
+          <a:blip r:embed="rId2"/>
+          <a:stretch>
+            <a:fillRect/>
+          </a:stretch>
+        </p:blipFill>
+        <p:spPr>
+          <a:xfrm>
+            <a:off x="1270000" y="2590799"/>
+            <a:ext cx="10464800" cy="6916739"/>
+          </a:xfrm>
+          <a:prstGeom prst="rect">
+            <a:avLst/>
+          </a:prstGeom>
+        </p:spPr>
+      </p:pic>
     </p:spTree>
     <p:extLst>
       <p:ext uri="{BB962C8B-B14F-4D97-AF65-F5344CB8AC3E}">
-        <p14:creationId xmlns:p14="http://schemas.microsoft.com/office/powerpoint/2010/main" val="4044501857"/>
+        <p14:creationId xmlns:p14="http://schemas.microsoft.com/office/powerpoint/2010/main" val="419689426"/>
       </p:ext>
     </p:extLst>
   </p:cSld>
@@ -5746,130 +5738,6 @@
       </p:grpSpPr>
       <p:sp>
         <p:nvSpPr>
-          <p:cNvPr id="2" name="Content Placeholder 1"/>
-          <p:cNvSpPr>
-            <a:spLocks noGrp="1"/>
-          </p:cNvSpPr>
-          <p:nvPr>
-            <p:ph idx="1"/>
-          </p:nvPr>
-        </p:nvSpPr>
-        <p:spPr>
-          <a:xfrm>
-            <a:off x="1270000" y="2438400"/>
-            <a:ext cx="10464800" cy="6959600"/>
-          </a:xfrm>
-        </p:spPr>
-        <p:txBody>
-          <a:bodyPr/>
-          <a:lstStyle/>
-          <a:p>
-            <a:pPr lvl="0">
-              <a:spcAft>
-                <a:spcPts val="600"/>
-              </a:spcAft>
-            </a:pPr>
-            <a:r>
-              <a:rPr lang="en-US" sz="3200" dirty="0"/>
-              <a:t>QA Highlights</a:t>
-            </a:r>
-          </a:p>
-          <a:p>
-            <a:pPr lvl="1">
-              <a:spcAft>
-                <a:spcPts val="600"/>
-              </a:spcAft>
-            </a:pPr>
-            <a:r>
-              <a:rPr lang="en-US" sz="2800" dirty="0"/>
-              <a:t>QA was part of requirement understanding discussions, application flow creation.</a:t>
-            </a:r>
-          </a:p>
-          <a:p>
-            <a:pPr lvl="1">
-              <a:spcAft>
-                <a:spcPts val="600"/>
-              </a:spcAft>
-            </a:pPr>
-            <a:r>
-              <a:rPr lang="en-US" sz="2800" dirty="0"/>
-              <a:t>Setting up of testing process within the </a:t>
-            </a:r>
-            <a:r>
-              <a:rPr lang="en-US" sz="2800" dirty="0" smtClean="0"/>
-              <a:t>sprint</a:t>
-            </a:r>
-          </a:p>
-          <a:p>
-            <a:pPr lvl="1">
-              <a:spcAft>
-                <a:spcPts val="600"/>
-              </a:spcAft>
-            </a:pPr>
-            <a:r>
-              <a:rPr lang="en-US" sz="2800" dirty="0" smtClean="0"/>
-              <a:t>Feature File and Test Scenario in BBD Format</a:t>
-            </a:r>
-            <a:endParaRPr lang="en-US" sz="2800" dirty="0"/>
-          </a:p>
-          <a:p>
-            <a:pPr>
-              <a:spcAft>
-                <a:spcPts val="600"/>
-              </a:spcAft>
-            </a:pPr>
-            <a:r>
-              <a:rPr lang="en-US" sz="3200" dirty="0" smtClean="0"/>
-              <a:t>Test </a:t>
-            </a:r>
-            <a:r>
-              <a:rPr lang="en-US" sz="3200" dirty="0"/>
-              <a:t>Plan </a:t>
-            </a:r>
-          </a:p>
-          <a:p>
-            <a:pPr lvl="1">
-              <a:spcAft>
-                <a:spcPts val="600"/>
-              </a:spcAft>
-            </a:pPr>
-            <a:r>
-              <a:rPr lang="en-US" sz="2800" dirty="0"/>
-              <a:t>Covering </a:t>
-            </a:r>
-            <a:r>
-              <a:rPr lang="en-US" sz="2800" dirty="0" smtClean="0"/>
-              <a:t>major </a:t>
-            </a:r>
-            <a:r>
-              <a:rPr lang="en-US" sz="2800" dirty="0"/>
-              <a:t>type of testing</a:t>
-            </a:r>
-          </a:p>
-          <a:p>
-            <a:pPr lvl="1">
-              <a:spcAft>
-                <a:spcPts val="600"/>
-              </a:spcAft>
-            </a:pPr>
-            <a:r>
-              <a:rPr lang="en-US" sz="2800" dirty="0"/>
-              <a:t>Strategy for every testing type</a:t>
-            </a:r>
-          </a:p>
-          <a:p>
-            <a:pPr marL="0" indent="0">
-              <a:spcAft>
-                <a:spcPts val="600"/>
-              </a:spcAft>
-              <a:buNone/>
-            </a:pPr>
-            <a:endParaRPr lang="en-US" sz="3600" dirty="0"/>
-          </a:p>
-        </p:txBody>
-      </p:sp>
-      <p:sp>
-        <p:nvSpPr>
           <p:cNvPr id="3" name="Title 2"/>
           <p:cNvSpPr>
             <a:spLocks noGrp="1"/>
@@ -5885,12 +5753,9 @@
           <a:p>
             <a:r>
               <a:rPr lang="en-US" dirty="0" smtClean="0"/>
-              <a:t>QA </a:t>
-            </a:r>
-            <a:r>
-              <a:rPr lang="en-US" dirty="0"/>
-              <a:t>Highlights</a:t>
-            </a:r>
+              <a:t>BDD Report</a:t>
+            </a:r>
+            <a:endParaRPr lang="en-US" dirty="0"/>
           </a:p>
         </p:txBody>
       </p:sp>
@@ -5918,10 +5783,36 @@
           </a:p>
         </p:txBody>
       </p:sp>
+      <p:pic>
+        <p:nvPicPr>
+          <p:cNvPr id="5" name="Content Placeholder 4"/>
+          <p:cNvPicPr>
+            <a:picLocks noGrp="1" noChangeAspect="1"/>
+          </p:cNvPicPr>
+          <p:nvPr>
+            <p:ph idx="1"/>
+          </p:nvPr>
+        </p:nvPicPr>
+        <p:blipFill>
+          <a:blip r:embed="rId2"/>
+          <a:stretch>
+            <a:fillRect/>
+          </a:stretch>
+        </p:blipFill>
+        <p:spPr>
+          <a:xfrm>
+            <a:off x="1270000" y="2751220"/>
+            <a:ext cx="10464800" cy="6537160"/>
+          </a:xfrm>
+          <a:prstGeom prst="rect">
+            <a:avLst/>
+          </a:prstGeom>
+        </p:spPr>
+      </p:pic>
     </p:spTree>
     <p:extLst>
       <p:ext uri="{BB962C8B-B14F-4D97-AF65-F5344CB8AC3E}">
-        <p14:creationId xmlns:p14="http://schemas.microsoft.com/office/powerpoint/2010/main" val="794543978"/>
+        <p14:creationId xmlns:p14="http://schemas.microsoft.com/office/powerpoint/2010/main" val="2728253378"/>
       </p:ext>
     </p:extLst>
   </p:cSld>
@@ -5968,160 +5859,75 @@
             <p:ph idx="1"/>
           </p:nvPr>
         </p:nvSpPr>
-        <p:spPr>
-          <a:xfrm>
-            <a:off x="1270000" y="2438400"/>
-            <a:ext cx="10464800" cy="6959600"/>
-          </a:xfrm>
-        </p:spPr>
+        <p:spPr/>
         <p:txBody>
           <a:bodyPr/>
           <a:lstStyle/>
           <a:p>
-            <a:pPr lvl="0">
-              <a:spcAft>
-                <a:spcPts val="600"/>
-              </a:spcAft>
-            </a:pPr>
             <a:r>
               <a:rPr lang="en-US" sz="3200" dirty="0" smtClean="0"/>
-              <a:t>Test Plan</a:t>
-            </a:r>
-          </a:p>
-          <a:p>
-            <a:pPr lvl="1">
-              <a:spcAft>
-                <a:spcPts val="600"/>
-              </a:spcAft>
-            </a:pPr>
-            <a:r>
-              <a:rPr lang="en-US" sz="2800" dirty="0">
-                <a:latin typeface="Times New Roman" pitchFamily="18" charset="0"/>
-                <a:cs typeface="Times New Roman" pitchFamily="18" charset="0"/>
+              <a:t>Build tools</a:t>
+            </a:r>
+          </a:p>
+          <a:p>
+            <a:pPr lvl="1"/>
+            <a:r>
+              <a:rPr lang="en-US" sz="2800" dirty="0" smtClean="0">
+                <a:solidFill>
+                  <a:srgbClr val="6D706D"/>
+                </a:solidFill>
               </a:rPr>
-              <a:t>Covering major type of </a:t>
-            </a:r>
-            <a:r>
-              <a:rPr lang="en-US" sz="2800" dirty="0" smtClean="0">
-                <a:latin typeface="Times New Roman" pitchFamily="18" charset="0"/>
-                <a:cs typeface="Times New Roman" pitchFamily="18" charset="0"/>
-              </a:rPr>
-              <a:t>testing</a:t>
-            </a:r>
+              <a:t>Maven 3.2.5</a:t>
+            </a:r>
+            <a:endParaRPr lang="en-US" sz="3200" dirty="0" smtClean="0"/>
+          </a:p>
+          <a:p>
+            <a:r>
+              <a:rPr lang="en-US" sz="3200" dirty="0" smtClean="0"/>
+              <a:t>CI tools</a:t>
+            </a:r>
+            <a:endParaRPr lang="en-US" sz="3200" dirty="0"/>
+          </a:p>
+          <a:p>
+            <a:pPr lvl="1"/>
             <a:r>
               <a:rPr lang="en-US" sz="2800" dirty="0" smtClean="0"/>
-              <a:t>.</a:t>
-            </a:r>
-          </a:p>
-          <a:p>
-            <a:pPr lvl="1">
-              <a:spcAft>
-                <a:spcPts val="600"/>
-              </a:spcAft>
-            </a:pPr>
+              <a:t>Jenkins </a:t>
+            </a:r>
+            <a:r>
+              <a:rPr lang="en-US" sz="2800" dirty="0"/>
+              <a:t>CI </a:t>
+            </a:r>
             <a:r>
               <a:rPr lang="en-US" sz="2800" dirty="0" smtClean="0"/>
-              <a:t>Strategy for every testing plan </a:t>
-            </a:r>
-          </a:p>
-          <a:p>
-            <a:pPr lvl="1">
-              <a:spcAft>
-                <a:spcPts val="600"/>
-              </a:spcAft>
-            </a:pPr>
-            <a:r>
-              <a:rPr lang="en-US" sz="2800" dirty="0">
-                <a:latin typeface="Times New Roman" pitchFamily="18" charset="0"/>
-                <a:cs typeface="Times New Roman" pitchFamily="18" charset="0"/>
-              </a:rPr>
-              <a:t>Defined Entry/Exit </a:t>
-            </a:r>
-            <a:r>
-              <a:rPr lang="en-US" sz="2800" dirty="0" smtClean="0">
-                <a:latin typeface="Times New Roman" pitchFamily="18" charset="0"/>
-                <a:cs typeface="Times New Roman" pitchFamily="18" charset="0"/>
-              </a:rPr>
-              <a:t>Criteria</a:t>
-            </a:r>
-          </a:p>
-          <a:p>
-            <a:pPr lvl="1">
-              <a:spcAft>
-                <a:spcPts val="600"/>
-              </a:spcAft>
-            </a:pPr>
-            <a:r>
-              <a:rPr lang="en-US" sz="2800" dirty="0">
-                <a:latin typeface="Times New Roman" pitchFamily="18" charset="0"/>
-                <a:cs typeface="Times New Roman" pitchFamily="18" charset="0"/>
-              </a:rPr>
-              <a:t>QA Policy and Test schedule </a:t>
-            </a:r>
-            <a:endParaRPr lang="en-US" sz="2800" dirty="0" smtClean="0"/>
-          </a:p>
-          <a:p>
-            <a:pPr>
-              <a:spcAft>
-                <a:spcPts val="600"/>
-              </a:spcAft>
-            </a:pPr>
-            <a:r>
-              <a:rPr lang="en-US" sz="3200" dirty="0" smtClean="0"/>
-              <a:t>BDD Test Scenario/Test Cases </a:t>
-            </a:r>
-          </a:p>
-          <a:p>
-            <a:pPr lvl="1">
-              <a:spcAft>
-                <a:spcPts val="600"/>
-              </a:spcAft>
-            </a:pPr>
-            <a:r>
-              <a:rPr lang="en-US" sz="2800" dirty="0">
-                <a:latin typeface="Times New Roman" panose="02020603050405020304" pitchFamily="18" charset="0"/>
-                <a:cs typeface="Times New Roman" panose="02020603050405020304" pitchFamily="18" charset="0"/>
-              </a:rPr>
-              <a:t>Containing </a:t>
-            </a:r>
-            <a:r>
-              <a:rPr lang="en-US" sz="2800" dirty="0" smtClean="0">
-                <a:latin typeface="Times New Roman" panose="02020603050405020304" pitchFamily="18" charset="0"/>
-                <a:cs typeface="Times New Roman" panose="02020603050405020304" pitchFamily="18" charset="0"/>
-              </a:rPr>
-              <a:t>BDD Test Scenario/Test </a:t>
-            </a:r>
-            <a:r>
-              <a:rPr lang="en-US" sz="2800" dirty="0">
-                <a:latin typeface="Times New Roman" panose="02020603050405020304" pitchFamily="18" charset="0"/>
-                <a:cs typeface="Times New Roman" panose="02020603050405020304" pitchFamily="18" charset="0"/>
-              </a:rPr>
-              <a:t>cases for the functionalities </a:t>
-            </a:r>
-            <a:r>
-              <a:rPr lang="en-US" sz="2800" dirty="0" smtClean="0">
-                <a:latin typeface="Times New Roman" panose="02020603050405020304" pitchFamily="18" charset="0"/>
-                <a:cs typeface="Times New Roman" panose="02020603050405020304" pitchFamily="18" charset="0"/>
-              </a:rPr>
-              <a:t>implemented</a:t>
-            </a:r>
-          </a:p>
-          <a:p>
-            <a:pPr lvl="1">
-              <a:spcAft>
-                <a:spcPts val="600"/>
-              </a:spcAft>
-            </a:pPr>
-            <a:endParaRPr lang="en-US" sz="2800" dirty="0" smtClean="0"/>
+              <a:t>for App</a:t>
+            </a:r>
+            <a:endParaRPr lang="en-US" sz="2800" dirty="0"/>
+          </a:p>
+          <a:p>
+            <a:pPr lvl="1"/>
+            <a:r>
+              <a:rPr lang="en-US" sz="2800" dirty="0" smtClean="0"/>
+              <a:t>Sonar and  Cucumber plugins.</a:t>
+            </a:r>
+            <a:endParaRPr lang="en-US" sz="2800" dirty="0"/>
           </a:p>
           <a:p>
             <a:pPr marL="0" indent="0">
-              <a:spcAft>
-                <a:spcPts val="600"/>
-              </a:spcAft>
               <a:buNone/>
             </a:pPr>
-            <a:endParaRPr lang="en-US" sz="3600" dirty="0"/>
+            <a:r>
+              <a:rPr lang="en-US" sz="3200" dirty="0" smtClean="0"/>
+              <a:t>.</a:t>
+            </a:r>
+            <a:endParaRPr lang="en-US" sz="3200" dirty="0"/>
+          </a:p>
+          <a:p>
+            <a:pPr lvl="0"/>
+            <a:endParaRPr lang="en-US" sz="3200" dirty="0" smtClean="0"/>
+          </a:p>
+          <a:p>
+            <a:endParaRPr lang="en-US" sz="3200" dirty="0"/>
           </a:p>
         </p:txBody>
       </p:sp>
@@ -6135,24 +5941,16 @@
             <p:ph type="title"/>
           </p:nvPr>
         </p:nvSpPr>
-        <p:spPr>
-          <a:xfrm>
-            <a:off x="1270000" y="76200"/>
-            <a:ext cx="10464800" cy="2032000"/>
-          </a:xfrm>
-        </p:spPr>
+        <p:spPr/>
         <p:txBody>
           <a:bodyPr/>
           <a:lstStyle/>
           <a:p>
             <a:r>
-              <a:rPr lang="en-US" dirty="0" smtClean="0"/>
-              <a:t>QA </a:t>
-            </a:r>
-            <a:r>
-              <a:rPr lang="en-US" dirty="0"/>
-              <a:t>Highlights</a:t>
-            </a:r>
+              <a:rPr lang="en-US" sz="6000" dirty="0" smtClean="0"/>
+              <a:t>Build &amp; CI Tools &amp; Techniques</a:t>
+            </a:r>
+            <a:endParaRPr lang="en-US" sz="6000" dirty="0"/>
           </a:p>
         </p:txBody>
       </p:sp>
@@ -6183,7 +5981,7 @@
     </p:spTree>
     <p:extLst>
       <p:ext uri="{BB962C8B-B14F-4D97-AF65-F5344CB8AC3E}">
-        <p14:creationId xmlns:p14="http://schemas.microsoft.com/office/powerpoint/2010/main" val="2791584546"/>
+        <p14:creationId xmlns:p14="http://schemas.microsoft.com/office/powerpoint/2010/main" val="4044501857"/>
       </p:ext>
     </p:extLst>
   </p:cSld>
@@ -6863,129 +6661,117 @@
             <p:ph idx="1"/>
           </p:nvPr>
         </p:nvSpPr>
-        <p:spPr/>
+        <p:spPr>
+          <a:xfrm>
+            <a:off x="1270000" y="2438400"/>
+            <a:ext cx="10464800" cy="6959600"/>
+          </a:xfrm>
+        </p:spPr>
         <p:txBody>
           <a:bodyPr/>
           <a:lstStyle/>
           <a:p>
+            <a:pPr lvl="0">
+              <a:spcAft>
+                <a:spcPts val="600"/>
+              </a:spcAft>
+            </a:pPr>
             <a:r>
               <a:rPr lang="en-US" sz="3200" dirty="0"/>
-              <a:t>Total </a:t>
-            </a:r>
+              <a:t>QA Highlights</a:t>
+            </a:r>
+          </a:p>
+          <a:p>
+            <a:pPr lvl="1">
+              <a:spcAft>
+                <a:spcPts val="600"/>
+              </a:spcAft>
+            </a:pPr>
+            <a:r>
+              <a:rPr lang="en-US" sz="2800" dirty="0"/>
+              <a:t>QA was part of requirement understanding discussions, application flow creation.</a:t>
+            </a:r>
+          </a:p>
+          <a:p>
+            <a:pPr lvl="1">
+              <a:spcAft>
+                <a:spcPts val="600"/>
+              </a:spcAft>
+            </a:pPr>
+            <a:r>
+              <a:rPr lang="en-US" sz="2800" dirty="0"/>
+              <a:t>Setting up of testing process within the </a:t>
+            </a:r>
+            <a:r>
+              <a:rPr lang="en-US" sz="2800" dirty="0" smtClean="0"/>
+              <a:t>sprint</a:t>
+            </a:r>
+          </a:p>
+          <a:p>
+            <a:pPr lvl="1">
+              <a:spcAft>
+                <a:spcPts val="600"/>
+              </a:spcAft>
+            </a:pPr>
+            <a:r>
+              <a:rPr lang="en-US" sz="2800" dirty="0" smtClean="0"/>
+              <a:t>Feature File and Test Scenario in BBD Format</a:t>
+            </a:r>
+            <a:endParaRPr lang="en-US" sz="2800" dirty="0"/>
+          </a:p>
+          <a:p>
+            <a:pPr>
+              <a:spcAft>
+                <a:spcPts val="600"/>
+              </a:spcAft>
+            </a:pPr>
             <a:r>
               <a:rPr lang="en-US" sz="3200" dirty="0" smtClean="0"/>
-              <a:t>BDD Features File : </a:t>
+              <a:t>Test </a:t>
             </a:r>
             <a:r>
               <a:rPr lang="en-US" sz="3200" dirty="0"/>
-              <a:t>5</a:t>
-            </a:r>
-            <a:endParaRPr lang="en-US" sz="3200" dirty="0" smtClean="0"/>
-          </a:p>
-          <a:p>
-            <a:r>
-              <a:rPr lang="en-US" sz="3200" dirty="0" smtClean="0"/>
-              <a:t>Total Number of Scenarios in each feature files</a:t>
-            </a:r>
-          </a:p>
-          <a:p>
-            <a:pPr lvl="1"/>
-            <a:r>
-              <a:rPr lang="en-US" sz="3200" dirty="0" err="1"/>
-              <a:t>ServiceAggregator_Registration.feature</a:t>
-            </a:r>
-            <a:r>
-              <a:rPr lang="en-US" sz="3200" dirty="0"/>
-              <a:t> </a:t>
-            </a:r>
-            <a:r>
-              <a:rPr lang="en-US" sz="3200" dirty="0" smtClean="0"/>
-              <a:t>:7</a:t>
-            </a:r>
-            <a:endParaRPr lang="en-US" sz="3200" dirty="0"/>
-          </a:p>
-          <a:p>
-            <a:pPr lvl="1"/>
-            <a:r>
-              <a:rPr lang="en-US" sz="3200" dirty="0" smtClean="0"/>
-              <a:t>Service_Platform_Admin_Portal.feature:7</a:t>
-            </a:r>
-          </a:p>
-          <a:p>
-            <a:pPr lvl="1"/>
-            <a:r>
-              <a:rPr lang="en-US" sz="3200" dirty="0" err="1"/>
-              <a:t>Service_Platform_Dashboard.feature</a:t>
-            </a:r>
-            <a:r>
-              <a:rPr lang="en-US" sz="3200" dirty="0"/>
-              <a:t> </a:t>
-            </a:r>
-            <a:r>
-              <a:rPr lang="en-US" sz="3200" dirty="0" smtClean="0"/>
-              <a:t>:2</a:t>
-            </a:r>
-          </a:p>
-          <a:p>
-            <a:pPr lvl="1"/>
-            <a:r>
-              <a:rPr lang="en-US" sz="3200" dirty="0" err="1" smtClean="0"/>
-              <a:t>Service_Platform_Login.feature</a:t>
-            </a:r>
-            <a:r>
-              <a:rPr lang="en-US" sz="3200" dirty="0" smtClean="0"/>
-              <a:t>: 6</a:t>
-            </a:r>
-          </a:p>
-          <a:p>
-            <a:pPr lvl="1"/>
-            <a:r>
-              <a:rPr lang="en-US" sz="3200" dirty="0" smtClean="0"/>
-              <a:t>Service_Platform_Zipped_Download.feature:4</a:t>
-            </a:r>
-          </a:p>
-          <a:p>
-            <a:r>
-              <a:rPr lang="en-US" sz="3200" dirty="0"/>
-              <a:t>Automation</a:t>
-            </a:r>
-          </a:p>
-          <a:p>
-            <a:pPr lvl="1"/>
-            <a:r>
-              <a:rPr lang="en-US" altLang="ja-JP" sz="3200" dirty="0">
-                <a:latin typeface="Times New Roman" pitchFamily="18" charset="0"/>
-                <a:ea typeface="ヒラギノ角ゴ ProN W3" charset="0"/>
-                <a:cs typeface="Times New Roman" pitchFamily="18" charset="0"/>
-              </a:rPr>
-              <a:t>Automation framework Document</a:t>
-            </a:r>
-          </a:p>
-          <a:p>
-            <a:pPr marL="571500" lvl="1" indent="0">
+              <a:t>Plan </a:t>
+            </a:r>
+          </a:p>
+          <a:p>
+            <a:pPr lvl="1">
+              <a:spcAft>
+                <a:spcPts val="600"/>
+              </a:spcAft>
+            </a:pPr>
+            <a:r>
+              <a:rPr lang="en-US" sz="2800" dirty="0"/>
+              <a:t>Covering </a:t>
+            </a:r>
+            <a:r>
+              <a:rPr lang="en-US" sz="2800" dirty="0" smtClean="0"/>
+              <a:t>major </a:t>
+            </a:r>
+            <a:r>
+              <a:rPr lang="en-US" sz="2800" dirty="0"/>
+              <a:t>type of testing</a:t>
+            </a:r>
+          </a:p>
+          <a:p>
+            <a:pPr lvl="1">
+              <a:spcAft>
+                <a:spcPts val="600"/>
+              </a:spcAft>
+            </a:pPr>
+            <a:r>
+              <a:rPr lang="en-US" sz="2800" dirty="0"/>
+              <a:t>Strategy for every testing type</a:t>
+            </a:r>
+          </a:p>
+          <a:p>
+            <a:pPr marL="0" indent="0">
+              <a:spcAft>
+                <a:spcPts val="600"/>
+              </a:spcAft>
               <a:buNone/>
             </a:pPr>
-            <a:endParaRPr lang="en-US" sz="3200" dirty="0" smtClean="0"/>
-          </a:p>
-          <a:p>
-            <a:pPr marL="571500" lvl="1" indent="0">
-              <a:buNone/>
-            </a:pPr>
-            <a:endParaRPr lang="en-US" sz="3200" dirty="0" smtClean="0"/>
-          </a:p>
-          <a:p>
-            <a:pPr lvl="1"/>
-            <a:endParaRPr lang="en-US" sz="3200" dirty="0"/>
-          </a:p>
-          <a:p>
-            <a:pPr lvl="1"/>
-            <a:endParaRPr lang="en-US" sz="3200" dirty="0" smtClean="0"/>
-          </a:p>
-          <a:p>
-            <a:pPr marL="0" indent="0">
-              <a:buNone/>
-            </a:pPr>
-            <a:endParaRPr lang="en-US" sz="3200" dirty="0"/>
+            <a:endParaRPr lang="en-US" sz="3600" dirty="0"/>
           </a:p>
         </p:txBody>
       </p:sp>
@@ -7006,9 +6792,12 @@
           <a:p>
             <a:r>
               <a:rPr lang="en-US" dirty="0" smtClean="0"/>
-              <a:t>QA Highlights</a:t>
-            </a:r>
-            <a:endParaRPr lang="en-US" dirty="0"/>
+              <a:t>QA </a:t>
+            </a:r>
+            <a:r>
+              <a:rPr lang="en-US" dirty="0"/>
+              <a:t>Highlights</a:t>
+            </a:r>
           </a:p>
         </p:txBody>
       </p:sp>
@@ -7039,7 +6828,7 @@
     </p:spTree>
     <p:extLst>
       <p:ext uri="{BB962C8B-B14F-4D97-AF65-F5344CB8AC3E}">
-        <p14:creationId xmlns:p14="http://schemas.microsoft.com/office/powerpoint/2010/main" val="4255829178"/>
+        <p14:creationId xmlns:p14="http://schemas.microsoft.com/office/powerpoint/2010/main" val="794543978"/>
       </p:ext>
     </p:extLst>
   </p:cSld>
@@ -7086,58 +6875,160 @@
             <p:ph idx="1"/>
           </p:nvPr>
         </p:nvSpPr>
-        <p:spPr/>
+        <p:spPr>
+          <a:xfrm>
+            <a:off x="1270000" y="2438400"/>
+            <a:ext cx="10464800" cy="6959600"/>
+          </a:xfrm>
+        </p:spPr>
         <p:txBody>
           <a:bodyPr/>
           <a:lstStyle/>
           <a:p>
+            <a:pPr lvl="0">
+              <a:spcAft>
+                <a:spcPts val="600"/>
+              </a:spcAft>
+            </a:pPr>
             <a:r>
               <a:rPr lang="en-US" sz="3200" dirty="0" smtClean="0"/>
-              <a:t>Improvement in right feature files in BDD format.</a:t>
-            </a:r>
-          </a:p>
-          <a:p>
+              <a:t>Test Plan</a:t>
+            </a:r>
+          </a:p>
+          <a:p>
+            <a:pPr lvl="1">
+              <a:spcAft>
+                <a:spcPts val="600"/>
+              </a:spcAft>
+            </a:pPr>
+            <a:r>
+              <a:rPr lang="en-US" sz="2800" dirty="0">
+                <a:latin typeface="Times New Roman" pitchFamily="18" charset="0"/>
+                <a:cs typeface="Times New Roman" pitchFamily="18" charset="0"/>
+              </a:rPr>
+              <a:t>Covering major type of </a:t>
+            </a:r>
+            <a:r>
+              <a:rPr lang="en-US" sz="2800" dirty="0" smtClean="0">
+                <a:latin typeface="Times New Roman" pitchFamily="18" charset="0"/>
+                <a:cs typeface="Times New Roman" pitchFamily="18" charset="0"/>
+              </a:rPr>
+              <a:t>testing</a:t>
+            </a:r>
+            <a:r>
+              <a:rPr lang="en-US" sz="2800" dirty="0" smtClean="0"/>
+              <a:t>.</a:t>
+            </a:r>
+          </a:p>
+          <a:p>
+            <a:pPr lvl="1">
+              <a:spcAft>
+                <a:spcPts val="600"/>
+              </a:spcAft>
+            </a:pPr>
+            <a:r>
+              <a:rPr lang="en-US" sz="2800" dirty="0" smtClean="0"/>
+              <a:t>Strategy for every testing plan </a:t>
+            </a:r>
+          </a:p>
+          <a:p>
+            <a:pPr lvl="1">
+              <a:spcAft>
+                <a:spcPts val="600"/>
+              </a:spcAft>
+            </a:pPr>
+            <a:r>
+              <a:rPr lang="en-US" sz="2800" dirty="0">
+                <a:latin typeface="Times New Roman" pitchFamily="18" charset="0"/>
+                <a:cs typeface="Times New Roman" pitchFamily="18" charset="0"/>
+              </a:rPr>
+              <a:t>Defined Entry/Exit </a:t>
+            </a:r>
+            <a:r>
+              <a:rPr lang="en-US" sz="2800" dirty="0" smtClean="0">
+                <a:latin typeface="Times New Roman" pitchFamily="18" charset="0"/>
+                <a:cs typeface="Times New Roman" pitchFamily="18" charset="0"/>
+              </a:rPr>
+              <a:t>Criteria</a:t>
+            </a:r>
+          </a:p>
+          <a:p>
+            <a:pPr lvl="1">
+              <a:spcAft>
+                <a:spcPts val="600"/>
+              </a:spcAft>
+            </a:pPr>
+            <a:r>
+              <a:rPr lang="en-US" sz="2800" dirty="0">
+                <a:latin typeface="Times New Roman" pitchFamily="18" charset="0"/>
+                <a:cs typeface="Times New Roman" pitchFamily="18" charset="0"/>
+              </a:rPr>
+              <a:t>QA Policy and Test schedule </a:t>
+            </a:r>
+            <a:endParaRPr lang="en-US" sz="2800" dirty="0" smtClean="0"/>
+          </a:p>
+          <a:p>
+            <a:pPr>
+              <a:spcAft>
+                <a:spcPts val="600"/>
+              </a:spcAft>
+            </a:pPr>
             <a:r>
               <a:rPr lang="en-US" sz="3200" dirty="0" smtClean="0"/>
-              <a:t>Customized Cucumber Report.</a:t>
-            </a:r>
-            <a:endParaRPr lang="en-US" sz="3200" dirty="0"/>
-          </a:p>
-          <a:p>
-            <a:pPr marL="571500" lvl="1" indent="0">
+              <a:t>BDD Test Scenario/Test Cases </a:t>
+            </a:r>
+          </a:p>
+          <a:p>
+            <a:pPr lvl="1">
+              <a:spcAft>
+                <a:spcPts val="600"/>
+              </a:spcAft>
+            </a:pPr>
+            <a:r>
+              <a:rPr lang="en-US" sz="2800" dirty="0">
+                <a:latin typeface="Times New Roman" panose="02020603050405020304" pitchFamily="18" charset="0"/>
+                <a:cs typeface="Times New Roman" panose="02020603050405020304" pitchFamily="18" charset="0"/>
+              </a:rPr>
+              <a:t>Containing </a:t>
+            </a:r>
+            <a:r>
+              <a:rPr lang="en-US" sz="2800" dirty="0" smtClean="0">
+                <a:latin typeface="Times New Roman" panose="02020603050405020304" pitchFamily="18" charset="0"/>
+                <a:cs typeface="Times New Roman" panose="02020603050405020304" pitchFamily="18" charset="0"/>
+              </a:rPr>
+              <a:t>BDD Test Scenario/Test </a:t>
+            </a:r>
+            <a:r>
+              <a:rPr lang="en-US" sz="2800" dirty="0">
+                <a:latin typeface="Times New Roman" panose="02020603050405020304" pitchFamily="18" charset="0"/>
+                <a:cs typeface="Times New Roman" panose="02020603050405020304" pitchFamily="18" charset="0"/>
+              </a:rPr>
+              <a:t>cases for the functionalities </a:t>
+            </a:r>
+            <a:r>
+              <a:rPr lang="en-US" sz="2800" dirty="0" smtClean="0">
+                <a:latin typeface="Times New Roman" panose="02020603050405020304" pitchFamily="18" charset="0"/>
+                <a:cs typeface="Times New Roman" panose="02020603050405020304" pitchFamily="18" charset="0"/>
+              </a:rPr>
+              <a:t>implemented</a:t>
+            </a:r>
+          </a:p>
+          <a:p>
+            <a:pPr lvl="1">
+              <a:spcAft>
+                <a:spcPts val="600"/>
+              </a:spcAft>
+            </a:pPr>
+            <a:endParaRPr lang="en-US" sz="2800" dirty="0" smtClean="0"/>
+          </a:p>
+          <a:p>
+            <a:pPr marL="0" indent="0">
+              <a:spcAft>
+                <a:spcPts val="600"/>
+              </a:spcAft>
               <a:buNone/>
             </a:pPr>
-            <a:endParaRPr lang="en-US" altLang="ja-JP" sz="3200" dirty="0">
-              <a:latin typeface="Times New Roman" pitchFamily="18" charset="0"/>
-              <a:ea typeface="ヒラギノ角ゴ ProN W3" charset="0"/>
-              <a:cs typeface="Times New Roman" pitchFamily="18" charset="0"/>
-            </a:endParaRPr>
-          </a:p>
-          <a:p>
-            <a:pPr marL="571500" lvl="1" indent="0">
-              <a:buNone/>
-            </a:pPr>
-            <a:endParaRPr lang="en-US" sz="3200" dirty="0" smtClean="0"/>
-          </a:p>
-          <a:p>
-            <a:pPr marL="571500" lvl="1" indent="0">
-              <a:buNone/>
-            </a:pPr>
-            <a:endParaRPr lang="en-US" sz="3200" dirty="0" smtClean="0"/>
-          </a:p>
-          <a:p>
-            <a:pPr lvl="1"/>
-            <a:endParaRPr lang="en-US" sz="3200" dirty="0"/>
-          </a:p>
-          <a:p>
-            <a:pPr lvl="1"/>
-            <a:endParaRPr lang="en-US" sz="3200" dirty="0" smtClean="0"/>
-          </a:p>
-          <a:p>
-            <a:pPr marL="0" indent="0">
-              <a:buNone/>
-            </a:pPr>
-            <a:endParaRPr lang="en-US" sz="3200" dirty="0"/>
+            <a:endParaRPr lang="en-US" sz="3600" dirty="0"/>
           </a:p>
         </p:txBody>
       </p:sp>
@@ -7151,16 +7042,24 @@
             <p:ph type="title"/>
           </p:nvPr>
         </p:nvSpPr>
-        <p:spPr/>
+        <p:spPr>
+          <a:xfrm>
+            <a:off x="1270000" y="76200"/>
+            <a:ext cx="10464800" cy="2032000"/>
+          </a:xfrm>
+        </p:spPr>
         <p:txBody>
           <a:bodyPr/>
           <a:lstStyle/>
           <a:p>
             <a:r>
               <a:rPr lang="en-US" dirty="0" smtClean="0"/>
-              <a:t>Area of Improvement</a:t>
-            </a:r>
-            <a:endParaRPr lang="en-US" dirty="0"/>
+              <a:t>QA </a:t>
+            </a:r>
+            <a:r>
+              <a:rPr lang="en-US" dirty="0"/>
+              <a:t>Highlights</a:t>
+            </a:r>
           </a:p>
         </p:txBody>
       </p:sp>
@@ -7191,7 +7090,7 @@
     </p:spTree>
     <p:extLst>
       <p:ext uri="{BB962C8B-B14F-4D97-AF65-F5344CB8AC3E}">
-        <p14:creationId xmlns:p14="http://schemas.microsoft.com/office/powerpoint/2010/main" val="273424273"/>
+        <p14:creationId xmlns:p14="http://schemas.microsoft.com/office/powerpoint/2010/main" val="2791584546"/>
       </p:ext>
     </p:extLst>
   </p:cSld>
@@ -7245,50 +7144,122 @@
           <a:p>
             <a:r>
               <a:rPr lang="en-US" sz="3200" dirty="0"/>
-              <a:t>Total Sprints = </a:t>
+              <a:t>Total </a:t>
             </a:r>
             <a:r>
               <a:rPr lang="en-US" sz="3200" dirty="0" smtClean="0"/>
+              <a:t>BDD Features File : </a:t>
+            </a:r>
+            <a:r>
+              <a:rPr lang="en-US" sz="3200" dirty="0"/>
               <a:t>5</a:t>
             </a:r>
+            <a:endParaRPr lang="en-US" sz="3200" dirty="0" smtClean="0"/>
+          </a:p>
+          <a:p>
+            <a:r>
+              <a:rPr lang="en-US" sz="3200" dirty="0" smtClean="0"/>
+              <a:t>Total Number of Scenarios in each feature files</a:t>
+            </a:r>
+          </a:p>
+          <a:p>
+            <a:pPr lvl="1"/>
+            <a:r>
+              <a:rPr lang="en-US" sz="3200" dirty="0" err="1"/>
+              <a:t>ServiceAggregator_Registration.feature</a:t>
+            </a:r>
+            <a:r>
+              <a:rPr lang="en-US" sz="3200" dirty="0"/>
+              <a:t> </a:t>
+            </a:r>
+            <a:r>
+              <a:rPr lang="en-US" sz="3200" dirty="0" smtClean="0"/>
+              <a:t>:7</a:t>
+            </a:r>
             <a:endParaRPr lang="en-US" sz="3200" dirty="0"/>
           </a:p>
           <a:p>
+            <a:pPr lvl="1"/>
             <a:r>
               <a:rPr lang="en-US" sz="3200" dirty="0" smtClean="0"/>
-              <a:t>User </a:t>
+              <a:t>Service_Platform_Admin_Portal.feature:7</a:t>
+            </a:r>
+          </a:p>
+          <a:p>
+            <a:pPr lvl="1"/>
+            <a:r>
+              <a:rPr lang="en-US" sz="3200" dirty="0" err="1"/>
+              <a:t>Service_Platform_Dashboard.feature</a:t>
             </a:r>
             <a:r>
               <a:rPr lang="en-US" sz="3200" dirty="0"/>
-              <a:t>S</a:t>
+              <a:t> </a:t>
             </a:r>
             <a:r>
               <a:rPr lang="en-US" sz="3200" dirty="0" smtClean="0"/>
-              <a:t>tories </a:t>
-            </a:r>
+              <a:t>:2</a:t>
+            </a:r>
+          </a:p>
+          <a:p>
+            <a:pPr lvl="1"/>
+            <a:r>
+              <a:rPr lang="en-US" sz="3200" dirty="0" err="1" smtClean="0"/>
+              <a:t>Service_Platform_Login.feature</a:t>
+            </a:r>
+            <a:r>
+              <a:rPr lang="en-US" sz="3200" dirty="0" smtClean="0"/>
+              <a:t>: 6</a:t>
+            </a:r>
+          </a:p>
+          <a:p>
+            <a:pPr lvl="1"/>
+            <a:r>
+              <a:rPr lang="en-US" sz="3200" dirty="0" smtClean="0"/>
+              <a:t>Service_Platform_Zipped_Download.feature:4</a:t>
+            </a:r>
+          </a:p>
+          <a:p>
             <a:r>
               <a:rPr lang="en-US" sz="3200" dirty="0"/>
-              <a:t>= </a:t>
-            </a:r>
-            <a:r>
-              <a:rPr lang="en-US" sz="3200" dirty="0" smtClean="0"/>
-              <a:t>58</a:t>
-            </a:r>
-          </a:p>
-          <a:p>
-            <a:r>
-              <a:rPr lang="en-US" sz="3200" dirty="0" smtClean="0"/>
-              <a:t>Average </a:t>
-            </a:r>
-            <a:r>
-              <a:rPr lang="en-US" sz="3200" dirty="0"/>
-              <a:t>Sprint  Velocity </a:t>
-            </a:r>
-            <a:r>
-              <a:rPr lang="en-US" sz="3200" dirty="0" smtClean="0"/>
-              <a:t>=64</a:t>
-            </a:r>
+              <a:t>Automation</a:t>
+            </a:r>
+          </a:p>
+          <a:p>
+            <a:pPr lvl="1"/>
+            <a:r>
+              <a:rPr lang="en-US" altLang="ja-JP" sz="3200" dirty="0">
+                <a:latin typeface="Times New Roman" pitchFamily="18" charset="0"/>
+                <a:ea typeface="ヒラギノ角ゴ ProN W3" charset="0"/>
+                <a:cs typeface="Times New Roman" pitchFamily="18" charset="0"/>
+              </a:rPr>
+              <a:t>Automation framework Document</a:t>
+            </a:r>
+          </a:p>
+          <a:p>
+            <a:pPr marL="571500" lvl="1" indent="0">
+              <a:buNone/>
+            </a:pPr>
             <a:endParaRPr lang="en-US" sz="3200" dirty="0" smtClean="0"/>
+          </a:p>
+          <a:p>
+            <a:pPr marL="571500" lvl="1" indent="0">
+              <a:buNone/>
+            </a:pPr>
+            <a:endParaRPr lang="en-US" sz="3200" dirty="0" smtClean="0"/>
+          </a:p>
+          <a:p>
+            <a:pPr lvl="1"/>
+            <a:endParaRPr lang="en-US" sz="3200" dirty="0"/>
+          </a:p>
+          <a:p>
+            <a:pPr lvl="1"/>
+            <a:endParaRPr lang="en-US" sz="3200" dirty="0" smtClean="0"/>
+          </a:p>
+          <a:p>
+            <a:pPr marL="0" indent="0">
+              <a:buNone/>
+            </a:pPr>
+            <a:endParaRPr lang="en-US" sz="3200" dirty="0"/>
           </a:p>
         </p:txBody>
       </p:sp>
@@ -7309,7 +7280,7 @@
           <a:p>
             <a:r>
               <a:rPr lang="en-US" dirty="0" smtClean="0"/>
-              <a:t>Project Metrics</a:t>
+              <a:t>QA Highlights</a:t>
             </a:r>
             <a:endParaRPr lang="en-US" dirty="0"/>
           </a:p>
@@ -7342,7 +7313,7 @@
     </p:spTree>
     <p:extLst>
       <p:ext uri="{BB962C8B-B14F-4D97-AF65-F5344CB8AC3E}">
-        <p14:creationId xmlns:p14="http://schemas.microsoft.com/office/powerpoint/2010/main" val="3429132619"/>
+        <p14:creationId xmlns:p14="http://schemas.microsoft.com/office/powerpoint/2010/main" val="4255829178"/>
       </p:ext>
     </p:extLst>
   </p:cSld>
@@ -7394,10 +7365,52 @@
           <a:bodyPr/>
           <a:lstStyle/>
           <a:p>
-            <a:pPr lvl="0"/>
+            <a:r>
+              <a:rPr lang="en-US" sz="3200" dirty="0" smtClean="0"/>
+              <a:t>Improvement in right feature files in BDD format.</a:t>
+            </a:r>
+          </a:p>
+          <a:p>
+            <a:r>
+              <a:rPr lang="en-US" sz="3200" dirty="0" smtClean="0"/>
+              <a:t>Customized Cucumber Report.</a:t>
+            </a:r>
+            <a:endParaRPr lang="en-US" sz="3200" dirty="0"/>
+          </a:p>
+          <a:p>
+            <a:pPr marL="571500" lvl="1" indent="0">
+              <a:buNone/>
+            </a:pPr>
+            <a:endParaRPr lang="en-US" altLang="ja-JP" sz="3200" dirty="0">
+              <a:latin typeface="Times New Roman" pitchFamily="18" charset="0"/>
+              <a:ea typeface="ヒラギノ角ゴ ProN W3" charset="0"/>
+              <a:cs typeface="Times New Roman" pitchFamily="18" charset="0"/>
+            </a:endParaRPr>
+          </a:p>
+          <a:p>
+            <a:pPr marL="571500" lvl="1" indent="0">
+              <a:buNone/>
+            </a:pPr>
             <a:endParaRPr lang="en-US" sz="3200" dirty="0" smtClean="0"/>
           </a:p>
           <a:p>
+            <a:pPr marL="571500" lvl="1" indent="0">
+              <a:buNone/>
+            </a:pPr>
+            <a:endParaRPr lang="en-US" sz="3200" dirty="0" smtClean="0"/>
+          </a:p>
+          <a:p>
+            <a:pPr lvl="1"/>
+            <a:endParaRPr lang="en-US" sz="3200" dirty="0"/>
+          </a:p>
+          <a:p>
+            <a:pPr lvl="1"/>
+            <a:endParaRPr lang="en-US" sz="3200" dirty="0" smtClean="0"/>
+          </a:p>
+          <a:p>
+            <a:pPr marL="0" indent="0">
+              <a:buNone/>
+            </a:pPr>
             <a:endParaRPr lang="en-US" sz="3200" dirty="0"/>
           </a:p>
         </p:txBody>
@@ -7418,8 +7431,8 @@
           <a:lstStyle/>
           <a:p>
             <a:r>
-              <a:rPr lang="en-US" sz="5400" dirty="0" smtClean="0"/>
-              <a:t>Scrum Tool – Agile Scrum Sheet</a:t>
+              <a:rPr lang="en-US" dirty="0" smtClean="0"/>
+              <a:t>Area of Improvement</a:t>
             </a:r>
             <a:endParaRPr lang="en-US" dirty="0"/>
           </a:p>
@@ -7449,67 +7462,10 @@
           </a:p>
         </p:txBody>
       </p:sp>
-      <p:sp>
-        <p:nvSpPr>
-          <p:cNvPr id="6" name="TextBox 5"/>
-          <p:cNvSpPr txBox="1"/>
-          <p:nvPr/>
-        </p:nvSpPr>
-        <p:spPr>
-          <a:xfrm>
-            <a:off x="1315558" y="2743200"/>
-            <a:ext cx="1986442" cy="738664"/>
-          </a:xfrm>
-          <a:prstGeom prst="rect">
-            <a:avLst/>
-          </a:prstGeom>
-          <a:noFill/>
-        </p:spPr>
-        <p:txBody>
-          <a:bodyPr wrap="none" rtlCol="0">
-            <a:spAutoFit/>
-          </a:bodyPr>
-          <a:lstStyle/>
-          <a:p>
-            <a:r>
-              <a:rPr lang="en-US" dirty="0" smtClean="0"/>
-              <a:t>Sprint </a:t>
-            </a:r>
-            <a:r>
-              <a:rPr lang="en-US" dirty="0"/>
-              <a:t>0</a:t>
-            </a:r>
-          </a:p>
-        </p:txBody>
-      </p:sp>
-      <p:pic>
-        <p:nvPicPr>
-          <p:cNvPr id="5" name="Picture 4"/>
-          <p:cNvPicPr>
-            <a:picLocks noChangeAspect="1"/>
-          </p:cNvPicPr>
-          <p:nvPr/>
-        </p:nvPicPr>
-        <p:blipFill>
-          <a:blip r:embed="rId2"/>
-          <a:stretch>
-            <a:fillRect/>
-          </a:stretch>
-        </p:blipFill>
-        <p:spPr>
-          <a:xfrm>
-            <a:off x="711200" y="3735864"/>
-            <a:ext cx="11506200" cy="5715000"/>
-          </a:xfrm>
-          <a:prstGeom prst="rect">
-            <a:avLst/>
-          </a:prstGeom>
-        </p:spPr>
-      </p:pic>
     </p:spTree>
     <p:extLst>
       <p:ext uri="{BB962C8B-B14F-4D97-AF65-F5344CB8AC3E}">
-        <p14:creationId xmlns:p14="http://schemas.microsoft.com/office/powerpoint/2010/main" val="3274724306"/>
+        <p14:creationId xmlns:p14="http://schemas.microsoft.com/office/powerpoint/2010/main" val="273424273"/>
       </p:ext>
     </p:extLst>
   </p:cSld>
@@ -7561,11 +7517,51 @@
           <a:bodyPr/>
           <a:lstStyle/>
           <a:p>
-            <a:pPr lvl="0"/>
-            <a:endParaRPr lang="en-US" sz="3200" dirty="0" smtClean="0"/>
-          </a:p>
-          <a:p>
+            <a:r>
+              <a:rPr lang="en-US" sz="3200" dirty="0"/>
+              <a:t>Total Sprints = </a:t>
+            </a:r>
+            <a:r>
+              <a:rPr lang="en-US" sz="3200" dirty="0" smtClean="0"/>
+              <a:t>5</a:t>
+            </a:r>
             <a:endParaRPr lang="en-US" sz="3200" dirty="0"/>
+          </a:p>
+          <a:p>
+            <a:r>
+              <a:rPr lang="en-US" sz="3200" dirty="0" smtClean="0"/>
+              <a:t>User </a:t>
+            </a:r>
+            <a:r>
+              <a:rPr lang="en-US" sz="3200" dirty="0"/>
+              <a:t>S</a:t>
+            </a:r>
+            <a:r>
+              <a:rPr lang="en-US" sz="3200" dirty="0" smtClean="0"/>
+              <a:t>tories </a:t>
+            </a:r>
+            <a:r>
+              <a:rPr lang="en-US" sz="3200" dirty="0"/>
+              <a:t>= </a:t>
+            </a:r>
+            <a:r>
+              <a:rPr lang="en-US" sz="3200" dirty="0" smtClean="0"/>
+              <a:t>58</a:t>
+            </a:r>
+          </a:p>
+          <a:p>
+            <a:r>
+              <a:rPr lang="en-US" sz="3200" dirty="0" smtClean="0"/>
+              <a:t>Average </a:t>
+            </a:r>
+            <a:r>
+              <a:rPr lang="en-US" sz="3200" dirty="0"/>
+              <a:t>Sprint  Velocity </a:t>
+            </a:r>
+            <a:r>
+              <a:rPr lang="en-US" sz="3200" dirty="0" smtClean="0"/>
+              <a:t>=64</a:t>
+            </a:r>
           </a:p>
         </p:txBody>
       </p:sp>
@@ -7585,8 +7581,8 @@
           <a:lstStyle/>
           <a:p>
             <a:r>
-              <a:rPr lang="en-US" sz="5400" dirty="0"/>
-              <a:t>Scrum Tool – Agile Scrum Sheet</a:t>
+              <a:rPr lang="en-US" dirty="0" smtClean="0"/>
+              <a:t>Project Metrics</a:t>
             </a:r>
             <a:endParaRPr lang="en-US" dirty="0"/>
           </a:p>
@@ -7611,6 +7607,283 @@
               <a:rPr lang="en-US" smtClean="0"/>
               <a:pPr/>
               <a:t>24</a:t>
+            </a:fld>
+            <a:endParaRPr lang="en-US"/>
+          </a:p>
+        </p:txBody>
+      </p:sp>
+    </p:spTree>
+    <p:extLst>
+      <p:ext uri="{BB962C8B-B14F-4D97-AF65-F5344CB8AC3E}">
+        <p14:creationId xmlns:p14="http://schemas.microsoft.com/office/powerpoint/2010/main" val="3429132619"/>
+      </p:ext>
+    </p:extLst>
+  </p:cSld>
+  <p:clrMapOvr>
+    <a:masterClrMapping/>
+  </p:clrMapOvr>
+  <p:transition>
+    <p:fade/>
+  </p:transition>
+  <p:timing>
+    <p:tnLst>
+      <p:par>
+        <p:cTn id="1" dur="indefinite" restart="never" nodeType="tmRoot"/>
+      </p:par>
+    </p:tnLst>
+  </p:timing>
+</p:sld>
+</file>
+
+<file path=ppt/slides/slide25.xml><?xml version="1.0" encoding="utf-8"?>
+<p:sld xmlns:a="http://schemas.openxmlformats.org/drawingml/2006/main" xmlns:r="http://schemas.openxmlformats.org/officeDocument/2006/relationships" xmlns:p="http://schemas.openxmlformats.org/presentationml/2006/main">
+  <p:cSld>
+    <p:spTree>
+      <p:nvGrpSpPr>
+        <p:cNvPr id="1" name=""/>
+        <p:cNvGrpSpPr/>
+        <p:nvPr/>
+      </p:nvGrpSpPr>
+      <p:grpSpPr>
+        <a:xfrm>
+          <a:off x="0" y="0"/>
+          <a:ext cx="0" cy="0"/>
+          <a:chOff x="0" y="0"/>
+          <a:chExt cx="0" cy="0"/>
+        </a:xfrm>
+      </p:grpSpPr>
+      <p:sp>
+        <p:nvSpPr>
+          <p:cNvPr id="2" name="Content Placeholder 1"/>
+          <p:cNvSpPr>
+            <a:spLocks noGrp="1"/>
+          </p:cNvSpPr>
+          <p:nvPr>
+            <p:ph idx="1"/>
+          </p:nvPr>
+        </p:nvSpPr>
+        <p:spPr/>
+        <p:txBody>
+          <a:bodyPr/>
+          <a:lstStyle/>
+          <a:p>
+            <a:pPr lvl="0"/>
+            <a:endParaRPr lang="en-US" sz="3200" dirty="0" smtClean="0"/>
+          </a:p>
+          <a:p>
+            <a:endParaRPr lang="en-US" sz="3200" dirty="0"/>
+          </a:p>
+        </p:txBody>
+      </p:sp>
+      <p:sp>
+        <p:nvSpPr>
+          <p:cNvPr id="3" name="Title 2"/>
+          <p:cNvSpPr>
+            <a:spLocks noGrp="1"/>
+          </p:cNvSpPr>
+          <p:nvPr>
+            <p:ph type="title"/>
+          </p:nvPr>
+        </p:nvSpPr>
+        <p:spPr/>
+        <p:txBody>
+          <a:bodyPr/>
+          <a:lstStyle/>
+          <a:p>
+            <a:r>
+              <a:rPr lang="en-US" sz="5400" dirty="0" smtClean="0"/>
+              <a:t>Scrum Tool – Agile Scrum Sheet</a:t>
+            </a:r>
+            <a:endParaRPr lang="en-US" dirty="0"/>
+          </a:p>
+        </p:txBody>
+      </p:sp>
+      <p:sp>
+        <p:nvSpPr>
+          <p:cNvPr id="4" name="Slide Number Placeholder 3"/>
+          <p:cNvSpPr>
+            <a:spLocks noGrp="1"/>
+          </p:cNvSpPr>
+          <p:nvPr>
+            <p:ph type="sldNum" sz="quarter" idx="10"/>
+          </p:nvPr>
+        </p:nvSpPr>
+        <p:spPr/>
+        <p:txBody>
+          <a:bodyPr/>
+          <a:lstStyle/>
+          <a:p>
+            <a:fld id="{FD0725B6-5DD5-4EEE-A0F0-572C51C8D44F}" type="slidenum">
+              <a:rPr lang="en-US" smtClean="0"/>
+              <a:pPr/>
+              <a:t>25</a:t>
+            </a:fld>
+            <a:endParaRPr lang="en-US"/>
+          </a:p>
+        </p:txBody>
+      </p:sp>
+      <p:sp>
+        <p:nvSpPr>
+          <p:cNvPr id="6" name="TextBox 5"/>
+          <p:cNvSpPr txBox="1"/>
+          <p:nvPr/>
+        </p:nvSpPr>
+        <p:spPr>
+          <a:xfrm>
+            <a:off x="1315558" y="2743200"/>
+            <a:ext cx="1986442" cy="738664"/>
+          </a:xfrm>
+          <a:prstGeom prst="rect">
+            <a:avLst/>
+          </a:prstGeom>
+          <a:noFill/>
+        </p:spPr>
+        <p:txBody>
+          <a:bodyPr wrap="none" rtlCol="0">
+            <a:spAutoFit/>
+          </a:bodyPr>
+          <a:lstStyle/>
+          <a:p>
+            <a:r>
+              <a:rPr lang="en-US" dirty="0" smtClean="0"/>
+              <a:t>Sprint </a:t>
+            </a:r>
+            <a:r>
+              <a:rPr lang="en-US" dirty="0"/>
+              <a:t>0</a:t>
+            </a:r>
+          </a:p>
+        </p:txBody>
+      </p:sp>
+      <p:pic>
+        <p:nvPicPr>
+          <p:cNvPr id="5" name="Picture 4"/>
+          <p:cNvPicPr>
+            <a:picLocks noChangeAspect="1"/>
+          </p:cNvPicPr>
+          <p:nvPr/>
+        </p:nvPicPr>
+        <p:blipFill>
+          <a:blip r:embed="rId2"/>
+          <a:stretch>
+            <a:fillRect/>
+          </a:stretch>
+        </p:blipFill>
+        <p:spPr>
+          <a:xfrm>
+            <a:off x="711200" y="3735864"/>
+            <a:ext cx="11506200" cy="5715000"/>
+          </a:xfrm>
+          <a:prstGeom prst="rect">
+            <a:avLst/>
+          </a:prstGeom>
+        </p:spPr>
+      </p:pic>
+    </p:spTree>
+    <p:extLst>
+      <p:ext uri="{BB962C8B-B14F-4D97-AF65-F5344CB8AC3E}">
+        <p14:creationId xmlns:p14="http://schemas.microsoft.com/office/powerpoint/2010/main" val="3274724306"/>
+      </p:ext>
+    </p:extLst>
+  </p:cSld>
+  <p:clrMapOvr>
+    <a:masterClrMapping/>
+  </p:clrMapOvr>
+  <p:transition>
+    <p:fade/>
+  </p:transition>
+  <p:timing>
+    <p:tnLst>
+      <p:par>
+        <p:cTn id="1" dur="indefinite" restart="never" nodeType="tmRoot"/>
+      </p:par>
+    </p:tnLst>
+  </p:timing>
+</p:sld>
+</file>
+
+<file path=ppt/slides/slide26.xml><?xml version="1.0" encoding="utf-8"?>
+<p:sld xmlns:a="http://schemas.openxmlformats.org/drawingml/2006/main" xmlns:r="http://schemas.openxmlformats.org/officeDocument/2006/relationships" xmlns:p="http://schemas.openxmlformats.org/presentationml/2006/main">
+  <p:cSld>
+    <p:spTree>
+      <p:nvGrpSpPr>
+        <p:cNvPr id="1" name=""/>
+        <p:cNvGrpSpPr/>
+        <p:nvPr/>
+      </p:nvGrpSpPr>
+      <p:grpSpPr>
+        <a:xfrm>
+          <a:off x="0" y="0"/>
+          <a:ext cx="0" cy="0"/>
+          <a:chOff x="0" y="0"/>
+          <a:chExt cx="0" cy="0"/>
+        </a:xfrm>
+      </p:grpSpPr>
+      <p:sp>
+        <p:nvSpPr>
+          <p:cNvPr id="2" name="Content Placeholder 1"/>
+          <p:cNvSpPr>
+            <a:spLocks noGrp="1"/>
+          </p:cNvSpPr>
+          <p:nvPr>
+            <p:ph idx="1"/>
+          </p:nvPr>
+        </p:nvSpPr>
+        <p:spPr/>
+        <p:txBody>
+          <a:bodyPr/>
+          <a:lstStyle/>
+          <a:p>
+            <a:pPr lvl="0"/>
+            <a:endParaRPr lang="en-US" sz="3200" dirty="0" smtClean="0"/>
+          </a:p>
+          <a:p>
+            <a:endParaRPr lang="en-US" sz="3200" dirty="0"/>
+          </a:p>
+        </p:txBody>
+      </p:sp>
+      <p:sp>
+        <p:nvSpPr>
+          <p:cNvPr id="3" name="Title 2"/>
+          <p:cNvSpPr>
+            <a:spLocks noGrp="1"/>
+          </p:cNvSpPr>
+          <p:nvPr>
+            <p:ph type="title"/>
+          </p:nvPr>
+        </p:nvSpPr>
+        <p:spPr/>
+        <p:txBody>
+          <a:bodyPr/>
+          <a:lstStyle/>
+          <a:p>
+            <a:r>
+              <a:rPr lang="en-US" sz="5400" dirty="0"/>
+              <a:t>Scrum Tool – Agile Scrum Sheet</a:t>
+            </a:r>
+            <a:endParaRPr lang="en-US" dirty="0"/>
+          </a:p>
+        </p:txBody>
+      </p:sp>
+      <p:sp>
+        <p:nvSpPr>
+          <p:cNvPr id="4" name="Slide Number Placeholder 3"/>
+          <p:cNvSpPr>
+            <a:spLocks noGrp="1"/>
+          </p:cNvSpPr>
+          <p:nvPr>
+            <p:ph type="sldNum" sz="quarter" idx="10"/>
+          </p:nvPr>
+        </p:nvSpPr>
+        <p:spPr/>
+        <p:txBody>
+          <a:bodyPr/>
+          <a:lstStyle/>
+          <a:p>
+            <a:fld id="{FD0725B6-5DD5-4EEE-A0F0-572C51C8D44F}" type="slidenum">
+              <a:rPr lang="en-US" smtClean="0"/>
+              <a:pPr/>
+              <a:t>26</a:t>
             </a:fld>
             <a:endParaRPr lang="en-US"/>
           </a:p>
@@ -7747,7 +8020,7 @@
 </p:sld>
 </file>
 
-<file path=ppt/slides/slide25.xml><?xml version="1.0" encoding="utf-8"?>
+<file path=ppt/slides/slide27.xml><?xml version="1.0" encoding="utf-8"?>
 <p:sld xmlns:a="http://schemas.openxmlformats.org/drawingml/2006/main" xmlns:r="http://schemas.openxmlformats.org/officeDocument/2006/relationships" xmlns:p="http://schemas.openxmlformats.org/presentationml/2006/main">
   <p:cSld>
     <p:spTree>
@@ -7828,7 +8101,7 @@
             <a:fld id="{FD0725B6-5DD5-4EEE-A0F0-572C51C8D44F}" type="slidenum">
               <a:rPr lang="en-US" smtClean="0"/>
               <a:pPr/>
-              <a:t>25</a:t>
+              <a:t>27</a:t>
             </a:fld>
             <a:endParaRPr lang="en-US"/>
           </a:p>
@@ -7967,7 +8240,7 @@
 </p:sld>
 </file>
 
-<file path=ppt/slides/slide26.xml><?xml version="1.0" encoding="utf-8"?>
+<file path=ppt/slides/slide28.xml><?xml version="1.0" encoding="utf-8"?>
 <p:sld xmlns:a="http://schemas.openxmlformats.org/drawingml/2006/main" xmlns:r="http://schemas.openxmlformats.org/officeDocument/2006/relationships" xmlns:p="http://schemas.openxmlformats.org/presentationml/2006/main">
   <p:cSld>
     <p:spTree>
@@ -8025,7 +8298,7 @@
             <a:fld id="{FD0725B6-5DD5-4EEE-A0F0-572C51C8D44F}" type="slidenum">
               <a:rPr lang="en-US" smtClean="0"/>
               <a:pPr/>
-              <a:t>26</a:t>
+              <a:t>28</a:t>
             </a:fld>
             <a:endParaRPr lang="en-US"/>
           </a:p>
@@ -8040,7 +8313,7 @@
           <p:nvPr>
             <p:extLst>
               <p:ext uri="{D42A27DB-BD31-4B8C-83A1-F6EECF244321}">
-                <p14:modId xmlns:p14="http://schemas.microsoft.com/office/powerpoint/2010/main" val="3135700410"/>
+                <p14:modId xmlns:p14="http://schemas.microsoft.com/office/powerpoint/2010/main" val="3694268306"/>
               </p:ext>
             </p:extLst>
           </p:nvPr>
@@ -8059,385 +8332,6 @@
     <p:extLst>
       <p:ext uri="{BB962C8B-B14F-4D97-AF65-F5344CB8AC3E}">
         <p14:creationId xmlns:p14="http://schemas.microsoft.com/office/powerpoint/2010/main" val="3579674985"/>
-      </p:ext>
-    </p:extLst>
-  </p:cSld>
-  <p:clrMapOvr>
-    <a:masterClrMapping/>
-  </p:clrMapOvr>
-  <p:transition>
-    <p:fade/>
-  </p:transition>
-</p:sld>
-</file>
-
-<file path=ppt/slides/slide27.xml><?xml version="1.0" encoding="utf-8"?>
-<p:sld xmlns:a="http://schemas.openxmlformats.org/drawingml/2006/main" xmlns:r="http://schemas.openxmlformats.org/officeDocument/2006/relationships" xmlns:p="http://schemas.openxmlformats.org/presentationml/2006/main">
-  <p:cSld>
-    <p:spTree>
-      <p:nvGrpSpPr>
-        <p:cNvPr id="1" name=""/>
-        <p:cNvGrpSpPr/>
-        <p:nvPr/>
-      </p:nvGrpSpPr>
-      <p:grpSpPr>
-        <a:xfrm>
-          <a:off x="0" y="0"/>
-          <a:ext cx="0" cy="0"/>
-          <a:chOff x="0" y="0"/>
-          <a:chExt cx="0" cy="0"/>
-        </a:xfrm>
-      </p:grpSpPr>
-      <p:sp>
-        <p:nvSpPr>
-          <p:cNvPr id="2" name="Content Placeholder 1"/>
-          <p:cNvSpPr>
-            <a:spLocks noGrp="1"/>
-          </p:cNvSpPr>
-          <p:nvPr>
-            <p:ph idx="1"/>
-          </p:nvPr>
-        </p:nvSpPr>
-        <p:spPr>
-          <a:xfrm>
-            <a:off x="1270000" y="2540000"/>
-            <a:ext cx="10464800" cy="6146800"/>
-          </a:xfrm>
-        </p:spPr>
-        <p:txBody>
-          <a:bodyPr/>
-          <a:lstStyle/>
-          <a:p>
-            <a:pPr lvl="0">
-              <a:spcBef>
-                <a:spcPts val="600"/>
-              </a:spcBef>
-              <a:spcAft>
-                <a:spcPts val="600"/>
-              </a:spcAft>
-            </a:pPr>
-            <a:r>
-              <a:rPr lang="en-US" sz="2800" dirty="0" smtClean="0"/>
-              <a:t>Coordinating with team members from different locations.</a:t>
-            </a:r>
-          </a:p>
-          <a:p>
-            <a:pPr lvl="0">
-              <a:spcBef>
-                <a:spcPts val="600"/>
-              </a:spcBef>
-              <a:spcAft>
-                <a:spcPts val="600"/>
-              </a:spcAft>
-            </a:pPr>
-            <a:r>
-              <a:rPr lang="en-US" sz="2800" dirty="0" smtClean="0"/>
-              <a:t>Frequent changes in team structure at early stage of project.</a:t>
-            </a:r>
-          </a:p>
-          <a:p>
-            <a:pPr lvl="0">
-              <a:spcBef>
-                <a:spcPts val="600"/>
-              </a:spcBef>
-              <a:spcAft>
-                <a:spcPts val="600"/>
-              </a:spcAft>
-            </a:pPr>
-            <a:r>
-              <a:rPr lang="en-US" sz="2800" dirty="0" smtClean="0"/>
-              <a:t>Estimation and Requirement gathering</a:t>
-            </a:r>
-          </a:p>
-          <a:p>
-            <a:pPr lvl="1">
-              <a:spcBef>
-                <a:spcPts val="600"/>
-              </a:spcBef>
-              <a:spcAft>
-                <a:spcPts val="600"/>
-              </a:spcAft>
-            </a:pPr>
-            <a:r>
-              <a:rPr lang="en-US" sz="2800" dirty="0"/>
-              <a:t>Could not estimate properly because of lack of domain understanding</a:t>
-            </a:r>
-            <a:r>
-              <a:rPr lang="en-US" sz="2800" dirty="0" smtClean="0"/>
-              <a:t>.</a:t>
-            </a:r>
-          </a:p>
-          <a:p>
-            <a:pPr>
-              <a:spcBef>
-                <a:spcPts val="600"/>
-              </a:spcBef>
-              <a:spcAft>
-                <a:spcPts val="600"/>
-              </a:spcAft>
-            </a:pPr>
-            <a:r>
-              <a:rPr lang="en-US" sz="2800" dirty="0" smtClean="0"/>
-              <a:t>New Technologies like</a:t>
-            </a:r>
-          </a:p>
-          <a:p>
-            <a:pPr lvl="1">
-              <a:spcBef>
-                <a:spcPts val="600"/>
-              </a:spcBef>
-              <a:spcAft>
-                <a:spcPts val="600"/>
-              </a:spcAft>
-            </a:pPr>
-            <a:r>
-              <a:rPr lang="en-US" sz="2800" dirty="0" smtClean="0"/>
-              <a:t>Angular JS.</a:t>
-            </a:r>
-          </a:p>
-          <a:p>
-            <a:pPr lvl="1">
-              <a:spcBef>
-                <a:spcPts val="600"/>
-              </a:spcBef>
-              <a:spcAft>
-                <a:spcPts val="600"/>
-              </a:spcAft>
-            </a:pPr>
-            <a:r>
-              <a:rPr lang="en-US" sz="2800" dirty="0" smtClean="0"/>
-              <a:t>Bootstrap.</a:t>
-            </a:r>
-          </a:p>
-          <a:p>
-            <a:pPr lvl="1">
-              <a:spcBef>
-                <a:spcPts val="600"/>
-              </a:spcBef>
-              <a:spcAft>
-                <a:spcPts val="600"/>
-              </a:spcAft>
-            </a:pPr>
-            <a:r>
-              <a:rPr lang="en-US" sz="2800" dirty="0" smtClean="0"/>
-              <a:t>Multitenancy</a:t>
-            </a:r>
-          </a:p>
-          <a:p>
-            <a:pPr>
-              <a:spcBef>
-                <a:spcPts val="600"/>
-              </a:spcBef>
-              <a:spcAft>
-                <a:spcPts val="600"/>
-              </a:spcAft>
-            </a:pPr>
-            <a:r>
-              <a:rPr lang="en-US" sz="2800" dirty="0" smtClean="0"/>
-              <a:t>Completion of Testing within the Sprint.</a:t>
-            </a:r>
-            <a:endParaRPr lang="en-US" sz="2800" dirty="0"/>
-          </a:p>
-        </p:txBody>
-      </p:sp>
-      <p:sp>
-        <p:nvSpPr>
-          <p:cNvPr id="3" name="Title 2"/>
-          <p:cNvSpPr>
-            <a:spLocks noGrp="1"/>
-          </p:cNvSpPr>
-          <p:nvPr>
-            <p:ph type="title"/>
-          </p:nvPr>
-        </p:nvSpPr>
-        <p:spPr/>
-        <p:txBody>
-          <a:bodyPr/>
-          <a:lstStyle/>
-          <a:p>
-            <a:r>
-              <a:rPr lang="en-US" dirty="0" smtClean="0"/>
-              <a:t>Challenges</a:t>
-            </a:r>
-            <a:endParaRPr lang="en-US" dirty="0"/>
-          </a:p>
-        </p:txBody>
-      </p:sp>
-      <p:sp>
-        <p:nvSpPr>
-          <p:cNvPr id="4" name="Slide Number Placeholder 3"/>
-          <p:cNvSpPr>
-            <a:spLocks noGrp="1"/>
-          </p:cNvSpPr>
-          <p:nvPr>
-            <p:ph type="sldNum" sz="quarter" idx="10"/>
-          </p:nvPr>
-        </p:nvSpPr>
-        <p:spPr/>
-        <p:txBody>
-          <a:bodyPr/>
-          <a:lstStyle/>
-          <a:p>
-            <a:fld id="{FD0725B6-5DD5-4EEE-A0F0-572C51C8D44F}" type="slidenum">
-              <a:rPr lang="en-US" smtClean="0"/>
-              <a:pPr/>
-              <a:t>27</a:t>
-            </a:fld>
-            <a:endParaRPr lang="en-US"/>
-          </a:p>
-        </p:txBody>
-      </p:sp>
-    </p:spTree>
-    <p:extLst>
-      <p:ext uri="{BB962C8B-B14F-4D97-AF65-F5344CB8AC3E}">
-        <p14:creationId xmlns:p14="http://schemas.microsoft.com/office/powerpoint/2010/main" val="3627197052"/>
-      </p:ext>
-    </p:extLst>
-  </p:cSld>
-  <p:clrMapOvr>
-    <a:masterClrMapping/>
-  </p:clrMapOvr>
-  <p:transition>
-    <p:fade/>
-  </p:transition>
-</p:sld>
-</file>
-
-<file path=ppt/slides/slide28.xml><?xml version="1.0" encoding="utf-8"?>
-<p:sld xmlns:a="http://schemas.openxmlformats.org/drawingml/2006/main" xmlns:r="http://schemas.openxmlformats.org/officeDocument/2006/relationships" xmlns:p="http://schemas.openxmlformats.org/presentationml/2006/main">
-  <p:cSld>
-    <p:spTree>
-      <p:nvGrpSpPr>
-        <p:cNvPr id="1" name=""/>
-        <p:cNvGrpSpPr/>
-        <p:nvPr/>
-      </p:nvGrpSpPr>
-      <p:grpSpPr>
-        <a:xfrm>
-          <a:off x="0" y="0"/>
-          <a:ext cx="0" cy="0"/>
-          <a:chOff x="0" y="0"/>
-          <a:chExt cx="0" cy="0"/>
-        </a:xfrm>
-      </p:grpSpPr>
-      <p:sp>
-        <p:nvSpPr>
-          <p:cNvPr id="2" name="Content Placeholder 1"/>
-          <p:cNvSpPr>
-            <a:spLocks noGrp="1"/>
-          </p:cNvSpPr>
-          <p:nvPr>
-            <p:ph idx="1"/>
-          </p:nvPr>
-        </p:nvSpPr>
-        <p:spPr/>
-        <p:txBody>
-          <a:bodyPr/>
-          <a:lstStyle/>
-          <a:p>
-            <a:r>
-              <a:rPr lang="en-US" sz="3200" dirty="0" smtClean="0"/>
-              <a:t>Daily Stand Up</a:t>
-            </a:r>
-          </a:p>
-          <a:p>
-            <a:r>
-              <a:rPr lang="en-US" sz="3200" dirty="0" smtClean="0"/>
-              <a:t>Daily Logs of Status</a:t>
-            </a:r>
-          </a:p>
-          <a:p>
-            <a:r>
-              <a:rPr lang="en-US" sz="3200" dirty="0" smtClean="0"/>
-              <a:t>Daily Update of Scrum sheet</a:t>
-            </a:r>
-          </a:p>
-          <a:p>
-            <a:r>
-              <a:rPr lang="en-US" sz="3200" dirty="0" smtClean="0"/>
-              <a:t>Weekly Evaluations</a:t>
-            </a:r>
-          </a:p>
-          <a:p>
-            <a:r>
-              <a:rPr lang="en-US" sz="3200" dirty="0" smtClean="0"/>
-              <a:t>Code Review </a:t>
-            </a:r>
-          </a:p>
-          <a:p>
-            <a:r>
-              <a:rPr lang="en-US" sz="3200" dirty="0" smtClean="0"/>
-              <a:t>Sprint Planning  &amp; Retrospective Meetings</a:t>
-            </a:r>
-          </a:p>
-          <a:p>
-            <a:r>
-              <a:rPr lang="en-US" sz="3200" dirty="0" smtClean="0"/>
-              <a:t>Had a Review Demo with Owner</a:t>
-            </a:r>
-          </a:p>
-          <a:p>
-            <a:r>
-              <a:rPr lang="en-US" sz="3200" dirty="0" smtClean="0"/>
-              <a:t>Had an Acceptance Demo with Owner</a:t>
-            </a:r>
-          </a:p>
-          <a:p>
-            <a:endParaRPr lang="en-US" sz="3200" dirty="0"/>
-          </a:p>
-        </p:txBody>
-      </p:sp>
-      <p:sp>
-        <p:nvSpPr>
-          <p:cNvPr id="3" name="Title 2"/>
-          <p:cNvSpPr>
-            <a:spLocks noGrp="1"/>
-          </p:cNvSpPr>
-          <p:nvPr>
-            <p:ph type="title"/>
-          </p:nvPr>
-        </p:nvSpPr>
-        <p:spPr/>
-        <p:txBody>
-          <a:bodyPr/>
-          <a:lstStyle/>
-          <a:p>
-            <a:r>
-              <a:rPr lang="en-US" dirty="0" smtClean="0"/>
-              <a:t>Processes</a:t>
-            </a:r>
-            <a:endParaRPr lang="en-US" dirty="0"/>
-          </a:p>
-        </p:txBody>
-      </p:sp>
-      <p:sp>
-        <p:nvSpPr>
-          <p:cNvPr id="4" name="Slide Number Placeholder 3"/>
-          <p:cNvSpPr>
-            <a:spLocks noGrp="1"/>
-          </p:cNvSpPr>
-          <p:nvPr>
-            <p:ph type="sldNum" sz="quarter" idx="10"/>
-          </p:nvPr>
-        </p:nvSpPr>
-        <p:spPr/>
-        <p:txBody>
-          <a:bodyPr/>
-          <a:lstStyle/>
-          <a:p>
-            <a:fld id="{FD0725B6-5DD5-4EEE-A0F0-572C51C8D44F}" type="slidenum">
-              <a:rPr lang="en-US" smtClean="0"/>
-              <a:pPr/>
-              <a:t>28</a:t>
-            </a:fld>
-            <a:endParaRPr lang="en-US"/>
-          </a:p>
-        </p:txBody>
-      </p:sp>
-    </p:spTree>
-    <p:extLst>
-      <p:ext uri="{BB962C8B-B14F-4D97-AF65-F5344CB8AC3E}">
-        <p14:creationId xmlns:p14="http://schemas.microsoft.com/office/powerpoint/2010/main" val="2532835921"/>
       </p:ext>
     </p:extLst>
   </p:cSld>
@@ -8479,80 +8373,143 @@
         </p:nvSpPr>
         <p:spPr>
           <a:xfrm>
-            <a:off x="1270000" y="2489200"/>
-            <a:ext cx="10464800" cy="6959600"/>
+            <a:off x="1270000" y="2540000"/>
+            <a:ext cx="10464800" cy="6146800"/>
           </a:xfrm>
         </p:spPr>
         <p:txBody>
           <a:bodyPr/>
           <a:lstStyle/>
           <a:p>
-            <a:pPr lvl="0"/>
-            <a:r>
-              <a:rPr lang="en-US" sz="3200" dirty="0" smtClean="0"/>
-              <a:t>Working with members from different locations</a:t>
-            </a:r>
-          </a:p>
-          <a:p>
-            <a:pPr lvl="0"/>
-            <a:r>
-              <a:rPr lang="en-US" sz="3200" dirty="0" smtClean="0"/>
-              <a:t>Multitenant Application</a:t>
-            </a:r>
-          </a:p>
-          <a:p>
-            <a:pPr lvl="0"/>
-            <a:r>
-              <a:rPr lang="en-US" sz="3200" dirty="0" smtClean="0"/>
-              <a:t>Followed Agile methodology</a:t>
-            </a:r>
-          </a:p>
-          <a:p>
-            <a:pPr lvl="0"/>
-            <a:r>
-              <a:rPr lang="en-US" sz="3200" dirty="0" smtClean="0"/>
-              <a:t>Using SCRUM Tool </a:t>
-            </a:r>
-            <a:r>
-              <a:rPr lang="en-US" sz="3200" dirty="0"/>
-              <a:t>– </a:t>
-            </a:r>
-            <a:r>
-              <a:rPr lang="en-US" sz="3200" dirty="0" smtClean="0"/>
-              <a:t>Scrum desk, effectively</a:t>
-            </a:r>
-          </a:p>
-          <a:p>
-            <a:pPr lvl="0"/>
-            <a:r>
-              <a:rPr lang="en-US" sz="3200" dirty="0" smtClean="0"/>
-              <a:t>Significance of updating the tool regularly</a:t>
-            </a:r>
-          </a:p>
-          <a:p>
-            <a:pPr lvl="0"/>
-            <a:r>
-              <a:rPr lang="en-US" sz="3200" dirty="0" smtClean="0"/>
-              <a:t>Unit test Cases</a:t>
-            </a:r>
-          </a:p>
-          <a:p>
-            <a:pPr lvl="0"/>
-            <a:r>
-              <a:rPr lang="en-US" sz="3200" dirty="0" smtClean="0"/>
-              <a:t>Test process and planning</a:t>
-            </a:r>
-          </a:p>
-          <a:p>
-            <a:pPr lvl="0"/>
-            <a:endParaRPr lang="en-US" sz="3200" dirty="0"/>
-          </a:p>
-          <a:p>
-            <a:pPr lvl="0"/>
-            <a:endParaRPr lang="en-US" sz="3200" dirty="0" smtClean="0"/>
-          </a:p>
-          <a:p>
-            <a:endParaRPr lang="en-US" sz="3200" dirty="0"/>
+            <a:pPr lvl="0">
+              <a:spcBef>
+                <a:spcPts val="600"/>
+              </a:spcBef>
+              <a:spcAft>
+                <a:spcPts val="600"/>
+              </a:spcAft>
+            </a:pPr>
+            <a:r>
+              <a:rPr lang="en-US" sz="2800" dirty="0" smtClean="0"/>
+              <a:t>Coordinating with team members from different locations.</a:t>
+            </a:r>
+          </a:p>
+          <a:p>
+            <a:pPr lvl="0">
+              <a:spcBef>
+                <a:spcPts val="600"/>
+              </a:spcBef>
+              <a:spcAft>
+                <a:spcPts val="600"/>
+              </a:spcAft>
+            </a:pPr>
+            <a:r>
+              <a:rPr lang="en-US" sz="2800" dirty="0" smtClean="0"/>
+              <a:t>Frequent changes in team structure at early stage of project.</a:t>
+            </a:r>
+          </a:p>
+          <a:p>
+            <a:pPr lvl="0">
+              <a:spcBef>
+                <a:spcPts val="600"/>
+              </a:spcBef>
+              <a:spcAft>
+                <a:spcPts val="600"/>
+              </a:spcAft>
+            </a:pPr>
+            <a:r>
+              <a:rPr lang="en-US" sz="2800" dirty="0" smtClean="0"/>
+              <a:t>Estimation and Requirement gathering</a:t>
+            </a:r>
+          </a:p>
+          <a:p>
+            <a:pPr lvl="1">
+              <a:spcBef>
+                <a:spcPts val="600"/>
+              </a:spcBef>
+              <a:spcAft>
+                <a:spcPts val="600"/>
+              </a:spcAft>
+            </a:pPr>
+            <a:r>
+              <a:rPr lang="en-US" sz="2800" dirty="0"/>
+              <a:t>Could not estimate properly because of lack of domain understanding</a:t>
+            </a:r>
+            <a:r>
+              <a:rPr lang="en-US" sz="2800" dirty="0" smtClean="0"/>
+              <a:t>.</a:t>
+            </a:r>
+          </a:p>
+          <a:p>
+            <a:pPr>
+              <a:spcBef>
+                <a:spcPts val="600"/>
+              </a:spcBef>
+              <a:spcAft>
+                <a:spcPts val="600"/>
+              </a:spcAft>
+            </a:pPr>
+            <a:r>
+              <a:rPr lang="en-US" sz="2800" dirty="0" smtClean="0"/>
+              <a:t>New Technologies like</a:t>
+            </a:r>
+          </a:p>
+          <a:p>
+            <a:pPr lvl="1">
+              <a:spcBef>
+                <a:spcPts val="600"/>
+              </a:spcBef>
+              <a:spcAft>
+                <a:spcPts val="600"/>
+              </a:spcAft>
+            </a:pPr>
+            <a:r>
+              <a:rPr lang="en-US" sz="2800" dirty="0" smtClean="0"/>
+              <a:t>Angular JS.</a:t>
+            </a:r>
+          </a:p>
+          <a:p>
+            <a:pPr lvl="1">
+              <a:spcBef>
+                <a:spcPts val="600"/>
+              </a:spcBef>
+              <a:spcAft>
+                <a:spcPts val="600"/>
+              </a:spcAft>
+            </a:pPr>
+            <a:r>
+              <a:rPr lang="en-US" sz="2800" dirty="0" smtClean="0"/>
+              <a:t>Bootstrap.</a:t>
+            </a:r>
+          </a:p>
+          <a:p>
+            <a:pPr lvl="1">
+              <a:spcBef>
+                <a:spcPts val="600"/>
+              </a:spcBef>
+              <a:spcAft>
+                <a:spcPts val="600"/>
+              </a:spcAft>
+            </a:pPr>
+            <a:r>
+              <a:rPr lang="en-US" sz="2800" dirty="0" smtClean="0"/>
+              <a:t>Multitenancy</a:t>
+            </a:r>
+          </a:p>
+          <a:p>
+            <a:pPr>
+              <a:spcBef>
+                <a:spcPts val="600"/>
+              </a:spcBef>
+              <a:spcAft>
+                <a:spcPts val="600"/>
+              </a:spcAft>
+            </a:pPr>
+            <a:r>
+              <a:rPr lang="en-US" sz="2800" dirty="0" smtClean="0"/>
+              <a:t>Completion of Testing within the Sprint.</a:t>
+            </a:r>
+            <a:endParaRPr lang="en-US" sz="2800" dirty="0"/>
           </a:p>
         </p:txBody>
       </p:sp>
@@ -8573,7 +8530,7 @@
           <a:p>
             <a:r>
               <a:rPr lang="en-US" dirty="0" smtClean="0"/>
-              <a:t>Collective Learning</a:t>
+              <a:t>Challenges</a:t>
             </a:r>
             <a:endParaRPr lang="en-US" dirty="0"/>
           </a:p>
@@ -8606,7 +8563,7 @@
     </p:spTree>
     <p:extLst>
       <p:ext uri="{BB962C8B-B14F-4D97-AF65-F5344CB8AC3E}">
-        <p14:creationId xmlns:p14="http://schemas.microsoft.com/office/powerpoint/2010/main" val="1328395740"/>
+        <p14:creationId xmlns:p14="http://schemas.microsoft.com/office/powerpoint/2010/main" val="3627197052"/>
       </p:ext>
     </p:extLst>
   </p:cSld>
@@ -8616,13 +8573,6 @@
   <p:transition>
     <p:fade/>
   </p:transition>
-  <p:timing>
-    <p:tnLst>
-      <p:par>
-        <p:cTn id="1" dur="indefinite" restart="never" nodeType="tmRoot"/>
-      </p:par>
-    </p:tnLst>
-  </p:timing>
 </p:sld>
 </file>
 
@@ -9487,88 +9437,57 @@
             <p:ph idx="1"/>
           </p:nvPr>
         </p:nvSpPr>
-        <p:spPr>
-          <a:xfrm>
-            <a:off x="1270000" y="2489200"/>
-            <a:ext cx="10464800" cy="6959600"/>
-          </a:xfrm>
-        </p:spPr>
+        <p:spPr/>
         <p:txBody>
           <a:bodyPr/>
           <a:lstStyle/>
           <a:p>
-            <a:pPr lvl="0"/>
             <a:r>
               <a:rPr lang="en-US" sz="3200" dirty="0" smtClean="0"/>
-              <a:t>Complete Project Cycle</a:t>
-            </a:r>
-          </a:p>
-          <a:p>
-            <a:pPr lvl="0"/>
-            <a:r>
-              <a:rPr lang="en-US" sz="3200" dirty="0"/>
-              <a:t>Managing tasks while working on multiple </a:t>
-            </a:r>
+              <a:t>Daily Stand Up</a:t>
+            </a:r>
+          </a:p>
+          <a:p>
             <a:r>
               <a:rPr lang="en-US" sz="3200" dirty="0" smtClean="0"/>
-              <a:t>projects</a:t>
-            </a:r>
-          </a:p>
-          <a:p>
-            <a:pPr lvl="0"/>
+              <a:t>Daily Logs of Status</a:t>
+            </a:r>
+          </a:p>
+          <a:p>
             <a:r>
               <a:rPr lang="en-US" sz="3200" dirty="0" smtClean="0"/>
-              <a:t>Accommodating Change Requests</a:t>
-            </a:r>
-          </a:p>
-          <a:p>
-            <a:pPr lvl="0"/>
+              <a:t>Daily Update of Scrum sheet</a:t>
+            </a:r>
+          </a:p>
+          <a:p>
             <a:r>
               <a:rPr lang="en-US" sz="3200" dirty="0" smtClean="0"/>
-              <a:t>Writing features file in BDD Format.</a:t>
-            </a:r>
-          </a:p>
-          <a:p>
-            <a:pPr lvl="0"/>
+              <a:t>Weekly Evaluations</a:t>
+            </a:r>
+          </a:p>
+          <a:p>
             <a:r>
               <a:rPr lang="en-US" sz="3200" dirty="0" smtClean="0"/>
-              <a:t>Understating of writing feature files using user story.</a:t>
-            </a:r>
-          </a:p>
-          <a:p>
-            <a:pPr lvl="0"/>
+              <a:t>Code Review </a:t>
+            </a:r>
+          </a:p>
+          <a:p>
             <a:r>
               <a:rPr lang="en-US" sz="3200" dirty="0" smtClean="0"/>
-              <a:t>Writing feature file in table </a:t>
-            </a:r>
+              <a:t>Sprint Planning  &amp; Retrospective Meetings</a:t>
+            </a:r>
+          </a:p>
+          <a:p>
             <a:r>
               <a:rPr lang="en-US" sz="3200" dirty="0" smtClean="0"/>
-              <a:t>format</a:t>
-            </a:r>
-          </a:p>
-          <a:p>
-            <a:pPr lvl="0"/>
+              <a:t>Had a Review Demo with Owner</a:t>
+            </a:r>
+          </a:p>
+          <a:p>
             <a:r>
               <a:rPr lang="en-US" sz="3200" dirty="0" smtClean="0"/>
-              <a:t>Sprint Boot</a:t>
-            </a:r>
-            <a:endParaRPr lang="en-US" sz="3200" dirty="0" smtClean="0"/>
-          </a:p>
-          <a:p>
-            <a:pPr marL="0" lvl="0" indent="0">
-              <a:buNone/>
-            </a:pPr>
-            <a:endParaRPr lang="en-US" sz="3200" dirty="0" smtClean="0"/>
-          </a:p>
-          <a:p>
-            <a:pPr marL="0" lvl="0" indent="0">
-              <a:buNone/>
-            </a:pPr>
-            <a:endParaRPr lang="en-US" sz="3200" dirty="0"/>
-          </a:p>
-          <a:p>
-            <a:pPr lvl="0"/>
-            <a:endParaRPr lang="en-US" sz="3200" dirty="0" smtClean="0"/>
+              <a:t>Had an Acceptance Demo with Owner</a:t>
+            </a:r>
           </a:p>
           <a:p>
             <a:endParaRPr lang="en-US" sz="3200" dirty="0"/>
@@ -9592,7 +9511,7 @@
           <a:p>
             <a:r>
               <a:rPr lang="en-US" dirty="0" smtClean="0"/>
-              <a:t>Collective Learning</a:t>
+              <a:t>Processes</a:t>
             </a:r>
             <a:endParaRPr lang="en-US" dirty="0"/>
           </a:p>
@@ -9625,7 +9544,7 @@
     </p:spTree>
     <p:extLst>
       <p:ext uri="{BB962C8B-B14F-4D97-AF65-F5344CB8AC3E}">
-        <p14:creationId xmlns:p14="http://schemas.microsoft.com/office/powerpoint/2010/main" val="3740603699"/>
+        <p14:creationId xmlns:p14="http://schemas.microsoft.com/office/powerpoint/2010/main" val="2532835921"/>
       </p:ext>
     </p:extLst>
   </p:cSld>
@@ -9635,13 +9554,6 @@
   <p:transition>
     <p:fade/>
   </p:transition>
-  <p:timing>
-    <p:tnLst>
-      <p:par>
-        <p:cTn id="1" dur="indefinite" restart="never" nodeType="tmRoot"/>
-      </p:par>
-    </p:tnLst>
-  </p:timing>
 </p:sld>
 </file>
 
@@ -9672,21 +9584,82 @@
             <p:ph idx="1"/>
           </p:nvPr>
         </p:nvSpPr>
-        <p:spPr/>
+        <p:spPr>
+          <a:xfrm>
+            <a:off x="1270000" y="2489200"/>
+            <a:ext cx="10464800" cy="6959600"/>
+          </a:xfrm>
+        </p:spPr>
         <p:txBody>
           <a:bodyPr/>
           <a:lstStyle/>
           <a:p>
+            <a:pPr lvl="0"/>
             <a:r>
               <a:rPr lang="en-US" sz="3200" dirty="0" smtClean="0"/>
-              <a:t>We would like to thank Raghvendra and Bhagyesh for their continuous guidance, taking out time every day to attend our calls, closely examining and providing feedback</a:t>
-            </a:r>
-          </a:p>
-          <a:p>
+              <a:t>Working with members from different locations</a:t>
+            </a:r>
+          </a:p>
+          <a:p>
+            <a:pPr lvl="0"/>
             <a:r>
               <a:rPr lang="en-US" sz="3200" dirty="0" smtClean="0"/>
-              <a:t>Thank you for letting us know where we lacked and for keeping us aligned in right direction.</a:t>
-            </a:r>
+              <a:t>Multitenant Application</a:t>
+            </a:r>
+          </a:p>
+          <a:p>
+            <a:pPr lvl="0"/>
+            <a:r>
+              <a:rPr lang="en-US" sz="3200" dirty="0" smtClean="0"/>
+              <a:t>Followed Agile methodology</a:t>
+            </a:r>
+          </a:p>
+          <a:p>
+            <a:pPr lvl="0"/>
+            <a:r>
+              <a:rPr lang="en-US" sz="3200" dirty="0" smtClean="0"/>
+              <a:t>Using SCRUM Tool </a:t>
+            </a:r>
+            <a:r>
+              <a:rPr lang="en-US" sz="3200" dirty="0"/>
+              <a:t>– </a:t>
+            </a:r>
+            <a:r>
+              <a:rPr lang="en-US" sz="3200" dirty="0" smtClean="0"/>
+              <a:t>Scrum desk, effectively</a:t>
+            </a:r>
+          </a:p>
+          <a:p>
+            <a:pPr lvl="0"/>
+            <a:r>
+              <a:rPr lang="en-US" sz="3200" dirty="0" smtClean="0"/>
+              <a:t>Significance of updating the tool regularly</a:t>
+            </a:r>
+          </a:p>
+          <a:p>
+            <a:pPr lvl="0"/>
+            <a:r>
+              <a:rPr lang="en-US" sz="3200" dirty="0" smtClean="0"/>
+              <a:t>Unit test Cases</a:t>
+            </a:r>
+          </a:p>
+          <a:p>
+            <a:pPr lvl="0"/>
+            <a:r>
+              <a:rPr lang="en-US" sz="3200" dirty="0" smtClean="0"/>
+              <a:t>Test process and planning</a:t>
+            </a:r>
+          </a:p>
+          <a:p>
+            <a:pPr lvl="0"/>
+            <a:endParaRPr lang="en-US" sz="3200" dirty="0"/>
+          </a:p>
+          <a:p>
+            <a:pPr lvl="0"/>
+            <a:endParaRPr lang="en-US" sz="3200" dirty="0" smtClean="0"/>
+          </a:p>
+          <a:p>
+            <a:endParaRPr lang="en-US" sz="3200" dirty="0"/>
           </a:p>
         </p:txBody>
       </p:sp>
@@ -9707,7 +9680,7 @@
           <a:p>
             <a:r>
               <a:rPr lang="en-US" dirty="0" smtClean="0"/>
-              <a:t>Gratitude</a:t>
+              <a:t>Collective Learning</a:t>
             </a:r>
             <a:endParaRPr lang="en-US" dirty="0"/>
           </a:p>
@@ -9732,6 +9705,301 @@
               <a:rPr lang="en-US" smtClean="0"/>
               <a:pPr/>
               <a:t>31</a:t>
+            </a:fld>
+            <a:endParaRPr lang="en-US"/>
+          </a:p>
+        </p:txBody>
+      </p:sp>
+    </p:spTree>
+    <p:extLst>
+      <p:ext uri="{BB962C8B-B14F-4D97-AF65-F5344CB8AC3E}">
+        <p14:creationId xmlns:p14="http://schemas.microsoft.com/office/powerpoint/2010/main" val="1328395740"/>
+      </p:ext>
+    </p:extLst>
+  </p:cSld>
+  <p:clrMapOvr>
+    <a:masterClrMapping/>
+  </p:clrMapOvr>
+  <p:transition>
+    <p:fade/>
+  </p:transition>
+  <p:timing>
+    <p:tnLst>
+      <p:par>
+        <p:cTn id="1" dur="indefinite" restart="never" nodeType="tmRoot"/>
+      </p:par>
+    </p:tnLst>
+  </p:timing>
+</p:sld>
+</file>
+
+<file path=ppt/slides/slide32.xml><?xml version="1.0" encoding="utf-8"?>
+<p:sld xmlns:a="http://schemas.openxmlformats.org/drawingml/2006/main" xmlns:r="http://schemas.openxmlformats.org/officeDocument/2006/relationships" xmlns:p="http://schemas.openxmlformats.org/presentationml/2006/main">
+  <p:cSld>
+    <p:spTree>
+      <p:nvGrpSpPr>
+        <p:cNvPr id="1" name=""/>
+        <p:cNvGrpSpPr/>
+        <p:nvPr/>
+      </p:nvGrpSpPr>
+      <p:grpSpPr>
+        <a:xfrm>
+          <a:off x="0" y="0"/>
+          <a:ext cx="0" cy="0"/>
+          <a:chOff x="0" y="0"/>
+          <a:chExt cx="0" cy="0"/>
+        </a:xfrm>
+      </p:grpSpPr>
+      <p:sp>
+        <p:nvSpPr>
+          <p:cNvPr id="2" name="Content Placeholder 1"/>
+          <p:cNvSpPr>
+            <a:spLocks noGrp="1"/>
+          </p:cNvSpPr>
+          <p:nvPr>
+            <p:ph idx="1"/>
+          </p:nvPr>
+        </p:nvSpPr>
+        <p:spPr>
+          <a:xfrm>
+            <a:off x="1270000" y="2489200"/>
+            <a:ext cx="10464800" cy="6959600"/>
+          </a:xfrm>
+        </p:spPr>
+        <p:txBody>
+          <a:bodyPr/>
+          <a:lstStyle/>
+          <a:p>
+            <a:pPr lvl="0"/>
+            <a:r>
+              <a:rPr lang="en-US" sz="3200" dirty="0" smtClean="0"/>
+              <a:t>Complete Project Cycle</a:t>
+            </a:r>
+          </a:p>
+          <a:p>
+            <a:pPr lvl="0"/>
+            <a:r>
+              <a:rPr lang="en-US" sz="3200" dirty="0"/>
+              <a:t>Managing tasks while working on multiple </a:t>
+            </a:r>
+            <a:r>
+              <a:rPr lang="en-US" sz="3200" dirty="0" smtClean="0"/>
+              <a:t>projects</a:t>
+            </a:r>
+          </a:p>
+          <a:p>
+            <a:pPr lvl="0"/>
+            <a:r>
+              <a:rPr lang="en-US" sz="3200" dirty="0" smtClean="0"/>
+              <a:t>Accommodating Change Requests</a:t>
+            </a:r>
+          </a:p>
+          <a:p>
+            <a:pPr lvl="0"/>
+            <a:r>
+              <a:rPr lang="en-US" sz="3200" dirty="0" smtClean="0"/>
+              <a:t>Writing features file in BDD Format.</a:t>
+            </a:r>
+          </a:p>
+          <a:p>
+            <a:pPr lvl="0"/>
+            <a:r>
+              <a:rPr lang="en-US" sz="3200" dirty="0" smtClean="0"/>
+              <a:t>Understating of writing feature files using user story.</a:t>
+            </a:r>
+          </a:p>
+          <a:p>
+            <a:pPr lvl="0"/>
+            <a:r>
+              <a:rPr lang="en-US" sz="3200" dirty="0" smtClean="0"/>
+              <a:t>Writing feature file in table format</a:t>
+            </a:r>
+          </a:p>
+          <a:p>
+            <a:pPr lvl="0"/>
+            <a:r>
+              <a:rPr lang="en-US" sz="3200" dirty="0" smtClean="0"/>
+              <a:t>Sprint Boot</a:t>
+            </a:r>
+          </a:p>
+          <a:p>
+            <a:pPr marL="0" lvl="0" indent="0">
+              <a:buNone/>
+            </a:pPr>
+            <a:endParaRPr lang="en-US" sz="3200" dirty="0" smtClean="0"/>
+          </a:p>
+          <a:p>
+            <a:pPr marL="0" lvl="0" indent="0">
+              <a:buNone/>
+            </a:pPr>
+            <a:endParaRPr lang="en-US" sz="3200" dirty="0"/>
+          </a:p>
+          <a:p>
+            <a:pPr lvl="0"/>
+            <a:endParaRPr lang="en-US" sz="3200" dirty="0" smtClean="0"/>
+          </a:p>
+          <a:p>
+            <a:endParaRPr lang="en-US" sz="3200" dirty="0"/>
+          </a:p>
+        </p:txBody>
+      </p:sp>
+      <p:sp>
+        <p:nvSpPr>
+          <p:cNvPr id="3" name="Title 2"/>
+          <p:cNvSpPr>
+            <a:spLocks noGrp="1"/>
+          </p:cNvSpPr>
+          <p:nvPr>
+            <p:ph type="title"/>
+          </p:nvPr>
+        </p:nvSpPr>
+        <p:spPr/>
+        <p:txBody>
+          <a:bodyPr/>
+          <a:lstStyle/>
+          <a:p>
+            <a:r>
+              <a:rPr lang="en-US" dirty="0" smtClean="0"/>
+              <a:t>Collective Learning</a:t>
+            </a:r>
+            <a:endParaRPr lang="en-US" dirty="0"/>
+          </a:p>
+        </p:txBody>
+      </p:sp>
+      <p:sp>
+        <p:nvSpPr>
+          <p:cNvPr id="4" name="Slide Number Placeholder 3"/>
+          <p:cNvSpPr>
+            <a:spLocks noGrp="1"/>
+          </p:cNvSpPr>
+          <p:nvPr>
+            <p:ph type="sldNum" sz="quarter" idx="10"/>
+          </p:nvPr>
+        </p:nvSpPr>
+        <p:spPr/>
+        <p:txBody>
+          <a:bodyPr/>
+          <a:lstStyle/>
+          <a:p>
+            <a:fld id="{FD0725B6-5DD5-4EEE-A0F0-572C51C8D44F}" type="slidenum">
+              <a:rPr lang="en-US" smtClean="0"/>
+              <a:pPr/>
+              <a:t>32</a:t>
+            </a:fld>
+            <a:endParaRPr lang="en-US"/>
+          </a:p>
+        </p:txBody>
+      </p:sp>
+    </p:spTree>
+    <p:extLst>
+      <p:ext uri="{BB962C8B-B14F-4D97-AF65-F5344CB8AC3E}">
+        <p14:creationId xmlns:p14="http://schemas.microsoft.com/office/powerpoint/2010/main" val="3740603699"/>
+      </p:ext>
+    </p:extLst>
+  </p:cSld>
+  <p:clrMapOvr>
+    <a:masterClrMapping/>
+  </p:clrMapOvr>
+  <p:transition>
+    <p:fade/>
+  </p:transition>
+  <p:timing>
+    <p:tnLst>
+      <p:par>
+        <p:cTn id="1" dur="indefinite" restart="never" nodeType="tmRoot"/>
+      </p:par>
+    </p:tnLst>
+  </p:timing>
+</p:sld>
+</file>
+
+<file path=ppt/slides/slide33.xml><?xml version="1.0" encoding="utf-8"?>
+<p:sld xmlns:a="http://schemas.openxmlformats.org/drawingml/2006/main" xmlns:r="http://schemas.openxmlformats.org/officeDocument/2006/relationships" xmlns:p="http://schemas.openxmlformats.org/presentationml/2006/main">
+  <p:cSld>
+    <p:spTree>
+      <p:nvGrpSpPr>
+        <p:cNvPr id="1" name=""/>
+        <p:cNvGrpSpPr/>
+        <p:nvPr/>
+      </p:nvGrpSpPr>
+      <p:grpSpPr>
+        <a:xfrm>
+          <a:off x="0" y="0"/>
+          <a:ext cx="0" cy="0"/>
+          <a:chOff x="0" y="0"/>
+          <a:chExt cx="0" cy="0"/>
+        </a:xfrm>
+      </p:grpSpPr>
+      <p:sp>
+        <p:nvSpPr>
+          <p:cNvPr id="2" name="Content Placeholder 1"/>
+          <p:cNvSpPr>
+            <a:spLocks noGrp="1"/>
+          </p:cNvSpPr>
+          <p:nvPr>
+            <p:ph idx="1"/>
+          </p:nvPr>
+        </p:nvSpPr>
+        <p:spPr/>
+        <p:txBody>
+          <a:bodyPr/>
+          <a:lstStyle/>
+          <a:p>
+            <a:r>
+              <a:rPr lang="en-US" sz="3200" dirty="0" smtClean="0"/>
+              <a:t>We would like to thank Raghvendra and Bhagyesh for their continuous guidance, taking out time every day to attend our calls, closely examining and providing feedback</a:t>
+            </a:r>
+          </a:p>
+          <a:p>
+            <a:r>
+              <a:rPr lang="en-US" sz="3200" dirty="0" smtClean="0"/>
+              <a:t>Thank you for letting us know where we lacked and for keeping us aligned in right direction.</a:t>
+            </a:r>
+          </a:p>
+        </p:txBody>
+      </p:sp>
+      <p:sp>
+        <p:nvSpPr>
+          <p:cNvPr id="3" name="Title 2"/>
+          <p:cNvSpPr>
+            <a:spLocks noGrp="1"/>
+          </p:cNvSpPr>
+          <p:nvPr>
+            <p:ph type="title"/>
+          </p:nvPr>
+        </p:nvSpPr>
+        <p:spPr/>
+        <p:txBody>
+          <a:bodyPr/>
+          <a:lstStyle/>
+          <a:p>
+            <a:r>
+              <a:rPr lang="en-US" dirty="0" smtClean="0"/>
+              <a:t>Gratitude</a:t>
+            </a:r>
+            <a:endParaRPr lang="en-US" dirty="0"/>
+          </a:p>
+        </p:txBody>
+      </p:sp>
+      <p:sp>
+        <p:nvSpPr>
+          <p:cNvPr id="4" name="Slide Number Placeholder 3"/>
+          <p:cNvSpPr>
+            <a:spLocks noGrp="1"/>
+          </p:cNvSpPr>
+          <p:nvPr>
+            <p:ph type="sldNum" sz="quarter" idx="10"/>
+          </p:nvPr>
+        </p:nvSpPr>
+        <p:spPr/>
+        <p:txBody>
+          <a:bodyPr/>
+          <a:lstStyle/>
+          <a:p>
+            <a:fld id="{FD0725B6-5DD5-4EEE-A0F0-572C51C8D44F}" type="slidenum">
+              <a:rPr lang="en-US" smtClean="0"/>
+              <a:pPr/>
+              <a:t>33</a:t>
             </a:fld>
             <a:endParaRPr lang="en-US"/>
           </a:p>
@@ -9760,7 +10028,7 @@
 </p:sld>
 </file>
 
-<file path=ppt/slides/slide32.xml><?xml version="1.0" encoding="utf-8"?>
+<file path=ppt/slides/slide34.xml><?xml version="1.0" encoding="utf-8"?>
 <p:sld xmlns:a="http://schemas.openxmlformats.org/drawingml/2006/main" xmlns:r="http://schemas.openxmlformats.org/officeDocument/2006/relationships" xmlns:p="http://schemas.openxmlformats.org/presentationml/2006/main" showMasterSp="0">
   <p:cSld>
     <p:spTree>
@@ -9824,7 +10092,7 @@
             <a:fld id="{FD0725B6-5DD5-4EEE-A0F0-572C51C8D44F}" type="slidenum">
               <a:rPr lang="en-US" smtClean="0"/>
               <a:pPr/>
-              <a:t>32</a:t>
+              <a:t>34</a:t>
             </a:fld>
             <a:endParaRPr lang="en-US"/>
           </a:p>

--- a/outsidewar/deliverables/EEteamJ1 Final Presentation.pptx
+++ b/outsidewar/deliverables/EEteamJ1 Final Presentation.pptx
@@ -5,7 +5,7 @@
     <p:sldMasterId id="2147483649" r:id="rId1"/>
   </p:sldMasterIdLst>
   <p:notesMasterIdLst>
-    <p:notesMasterId r:id="rId36"/>
+    <p:notesMasterId r:id="rId35"/>
   </p:notesMasterIdLst>
   <p:sldIdLst>
     <p:sldId id="343" r:id="rId2"/>
@@ -13,35 +13,34 @@
     <p:sldId id="384" r:id="rId4"/>
     <p:sldId id="370" r:id="rId5"/>
     <p:sldId id="371" r:id="rId6"/>
-    <p:sldId id="392" r:id="rId7"/>
-    <p:sldId id="372" r:id="rId8"/>
-    <p:sldId id="386" r:id="rId9"/>
-    <p:sldId id="414" r:id="rId10"/>
-    <p:sldId id="416" r:id="rId11"/>
-    <p:sldId id="415" r:id="rId12"/>
-    <p:sldId id="387" r:id="rId13"/>
-    <p:sldId id="394" r:id="rId14"/>
-    <p:sldId id="374" r:id="rId15"/>
-    <p:sldId id="395" r:id="rId16"/>
-    <p:sldId id="375" r:id="rId17"/>
-    <p:sldId id="420" r:id="rId18"/>
-    <p:sldId id="419" r:id="rId19"/>
-    <p:sldId id="376" r:id="rId20"/>
-    <p:sldId id="377" r:id="rId21"/>
-    <p:sldId id="417" r:id="rId22"/>
-    <p:sldId id="385" r:id="rId23"/>
-    <p:sldId id="418" r:id="rId24"/>
-    <p:sldId id="373" r:id="rId25"/>
-    <p:sldId id="378" r:id="rId26"/>
-    <p:sldId id="381" r:id="rId27"/>
-    <p:sldId id="412" r:id="rId28"/>
-    <p:sldId id="382" r:id="rId29"/>
-    <p:sldId id="379" r:id="rId30"/>
-    <p:sldId id="390" r:id="rId31"/>
-    <p:sldId id="380" r:id="rId32"/>
-    <p:sldId id="393" r:id="rId33"/>
-    <p:sldId id="389" r:id="rId34"/>
-    <p:sldId id="348" r:id="rId35"/>
+    <p:sldId id="372" r:id="rId7"/>
+    <p:sldId id="386" r:id="rId8"/>
+    <p:sldId id="414" r:id="rId9"/>
+    <p:sldId id="416" r:id="rId10"/>
+    <p:sldId id="415" r:id="rId11"/>
+    <p:sldId id="387" r:id="rId12"/>
+    <p:sldId id="394" r:id="rId13"/>
+    <p:sldId id="374" r:id="rId14"/>
+    <p:sldId id="395" r:id="rId15"/>
+    <p:sldId id="375" r:id="rId16"/>
+    <p:sldId id="420" r:id="rId17"/>
+    <p:sldId id="419" r:id="rId18"/>
+    <p:sldId id="376" r:id="rId19"/>
+    <p:sldId id="377" r:id="rId20"/>
+    <p:sldId id="417" r:id="rId21"/>
+    <p:sldId id="385" r:id="rId22"/>
+    <p:sldId id="418" r:id="rId23"/>
+    <p:sldId id="373" r:id="rId24"/>
+    <p:sldId id="378" r:id="rId25"/>
+    <p:sldId id="381" r:id="rId26"/>
+    <p:sldId id="412" r:id="rId27"/>
+    <p:sldId id="382" r:id="rId28"/>
+    <p:sldId id="379" r:id="rId29"/>
+    <p:sldId id="390" r:id="rId30"/>
+    <p:sldId id="380" r:id="rId31"/>
+    <p:sldId id="393" r:id="rId32"/>
+    <p:sldId id="389" r:id="rId33"/>
+    <p:sldId id="348" r:id="rId34"/>
   </p:sldIdLst>
   <p:sldSz cx="13004800" cy="9753600"/>
   <p:notesSz cx="6858000" cy="9144000"/>
@@ -276,11 +275,11 @@
         </c:dLbls>
         <c:gapWidth val="219"/>
         <c:overlap val="-27"/>
-        <c:axId val="1719244848"/>
-        <c:axId val="1719245936"/>
+        <c:axId val="-107204848"/>
+        <c:axId val="-107202672"/>
       </c:barChart>
       <c:catAx>
-        <c:axId val="1719244848"/>
+        <c:axId val="-107204848"/>
         <c:scaling>
           <c:orientation val="minMax"/>
         </c:scaling>
@@ -365,7 +364,7 @@
             <a:endParaRPr lang="en-US"/>
           </a:p>
         </c:txPr>
-        <c:crossAx val="1719245936"/>
+        <c:crossAx val="-107202672"/>
         <c:crosses val="autoZero"/>
         <c:auto val="1"/>
         <c:lblAlgn val="ctr"/>
@@ -373,7 +372,7 @@
         <c:noMultiLvlLbl val="0"/>
       </c:catAx>
       <c:valAx>
-        <c:axId val="1719245936"/>
+        <c:axId val="-107202672"/>
         <c:scaling>
           <c:orientation val="minMax"/>
         </c:scaling>
@@ -464,7 +463,7 @@
             <a:endParaRPr lang="en-US"/>
           </a:p>
         </c:txPr>
-        <c:crossAx val="1719244848"/>
+        <c:crossAx val="-107204848"/>
         <c:crosses val="autoZero"/>
         <c:crossBetween val="between"/>
       </c:valAx>
@@ -644,7 +643,7 @@
             <a:fld id="{C3811913-B8DA-492B-B826-9518B83BF6E7}" type="datetimeFigureOut">
               <a:rPr lang="en-US"/>
               <a:pPr/>
-              <a:t>12/30/2015</a:t>
+              <a:t>1/5/2016</a:t>
             </a:fld>
             <a:endParaRPr lang="en-US"/>
           </a:p>
@@ -1524,7 +1523,7 @@
         <p:spPr>
           <a:extLst>
             <a:ext uri="{FAA26D3D-D897-4be2-8F04-BA451C77F1D7}">
-              <ma14:placeholderFlag xmlns="" xmlns:ma14="http://schemas.microsoft.com/office/mac/drawingml/2011/main" val="1"/>
+              <ma14:placeholderFlag xmlns:ma14="http://schemas.microsoft.com/office/mac/drawingml/2011/main" xmlns="" val="1"/>
             </a:ext>
           </a:extLst>
         </p:spPr>
@@ -1857,7 +1856,7 @@
         <p:spPr>
           <a:extLst>
             <a:ext uri="{FAA26D3D-D897-4be2-8F04-BA451C77F1D7}">
-              <ma14:placeholderFlag xmlns="" xmlns:ma14="http://schemas.microsoft.com/office/mac/drawingml/2011/main" val="1"/>
+              <ma14:placeholderFlag xmlns:ma14="http://schemas.microsoft.com/office/mac/drawingml/2011/main" xmlns="" val="1"/>
             </a:ext>
           </a:extLst>
         </p:spPr>
@@ -2169,7 +2168,7 @@
         <p:spPr>
           <a:extLst>
             <a:ext uri="{FAA26D3D-D897-4be2-8F04-BA451C77F1D7}">
-              <ma14:placeholderFlag xmlns="" xmlns:ma14="http://schemas.microsoft.com/office/mac/drawingml/2011/main" val="1"/>
+              <ma14:placeholderFlag xmlns:ma14="http://schemas.microsoft.com/office/mac/drawingml/2011/main" xmlns="" val="1"/>
             </a:ext>
           </a:extLst>
         </p:spPr>
@@ -2506,7 +2505,7 @@
         <p:spPr>
           <a:extLst>
             <a:ext uri="{FAA26D3D-D897-4be2-8F04-BA451C77F1D7}">
-              <ma14:placeholderFlag xmlns="" xmlns:ma14="http://schemas.microsoft.com/office/mac/drawingml/2011/main" val="1"/>
+              <ma14:placeholderFlag xmlns:ma14="http://schemas.microsoft.com/office/mac/drawingml/2011/main" xmlns="" val="1"/>
             </a:ext>
           </a:extLst>
         </p:spPr>
@@ -2701,7 +2700,7 @@
         <p:spPr>
           <a:extLst>
             <a:ext uri="{FAA26D3D-D897-4be2-8F04-BA451C77F1D7}">
-              <ma14:placeholderFlag xmlns="" xmlns:ma14="http://schemas.microsoft.com/office/mac/drawingml/2011/main" val="1"/>
+              <ma14:placeholderFlag xmlns:ma14="http://schemas.microsoft.com/office/mac/drawingml/2011/main" xmlns="" val="1"/>
             </a:ext>
           </a:extLst>
         </p:spPr>
@@ -2977,7 +2976,7 @@
         <p:spPr>
           <a:extLst>
             <a:ext uri="{FAA26D3D-D897-4be2-8F04-BA451C77F1D7}">
-              <ma14:placeholderFlag xmlns="" xmlns:ma14="http://schemas.microsoft.com/office/mac/drawingml/2011/main" val="1"/>
+              <ma14:placeholderFlag xmlns:ma14="http://schemas.microsoft.com/office/mac/drawingml/2011/main" xmlns="" val="1"/>
             </a:ext>
           </a:extLst>
         </p:spPr>
@@ -3227,7 +3226,7 @@
         <p:spPr>
           <a:extLst>
             <a:ext uri="{FAA26D3D-D897-4be2-8F04-BA451C77F1D7}">
-              <ma14:placeholderFlag xmlns="" xmlns:ma14="http://schemas.microsoft.com/office/mac/drawingml/2011/main" val="1"/>
+              <ma14:placeholderFlag xmlns:ma14="http://schemas.microsoft.com/office/mac/drawingml/2011/main" xmlns="" val="1"/>
             </a:ext>
           </a:extLst>
         </p:spPr>
@@ -3513,7 +3512,7 @@
               </a14:hiddenEffects>
             </a:ext>
             <a:ext uri="{FAA26D3D-D897-4be2-8F04-BA451C77F1D7}">
-              <ma14:placeholderFlag xmlns="" xmlns:ma14="http://schemas.microsoft.com/office/mac/drawingml/2011/main" val="1"/>
+              <ma14:placeholderFlag xmlns:ma14="http://schemas.microsoft.com/office/mac/drawingml/2011/main" xmlns="" val="1"/>
             </a:ext>
           </a:extLst>
         </p:spPr>
@@ -4167,7 +4166,7 @@
         <p:spPr>
           <a:extLst>
             <a:ext uri="{FAA26D3D-D897-4be2-8F04-BA451C77F1D7}">
-              <ma14:placeholderFlag xmlns="" xmlns:ma14="http://schemas.microsoft.com/office/mac/drawingml/2011/main" val="1"/>
+              <ma14:placeholderFlag xmlns:ma14="http://schemas.microsoft.com/office/mac/drawingml/2011/main" xmlns="" val="1"/>
             </a:ext>
           </a:extLst>
         </p:spPr>
@@ -4637,8 +4636,8 @@
         </p:nvSpPr>
         <p:spPr>
           <a:xfrm>
-            <a:off x="1270000" y="304800"/>
-            <a:ext cx="10464800" cy="2743200"/>
+            <a:off x="1270000" y="254000"/>
+            <a:ext cx="10464800" cy="2794000"/>
           </a:xfrm>
         </p:spPr>
         <p:txBody>
@@ -4647,7 +4646,7 @@
           <a:p>
             <a:r>
               <a:rPr lang="en-US" dirty="0"/>
-              <a:t>Service / Request Flow</a:t>
+              <a:t>Market Trends</a:t>
             </a:r>
             <a:br>
               <a:rPr lang="en-US" dirty="0"/>
@@ -4680,36 +4679,122 @@
           </a:p>
         </p:txBody>
       </p:sp>
-      <p:pic>
-        <p:nvPicPr>
+      <p:sp>
+        <p:nvSpPr>
           <p:cNvPr id="5" name="Content Placeholder 4"/>
-          <p:cNvPicPr>
-            <a:picLocks noGrp="1" noChangeAspect="1"/>
-          </p:cNvPicPr>
+          <p:cNvSpPr txBox="1">
+            <a:spLocks noGrp="1"/>
+          </p:cNvSpPr>
           <p:nvPr>
             <p:ph idx="1"/>
           </p:nvPr>
-        </p:nvPicPr>
-        <p:blipFill>
-          <a:blip r:embed="rId2"/>
-          <a:stretch>
-            <a:fillRect/>
-          </a:stretch>
-        </p:blipFill>
+        </p:nvSpPr>
         <p:spPr>
           <a:xfrm>
-            <a:off x="1016000" y="2751499"/>
-            <a:ext cx="10896600" cy="6382976"/>
+            <a:off x="1270000" y="2540000"/>
+            <a:ext cx="10464800" cy="6253315"/>
           </a:xfrm>
           <a:prstGeom prst="rect">
             <a:avLst/>
           </a:prstGeom>
+          <a:noFill/>
         </p:spPr>
-      </p:pic>
+        <p:txBody>
+          <a:bodyPr wrap="square" rtlCol="0">
+            <a:spAutoFit/>
+          </a:bodyPr>
+          <a:lstStyle/>
+          <a:p>
+            <a:pPr marL="285750" indent="-285750">
+              <a:lnSpc>
+                <a:spcPct val="150000"/>
+              </a:lnSpc>
+              <a:buFont typeface="Arial" panose="020B0604020202020204" pitchFamily="34" charset="0"/>
+              <a:buChar char="•"/>
+            </a:pPr>
+            <a:r>
+              <a:rPr lang="en-US" sz="2400" dirty="0">
+                <a:latin typeface="Times New Roman" pitchFamily="18" charset="0"/>
+                <a:ea typeface="ヒラギノ角ゴ ProN W3" charset="0"/>
+                <a:cs typeface="Times New Roman" pitchFamily="18" charset="0"/>
+              </a:rPr>
+              <a:t>The world is at the herald of a new era, known as the On Demand Economy. </a:t>
+            </a:r>
+          </a:p>
+          <a:p>
+            <a:pPr marL="285750" indent="-285750">
+              <a:lnSpc>
+                <a:spcPct val="150000"/>
+              </a:lnSpc>
+              <a:buFont typeface="Arial" panose="020B0604020202020204" pitchFamily="34" charset="0"/>
+              <a:buChar char="•"/>
+            </a:pPr>
+            <a:r>
+              <a:rPr lang="en-US" sz="2400" dirty="0">
+                <a:latin typeface="Times New Roman" pitchFamily="18" charset="0"/>
+                <a:ea typeface="ヒラギノ角ゴ ProN W3" charset="0"/>
+                <a:cs typeface="Times New Roman" pitchFamily="18" charset="0"/>
+              </a:rPr>
+              <a:t>It a surprise to know about the pace at which mobile internet is penetrating our lifestyle, and how this development is growing on every modern citizen. </a:t>
+            </a:r>
+          </a:p>
+          <a:p>
+            <a:pPr marL="285750" indent="-285750">
+              <a:lnSpc>
+                <a:spcPct val="150000"/>
+              </a:lnSpc>
+              <a:buFont typeface="Arial" panose="020B0604020202020204" pitchFamily="34" charset="0"/>
+              <a:buChar char="•"/>
+            </a:pPr>
+            <a:r>
+              <a:rPr lang="en-US" sz="2400" dirty="0">
+                <a:latin typeface="Times New Roman" pitchFamily="18" charset="0"/>
+                <a:ea typeface="ヒラギノ角ゴ ProN W3" charset="0"/>
+                <a:cs typeface="Times New Roman" pitchFamily="18" charset="0"/>
+              </a:rPr>
+              <a:t>‘Instant gratification’ is no longer a craze, but a lifestyle choice that every consumer with a smartphone has made. </a:t>
+            </a:r>
+          </a:p>
+          <a:p>
+            <a:pPr marL="285750" indent="-285750">
+              <a:lnSpc>
+                <a:spcPct val="150000"/>
+              </a:lnSpc>
+              <a:buFont typeface="Arial" panose="020B0604020202020204" pitchFamily="34" charset="0"/>
+              <a:buChar char="•"/>
+            </a:pPr>
+            <a:r>
+              <a:rPr lang="en-US" sz="2400" dirty="0">
+                <a:latin typeface="Times New Roman" pitchFamily="18" charset="0"/>
+                <a:ea typeface="ヒラギノ角ゴ ProN W3" charset="0"/>
+                <a:cs typeface="Times New Roman" pitchFamily="18" charset="0"/>
+              </a:rPr>
+              <a:t>Given that many entrepreneurs are coming up with unique ideas disrupting value chains across many established industry verticals.</a:t>
+            </a:r>
+          </a:p>
+          <a:p>
+            <a:pPr marL="285750" indent="-285750">
+              <a:lnSpc>
+                <a:spcPct val="150000"/>
+              </a:lnSpc>
+              <a:buFont typeface="Arial" panose="020B0604020202020204" pitchFamily="34" charset="0"/>
+              <a:buChar char="•"/>
+            </a:pPr>
+            <a:r>
+              <a:rPr lang="en-US" sz="2400" dirty="0">
+                <a:latin typeface="Times New Roman" pitchFamily="18" charset="0"/>
+                <a:ea typeface="ヒラギノ角ゴ ProN W3" charset="0"/>
+                <a:cs typeface="Times New Roman" pitchFamily="18" charset="0"/>
+              </a:rPr>
+              <a:t>Powering On Demand Businesses from the technology perspective to conceptualize di­fferent aspects of business idea.</a:t>
+            </a:r>
+          </a:p>
+        </p:txBody>
+      </p:sp>
     </p:spTree>
     <p:extLst>
       <p:ext uri="{BB962C8B-B14F-4D97-AF65-F5344CB8AC3E}">
-        <p14:creationId xmlns:p14="http://schemas.microsoft.com/office/powerpoint/2010/main" val="1593345565"/>
+        <p14:creationId xmlns:p14="http://schemas.microsoft.com/office/powerpoint/2010/main" val="2950380194"/>
       </p:ext>
     </p:extLst>
   </p:cSld>
@@ -4741,6 +4826,131 @@
       </p:grpSpPr>
       <p:sp>
         <p:nvSpPr>
+          <p:cNvPr id="2" name="Content Placeholder 1"/>
+          <p:cNvSpPr>
+            <a:spLocks noGrp="1"/>
+          </p:cNvSpPr>
+          <p:nvPr>
+            <p:ph idx="1"/>
+          </p:nvPr>
+        </p:nvSpPr>
+        <p:spPr>
+          <a:xfrm>
+            <a:off x="1270000" y="2540000"/>
+            <a:ext cx="10464800" cy="5308600"/>
+          </a:xfrm>
+        </p:spPr>
+        <p:txBody>
+          <a:bodyPr/>
+          <a:lstStyle/>
+          <a:p>
+            <a:pPr>
+              <a:buFont typeface="Arial" pitchFamily="34" charset="0"/>
+              <a:buChar char="•"/>
+            </a:pPr>
+            <a:r>
+              <a:rPr lang="en-US" sz="2400" dirty="0">
+                <a:latin typeface="Times New Roman" pitchFamily="18" charset="0"/>
+                <a:ea typeface="ヒラギノ角ゴ ProN W3" charset="0"/>
+                <a:cs typeface="Times New Roman" pitchFamily="18" charset="0"/>
+              </a:rPr>
+              <a:t>Database design ER diagram</a:t>
+            </a:r>
+          </a:p>
+          <a:p>
+            <a:pPr>
+              <a:buFont typeface="Arial" pitchFamily="34" charset="0"/>
+              <a:buChar char="•"/>
+            </a:pPr>
+            <a:r>
+              <a:rPr lang="en-US" altLang="ja-JP" sz="2400" dirty="0" smtClean="0">
+                <a:latin typeface="Times New Roman" pitchFamily="18" charset="0"/>
+                <a:ea typeface="ヒラギノ角ゴ ProN W3" charset="0"/>
+                <a:cs typeface="Times New Roman" pitchFamily="18" charset="0"/>
+              </a:rPr>
+              <a:t>4+1 Solution Architecture Document</a:t>
+            </a:r>
+          </a:p>
+          <a:p>
+            <a:pPr>
+              <a:buFont typeface="Arial" pitchFamily="34" charset="0"/>
+              <a:buChar char="•"/>
+            </a:pPr>
+            <a:r>
+              <a:rPr lang="en-US" altLang="ja-JP" sz="2400" dirty="0" smtClean="0">
+                <a:latin typeface="Times New Roman" pitchFamily="18" charset="0"/>
+                <a:ea typeface="ヒラギノ角ゴ ProN W3" charset="0"/>
+                <a:cs typeface="Times New Roman" pitchFamily="18" charset="0"/>
+              </a:rPr>
+              <a:t>Sonar Reports</a:t>
+            </a:r>
+          </a:p>
+          <a:p>
+            <a:pPr>
+              <a:buFont typeface="Arial" pitchFamily="34" charset="0"/>
+              <a:buChar char="•"/>
+            </a:pPr>
+            <a:r>
+              <a:rPr lang="en-US" altLang="ja-JP" sz="2400" dirty="0" smtClean="0">
+                <a:latin typeface="Times New Roman" pitchFamily="18" charset="0"/>
+                <a:ea typeface="ヒラギノ角ゴ ProN W3" charset="0"/>
+                <a:cs typeface="Times New Roman" pitchFamily="18" charset="0"/>
+              </a:rPr>
+              <a:t>Application </a:t>
+            </a:r>
+            <a:r>
+              <a:rPr lang="en-US" altLang="ja-JP" sz="2400" dirty="0">
+                <a:latin typeface="Times New Roman" pitchFamily="18" charset="0"/>
+                <a:ea typeface="ヒラギノ角ゴ ProN W3" charset="0"/>
+                <a:cs typeface="Times New Roman" pitchFamily="18" charset="0"/>
+              </a:rPr>
+              <a:t>Deployment </a:t>
+            </a:r>
+            <a:r>
+              <a:rPr lang="en-US" altLang="ja-JP" sz="2400" dirty="0" smtClean="0">
+                <a:latin typeface="Times New Roman" pitchFamily="18" charset="0"/>
+                <a:ea typeface="ヒラギノ角ゴ ProN W3" charset="0"/>
+                <a:cs typeface="Times New Roman" pitchFamily="18" charset="0"/>
+              </a:rPr>
+              <a:t>Document</a:t>
+            </a:r>
+          </a:p>
+          <a:p>
+            <a:pPr marL="0" indent="0">
+              <a:buNone/>
+            </a:pPr>
+            <a:endParaRPr lang="en-US" altLang="ja-JP" sz="2400" dirty="0" smtClean="0">
+              <a:latin typeface="Times New Roman" pitchFamily="18" charset="0"/>
+              <a:ea typeface="ヒラギノ角ゴ ProN W3" charset="0"/>
+              <a:cs typeface="Times New Roman" pitchFamily="18" charset="0"/>
+            </a:endParaRPr>
+          </a:p>
+          <a:p>
+            <a:pPr>
+              <a:buFont typeface="Arial" pitchFamily="34" charset="0"/>
+              <a:buChar char="•"/>
+            </a:pPr>
+            <a:endParaRPr lang="en-US" altLang="ja-JP" sz="2400" dirty="0">
+              <a:latin typeface="Times New Roman" pitchFamily="18" charset="0"/>
+              <a:ea typeface="ヒラギノ角ゴ ProN W3" charset="0"/>
+              <a:cs typeface="Times New Roman" pitchFamily="18" charset="0"/>
+            </a:endParaRPr>
+          </a:p>
+          <a:p>
+            <a:pPr>
+              <a:buFont typeface="Arial" pitchFamily="34" charset="0"/>
+              <a:buChar char="•"/>
+            </a:pPr>
+            <a:endParaRPr lang="en-US" altLang="ja-JP" sz="2400" dirty="0" smtClean="0">
+              <a:latin typeface="Times New Roman" pitchFamily="18" charset="0"/>
+              <a:ea typeface="ヒラギノ角ゴ ProN W3" charset="0"/>
+              <a:cs typeface="Times New Roman" pitchFamily="18" charset="0"/>
+            </a:endParaRPr>
+          </a:p>
+        </p:txBody>
+      </p:sp>
+      <p:sp>
+        <p:nvSpPr>
           <p:cNvPr id="3" name="Title 2"/>
           <p:cNvSpPr>
             <a:spLocks noGrp="1"/>
@@ -4749,23 +4959,15 @@
             <p:ph type="title"/>
           </p:nvPr>
         </p:nvSpPr>
-        <p:spPr>
-          <a:xfrm>
-            <a:off x="1270000" y="254000"/>
-            <a:ext cx="10464800" cy="2794000"/>
-          </a:xfrm>
-        </p:spPr>
+        <p:spPr/>
         <p:txBody>
           <a:bodyPr/>
           <a:lstStyle/>
           <a:p>
             <a:r>
-              <a:rPr lang="en-US" dirty="0"/>
-              <a:t>Market Trends</a:t>
-            </a:r>
-            <a:br>
-              <a:rPr lang="en-US" dirty="0"/>
-            </a:br>
+              <a:rPr lang="en-US" dirty="0" smtClean="0"/>
+              <a:t>Deliverables</a:t>
+            </a:r>
             <a:endParaRPr lang="en-US" dirty="0"/>
           </a:p>
         </p:txBody>
@@ -4794,122 +4996,10 @@
           </a:p>
         </p:txBody>
       </p:sp>
-      <p:sp>
-        <p:nvSpPr>
-          <p:cNvPr id="5" name="Content Placeholder 4"/>
-          <p:cNvSpPr txBox="1">
-            <a:spLocks noGrp="1"/>
-          </p:cNvSpPr>
-          <p:nvPr>
-            <p:ph idx="1"/>
-          </p:nvPr>
-        </p:nvSpPr>
-        <p:spPr>
-          <a:xfrm>
-            <a:off x="1270000" y="2540000"/>
-            <a:ext cx="10464800" cy="6253315"/>
-          </a:xfrm>
-          <a:prstGeom prst="rect">
-            <a:avLst/>
-          </a:prstGeom>
-          <a:noFill/>
-        </p:spPr>
-        <p:txBody>
-          <a:bodyPr wrap="square" rtlCol="0">
-            <a:spAutoFit/>
-          </a:bodyPr>
-          <a:lstStyle/>
-          <a:p>
-            <a:pPr marL="285750" indent="-285750">
-              <a:lnSpc>
-                <a:spcPct val="150000"/>
-              </a:lnSpc>
-              <a:buFont typeface="Arial" panose="020B0604020202020204" pitchFamily="34" charset="0"/>
-              <a:buChar char="•"/>
-            </a:pPr>
-            <a:r>
-              <a:rPr lang="en-US" sz="2400" dirty="0">
-                <a:latin typeface="Times New Roman" pitchFamily="18" charset="0"/>
-                <a:ea typeface="ヒラギノ角ゴ ProN W3" charset="0"/>
-                <a:cs typeface="Times New Roman" pitchFamily="18" charset="0"/>
-              </a:rPr>
-              <a:t>The world is at the herald of a new era, known as the On Demand Economy. </a:t>
-            </a:r>
-          </a:p>
-          <a:p>
-            <a:pPr marL="285750" indent="-285750">
-              <a:lnSpc>
-                <a:spcPct val="150000"/>
-              </a:lnSpc>
-              <a:buFont typeface="Arial" panose="020B0604020202020204" pitchFamily="34" charset="0"/>
-              <a:buChar char="•"/>
-            </a:pPr>
-            <a:r>
-              <a:rPr lang="en-US" sz="2400" dirty="0">
-                <a:latin typeface="Times New Roman" pitchFamily="18" charset="0"/>
-                <a:ea typeface="ヒラギノ角ゴ ProN W3" charset="0"/>
-                <a:cs typeface="Times New Roman" pitchFamily="18" charset="0"/>
-              </a:rPr>
-              <a:t>It a surprise to know about the pace at which mobile internet is penetrating our lifestyle, and how this development is growing on every modern citizen. </a:t>
-            </a:r>
-          </a:p>
-          <a:p>
-            <a:pPr marL="285750" indent="-285750">
-              <a:lnSpc>
-                <a:spcPct val="150000"/>
-              </a:lnSpc>
-              <a:buFont typeface="Arial" panose="020B0604020202020204" pitchFamily="34" charset="0"/>
-              <a:buChar char="•"/>
-            </a:pPr>
-            <a:r>
-              <a:rPr lang="en-US" sz="2400" dirty="0">
-                <a:latin typeface="Times New Roman" pitchFamily="18" charset="0"/>
-                <a:ea typeface="ヒラギノ角ゴ ProN W3" charset="0"/>
-                <a:cs typeface="Times New Roman" pitchFamily="18" charset="0"/>
-              </a:rPr>
-              <a:t>‘Instant gratification’ is no longer a craze, but a lifestyle choice that every consumer with a smartphone has made. </a:t>
-            </a:r>
-          </a:p>
-          <a:p>
-            <a:pPr marL="285750" indent="-285750">
-              <a:lnSpc>
-                <a:spcPct val="150000"/>
-              </a:lnSpc>
-              <a:buFont typeface="Arial" panose="020B0604020202020204" pitchFamily="34" charset="0"/>
-              <a:buChar char="•"/>
-            </a:pPr>
-            <a:r>
-              <a:rPr lang="en-US" sz="2400" dirty="0">
-                <a:latin typeface="Times New Roman" pitchFamily="18" charset="0"/>
-                <a:ea typeface="ヒラギノ角ゴ ProN W3" charset="0"/>
-                <a:cs typeface="Times New Roman" pitchFamily="18" charset="0"/>
-              </a:rPr>
-              <a:t>Given that many entrepreneurs are coming up with unique ideas disrupting value chains across many established industry verticals.</a:t>
-            </a:r>
-          </a:p>
-          <a:p>
-            <a:pPr marL="285750" indent="-285750">
-              <a:lnSpc>
-                <a:spcPct val="150000"/>
-              </a:lnSpc>
-              <a:buFont typeface="Arial" panose="020B0604020202020204" pitchFamily="34" charset="0"/>
-              <a:buChar char="•"/>
-            </a:pPr>
-            <a:r>
-              <a:rPr lang="en-US" sz="2400" dirty="0">
-                <a:latin typeface="Times New Roman" pitchFamily="18" charset="0"/>
-                <a:ea typeface="ヒラギノ角ゴ ProN W3" charset="0"/>
-                <a:cs typeface="Times New Roman" pitchFamily="18" charset="0"/>
-              </a:rPr>
-              <a:t>Powering On Demand Businesses from the technology perspective to conceptualize di­fferent aspects of business idea.</a:t>
-            </a:r>
-          </a:p>
-        </p:txBody>
-      </p:sp>
     </p:spTree>
     <p:extLst>
       <p:ext uri="{BB962C8B-B14F-4D97-AF65-F5344CB8AC3E}">
-        <p14:creationId xmlns:p14="http://schemas.microsoft.com/office/powerpoint/2010/main" val="2950380194"/>
+        <p14:creationId xmlns:p14="http://schemas.microsoft.com/office/powerpoint/2010/main" val="3020450558"/>
       </p:ext>
     </p:extLst>
   </p:cSld>
@@ -4919,6 +5009,13 @@
   <p:transition>
     <p:fade/>
   </p:transition>
+  <p:timing>
+    <p:tnLst>
+      <p:par>
+        <p:cTn id="1" dur="indefinite" restart="never" nodeType="tmRoot"/>
+      </p:par>
+    </p:tnLst>
+  </p:timing>
 </p:sld>
 </file>
 
@@ -4964,26 +5061,12 @@
               <a:buChar char="•"/>
             </a:pPr>
             <a:r>
-              <a:rPr lang="en-US" sz="2400" dirty="0">
-                <a:latin typeface="Times New Roman" pitchFamily="18" charset="0"/>
-                <a:ea typeface="ヒラギノ角ゴ ProN W3" charset="0"/>
-                <a:cs typeface="Times New Roman" pitchFamily="18" charset="0"/>
-              </a:rPr>
-              <a:t>Database design ER diagram</a:t>
-            </a:r>
-          </a:p>
-          <a:p>
-            <a:pPr>
-              <a:buFont typeface="Arial" pitchFamily="34" charset="0"/>
-              <a:buChar char="•"/>
-            </a:pPr>
-            <a:r>
               <a:rPr lang="en-US" altLang="ja-JP" sz="2400" dirty="0" smtClean="0">
                 <a:latin typeface="Times New Roman" pitchFamily="18" charset="0"/>
                 <a:ea typeface="ヒラギノ角ゴ ProN W3" charset="0"/>
                 <a:cs typeface="Times New Roman" pitchFamily="18" charset="0"/>
               </a:rPr>
-              <a:t>4+1 Solution Architecture Document</a:t>
+              <a:t>Test Plan</a:t>
             </a:r>
           </a:p>
           <a:p>
@@ -4997,7 +5080,7 @@
                 <a:ea typeface="ヒラギノ角ゴ ProN W3" charset="0"/>
                 <a:cs typeface="Times New Roman" pitchFamily="18" charset="0"/>
               </a:rPr>
-              <a:t>Sonar Reports</a:t>
+              <a:t>Test case scenarios</a:t>
             </a:r>
           </a:p>
           <a:p>
@@ -5011,56 +5094,8 @@
                 <a:ea typeface="ヒラギノ角ゴ ProN W3" charset="0"/>
                 <a:cs typeface="Times New Roman" pitchFamily="18" charset="0"/>
               </a:rPr>
-              <a:t>Application </a:t>
-            </a:r>
-            <a:r>
-              <a:rPr lang="en-US" altLang="ja-JP" sz="2400" dirty="0">
-                <a:latin typeface="Times New Roman" pitchFamily="18" charset="0"/>
-                <a:ea typeface="ヒラギノ角ゴ ProN W3" charset="0"/>
-                <a:cs typeface="Times New Roman" pitchFamily="18" charset="0"/>
-              </a:rPr>
-              <a:t>Deployment </a:t>
-            </a:r>
-            <a:r>
-              <a:rPr lang="en-US" altLang="ja-JP" sz="2400" dirty="0" smtClean="0">
-                <a:latin typeface="Times New Roman" pitchFamily="18" charset="0"/>
-                <a:ea typeface="ヒラギノ角ゴ ProN W3" charset="0"/>
-                <a:cs typeface="Times New Roman" pitchFamily="18" charset="0"/>
-              </a:rPr>
-              <a:t>Document</a:t>
-            </a:r>
-          </a:p>
-          <a:p>
-            <a:pPr marL="0" indent="0">
-              <a:buNone/>
-            </a:pPr>
-            <a:endParaRPr lang="en-US" altLang="ja-JP" sz="2400" dirty="0" smtClean="0">
-              <a:latin typeface="Times New Roman" pitchFamily="18" charset="0"/>
-              <a:ea typeface="ヒラギノ角ゴ ProN W3" charset="0"/>
-              <a:cs typeface="Times New Roman" pitchFamily="18" charset="0"/>
-            </a:endParaRPr>
-          </a:p>
-          <a:p>
-            <a:pPr>
-              <a:buFont typeface="Arial" pitchFamily="34" charset="0"/>
-              <a:buChar char="•"/>
-            </a:pPr>
-            <a:endParaRPr lang="en-US" altLang="ja-JP" sz="2400" dirty="0">
-              <a:latin typeface="Times New Roman" pitchFamily="18" charset="0"/>
-              <a:ea typeface="ヒラギノ角ゴ ProN W3" charset="0"/>
-              <a:cs typeface="Times New Roman" pitchFamily="18" charset="0"/>
-            </a:endParaRPr>
-          </a:p>
-          <a:p>
-            <a:pPr>
-              <a:buFont typeface="Arial" pitchFamily="34" charset="0"/>
-              <a:buChar char="•"/>
-            </a:pPr>
-            <a:endParaRPr lang="en-US" altLang="ja-JP" sz="2400" dirty="0" smtClean="0">
-              <a:latin typeface="Times New Roman" pitchFamily="18" charset="0"/>
-              <a:ea typeface="ヒラギノ角ゴ ProN W3" charset="0"/>
-              <a:cs typeface="Times New Roman" pitchFamily="18" charset="0"/>
-            </a:endParaRPr>
+              <a:t>Automation framework Document</a:t>
+            </a:r>
           </a:p>
         </p:txBody>
       </p:sp>
@@ -5114,7 +5149,7 @@
     </p:spTree>
     <p:extLst>
       <p:ext uri="{BB962C8B-B14F-4D97-AF65-F5344CB8AC3E}">
-        <p14:creationId xmlns:p14="http://schemas.microsoft.com/office/powerpoint/2010/main" val="3020450558"/>
+        <p14:creationId xmlns:p14="http://schemas.microsoft.com/office/powerpoint/2010/main" val="3878379446"/>
       </p:ext>
     </p:extLst>
   </p:cSld>
@@ -5161,56 +5196,16 @@
             <p:ph idx="1"/>
           </p:nvPr>
         </p:nvSpPr>
-        <p:spPr>
-          <a:xfrm>
-            <a:off x="1270000" y="2540000"/>
-            <a:ext cx="10464800" cy="5308600"/>
-          </a:xfrm>
-        </p:spPr>
+        <p:spPr/>
         <p:txBody>
           <a:bodyPr/>
           <a:lstStyle/>
           <a:p>
-            <a:pPr>
-              <a:buFont typeface="Arial" pitchFamily="34" charset="0"/>
-              <a:buChar char="•"/>
-            </a:pPr>
-            <a:r>
-              <a:rPr lang="en-US" altLang="ja-JP" sz="2400" dirty="0" smtClean="0">
-                <a:latin typeface="Times New Roman" pitchFamily="18" charset="0"/>
-                <a:ea typeface="ヒラギノ角ゴ ProN W3" charset="0"/>
-                <a:cs typeface="Times New Roman" pitchFamily="18" charset="0"/>
-              </a:rPr>
-              <a:t>Test Plan</a:t>
-            </a:r>
-          </a:p>
-          <a:p>
-            <a:pPr>
-              <a:buFont typeface="Arial" pitchFamily="34" charset="0"/>
-              <a:buChar char="•"/>
-            </a:pPr>
-            <a:r>
-              <a:rPr lang="en-US" altLang="ja-JP" sz="2400" dirty="0" smtClean="0">
-                <a:latin typeface="Times New Roman" pitchFamily="18" charset="0"/>
-                <a:ea typeface="ヒラギノ角ゴ ProN W3" charset="0"/>
-                <a:cs typeface="Times New Roman" pitchFamily="18" charset="0"/>
-              </a:rPr>
-              <a:t>Test case scenarios</a:t>
-            </a:r>
-          </a:p>
-          <a:p>
-            <a:pPr>
-              <a:buFont typeface="Arial" pitchFamily="34" charset="0"/>
-              <a:buChar char="•"/>
-            </a:pPr>
-            <a:r>
-              <a:rPr lang="en-US" altLang="ja-JP" sz="2400" dirty="0" smtClean="0">
-                <a:latin typeface="Times New Roman" pitchFamily="18" charset="0"/>
-                <a:ea typeface="ヒラギノ角ゴ ProN W3" charset="0"/>
-                <a:cs typeface="Times New Roman" pitchFamily="18" charset="0"/>
-              </a:rPr>
-              <a:t>Automation framework Document</a:t>
-            </a:r>
+            <a:pPr lvl="0"/>
+            <a:endParaRPr lang="en-US" sz="3200" dirty="0" smtClean="0"/>
+          </a:p>
+          <a:p>
+            <a:endParaRPr lang="en-US" sz="3200" dirty="0"/>
           </a:p>
         </p:txBody>
       </p:sp>
@@ -5224,14 +5219,20 @@
             <p:ph type="title"/>
           </p:nvPr>
         </p:nvSpPr>
-        <p:spPr/>
+        <p:spPr>
+          <a:xfrm>
+            <a:off x="1397000" y="3733800"/>
+            <a:ext cx="10464800" cy="2032000"/>
+          </a:xfrm>
+        </p:spPr>
         <p:txBody>
           <a:bodyPr/>
           <a:lstStyle/>
           <a:p>
+            <a:pPr algn="ctr"/>
             <a:r>
               <a:rPr lang="en-US" dirty="0" smtClean="0"/>
-              <a:t>Deliverables</a:t>
+              <a:t>Application Demonstration</a:t>
             </a:r>
             <a:endParaRPr lang="en-US" dirty="0"/>
           </a:p>
@@ -5264,7 +5265,7 @@
     </p:spTree>
     <p:extLst>
       <p:ext uri="{BB962C8B-B14F-4D97-AF65-F5344CB8AC3E}">
-        <p14:creationId xmlns:p14="http://schemas.microsoft.com/office/powerpoint/2010/main" val="3878379446"/>
+        <p14:creationId xmlns:p14="http://schemas.microsoft.com/office/powerpoint/2010/main" val="850754063"/>
       </p:ext>
     </p:extLst>
   </p:cSld>
@@ -5303,12 +5304,12 @@
       </p:grpSpPr>
       <p:sp>
         <p:nvSpPr>
-          <p:cNvPr id="2" name="Content Placeholder 1"/>
+          <p:cNvPr id="4" name="Slide Number Placeholder 3"/>
           <p:cNvSpPr>
             <a:spLocks noGrp="1"/>
           </p:cNvSpPr>
           <p:nvPr>
-            <p:ph idx="1"/>
+            <p:ph type="sldNum" sz="quarter" idx="10"/>
           </p:nvPr>
         </p:nvSpPr>
         <p:spPr/>
@@ -5316,17 +5317,18 @@
           <a:bodyPr/>
           <a:lstStyle/>
           <a:p>
-            <a:pPr lvl="0"/>
-            <a:endParaRPr lang="en-US" sz="3200" dirty="0" smtClean="0"/>
-          </a:p>
-          <a:p>
-            <a:endParaRPr lang="en-US" sz="3200" dirty="0"/>
+            <a:fld id="{FD0725B6-5DD5-4EEE-A0F0-572C51C8D44F}" type="slidenum">
+              <a:rPr lang="en-US" smtClean="0"/>
+              <a:pPr/>
+              <a:t>14</a:t>
+            </a:fld>
+            <a:endParaRPr lang="en-US"/>
           </a:p>
         </p:txBody>
       </p:sp>
       <p:sp>
         <p:nvSpPr>
-          <p:cNvPr id="3" name="Title 2"/>
+          <p:cNvPr id="5" name="Title 2"/>
           <p:cNvSpPr>
             <a:spLocks noGrp="1"/>
           </p:cNvSpPr>
@@ -5347,40 +5349,16 @@
             <a:pPr algn="ctr"/>
             <a:r>
               <a:rPr lang="en-US" dirty="0" smtClean="0"/>
-              <a:t>Application Demonstration</a:t>
+              <a:t>Code Walkthrough</a:t>
             </a:r>
             <a:endParaRPr lang="en-US" dirty="0"/>
-          </a:p>
-        </p:txBody>
-      </p:sp>
-      <p:sp>
-        <p:nvSpPr>
-          <p:cNvPr id="4" name="Slide Number Placeholder 3"/>
-          <p:cNvSpPr>
-            <a:spLocks noGrp="1"/>
-          </p:cNvSpPr>
-          <p:nvPr>
-            <p:ph type="sldNum" sz="quarter" idx="10"/>
-          </p:nvPr>
-        </p:nvSpPr>
-        <p:spPr/>
-        <p:txBody>
-          <a:bodyPr/>
-          <a:lstStyle/>
-          <a:p>
-            <a:fld id="{FD0725B6-5DD5-4EEE-A0F0-572C51C8D44F}" type="slidenum">
-              <a:rPr lang="en-US" smtClean="0"/>
-              <a:pPr/>
-              <a:t>14</a:t>
-            </a:fld>
-            <a:endParaRPr lang="en-US"/>
           </a:p>
         </p:txBody>
       </p:sp>
     </p:spTree>
     <p:extLst>
       <p:ext uri="{BB962C8B-B14F-4D97-AF65-F5344CB8AC3E}">
-        <p14:creationId xmlns:p14="http://schemas.microsoft.com/office/powerpoint/2010/main" val="850754063"/>
+        <p14:creationId xmlns:p14="http://schemas.microsoft.com/office/powerpoint/2010/main" val="3768333805"/>
       </p:ext>
     </p:extLst>
   </p:cSld>
@@ -5419,99 +5397,6 @@
       </p:grpSpPr>
       <p:sp>
         <p:nvSpPr>
-          <p:cNvPr id="4" name="Slide Number Placeholder 3"/>
-          <p:cNvSpPr>
-            <a:spLocks noGrp="1"/>
-          </p:cNvSpPr>
-          <p:nvPr>
-            <p:ph type="sldNum" sz="quarter" idx="10"/>
-          </p:nvPr>
-        </p:nvSpPr>
-        <p:spPr/>
-        <p:txBody>
-          <a:bodyPr/>
-          <a:lstStyle/>
-          <a:p>
-            <a:fld id="{FD0725B6-5DD5-4EEE-A0F0-572C51C8D44F}" type="slidenum">
-              <a:rPr lang="en-US" smtClean="0"/>
-              <a:pPr/>
-              <a:t>15</a:t>
-            </a:fld>
-            <a:endParaRPr lang="en-US"/>
-          </a:p>
-        </p:txBody>
-      </p:sp>
-      <p:sp>
-        <p:nvSpPr>
-          <p:cNvPr id="5" name="Title 2"/>
-          <p:cNvSpPr>
-            <a:spLocks noGrp="1"/>
-          </p:cNvSpPr>
-          <p:nvPr>
-            <p:ph type="title"/>
-          </p:nvPr>
-        </p:nvSpPr>
-        <p:spPr>
-          <a:xfrm>
-            <a:off x="1397000" y="3733800"/>
-            <a:ext cx="10464800" cy="2032000"/>
-          </a:xfrm>
-        </p:spPr>
-        <p:txBody>
-          <a:bodyPr/>
-          <a:lstStyle/>
-          <a:p>
-            <a:pPr algn="ctr"/>
-            <a:r>
-              <a:rPr lang="en-US" dirty="0" smtClean="0"/>
-              <a:t>Code Walkthrough</a:t>
-            </a:r>
-            <a:endParaRPr lang="en-US" dirty="0"/>
-          </a:p>
-        </p:txBody>
-      </p:sp>
-    </p:spTree>
-    <p:extLst>
-      <p:ext uri="{BB962C8B-B14F-4D97-AF65-F5344CB8AC3E}">
-        <p14:creationId xmlns:p14="http://schemas.microsoft.com/office/powerpoint/2010/main" val="3768333805"/>
-      </p:ext>
-    </p:extLst>
-  </p:cSld>
-  <p:clrMapOvr>
-    <a:masterClrMapping/>
-  </p:clrMapOvr>
-  <p:transition>
-    <p:fade/>
-  </p:transition>
-  <p:timing>
-    <p:tnLst>
-      <p:par>
-        <p:cTn id="1" dur="indefinite" restart="never" nodeType="tmRoot"/>
-      </p:par>
-    </p:tnLst>
-  </p:timing>
-</p:sld>
-</file>
-
-<file path=ppt/slides/slide16.xml><?xml version="1.0" encoding="utf-8"?>
-<p:sld xmlns:a="http://schemas.openxmlformats.org/drawingml/2006/main" xmlns:r="http://schemas.openxmlformats.org/officeDocument/2006/relationships" xmlns:p="http://schemas.openxmlformats.org/presentationml/2006/main">
-  <p:cSld>
-    <p:spTree>
-      <p:nvGrpSpPr>
-        <p:cNvPr id="1" name=""/>
-        <p:cNvGrpSpPr/>
-        <p:nvPr/>
-      </p:nvGrpSpPr>
-      <p:grpSpPr>
-        <a:xfrm>
-          <a:off x="0" y="0"/>
-          <a:ext cx="0" cy="0"/>
-          <a:chOff x="0" y="0"/>
-          <a:chExt cx="0" cy="0"/>
-        </a:xfrm>
-      </p:grpSpPr>
-      <p:sp>
-        <p:nvSpPr>
           <p:cNvPr id="3" name="Title 2"/>
           <p:cNvSpPr>
             <a:spLocks noGrp="1"/>
@@ -5551,7 +5436,7 @@
             <a:fld id="{FD0725B6-5DD5-4EEE-A0F0-572C51C8D44F}" type="slidenum">
               <a:rPr lang="en-US" smtClean="0"/>
               <a:pPr/>
-              <a:t>16</a:t>
+              <a:t>15</a:t>
             </a:fld>
             <a:endParaRPr lang="en-US"/>
           </a:p>
@@ -5606,7 +5491,7 @@
 </p:sld>
 </file>
 
-<file path=ppt/slides/slide17.xml><?xml version="1.0" encoding="utf-8"?>
+<file path=ppt/slides/slide16.xml><?xml version="1.0" encoding="utf-8"?>
 <p:sld xmlns:a="http://schemas.openxmlformats.org/drawingml/2006/main" xmlns:r="http://schemas.openxmlformats.org/officeDocument/2006/relationships" xmlns:p="http://schemas.openxmlformats.org/presentationml/2006/main">
   <p:cSld>
     <p:spTree>
@@ -5664,7 +5549,7 @@
             <a:fld id="{FD0725B6-5DD5-4EEE-A0F0-572C51C8D44F}" type="slidenum">
               <a:rPr lang="en-US" smtClean="0"/>
               <a:pPr/>
-              <a:t>17</a:t>
+              <a:t>16</a:t>
             </a:fld>
             <a:endParaRPr lang="en-US"/>
           </a:p>
@@ -5719,7 +5604,7 @@
 </p:sld>
 </file>
 
-<file path=ppt/slides/slide18.xml><?xml version="1.0" encoding="utf-8"?>
+<file path=ppt/slides/slide17.xml><?xml version="1.0" encoding="utf-8"?>
 <p:sld xmlns:a="http://schemas.openxmlformats.org/drawingml/2006/main" xmlns:r="http://schemas.openxmlformats.org/officeDocument/2006/relationships" xmlns:p="http://schemas.openxmlformats.org/presentationml/2006/main">
   <p:cSld>
     <p:spTree>
@@ -5777,7 +5662,7 @@
             <a:fld id="{FD0725B6-5DD5-4EEE-A0F0-572C51C8D44F}" type="slidenum">
               <a:rPr lang="en-US" smtClean="0"/>
               <a:pPr/>
-              <a:t>18</a:t>
+              <a:t>17</a:t>
             </a:fld>
             <a:endParaRPr lang="en-US"/>
           </a:p>
@@ -5832,7 +5717,7 @@
 </p:sld>
 </file>
 
-<file path=ppt/slides/slide19.xml><?xml version="1.0" encoding="utf-8"?>
+<file path=ppt/slides/slide18.xml><?xml version="1.0" encoding="utf-8"?>
 <p:sld xmlns:a="http://schemas.openxmlformats.org/drawingml/2006/main" xmlns:r="http://schemas.openxmlformats.org/officeDocument/2006/relationships" xmlns:p="http://schemas.openxmlformats.org/presentationml/2006/main">
   <p:cSld>
     <p:spTree>
@@ -5972,7 +5857,7 @@
             <a:fld id="{FD0725B6-5DD5-4EEE-A0F0-572C51C8D44F}" type="slidenum">
               <a:rPr lang="en-US" smtClean="0"/>
               <a:pPr/>
-              <a:t>19</a:t>
+              <a:t>18</a:t>
             </a:fld>
             <a:endParaRPr lang="en-US"/>
           </a:p>
@@ -5982,6 +5867,220 @@
     <p:extLst>
       <p:ext uri="{BB962C8B-B14F-4D97-AF65-F5344CB8AC3E}">
         <p14:creationId xmlns:p14="http://schemas.microsoft.com/office/powerpoint/2010/main" val="4044501857"/>
+      </p:ext>
+    </p:extLst>
+  </p:cSld>
+  <p:clrMapOvr>
+    <a:masterClrMapping/>
+  </p:clrMapOvr>
+  <p:transition>
+    <p:fade/>
+  </p:transition>
+  <p:timing>
+    <p:tnLst>
+      <p:par>
+        <p:cTn id="1" dur="indefinite" restart="never" nodeType="tmRoot"/>
+      </p:par>
+    </p:tnLst>
+  </p:timing>
+</p:sld>
+</file>
+
+<file path=ppt/slides/slide19.xml><?xml version="1.0" encoding="utf-8"?>
+<p:sld xmlns:a="http://schemas.openxmlformats.org/drawingml/2006/main" xmlns:r="http://schemas.openxmlformats.org/officeDocument/2006/relationships" xmlns:p="http://schemas.openxmlformats.org/presentationml/2006/main">
+  <p:cSld>
+    <p:spTree>
+      <p:nvGrpSpPr>
+        <p:cNvPr id="1" name=""/>
+        <p:cNvGrpSpPr/>
+        <p:nvPr/>
+      </p:nvGrpSpPr>
+      <p:grpSpPr>
+        <a:xfrm>
+          <a:off x="0" y="0"/>
+          <a:ext cx="0" cy="0"/>
+          <a:chOff x="0" y="0"/>
+          <a:chExt cx="0" cy="0"/>
+        </a:xfrm>
+      </p:grpSpPr>
+      <p:sp>
+        <p:nvSpPr>
+          <p:cNvPr id="2" name="Content Placeholder 1"/>
+          <p:cNvSpPr>
+            <a:spLocks noGrp="1"/>
+          </p:cNvSpPr>
+          <p:nvPr>
+            <p:ph idx="1"/>
+          </p:nvPr>
+        </p:nvSpPr>
+        <p:spPr>
+          <a:xfrm>
+            <a:off x="1270000" y="2438400"/>
+            <a:ext cx="10464800" cy="6959600"/>
+          </a:xfrm>
+        </p:spPr>
+        <p:txBody>
+          <a:bodyPr/>
+          <a:lstStyle/>
+          <a:p>
+            <a:pPr lvl="0">
+              <a:spcAft>
+                <a:spcPts val="600"/>
+              </a:spcAft>
+            </a:pPr>
+            <a:r>
+              <a:rPr lang="en-US" sz="3200" dirty="0"/>
+              <a:t>QA Highlights</a:t>
+            </a:r>
+          </a:p>
+          <a:p>
+            <a:pPr lvl="1">
+              <a:spcAft>
+                <a:spcPts val="600"/>
+              </a:spcAft>
+            </a:pPr>
+            <a:r>
+              <a:rPr lang="en-US" sz="2800" dirty="0"/>
+              <a:t>QA was part of requirement understanding discussions, application flow creation.</a:t>
+            </a:r>
+          </a:p>
+          <a:p>
+            <a:pPr lvl="1">
+              <a:spcAft>
+                <a:spcPts val="600"/>
+              </a:spcAft>
+            </a:pPr>
+            <a:r>
+              <a:rPr lang="en-US" sz="2800" dirty="0"/>
+              <a:t>Setting up of testing process within the </a:t>
+            </a:r>
+            <a:r>
+              <a:rPr lang="en-US" sz="2800" dirty="0" smtClean="0"/>
+              <a:t>sprint</a:t>
+            </a:r>
+          </a:p>
+          <a:p>
+            <a:pPr lvl="1">
+              <a:spcAft>
+                <a:spcPts val="600"/>
+              </a:spcAft>
+            </a:pPr>
+            <a:r>
+              <a:rPr lang="en-US" sz="2800" dirty="0" smtClean="0"/>
+              <a:t>Feature File and Test Scenario in BBD Format</a:t>
+            </a:r>
+            <a:endParaRPr lang="en-US" sz="2800" dirty="0"/>
+          </a:p>
+          <a:p>
+            <a:pPr>
+              <a:spcAft>
+                <a:spcPts val="600"/>
+              </a:spcAft>
+            </a:pPr>
+            <a:r>
+              <a:rPr lang="en-US" sz="3200" dirty="0" smtClean="0"/>
+              <a:t>Test </a:t>
+            </a:r>
+            <a:r>
+              <a:rPr lang="en-US" sz="3200" dirty="0"/>
+              <a:t>Plan </a:t>
+            </a:r>
+          </a:p>
+          <a:p>
+            <a:pPr lvl="1">
+              <a:spcAft>
+                <a:spcPts val="600"/>
+              </a:spcAft>
+            </a:pPr>
+            <a:r>
+              <a:rPr lang="en-US" sz="2800" dirty="0"/>
+              <a:t>Covering </a:t>
+            </a:r>
+            <a:r>
+              <a:rPr lang="en-US" sz="2800" dirty="0" smtClean="0"/>
+              <a:t>major </a:t>
+            </a:r>
+            <a:r>
+              <a:rPr lang="en-US" sz="2800" dirty="0"/>
+              <a:t>type of testing</a:t>
+            </a:r>
+          </a:p>
+          <a:p>
+            <a:pPr lvl="1">
+              <a:spcAft>
+                <a:spcPts val="600"/>
+              </a:spcAft>
+            </a:pPr>
+            <a:r>
+              <a:rPr lang="en-US" sz="2800" dirty="0"/>
+              <a:t>Strategy for every testing type</a:t>
+            </a:r>
+          </a:p>
+          <a:p>
+            <a:pPr marL="0" indent="0">
+              <a:spcAft>
+                <a:spcPts val="600"/>
+              </a:spcAft>
+              <a:buNone/>
+            </a:pPr>
+            <a:endParaRPr lang="en-US" sz="3600" dirty="0"/>
+          </a:p>
+        </p:txBody>
+      </p:sp>
+      <p:sp>
+        <p:nvSpPr>
+          <p:cNvPr id="3" name="Title 2"/>
+          <p:cNvSpPr>
+            <a:spLocks noGrp="1"/>
+          </p:cNvSpPr>
+          <p:nvPr>
+            <p:ph type="title"/>
+          </p:nvPr>
+        </p:nvSpPr>
+        <p:spPr/>
+        <p:txBody>
+          <a:bodyPr/>
+          <a:lstStyle/>
+          <a:p>
+            <a:r>
+              <a:rPr lang="en-US" dirty="0" smtClean="0"/>
+              <a:t>QA </a:t>
+            </a:r>
+            <a:r>
+              <a:rPr lang="en-US" dirty="0"/>
+              <a:t>Highlights</a:t>
+            </a:r>
+          </a:p>
+        </p:txBody>
+      </p:sp>
+      <p:sp>
+        <p:nvSpPr>
+          <p:cNvPr id="4" name="Slide Number Placeholder 3"/>
+          <p:cNvSpPr>
+            <a:spLocks noGrp="1"/>
+          </p:cNvSpPr>
+          <p:nvPr>
+            <p:ph type="sldNum" sz="quarter" idx="10"/>
+          </p:nvPr>
+        </p:nvSpPr>
+        <p:spPr/>
+        <p:txBody>
+          <a:bodyPr/>
+          <a:lstStyle/>
+          <a:p>
+            <a:fld id="{FD0725B6-5DD5-4EEE-A0F0-572C51C8D44F}" type="slidenum">
+              <a:rPr lang="en-US" smtClean="0"/>
+              <a:pPr/>
+              <a:t>19</a:t>
+            </a:fld>
+            <a:endParaRPr lang="en-US"/>
+          </a:p>
+        </p:txBody>
+      </p:sp>
+    </p:spTree>
+    <p:extLst>
+      <p:ext uri="{BB962C8B-B14F-4D97-AF65-F5344CB8AC3E}">
+        <p14:creationId xmlns:p14="http://schemas.microsoft.com/office/powerpoint/2010/main" val="794543978"/>
       </p:ext>
     </p:extLst>
   </p:cSld>
@@ -6677,8 +6776,8 @@
               </a:spcAft>
             </a:pPr>
             <a:r>
-              <a:rPr lang="en-US" sz="3200" dirty="0"/>
-              <a:t>QA Highlights</a:t>
+              <a:rPr lang="en-US" sz="3200" dirty="0" smtClean="0"/>
+              <a:t>Test Plan</a:t>
             </a:r>
           </a:p>
           <a:p>
@@ -6688,8 +6787,22 @@
               </a:spcAft>
             </a:pPr>
             <a:r>
-              <a:rPr lang="en-US" sz="2800" dirty="0"/>
-              <a:t>QA was part of requirement understanding discussions, application flow creation.</a:t>
+              <a:rPr lang="en-US" sz="2800" dirty="0">
+                <a:latin typeface="Times New Roman" pitchFamily="18" charset="0"/>
+                <a:cs typeface="Times New Roman" pitchFamily="18" charset="0"/>
+              </a:rPr>
+              <a:t>Covering major type of </a:t>
+            </a:r>
+            <a:r>
+              <a:rPr lang="en-US" sz="2800" dirty="0" smtClean="0">
+                <a:latin typeface="Times New Roman" pitchFamily="18" charset="0"/>
+                <a:cs typeface="Times New Roman" pitchFamily="18" charset="0"/>
+              </a:rPr>
+              <a:t>testing</a:t>
+            </a:r>
+            <a:r>
+              <a:rPr lang="en-US" sz="2800" dirty="0" smtClean="0"/>
+              <a:t>.</a:t>
             </a:r>
           </a:p>
           <a:p>
@@ -6699,12 +6812,8 @@
               </a:spcAft>
             </a:pPr>
             <a:r>
-              <a:rPr lang="en-US" sz="2800" dirty="0"/>
-              <a:t>Setting up of testing process within the </a:t>
-            </a:r>
-            <a:r>
               <a:rPr lang="en-US" sz="2800" dirty="0" smtClean="0"/>
-              <a:t>sprint</a:t>
+              <a:t>Strategy for every testing plan </a:t>
             </a:r>
           </a:p>
           <a:p>
@@ -6714,10 +6823,34 @@
               </a:spcAft>
             </a:pPr>
             <a:r>
-              <a:rPr lang="en-US" sz="2800" dirty="0" smtClean="0"/>
-              <a:t>Feature File and Test Scenario in BBD Format</a:t>
-            </a:r>
-            <a:endParaRPr lang="en-US" sz="2800" dirty="0"/>
+              <a:rPr lang="en-US" sz="2800" dirty="0">
+                <a:latin typeface="Times New Roman" pitchFamily="18" charset="0"/>
+                <a:cs typeface="Times New Roman" pitchFamily="18" charset="0"/>
+              </a:rPr>
+              <a:t>Defined Entry/Exit </a:t>
+            </a:r>
+            <a:r>
+              <a:rPr lang="en-US" sz="2800" dirty="0" smtClean="0">
+                <a:latin typeface="Times New Roman" pitchFamily="18" charset="0"/>
+                <a:cs typeface="Times New Roman" pitchFamily="18" charset="0"/>
+              </a:rPr>
+              <a:t>Criteria</a:t>
+            </a:r>
+          </a:p>
+          <a:p>
+            <a:pPr lvl="1">
+              <a:spcAft>
+                <a:spcPts val="600"/>
+              </a:spcAft>
+            </a:pPr>
+            <a:r>
+              <a:rPr lang="en-US" sz="2800" dirty="0">
+                <a:latin typeface="Times New Roman" pitchFamily="18" charset="0"/>
+                <a:cs typeface="Times New Roman" pitchFamily="18" charset="0"/>
+              </a:rPr>
+              <a:t>QA Policy and Test schedule </a:t>
+            </a:r>
+            <a:endParaRPr lang="en-US" sz="2800" dirty="0" smtClean="0"/>
           </a:p>
           <a:p>
             <a:pPr>
@@ -6727,11 +6860,7 @@
             </a:pPr>
             <a:r>
               <a:rPr lang="en-US" sz="3200" dirty="0" smtClean="0"/>
-              <a:t>Test </a:t>
-            </a:r>
-            <a:r>
-              <a:rPr lang="en-US" sz="3200" dirty="0"/>
-              <a:t>Plan </a:t>
+              <a:t>BDD Test Scenario/Test Cases </a:t>
             </a:r>
           </a:p>
           <a:p>
@@ -6741,16 +6870,32 @@
               </a:spcAft>
             </a:pPr>
             <a:r>
-              <a:rPr lang="en-US" sz="2800" dirty="0"/>
-              <a:t>Covering </a:t>
-            </a:r>
-            <a:r>
-              <a:rPr lang="en-US" sz="2800" dirty="0" smtClean="0"/>
-              <a:t>major </a:t>
-            </a:r>
-            <a:r>
-              <a:rPr lang="en-US" sz="2800" dirty="0"/>
-              <a:t>type of testing</a:t>
+              <a:rPr lang="en-US" sz="2800" dirty="0">
+                <a:latin typeface="Times New Roman" panose="02020603050405020304" pitchFamily="18" charset="0"/>
+                <a:cs typeface="Times New Roman" panose="02020603050405020304" pitchFamily="18" charset="0"/>
+              </a:rPr>
+              <a:t>Containing </a:t>
+            </a:r>
+            <a:r>
+              <a:rPr lang="en-US" sz="2800" dirty="0" smtClean="0">
+                <a:latin typeface="Times New Roman" panose="02020603050405020304" pitchFamily="18" charset="0"/>
+                <a:cs typeface="Times New Roman" panose="02020603050405020304" pitchFamily="18" charset="0"/>
+              </a:rPr>
+              <a:t>BDD Test Scenario/Test </a:t>
+            </a:r>
+            <a:r>
+              <a:rPr lang="en-US" sz="2800" dirty="0">
+                <a:latin typeface="Times New Roman" panose="02020603050405020304" pitchFamily="18" charset="0"/>
+                <a:cs typeface="Times New Roman" panose="02020603050405020304" pitchFamily="18" charset="0"/>
+              </a:rPr>
+              <a:t>cases for the functionalities </a:t>
+            </a:r>
+            <a:r>
+              <a:rPr lang="en-US" sz="2800" dirty="0" smtClean="0">
+                <a:latin typeface="Times New Roman" panose="02020603050405020304" pitchFamily="18" charset="0"/>
+                <a:cs typeface="Times New Roman" panose="02020603050405020304" pitchFamily="18" charset="0"/>
+              </a:rPr>
+              <a:t>implemented</a:t>
             </a:r>
           </a:p>
           <a:p>
@@ -6759,10 +6904,7 @@
                 <a:spcPts val="600"/>
               </a:spcAft>
             </a:pPr>
-            <a:r>
-              <a:rPr lang="en-US" sz="2800" dirty="0"/>
-              <a:t>Strategy for every testing type</a:t>
-            </a:r>
+            <a:endParaRPr lang="en-US" sz="2800" dirty="0" smtClean="0"/>
           </a:p>
           <a:p>
             <a:pPr marL="0" indent="0">
@@ -6785,7 +6927,12 @@
             <p:ph type="title"/>
           </p:nvPr>
         </p:nvSpPr>
-        <p:spPr/>
+        <p:spPr>
+          <a:xfrm>
+            <a:off x="1270000" y="76200"/>
+            <a:ext cx="10464800" cy="2032000"/>
+          </a:xfrm>
+        </p:spPr>
         <p:txBody>
           <a:bodyPr/>
           <a:lstStyle/>
@@ -6828,7 +6975,7 @@
     </p:spTree>
     <p:extLst>
       <p:ext uri="{BB962C8B-B14F-4D97-AF65-F5344CB8AC3E}">
-        <p14:creationId xmlns:p14="http://schemas.microsoft.com/office/powerpoint/2010/main" val="794543978"/>
+        <p14:creationId xmlns:p14="http://schemas.microsoft.com/office/powerpoint/2010/main" val="2791584546"/>
       </p:ext>
     </p:extLst>
   </p:cSld>
@@ -6875,160 +7022,129 @@
             <p:ph idx="1"/>
           </p:nvPr>
         </p:nvSpPr>
-        <p:spPr>
-          <a:xfrm>
-            <a:off x="1270000" y="2438400"/>
-            <a:ext cx="10464800" cy="6959600"/>
-          </a:xfrm>
-        </p:spPr>
+        <p:spPr/>
         <p:txBody>
           <a:bodyPr/>
           <a:lstStyle/>
           <a:p>
-            <a:pPr lvl="0">
-              <a:spcAft>
-                <a:spcPts val="600"/>
-              </a:spcAft>
-            </a:pPr>
+            <a:r>
+              <a:rPr lang="en-US" sz="3200" dirty="0"/>
+              <a:t>Total </a:t>
+            </a:r>
             <a:r>
               <a:rPr lang="en-US" sz="3200" dirty="0" smtClean="0"/>
-              <a:t>Test Plan</a:t>
-            </a:r>
-          </a:p>
-          <a:p>
-            <a:pPr lvl="1">
-              <a:spcAft>
-                <a:spcPts val="600"/>
-              </a:spcAft>
-            </a:pPr>
-            <a:r>
-              <a:rPr lang="en-US" sz="2800" dirty="0">
+              <a:t>BDD Features File : </a:t>
+            </a:r>
+            <a:r>
+              <a:rPr lang="en-US" sz="3200" dirty="0"/>
+              <a:t>5</a:t>
+            </a:r>
+            <a:endParaRPr lang="en-US" sz="3200" dirty="0" smtClean="0"/>
+          </a:p>
+          <a:p>
+            <a:r>
+              <a:rPr lang="en-US" sz="3200" dirty="0" smtClean="0"/>
+              <a:t>Total Number of Scenarios in each feature files</a:t>
+            </a:r>
+          </a:p>
+          <a:p>
+            <a:pPr lvl="1"/>
+            <a:r>
+              <a:rPr lang="en-US" sz="3200" dirty="0" err="1"/>
+              <a:t>ServiceAggregator_Registration.feature</a:t>
+            </a:r>
+            <a:r>
+              <a:rPr lang="en-US" sz="3200" dirty="0"/>
+              <a:t> </a:t>
+            </a:r>
+            <a:r>
+              <a:rPr lang="en-US" sz="3200" dirty="0" smtClean="0"/>
+              <a:t>:7</a:t>
+            </a:r>
+            <a:endParaRPr lang="en-US" sz="3200" dirty="0"/>
+          </a:p>
+          <a:p>
+            <a:pPr lvl="1"/>
+            <a:r>
+              <a:rPr lang="en-US" sz="3200" dirty="0" smtClean="0"/>
+              <a:t>Service_Platform_Admin_Portal.feature:7</a:t>
+            </a:r>
+          </a:p>
+          <a:p>
+            <a:pPr lvl="1"/>
+            <a:r>
+              <a:rPr lang="en-US" sz="3200" dirty="0" err="1"/>
+              <a:t>Service_Platform_Dashboard.feature</a:t>
+            </a:r>
+            <a:r>
+              <a:rPr lang="en-US" sz="3200" dirty="0"/>
+              <a:t> </a:t>
+            </a:r>
+            <a:r>
+              <a:rPr lang="en-US" sz="3200" dirty="0" smtClean="0"/>
+              <a:t>:2</a:t>
+            </a:r>
+          </a:p>
+          <a:p>
+            <a:pPr lvl="1"/>
+            <a:r>
+              <a:rPr lang="en-US" sz="3200" dirty="0" err="1" smtClean="0"/>
+              <a:t>Service_Platform_Login.feature</a:t>
+            </a:r>
+            <a:r>
+              <a:rPr lang="en-US" sz="3200" dirty="0" smtClean="0"/>
+              <a:t>: 6</a:t>
+            </a:r>
+          </a:p>
+          <a:p>
+            <a:pPr lvl="1"/>
+            <a:r>
+              <a:rPr lang="en-US" sz="3200" dirty="0" smtClean="0"/>
+              <a:t>Service_Platform_Zipped_Download.feature:4</a:t>
+            </a:r>
+          </a:p>
+          <a:p>
+            <a:r>
+              <a:rPr lang="en-US" sz="3200" dirty="0"/>
+              <a:t>Automation</a:t>
+            </a:r>
+          </a:p>
+          <a:p>
+            <a:pPr lvl="1"/>
+            <a:r>
+              <a:rPr lang="en-US" altLang="ja-JP" sz="3200" dirty="0">
                 <a:latin typeface="Times New Roman" pitchFamily="18" charset="0"/>
+                <a:ea typeface="ヒラギノ角ゴ ProN W3" charset="0"/>
                 <a:cs typeface="Times New Roman" pitchFamily="18" charset="0"/>
               </a:rPr>
-              <a:t>Covering major type of </a:t>
-            </a:r>
-            <a:r>
-              <a:rPr lang="en-US" sz="2800" dirty="0" smtClean="0">
-                <a:latin typeface="Times New Roman" pitchFamily="18" charset="0"/>
-                <a:cs typeface="Times New Roman" pitchFamily="18" charset="0"/>
-              </a:rPr>
-              <a:t>testing</a:t>
-            </a:r>
-            <a:r>
-              <a:rPr lang="en-US" sz="2800" dirty="0" smtClean="0"/>
-              <a:t>.</a:t>
-            </a:r>
-          </a:p>
-          <a:p>
-            <a:pPr lvl="1">
-              <a:spcAft>
-                <a:spcPts val="600"/>
-              </a:spcAft>
-            </a:pPr>
-            <a:r>
-              <a:rPr lang="en-US" sz="2800" dirty="0" smtClean="0"/>
-              <a:t>Strategy for every testing plan </a:t>
-            </a:r>
-          </a:p>
-          <a:p>
-            <a:pPr lvl="1">
-              <a:spcAft>
-                <a:spcPts val="600"/>
-              </a:spcAft>
-            </a:pPr>
-            <a:r>
-              <a:rPr lang="en-US" sz="2800" dirty="0">
-                <a:latin typeface="Times New Roman" pitchFamily="18" charset="0"/>
-                <a:cs typeface="Times New Roman" pitchFamily="18" charset="0"/>
-              </a:rPr>
-              <a:t>Defined Entry/Exit </a:t>
-            </a:r>
-            <a:r>
-              <a:rPr lang="en-US" sz="2800" dirty="0" smtClean="0">
-                <a:latin typeface="Times New Roman" pitchFamily="18" charset="0"/>
-                <a:cs typeface="Times New Roman" pitchFamily="18" charset="0"/>
-              </a:rPr>
-              <a:t>Criteria</a:t>
-            </a:r>
-          </a:p>
-          <a:p>
-            <a:pPr lvl="1">
-              <a:spcAft>
-                <a:spcPts val="600"/>
-              </a:spcAft>
-            </a:pPr>
-            <a:r>
-              <a:rPr lang="en-US" sz="2800" dirty="0">
-                <a:latin typeface="Times New Roman" pitchFamily="18" charset="0"/>
-                <a:cs typeface="Times New Roman" pitchFamily="18" charset="0"/>
-              </a:rPr>
-              <a:t>QA Policy and Test schedule </a:t>
-            </a:r>
-            <a:endParaRPr lang="en-US" sz="2800" dirty="0" smtClean="0"/>
-          </a:p>
-          <a:p>
-            <a:pPr>
-              <a:spcAft>
-                <a:spcPts val="600"/>
-              </a:spcAft>
-            </a:pPr>
-            <a:r>
-              <a:rPr lang="en-US" sz="3200" dirty="0" smtClean="0"/>
-              <a:t>BDD Test Scenario/Test Cases </a:t>
-            </a:r>
-          </a:p>
-          <a:p>
-            <a:pPr lvl="1">
-              <a:spcAft>
-                <a:spcPts val="600"/>
-              </a:spcAft>
-            </a:pPr>
-            <a:r>
-              <a:rPr lang="en-US" sz="2800" dirty="0">
-                <a:latin typeface="Times New Roman" panose="02020603050405020304" pitchFamily="18" charset="0"/>
-                <a:cs typeface="Times New Roman" panose="02020603050405020304" pitchFamily="18" charset="0"/>
-              </a:rPr>
-              <a:t>Containing </a:t>
-            </a:r>
-            <a:r>
-              <a:rPr lang="en-US" sz="2800" dirty="0" smtClean="0">
-                <a:latin typeface="Times New Roman" panose="02020603050405020304" pitchFamily="18" charset="0"/>
-                <a:cs typeface="Times New Roman" panose="02020603050405020304" pitchFamily="18" charset="0"/>
-              </a:rPr>
-              <a:t>BDD Test Scenario/Test </a:t>
-            </a:r>
-            <a:r>
-              <a:rPr lang="en-US" sz="2800" dirty="0">
-                <a:latin typeface="Times New Roman" panose="02020603050405020304" pitchFamily="18" charset="0"/>
-                <a:cs typeface="Times New Roman" panose="02020603050405020304" pitchFamily="18" charset="0"/>
-              </a:rPr>
-              <a:t>cases for the functionalities </a:t>
-            </a:r>
-            <a:r>
-              <a:rPr lang="en-US" sz="2800" dirty="0" smtClean="0">
-                <a:latin typeface="Times New Roman" panose="02020603050405020304" pitchFamily="18" charset="0"/>
-                <a:cs typeface="Times New Roman" panose="02020603050405020304" pitchFamily="18" charset="0"/>
-              </a:rPr>
-              <a:t>implemented</a:t>
-            </a:r>
-          </a:p>
-          <a:p>
-            <a:pPr lvl="1">
-              <a:spcAft>
-                <a:spcPts val="600"/>
-              </a:spcAft>
-            </a:pPr>
-            <a:endParaRPr lang="en-US" sz="2800" dirty="0" smtClean="0"/>
-          </a:p>
-          <a:p>
-            <a:pPr marL="0" indent="0">
-              <a:spcAft>
-                <a:spcPts val="600"/>
-              </a:spcAft>
+              <a:t>Automation framework Document</a:t>
+            </a:r>
+          </a:p>
+          <a:p>
+            <a:pPr marL="571500" lvl="1" indent="0">
               <a:buNone/>
             </a:pPr>
-            <a:endParaRPr lang="en-US" sz="3600" dirty="0"/>
+            <a:endParaRPr lang="en-US" sz="3200" dirty="0" smtClean="0"/>
+          </a:p>
+          <a:p>
+            <a:pPr marL="571500" lvl="1" indent="0">
+              <a:buNone/>
+            </a:pPr>
+            <a:endParaRPr lang="en-US" sz="3200" dirty="0" smtClean="0"/>
+          </a:p>
+          <a:p>
+            <a:pPr lvl="1"/>
+            <a:endParaRPr lang="en-US" sz="3200" dirty="0"/>
+          </a:p>
+          <a:p>
+            <a:pPr lvl="1"/>
+            <a:endParaRPr lang="en-US" sz="3200" dirty="0" smtClean="0"/>
+          </a:p>
+          <a:p>
+            <a:pPr marL="0" indent="0">
+              <a:buNone/>
+            </a:pPr>
+            <a:endParaRPr lang="en-US" sz="3200" dirty="0"/>
           </a:p>
         </p:txBody>
       </p:sp>
@@ -7042,24 +7158,16 @@
             <p:ph type="title"/>
           </p:nvPr>
         </p:nvSpPr>
-        <p:spPr>
-          <a:xfrm>
-            <a:off x="1270000" y="76200"/>
-            <a:ext cx="10464800" cy="2032000"/>
-          </a:xfrm>
-        </p:spPr>
+        <p:spPr/>
         <p:txBody>
           <a:bodyPr/>
           <a:lstStyle/>
           <a:p>
             <a:r>
               <a:rPr lang="en-US" dirty="0" smtClean="0"/>
-              <a:t>QA </a:t>
-            </a:r>
-            <a:r>
-              <a:rPr lang="en-US" dirty="0"/>
-              <a:t>Highlights</a:t>
-            </a:r>
+              <a:t>QA Highlights</a:t>
+            </a:r>
+            <a:endParaRPr lang="en-US" dirty="0"/>
           </a:p>
         </p:txBody>
       </p:sp>
@@ -7090,7 +7198,7 @@
     </p:spTree>
     <p:extLst>
       <p:ext uri="{BB962C8B-B14F-4D97-AF65-F5344CB8AC3E}">
-        <p14:creationId xmlns:p14="http://schemas.microsoft.com/office/powerpoint/2010/main" val="2791584546"/>
+        <p14:creationId xmlns:p14="http://schemas.microsoft.com/office/powerpoint/2010/main" val="4255829178"/>
       </p:ext>
     </p:extLst>
   </p:cSld>
@@ -7143,97 +7251,26 @@
           <a:lstStyle/>
           <a:p>
             <a:r>
-              <a:rPr lang="en-US" sz="3200" dirty="0"/>
-              <a:t>Total </a:t>
-            </a:r>
-            <a:r>
               <a:rPr lang="en-US" sz="3200" dirty="0" smtClean="0"/>
-              <a:t>BDD Features File : </a:t>
-            </a:r>
-            <a:r>
-              <a:rPr lang="en-US" sz="3200" dirty="0"/>
-              <a:t>5</a:t>
-            </a:r>
-            <a:endParaRPr lang="en-US" sz="3200" dirty="0" smtClean="0"/>
+              <a:t>Improvement in right feature files in BDD format.</a:t>
+            </a:r>
           </a:p>
           <a:p>
             <a:r>
               <a:rPr lang="en-US" sz="3200" dirty="0" smtClean="0"/>
-              <a:t>Total Number of Scenarios in each feature files</a:t>
-            </a:r>
-          </a:p>
-          <a:p>
-            <a:pPr lvl="1"/>
-            <a:r>
-              <a:rPr lang="en-US" sz="3200" dirty="0" err="1"/>
-              <a:t>ServiceAggregator_Registration.feature</a:t>
-            </a:r>
-            <a:r>
-              <a:rPr lang="en-US" sz="3200" dirty="0"/>
-              <a:t> </a:t>
-            </a:r>
-            <a:r>
-              <a:rPr lang="en-US" sz="3200" dirty="0" smtClean="0"/>
-              <a:t>:7</a:t>
+              <a:t>Customized Cucumber Report.</a:t>
             </a:r>
             <a:endParaRPr lang="en-US" sz="3200" dirty="0"/>
           </a:p>
           <a:p>
-            <a:pPr lvl="1"/>
-            <a:r>
-              <a:rPr lang="en-US" sz="3200" dirty="0" smtClean="0"/>
-              <a:t>Service_Platform_Admin_Portal.feature:7</a:t>
-            </a:r>
-          </a:p>
-          <a:p>
-            <a:pPr lvl="1"/>
-            <a:r>
-              <a:rPr lang="en-US" sz="3200" dirty="0" err="1"/>
-              <a:t>Service_Platform_Dashboard.feature</a:t>
-            </a:r>
-            <a:r>
-              <a:rPr lang="en-US" sz="3200" dirty="0"/>
-              <a:t> </a:t>
-            </a:r>
-            <a:r>
-              <a:rPr lang="en-US" sz="3200" dirty="0" smtClean="0"/>
-              <a:t>:2</a:t>
-            </a:r>
-          </a:p>
-          <a:p>
-            <a:pPr lvl="1"/>
-            <a:r>
-              <a:rPr lang="en-US" sz="3200" dirty="0" err="1" smtClean="0"/>
-              <a:t>Service_Platform_Login.feature</a:t>
-            </a:r>
-            <a:r>
-              <a:rPr lang="en-US" sz="3200" dirty="0" smtClean="0"/>
-              <a:t>: 6</a:t>
-            </a:r>
-          </a:p>
-          <a:p>
-            <a:pPr lvl="1"/>
-            <a:r>
-              <a:rPr lang="en-US" sz="3200" dirty="0" smtClean="0"/>
-              <a:t>Service_Platform_Zipped_Download.feature:4</a:t>
-            </a:r>
-          </a:p>
-          <a:p>
-            <a:r>
-              <a:rPr lang="en-US" sz="3200" dirty="0"/>
-              <a:t>Automation</a:t>
-            </a:r>
-          </a:p>
-          <a:p>
-            <a:pPr lvl="1"/>
-            <a:r>
-              <a:rPr lang="en-US" altLang="ja-JP" sz="3200" dirty="0">
-                <a:latin typeface="Times New Roman" pitchFamily="18" charset="0"/>
-                <a:ea typeface="ヒラギノ角ゴ ProN W3" charset="0"/>
-                <a:cs typeface="Times New Roman" pitchFamily="18" charset="0"/>
-              </a:rPr>
-              <a:t>Automation framework Document</a:t>
-            </a:r>
+            <a:pPr marL="571500" lvl="1" indent="0">
+              <a:buNone/>
+            </a:pPr>
+            <a:endParaRPr lang="en-US" altLang="ja-JP" sz="3200" dirty="0">
+              <a:latin typeface="Times New Roman" pitchFamily="18" charset="0"/>
+              <a:ea typeface="ヒラギノ角ゴ ProN W3" charset="0"/>
+              <a:cs typeface="Times New Roman" pitchFamily="18" charset="0"/>
+            </a:endParaRPr>
           </a:p>
           <a:p>
             <a:pPr marL="571500" lvl="1" indent="0">
@@ -7280,7 +7317,7 @@
           <a:p>
             <a:r>
               <a:rPr lang="en-US" dirty="0" smtClean="0"/>
-              <a:t>QA Highlights</a:t>
+              <a:t>Area of Improvement</a:t>
             </a:r>
             <a:endParaRPr lang="en-US" dirty="0"/>
           </a:p>
@@ -7313,7 +7350,7 @@
     </p:spTree>
     <p:extLst>
       <p:ext uri="{BB962C8B-B14F-4D97-AF65-F5344CB8AC3E}">
-        <p14:creationId xmlns:p14="http://schemas.microsoft.com/office/powerpoint/2010/main" val="4255829178"/>
+        <p14:creationId xmlns:p14="http://schemas.microsoft.com/office/powerpoint/2010/main" val="273424273"/>
       </p:ext>
     </p:extLst>
   </p:cSld>
@@ -7366,52 +7403,50 @@
           <a:lstStyle/>
           <a:p>
             <a:r>
+              <a:rPr lang="en-US" sz="3200" dirty="0"/>
+              <a:t>Total Sprints = </a:t>
+            </a:r>
+            <a:r>
               <a:rPr lang="en-US" sz="3200" dirty="0" smtClean="0"/>
-              <a:t>Improvement in right feature files in BDD format.</a:t>
-            </a:r>
+              <a:t>5</a:t>
+            </a:r>
+            <a:endParaRPr lang="en-US" sz="3200" dirty="0"/>
           </a:p>
           <a:p>
             <a:r>
               <a:rPr lang="en-US" sz="3200" dirty="0" smtClean="0"/>
-              <a:t>Customized Cucumber Report.</a:t>
-            </a:r>
-            <a:endParaRPr lang="en-US" sz="3200" dirty="0"/>
-          </a:p>
-          <a:p>
-            <a:pPr marL="571500" lvl="1" indent="0">
-              <a:buNone/>
-            </a:pPr>
-            <a:endParaRPr lang="en-US" altLang="ja-JP" sz="3200" dirty="0">
-              <a:latin typeface="Times New Roman" pitchFamily="18" charset="0"/>
-              <a:ea typeface="ヒラギノ角ゴ ProN W3" charset="0"/>
-              <a:cs typeface="Times New Roman" pitchFamily="18" charset="0"/>
-            </a:endParaRPr>
-          </a:p>
-          <a:p>
-            <a:pPr marL="571500" lvl="1" indent="0">
-              <a:buNone/>
-            </a:pPr>
-            <a:endParaRPr lang="en-US" sz="3200" dirty="0" smtClean="0"/>
-          </a:p>
-          <a:p>
-            <a:pPr marL="571500" lvl="1" indent="0">
-              <a:buNone/>
-            </a:pPr>
-            <a:endParaRPr lang="en-US" sz="3200" dirty="0" smtClean="0"/>
-          </a:p>
-          <a:p>
-            <a:pPr lvl="1"/>
-            <a:endParaRPr lang="en-US" sz="3200" dirty="0"/>
-          </a:p>
-          <a:p>
-            <a:pPr lvl="1"/>
-            <a:endParaRPr lang="en-US" sz="3200" dirty="0" smtClean="0"/>
-          </a:p>
-          <a:p>
-            <a:pPr marL="0" indent="0">
-              <a:buNone/>
-            </a:pPr>
-            <a:endParaRPr lang="en-US" sz="3200" dirty="0"/>
+              <a:t>User </a:t>
+            </a:r>
+            <a:r>
+              <a:rPr lang="en-US" sz="3200" dirty="0"/>
+              <a:t>S</a:t>
+            </a:r>
+            <a:r>
+              <a:rPr lang="en-US" sz="3200" dirty="0" smtClean="0"/>
+              <a:t>tories </a:t>
+            </a:r>
+            <a:r>
+              <a:rPr lang="en-US" sz="3200" dirty="0"/>
+              <a:t>= </a:t>
+            </a:r>
+            <a:r>
+              <a:rPr lang="en-US" sz="3200" dirty="0" smtClean="0"/>
+              <a:t>58</a:t>
+            </a:r>
+          </a:p>
+          <a:p>
+            <a:r>
+              <a:rPr lang="en-US" sz="3200" dirty="0" smtClean="0"/>
+              <a:t>Average </a:t>
+            </a:r>
+            <a:r>
+              <a:rPr lang="en-US" sz="3200" dirty="0"/>
+              <a:t>Sprint  Velocity </a:t>
+            </a:r>
+            <a:r>
+              <a:rPr lang="en-US" sz="3200" dirty="0" smtClean="0"/>
+              <a:t>=64</a:t>
+            </a:r>
           </a:p>
         </p:txBody>
       </p:sp>
@@ -7432,7 +7467,7 @@
           <a:p>
             <a:r>
               <a:rPr lang="en-US" dirty="0" smtClean="0"/>
-              <a:t>Area of Improvement</a:t>
+              <a:t>Project Metrics</a:t>
             </a:r>
             <a:endParaRPr lang="en-US" dirty="0"/>
           </a:p>
@@ -7465,7 +7500,7 @@
     </p:spTree>
     <p:extLst>
       <p:ext uri="{BB962C8B-B14F-4D97-AF65-F5344CB8AC3E}">
-        <p14:creationId xmlns:p14="http://schemas.microsoft.com/office/powerpoint/2010/main" val="273424273"/>
+        <p14:creationId xmlns:p14="http://schemas.microsoft.com/office/powerpoint/2010/main" val="3429132619"/>
       </p:ext>
     </p:extLst>
   </p:cSld>
@@ -7517,51 +7552,11 @@
           <a:bodyPr/>
           <a:lstStyle/>
           <a:p>
-            <a:r>
-              <a:rPr lang="en-US" sz="3200" dirty="0"/>
-              <a:t>Total Sprints = </a:t>
-            </a:r>
-            <a:r>
-              <a:rPr lang="en-US" sz="3200" dirty="0" smtClean="0"/>
-              <a:t>5</a:t>
-            </a:r>
+            <a:pPr lvl="0"/>
+            <a:endParaRPr lang="en-US" sz="3200" dirty="0" smtClean="0"/>
+          </a:p>
+          <a:p>
             <a:endParaRPr lang="en-US" sz="3200" dirty="0"/>
-          </a:p>
-          <a:p>
-            <a:r>
-              <a:rPr lang="en-US" sz="3200" dirty="0" smtClean="0"/>
-              <a:t>User </a:t>
-            </a:r>
-            <a:r>
-              <a:rPr lang="en-US" sz="3200" dirty="0"/>
-              <a:t>S</a:t>
-            </a:r>
-            <a:r>
-              <a:rPr lang="en-US" sz="3200" dirty="0" smtClean="0"/>
-              <a:t>tories </a:t>
-            </a:r>
-            <a:r>
-              <a:rPr lang="en-US" sz="3200" dirty="0"/>
-              <a:t>= </a:t>
-            </a:r>
-            <a:r>
-              <a:rPr lang="en-US" sz="3200" dirty="0" smtClean="0"/>
-              <a:t>58</a:t>
-            </a:r>
-          </a:p>
-          <a:p>
-            <a:r>
-              <a:rPr lang="en-US" sz="3200" dirty="0" smtClean="0"/>
-              <a:t>Average </a:t>
-            </a:r>
-            <a:r>
-              <a:rPr lang="en-US" sz="3200" dirty="0"/>
-              <a:t>Sprint  Velocity </a:t>
-            </a:r>
-            <a:r>
-              <a:rPr lang="en-US" sz="3200" dirty="0" smtClean="0"/>
-              <a:t>=64</a:t>
-            </a:r>
           </a:p>
         </p:txBody>
       </p:sp>
@@ -7581,8 +7576,8 @@
           <a:lstStyle/>
           <a:p>
             <a:r>
-              <a:rPr lang="en-US" dirty="0" smtClean="0"/>
-              <a:t>Project Metrics</a:t>
+              <a:rPr lang="en-US" sz="5400" dirty="0" smtClean="0"/>
+              <a:t>Scrum Tool – Agile Scrum Sheet</a:t>
             </a:r>
             <a:endParaRPr lang="en-US" dirty="0"/>
           </a:p>
@@ -7612,10 +7607,67 @@
           </a:p>
         </p:txBody>
       </p:sp>
+      <p:sp>
+        <p:nvSpPr>
+          <p:cNvPr id="6" name="TextBox 5"/>
+          <p:cNvSpPr txBox="1"/>
+          <p:nvPr/>
+        </p:nvSpPr>
+        <p:spPr>
+          <a:xfrm>
+            <a:off x="1315558" y="2743200"/>
+            <a:ext cx="1986442" cy="738664"/>
+          </a:xfrm>
+          <a:prstGeom prst="rect">
+            <a:avLst/>
+          </a:prstGeom>
+          <a:noFill/>
+        </p:spPr>
+        <p:txBody>
+          <a:bodyPr wrap="none" rtlCol="0">
+            <a:spAutoFit/>
+          </a:bodyPr>
+          <a:lstStyle/>
+          <a:p>
+            <a:r>
+              <a:rPr lang="en-US" dirty="0" smtClean="0"/>
+              <a:t>Sprint </a:t>
+            </a:r>
+            <a:r>
+              <a:rPr lang="en-US" dirty="0"/>
+              <a:t>0</a:t>
+            </a:r>
+          </a:p>
+        </p:txBody>
+      </p:sp>
+      <p:pic>
+        <p:nvPicPr>
+          <p:cNvPr id="5" name="Picture 4"/>
+          <p:cNvPicPr>
+            <a:picLocks noChangeAspect="1"/>
+          </p:cNvPicPr>
+          <p:nvPr/>
+        </p:nvPicPr>
+        <p:blipFill>
+          <a:blip r:embed="rId2"/>
+          <a:stretch>
+            <a:fillRect/>
+          </a:stretch>
+        </p:blipFill>
+        <p:spPr>
+          <a:xfrm>
+            <a:off x="711200" y="3735864"/>
+            <a:ext cx="11506200" cy="5715000"/>
+          </a:xfrm>
+          <a:prstGeom prst="rect">
+            <a:avLst/>
+          </a:prstGeom>
+        </p:spPr>
+      </p:pic>
     </p:spTree>
     <p:extLst>
       <p:ext uri="{BB962C8B-B14F-4D97-AF65-F5344CB8AC3E}">
-        <p14:creationId xmlns:p14="http://schemas.microsoft.com/office/powerpoint/2010/main" val="3429132619"/>
+        <p14:creationId xmlns:p14="http://schemas.microsoft.com/office/powerpoint/2010/main" val="3274724306"/>
       </p:ext>
     </p:extLst>
   </p:cSld>
@@ -7691,7 +7743,7 @@
           <a:lstStyle/>
           <a:p>
             <a:r>
-              <a:rPr lang="en-US" sz="5400" dirty="0" smtClean="0"/>
+              <a:rPr lang="en-US" sz="5400" dirty="0"/>
               <a:t>Scrum Tool – Agile Scrum Sheet</a:t>
             </a:r>
             <a:endParaRPr lang="en-US" dirty="0"/>
@@ -7717,173 +7769,6 @@
               <a:rPr lang="en-US" smtClean="0"/>
               <a:pPr/>
               <a:t>25</a:t>
-            </a:fld>
-            <a:endParaRPr lang="en-US"/>
-          </a:p>
-        </p:txBody>
-      </p:sp>
-      <p:sp>
-        <p:nvSpPr>
-          <p:cNvPr id="6" name="TextBox 5"/>
-          <p:cNvSpPr txBox="1"/>
-          <p:nvPr/>
-        </p:nvSpPr>
-        <p:spPr>
-          <a:xfrm>
-            <a:off x="1315558" y="2743200"/>
-            <a:ext cx="1986442" cy="738664"/>
-          </a:xfrm>
-          <a:prstGeom prst="rect">
-            <a:avLst/>
-          </a:prstGeom>
-          <a:noFill/>
-        </p:spPr>
-        <p:txBody>
-          <a:bodyPr wrap="none" rtlCol="0">
-            <a:spAutoFit/>
-          </a:bodyPr>
-          <a:lstStyle/>
-          <a:p>
-            <a:r>
-              <a:rPr lang="en-US" dirty="0" smtClean="0"/>
-              <a:t>Sprint </a:t>
-            </a:r>
-            <a:r>
-              <a:rPr lang="en-US" dirty="0"/>
-              <a:t>0</a:t>
-            </a:r>
-          </a:p>
-        </p:txBody>
-      </p:sp>
-      <p:pic>
-        <p:nvPicPr>
-          <p:cNvPr id="5" name="Picture 4"/>
-          <p:cNvPicPr>
-            <a:picLocks noChangeAspect="1"/>
-          </p:cNvPicPr>
-          <p:nvPr/>
-        </p:nvPicPr>
-        <p:blipFill>
-          <a:blip r:embed="rId2"/>
-          <a:stretch>
-            <a:fillRect/>
-          </a:stretch>
-        </p:blipFill>
-        <p:spPr>
-          <a:xfrm>
-            <a:off x="711200" y="3735864"/>
-            <a:ext cx="11506200" cy="5715000"/>
-          </a:xfrm>
-          <a:prstGeom prst="rect">
-            <a:avLst/>
-          </a:prstGeom>
-        </p:spPr>
-      </p:pic>
-    </p:spTree>
-    <p:extLst>
-      <p:ext uri="{BB962C8B-B14F-4D97-AF65-F5344CB8AC3E}">
-        <p14:creationId xmlns:p14="http://schemas.microsoft.com/office/powerpoint/2010/main" val="3274724306"/>
-      </p:ext>
-    </p:extLst>
-  </p:cSld>
-  <p:clrMapOvr>
-    <a:masterClrMapping/>
-  </p:clrMapOvr>
-  <p:transition>
-    <p:fade/>
-  </p:transition>
-  <p:timing>
-    <p:tnLst>
-      <p:par>
-        <p:cTn id="1" dur="indefinite" restart="never" nodeType="tmRoot"/>
-      </p:par>
-    </p:tnLst>
-  </p:timing>
-</p:sld>
-</file>
-
-<file path=ppt/slides/slide26.xml><?xml version="1.0" encoding="utf-8"?>
-<p:sld xmlns:a="http://schemas.openxmlformats.org/drawingml/2006/main" xmlns:r="http://schemas.openxmlformats.org/officeDocument/2006/relationships" xmlns:p="http://schemas.openxmlformats.org/presentationml/2006/main">
-  <p:cSld>
-    <p:spTree>
-      <p:nvGrpSpPr>
-        <p:cNvPr id="1" name=""/>
-        <p:cNvGrpSpPr/>
-        <p:nvPr/>
-      </p:nvGrpSpPr>
-      <p:grpSpPr>
-        <a:xfrm>
-          <a:off x="0" y="0"/>
-          <a:ext cx="0" cy="0"/>
-          <a:chOff x="0" y="0"/>
-          <a:chExt cx="0" cy="0"/>
-        </a:xfrm>
-      </p:grpSpPr>
-      <p:sp>
-        <p:nvSpPr>
-          <p:cNvPr id="2" name="Content Placeholder 1"/>
-          <p:cNvSpPr>
-            <a:spLocks noGrp="1"/>
-          </p:cNvSpPr>
-          <p:nvPr>
-            <p:ph idx="1"/>
-          </p:nvPr>
-        </p:nvSpPr>
-        <p:spPr/>
-        <p:txBody>
-          <a:bodyPr/>
-          <a:lstStyle/>
-          <a:p>
-            <a:pPr lvl="0"/>
-            <a:endParaRPr lang="en-US" sz="3200" dirty="0" smtClean="0"/>
-          </a:p>
-          <a:p>
-            <a:endParaRPr lang="en-US" sz="3200" dirty="0"/>
-          </a:p>
-        </p:txBody>
-      </p:sp>
-      <p:sp>
-        <p:nvSpPr>
-          <p:cNvPr id="3" name="Title 2"/>
-          <p:cNvSpPr>
-            <a:spLocks noGrp="1"/>
-          </p:cNvSpPr>
-          <p:nvPr>
-            <p:ph type="title"/>
-          </p:nvPr>
-        </p:nvSpPr>
-        <p:spPr/>
-        <p:txBody>
-          <a:bodyPr/>
-          <a:lstStyle/>
-          <a:p>
-            <a:r>
-              <a:rPr lang="en-US" sz="5400" dirty="0"/>
-              <a:t>Scrum Tool – Agile Scrum Sheet</a:t>
-            </a:r>
-            <a:endParaRPr lang="en-US" dirty="0"/>
-          </a:p>
-        </p:txBody>
-      </p:sp>
-      <p:sp>
-        <p:nvSpPr>
-          <p:cNvPr id="4" name="Slide Number Placeholder 3"/>
-          <p:cNvSpPr>
-            <a:spLocks noGrp="1"/>
-          </p:cNvSpPr>
-          <p:nvPr>
-            <p:ph type="sldNum" sz="quarter" idx="10"/>
-          </p:nvPr>
-        </p:nvSpPr>
-        <p:spPr/>
-        <p:txBody>
-          <a:bodyPr/>
-          <a:lstStyle/>
-          <a:p>
-            <a:fld id="{FD0725B6-5DD5-4EEE-A0F0-572C51C8D44F}" type="slidenum">
-              <a:rPr lang="en-US" smtClean="0"/>
-              <a:pPr/>
-              <a:t>26</a:t>
             </a:fld>
             <a:endParaRPr lang="en-US"/>
           </a:p>
@@ -8020,7 +7905,7 @@
 </p:sld>
 </file>
 
-<file path=ppt/slides/slide27.xml><?xml version="1.0" encoding="utf-8"?>
+<file path=ppt/slides/slide26.xml><?xml version="1.0" encoding="utf-8"?>
 <p:sld xmlns:a="http://schemas.openxmlformats.org/drawingml/2006/main" xmlns:r="http://schemas.openxmlformats.org/officeDocument/2006/relationships" xmlns:p="http://schemas.openxmlformats.org/presentationml/2006/main">
   <p:cSld>
     <p:spTree>
@@ -8101,7 +7986,7 @@
             <a:fld id="{FD0725B6-5DD5-4EEE-A0F0-572C51C8D44F}" type="slidenum">
               <a:rPr lang="en-US" smtClean="0"/>
               <a:pPr/>
-              <a:t>27</a:t>
+              <a:t>26</a:t>
             </a:fld>
             <a:endParaRPr lang="en-US"/>
           </a:p>
@@ -8240,7 +8125,7 @@
 </p:sld>
 </file>
 
-<file path=ppt/slides/slide28.xml><?xml version="1.0" encoding="utf-8"?>
+<file path=ppt/slides/slide27.xml><?xml version="1.0" encoding="utf-8"?>
 <p:sld xmlns:a="http://schemas.openxmlformats.org/drawingml/2006/main" xmlns:r="http://schemas.openxmlformats.org/officeDocument/2006/relationships" xmlns:p="http://schemas.openxmlformats.org/presentationml/2006/main">
   <p:cSld>
     <p:spTree>
@@ -8298,7 +8183,7 @@
             <a:fld id="{FD0725B6-5DD5-4EEE-A0F0-572C51C8D44F}" type="slidenum">
               <a:rPr lang="en-US" smtClean="0"/>
               <a:pPr/>
-              <a:t>28</a:t>
+              <a:t>27</a:t>
             </a:fld>
             <a:endParaRPr lang="en-US"/>
           </a:p>
@@ -8344,7 +8229,7 @@
 </p:sld>
 </file>
 
-<file path=ppt/slides/slide29.xml><?xml version="1.0" encoding="utf-8"?>
+<file path=ppt/slides/slide28.xml><?xml version="1.0" encoding="utf-8"?>
 <p:sld xmlns:a="http://schemas.openxmlformats.org/drawingml/2006/main" xmlns:r="http://schemas.openxmlformats.org/officeDocument/2006/relationships" xmlns:p="http://schemas.openxmlformats.org/presentationml/2006/main">
   <p:cSld>
     <p:spTree>
@@ -8554,7 +8439,7 @@
             <a:fld id="{FD0725B6-5DD5-4EEE-A0F0-572C51C8D44F}" type="slidenum">
               <a:rPr lang="en-US" smtClean="0"/>
               <a:pPr/>
-              <a:t>29</a:t>
+              <a:t>28</a:t>
             </a:fld>
             <a:endParaRPr lang="en-US"/>
           </a:p>
@@ -8564,6 +8449,153 @@
     <p:extLst>
       <p:ext uri="{BB962C8B-B14F-4D97-AF65-F5344CB8AC3E}">
         <p14:creationId xmlns:p14="http://schemas.microsoft.com/office/powerpoint/2010/main" val="3627197052"/>
+      </p:ext>
+    </p:extLst>
+  </p:cSld>
+  <p:clrMapOvr>
+    <a:masterClrMapping/>
+  </p:clrMapOvr>
+  <p:transition>
+    <p:fade/>
+  </p:transition>
+</p:sld>
+</file>
+
+<file path=ppt/slides/slide29.xml><?xml version="1.0" encoding="utf-8"?>
+<p:sld xmlns:a="http://schemas.openxmlformats.org/drawingml/2006/main" xmlns:r="http://schemas.openxmlformats.org/officeDocument/2006/relationships" xmlns:p="http://schemas.openxmlformats.org/presentationml/2006/main">
+  <p:cSld>
+    <p:spTree>
+      <p:nvGrpSpPr>
+        <p:cNvPr id="1" name=""/>
+        <p:cNvGrpSpPr/>
+        <p:nvPr/>
+      </p:nvGrpSpPr>
+      <p:grpSpPr>
+        <a:xfrm>
+          <a:off x="0" y="0"/>
+          <a:ext cx="0" cy="0"/>
+          <a:chOff x="0" y="0"/>
+          <a:chExt cx="0" cy="0"/>
+        </a:xfrm>
+      </p:grpSpPr>
+      <p:sp>
+        <p:nvSpPr>
+          <p:cNvPr id="2" name="Content Placeholder 1"/>
+          <p:cNvSpPr>
+            <a:spLocks noGrp="1"/>
+          </p:cNvSpPr>
+          <p:nvPr>
+            <p:ph idx="1"/>
+          </p:nvPr>
+        </p:nvSpPr>
+        <p:spPr/>
+        <p:txBody>
+          <a:bodyPr/>
+          <a:lstStyle/>
+          <a:p>
+            <a:r>
+              <a:rPr lang="en-US" sz="3200" dirty="0" smtClean="0"/>
+              <a:t>Daily Stand Up</a:t>
+            </a:r>
+          </a:p>
+          <a:p>
+            <a:r>
+              <a:rPr lang="en-US" sz="3200" dirty="0" smtClean="0"/>
+              <a:t>Daily Logs of Status</a:t>
+            </a:r>
+          </a:p>
+          <a:p>
+            <a:r>
+              <a:rPr lang="en-US" sz="3200" dirty="0" smtClean="0"/>
+              <a:t>Daily Update of Scrum sheet</a:t>
+            </a:r>
+          </a:p>
+          <a:p>
+            <a:r>
+              <a:rPr lang="en-US" sz="3200" dirty="0" smtClean="0"/>
+              <a:t>Weekly Evaluations</a:t>
+            </a:r>
+          </a:p>
+          <a:p>
+            <a:r>
+              <a:rPr lang="en-US" sz="3200" dirty="0" smtClean="0"/>
+              <a:t>Code Review </a:t>
+            </a:r>
+          </a:p>
+          <a:p>
+            <a:r>
+              <a:rPr lang="en-US" sz="3200" dirty="0" smtClean="0"/>
+              <a:t>Sprint Planning  &amp; Retrospective Meetings</a:t>
+            </a:r>
+          </a:p>
+          <a:p>
+            <a:r>
+              <a:rPr lang="en-US" sz="3200" dirty="0" smtClean="0"/>
+              <a:t>Had a Review Demo with Owner</a:t>
+            </a:r>
+          </a:p>
+          <a:p>
+            <a:r>
+              <a:rPr lang="en-US" sz="3200" dirty="0" smtClean="0"/>
+              <a:t>Had an Acceptance Demo with Owner</a:t>
+            </a:r>
+          </a:p>
+          <a:p>
+            <a:endParaRPr lang="en-US" sz="3200" dirty="0"/>
+          </a:p>
+        </p:txBody>
+      </p:sp>
+      <p:sp>
+        <p:nvSpPr>
+          <p:cNvPr id="3" name="Title 2"/>
+          <p:cNvSpPr>
+            <a:spLocks noGrp="1"/>
+          </p:cNvSpPr>
+          <p:nvPr>
+            <p:ph type="title"/>
+          </p:nvPr>
+        </p:nvSpPr>
+        <p:spPr/>
+        <p:txBody>
+          <a:bodyPr/>
+          <a:lstStyle/>
+          <a:p>
+            <a:r>
+              <a:rPr lang="en-US" dirty="0" smtClean="0"/>
+              <a:t>Processes</a:t>
+            </a:r>
+            <a:endParaRPr lang="en-US" dirty="0"/>
+          </a:p>
+        </p:txBody>
+      </p:sp>
+      <p:sp>
+        <p:nvSpPr>
+          <p:cNvPr id="4" name="Slide Number Placeholder 3"/>
+          <p:cNvSpPr>
+            <a:spLocks noGrp="1"/>
+          </p:cNvSpPr>
+          <p:nvPr>
+            <p:ph type="sldNum" sz="quarter" idx="10"/>
+          </p:nvPr>
+        </p:nvSpPr>
+        <p:spPr/>
+        <p:txBody>
+          <a:bodyPr/>
+          <a:lstStyle/>
+          <a:p>
+            <a:fld id="{FD0725B6-5DD5-4EEE-A0F0-572C51C8D44F}" type="slidenum">
+              <a:rPr lang="en-US" smtClean="0"/>
+              <a:pPr/>
+              <a:t>29</a:t>
+            </a:fld>
+            <a:endParaRPr lang="en-US"/>
+          </a:p>
+        </p:txBody>
+      </p:sp>
+    </p:spTree>
+    <p:extLst>
+      <p:ext uri="{BB962C8B-B14F-4D97-AF65-F5344CB8AC3E}">
+        <p14:creationId xmlns:p14="http://schemas.microsoft.com/office/powerpoint/2010/main" val="2532835921"/>
       </p:ext>
     </p:extLst>
   </p:cSld>
@@ -9437,57 +9469,79 @@
             <p:ph idx="1"/>
           </p:nvPr>
         </p:nvSpPr>
-        <p:spPr/>
+        <p:spPr>
+          <a:xfrm>
+            <a:off x="1270000" y="2489200"/>
+            <a:ext cx="10464800" cy="6959600"/>
+          </a:xfrm>
+        </p:spPr>
         <p:txBody>
           <a:bodyPr/>
           <a:lstStyle/>
           <a:p>
+            <a:pPr lvl="0"/>
             <a:r>
               <a:rPr lang="en-US" sz="3200" dirty="0" smtClean="0"/>
-              <a:t>Daily Stand Up</a:t>
-            </a:r>
-          </a:p>
-          <a:p>
+              <a:t>Working with members from different locations</a:t>
+            </a:r>
+          </a:p>
+          <a:p>
+            <a:pPr lvl="0"/>
             <a:r>
               <a:rPr lang="en-US" sz="3200" dirty="0" smtClean="0"/>
-              <a:t>Daily Logs of Status</a:t>
-            </a:r>
-          </a:p>
-          <a:p>
+              <a:t>Multitenant Application</a:t>
+            </a:r>
+          </a:p>
+          <a:p>
+            <a:pPr lvl="0"/>
             <a:r>
               <a:rPr lang="en-US" sz="3200" dirty="0" smtClean="0"/>
-              <a:t>Daily Update of Scrum sheet</a:t>
-            </a:r>
-          </a:p>
-          <a:p>
+              <a:t>Followed Agile methodology</a:t>
+            </a:r>
+          </a:p>
+          <a:p>
+            <a:pPr lvl="0"/>
             <a:r>
               <a:rPr lang="en-US" sz="3200" dirty="0" smtClean="0"/>
-              <a:t>Weekly Evaluations</a:t>
-            </a:r>
-          </a:p>
-          <a:p>
+              <a:t>Using SCRUM Tool </a:t>
+            </a:r>
+            <a:r>
+              <a:rPr lang="en-US" sz="3200" dirty="0"/>
+              <a:t>– </a:t>
+            </a:r>
             <a:r>
               <a:rPr lang="en-US" sz="3200" dirty="0" smtClean="0"/>
-              <a:t>Code Review </a:t>
-            </a:r>
-          </a:p>
-          <a:p>
+              <a:t>Scrum desk, effectively</a:t>
+            </a:r>
+          </a:p>
+          <a:p>
+            <a:pPr lvl="0"/>
             <a:r>
               <a:rPr lang="en-US" sz="3200" dirty="0" smtClean="0"/>
-              <a:t>Sprint Planning  &amp; Retrospective Meetings</a:t>
-            </a:r>
-          </a:p>
-          <a:p>
+              <a:t>Significance of updating the tool regularly</a:t>
+            </a:r>
+          </a:p>
+          <a:p>
+            <a:pPr lvl="0"/>
             <a:r>
               <a:rPr lang="en-US" sz="3200" dirty="0" smtClean="0"/>
-              <a:t>Had a Review Demo with Owner</a:t>
-            </a:r>
-          </a:p>
-          <a:p>
+              <a:t>Unit test Cases</a:t>
+            </a:r>
+          </a:p>
+          <a:p>
+            <a:pPr lvl="0"/>
             <a:r>
               <a:rPr lang="en-US" sz="3200" dirty="0" smtClean="0"/>
-              <a:t>Had an Acceptance Demo with Owner</a:t>
-            </a:r>
+              <a:t>Test process and planning</a:t>
+            </a:r>
+          </a:p>
+          <a:p>
+            <a:pPr lvl="0"/>
+            <a:endParaRPr lang="en-US" sz="3200" dirty="0"/>
+          </a:p>
+          <a:p>
+            <a:pPr lvl="0"/>
+            <a:endParaRPr lang="en-US" sz="3200" dirty="0" smtClean="0"/>
           </a:p>
           <a:p>
             <a:endParaRPr lang="en-US" sz="3200" dirty="0"/>
@@ -9511,7 +9565,7 @@
           <a:p>
             <a:r>
               <a:rPr lang="en-US" dirty="0" smtClean="0"/>
-              <a:t>Processes</a:t>
+              <a:t>Collective Learning</a:t>
             </a:r>
             <a:endParaRPr lang="en-US" dirty="0"/>
           </a:p>
@@ -9544,7 +9598,7 @@
     </p:spTree>
     <p:extLst>
       <p:ext uri="{BB962C8B-B14F-4D97-AF65-F5344CB8AC3E}">
-        <p14:creationId xmlns:p14="http://schemas.microsoft.com/office/powerpoint/2010/main" val="2532835921"/>
+        <p14:creationId xmlns:p14="http://schemas.microsoft.com/office/powerpoint/2010/main" val="1328395740"/>
       </p:ext>
     </p:extLst>
   </p:cSld>
@@ -9554,6 +9608,13 @@
   <p:transition>
     <p:fade/>
   </p:transition>
+  <p:timing>
+    <p:tnLst>
+      <p:par>
+        <p:cTn id="1" dur="indefinite" restart="never" nodeType="tmRoot"/>
+      </p:par>
+    </p:tnLst>
+  </p:timing>
 </p:sld>
 </file>
 
@@ -9597,61 +9658,65 @@
             <a:pPr lvl="0"/>
             <a:r>
               <a:rPr lang="en-US" sz="3200" dirty="0" smtClean="0"/>
-              <a:t>Working with members from different locations</a:t>
+              <a:t>Complete Project Cycle</a:t>
             </a:r>
           </a:p>
           <a:p>
             <a:pPr lvl="0"/>
             <a:r>
+              <a:rPr lang="en-US" sz="3200" dirty="0"/>
+              <a:t>Managing tasks while working on multiple </a:t>
+            </a:r>
+            <a:r>
               <a:rPr lang="en-US" sz="3200" dirty="0" smtClean="0"/>
-              <a:t>Multitenant Application</a:t>
+              <a:t>projects</a:t>
             </a:r>
           </a:p>
           <a:p>
             <a:pPr lvl="0"/>
             <a:r>
               <a:rPr lang="en-US" sz="3200" dirty="0" smtClean="0"/>
-              <a:t>Followed Agile methodology</a:t>
+              <a:t>Accommodating Change Requests</a:t>
             </a:r>
           </a:p>
           <a:p>
             <a:pPr lvl="0"/>
             <a:r>
               <a:rPr lang="en-US" sz="3200" dirty="0" smtClean="0"/>
-              <a:t>Using SCRUM Tool </a:t>
-            </a:r>
-            <a:r>
-              <a:rPr lang="en-US" sz="3200" dirty="0"/>
-              <a:t>– </a:t>
-            </a:r>
+              <a:t>Writing features file in BDD Format.</a:t>
+            </a:r>
+          </a:p>
+          <a:p>
+            <a:pPr lvl="0"/>
             <a:r>
               <a:rPr lang="en-US" sz="3200" dirty="0" smtClean="0"/>
-              <a:t>Scrum desk, effectively</a:t>
+              <a:t>Understating of writing feature files using user story.</a:t>
             </a:r>
           </a:p>
           <a:p>
             <a:pPr lvl="0"/>
             <a:r>
               <a:rPr lang="en-US" sz="3200" dirty="0" smtClean="0"/>
-              <a:t>Significance of updating the tool regularly</a:t>
+              <a:t>Writing feature file in table format</a:t>
             </a:r>
           </a:p>
           <a:p>
             <a:pPr lvl="0"/>
             <a:r>
               <a:rPr lang="en-US" sz="3200" dirty="0" smtClean="0"/>
-              <a:t>Unit test Cases</a:t>
-            </a:r>
-          </a:p>
-          <a:p>
-            <a:pPr lvl="0"/>
-            <a:r>
-              <a:rPr lang="en-US" sz="3200" dirty="0" smtClean="0"/>
-              <a:t>Test process and planning</a:t>
-            </a:r>
-          </a:p>
-          <a:p>
-            <a:pPr lvl="0"/>
+              <a:t>Sprint Boot</a:t>
+            </a:r>
+          </a:p>
+          <a:p>
+            <a:pPr marL="0" lvl="0" indent="0">
+              <a:buNone/>
+            </a:pPr>
+            <a:endParaRPr lang="en-US" sz="3200" dirty="0" smtClean="0"/>
+          </a:p>
+          <a:p>
+            <a:pPr marL="0" lvl="0" indent="0">
+              <a:buNone/>
+            </a:pPr>
             <a:endParaRPr lang="en-US" sz="3200" dirty="0"/>
           </a:p>
           <a:p>
@@ -9713,7 +9778,7 @@
     </p:spTree>
     <p:extLst>
       <p:ext uri="{BB962C8B-B14F-4D97-AF65-F5344CB8AC3E}">
-        <p14:creationId xmlns:p14="http://schemas.microsoft.com/office/powerpoint/2010/main" val="1328395740"/>
+        <p14:creationId xmlns:p14="http://schemas.microsoft.com/office/powerpoint/2010/main" val="3740603699"/>
       </p:ext>
     </p:extLst>
   </p:cSld>
@@ -9760,86 +9825,21 @@
             <p:ph idx="1"/>
           </p:nvPr>
         </p:nvSpPr>
-        <p:spPr>
-          <a:xfrm>
-            <a:off x="1270000" y="2489200"/>
-            <a:ext cx="10464800" cy="6959600"/>
-          </a:xfrm>
-        </p:spPr>
+        <p:spPr/>
         <p:txBody>
           <a:bodyPr/>
           <a:lstStyle/>
           <a:p>
-            <a:pPr lvl="0"/>
             <a:r>
               <a:rPr lang="en-US" sz="3200" dirty="0" smtClean="0"/>
-              <a:t>Complete Project Cycle</a:t>
-            </a:r>
-          </a:p>
-          <a:p>
-            <a:pPr lvl="0"/>
-            <a:r>
-              <a:rPr lang="en-US" sz="3200" dirty="0"/>
-              <a:t>Managing tasks while working on multiple </a:t>
-            </a:r>
+              <a:t>We would like to thank Raghvendra and Bhagyesh for their continuous guidance, taking out time every day to attend our calls, closely examining and providing feedback</a:t>
+            </a:r>
+          </a:p>
+          <a:p>
             <a:r>
               <a:rPr lang="en-US" sz="3200" dirty="0" smtClean="0"/>
-              <a:t>projects</a:t>
-            </a:r>
-          </a:p>
-          <a:p>
-            <a:pPr lvl="0"/>
-            <a:r>
-              <a:rPr lang="en-US" sz="3200" dirty="0" smtClean="0"/>
-              <a:t>Accommodating Change Requests</a:t>
-            </a:r>
-          </a:p>
-          <a:p>
-            <a:pPr lvl="0"/>
-            <a:r>
-              <a:rPr lang="en-US" sz="3200" dirty="0" smtClean="0"/>
-              <a:t>Writing features file in BDD Format.</a:t>
-            </a:r>
-          </a:p>
-          <a:p>
-            <a:pPr lvl="0"/>
-            <a:r>
-              <a:rPr lang="en-US" sz="3200" dirty="0" smtClean="0"/>
-              <a:t>Understating of writing feature files using user story.</a:t>
-            </a:r>
-          </a:p>
-          <a:p>
-            <a:pPr lvl="0"/>
-            <a:r>
-              <a:rPr lang="en-US" sz="3200" dirty="0" smtClean="0"/>
-              <a:t>Writing feature file in table format</a:t>
-            </a:r>
-          </a:p>
-          <a:p>
-            <a:pPr lvl="0"/>
-            <a:r>
-              <a:rPr lang="en-US" sz="3200" dirty="0" smtClean="0"/>
-              <a:t>Sprint Boot</a:t>
-            </a:r>
-          </a:p>
-          <a:p>
-            <a:pPr marL="0" lvl="0" indent="0">
-              <a:buNone/>
-            </a:pPr>
-            <a:endParaRPr lang="en-US" sz="3200" dirty="0" smtClean="0"/>
-          </a:p>
-          <a:p>
-            <a:pPr marL="0" lvl="0" indent="0">
-              <a:buNone/>
-            </a:pPr>
-            <a:endParaRPr lang="en-US" sz="3200" dirty="0"/>
-          </a:p>
-          <a:p>
-            <a:pPr lvl="0"/>
-            <a:endParaRPr lang="en-US" sz="3200" dirty="0" smtClean="0"/>
-          </a:p>
-          <a:p>
-            <a:endParaRPr lang="en-US" sz="3200" dirty="0"/>
+              <a:t>Thank you for letting us know where we lacked and for keeping us aligned in right direction.</a:t>
+            </a:r>
           </a:p>
         </p:txBody>
       </p:sp>
@@ -9860,7 +9860,7 @@
           <a:p>
             <a:r>
               <a:rPr lang="en-US" dirty="0" smtClean="0"/>
-              <a:t>Collective Learning</a:t>
+              <a:t>Gratitude</a:t>
             </a:r>
             <a:endParaRPr lang="en-US" dirty="0"/>
           </a:p>
@@ -9885,121 +9885,6 @@
               <a:rPr lang="en-US" smtClean="0"/>
               <a:pPr/>
               <a:t>32</a:t>
-            </a:fld>
-            <a:endParaRPr lang="en-US"/>
-          </a:p>
-        </p:txBody>
-      </p:sp>
-    </p:spTree>
-    <p:extLst>
-      <p:ext uri="{BB962C8B-B14F-4D97-AF65-F5344CB8AC3E}">
-        <p14:creationId xmlns:p14="http://schemas.microsoft.com/office/powerpoint/2010/main" val="3740603699"/>
-      </p:ext>
-    </p:extLst>
-  </p:cSld>
-  <p:clrMapOvr>
-    <a:masterClrMapping/>
-  </p:clrMapOvr>
-  <p:transition>
-    <p:fade/>
-  </p:transition>
-  <p:timing>
-    <p:tnLst>
-      <p:par>
-        <p:cTn id="1" dur="indefinite" restart="never" nodeType="tmRoot"/>
-      </p:par>
-    </p:tnLst>
-  </p:timing>
-</p:sld>
-</file>
-
-<file path=ppt/slides/slide33.xml><?xml version="1.0" encoding="utf-8"?>
-<p:sld xmlns:a="http://schemas.openxmlformats.org/drawingml/2006/main" xmlns:r="http://schemas.openxmlformats.org/officeDocument/2006/relationships" xmlns:p="http://schemas.openxmlformats.org/presentationml/2006/main">
-  <p:cSld>
-    <p:spTree>
-      <p:nvGrpSpPr>
-        <p:cNvPr id="1" name=""/>
-        <p:cNvGrpSpPr/>
-        <p:nvPr/>
-      </p:nvGrpSpPr>
-      <p:grpSpPr>
-        <a:xfrm>
-          <a:off x="0" y="0"/>
-          <a:ext cx="0" cy="0"/>
-          <a:chOff x="0" y="0"/>
-          <a:chExt cx="0" cy="0"/>
-        </a:xfrm>
-      </p:grpSpPr>
-      <p:sp>
-        <p:nvSpPr>
-          <p:cNvPr id="2" name="Content Placeholder 1"/>
-          <p:cNvSpPr>
-            <a:spLocks noGrp="1"/>
-          </p:cNvSpPr>
-          <p:nvPr>
-            <p:ph idx="1"/>
-          </p:nvPr>
-        </p:nvSpPr>
-        <p:spPr/>
-        <p:txBody>
-          <a:bodyPr/>
-          <a:lstStyle/>
-          <a:p>
-            <a:r>
-              <a:rPr lang="en-US" sz="3200" dirty="0" smtClean="0"/>
-              <a:t>We would like to thank Raghvendra and Bhagyesh for their continuous guidance, taking out time every day to attend our calls, closely examining and providing feedback</a:t>
-            </a:r>
-          </a:p>
-          <a:p>
-            <a:r>
-              <a:rPr lang="en-US" sz="3200" dirty="0" smtClean="0"/>
-              <a:t>Thank you for letting us know where we lacked and for keeping us aligned in right direction.</a:t>
-            </a:r>
-          </a:p>
-        </p:txBody>
-      </p:sp>
-      <p:sp>
-        <p:nvSpPr>
-          <p:cNvPr id="3" name="Title 2"/>
-          <p:cNvSpPr>
-            <a:spLocks noGrp="1"/>
-          </p:cNvSpPr>
-          <p:nvPr>
-            <p:ph type="title"/>
-          </p:nvPr>
-        </p:nvSpPr>
-        <p:spPr/>
-        <p:txBody>
-          <a:bodyPr/>
-          <a:lstStyle/>
-          <a:p>
-            <a:r>
-              <a:rPr lang="en-US" dirty="0" smtClean="0"/>
-              <a:t>Gratitude</a:t>
-            </a:r>
-            <a:endParaRPr lang="en-US" dirty="0"/>
-          </a:p>
-        </p:txBody>
-      </p:sp>
-      <p:sp>
-        <p:nvSpPr>
-          <p:cNvPr id="4" name="Slide Number Placeholder 3"/>
-          <p:cNvSpPr>
-            <a:spLocks noGrp="1"/>
-          </p:cNvSpPr>
-          <p:nvPr>
-            <p:ph type="sldNum" sz="quarter" idx="10"/>
-          </p:nvPr>
-        </p:nvSpPr>
-        <p:spPr/>
-        <p:txBody>
-          <a:bodyPr/>
-          <a:lstStyle/>
-          <a:p>
-            <a:fld id="{FD0725B6-5DD5-4EEE-A0F0-572C51C8D44F}" type="slidenum">
-              <a:rPr lang="en-US" smtClean="0"/>
-              <a:pPr/>
-              <a:t>33</a:t>
             </a:fld>
             <a:endParaRPr lang="en-US"/>
           </a:p>
@@ -10028,7 +9913,7 @@
 </p:sld>
 </file>
 
-<file path=ppt/slides/slide34.xml><?xml version="1.0" encoding="utf-8"?>
+<file path=ppt/slides/slide33.xml><?xml version="1.0" encoding="utf-8"?>
 <p:sld xmlns:a="http://schemas.openxmlformats.org/drawingml/2006/main" xmlns:r="http://schemas.openxmlformats.org/officeDocument/2006/relationships" xmlns:p="http://schemas.openxmlformats.org/presentationml/2006/main" showMasterSp="0">
   <p:cSld>
     <p:spTree>
@@ -10092,7 +9977,7 @@
             <a:fld id="{FD0725B6-5DD5-4EEE-A0F0-572C51C8D44F}" type="slidenum">
               <a:rPr lang="en-US" smtClean="0"/>
               <a:pPr/>
-              <a:t>34</a:t>
+              <a:t>33</a:t>
             </a:fld>
             <a:endParaRPr lang="en-US"/>
           </a:p>
@@ -10573,120 +10458,6 @@
             <p:ph idx="1"/>
           </p:nvPr>
         </p:nvSpPr>
-        <p:spPr>
-          <a:xfrm>
-            <a:off x="1270000" y="2540000"/>
-            <a:ext cx="10464800" cy="3708400"/>
-          </a:xfrm>
-        </p:spPr>
-        <p:txBody>
-          <a:bodyPr/>
-          <a:lstStyle/>
-          <a:p>
-            <a:endParaRPr lang="en-US" sz="2400" dirty="0" smtClean="0">
-              <a:latin typeface="Times New Roman" pitchFamily="18" charset="0"/>
-              <a:cs typeface="Times New Roman" pitchFamily="18" charset="0"/>
-            </a:endParaRPr>
-          </a:p>
-        </p:txBody>
-      </p:sp>
-      <p:sp>
-        <p:nvSpPr>
-          <p:cNvPr id="3" name="Title 2"/>
-          <p:cNvSpPr>
-            <a:spLocks noGrp="1"/>
-          </p:cNvSpPr>
-          <p:nvPr>
-            <p:ph type="title"/>
-          </p:nvPr>
-        </p:nvSpPr>
-        <p:spPr/>
-        <p:txBody>
-          <a:bodyPr/>
-          <a:lstStyle/>
-          <a:p>
-            <a:r>
-              <a:rPr lang="en-US" sz="5400" dirty="0" smtClean="0"/>
-              <a:t>Change Requests </a:t>
-            </a:r>
-            <a:endParaRPr lang="en-US" sz="4000" dirty="0"/>
-          </a:p>
-        </p:txBody>
-      </p:sp>
-      <p:sp>
-        <p:nvSpPr>
-          <p:cNvPr id="4" name="Slide Number Placeholder 3"/>
-          <p:cNvSpPr>
-            <a:spLocks noGrp="1"/>
-          </p:cNvSpPr>
-          <p:nvPr>
-            <p:ph type="sldNum" sz="quarter" idx="10"/>
-          </p:nvPr>
-        </p:nvSpPr>
-        <p:spPr/>
-        <p:txBody>
-          <a:bodyPr/>
-          <a:lstStyle/>
-          <a:p>
-            <a:fld id="{FD0725B6-5DD5-4EEE-A0F0-572C51C8D44F}" type="slidenum">
-              <a:rPr lang="en-US" smtClean="0"/>
-              <a:pPr/>
-              <a:t>6</a:t>
-            </a:fld>
-            <a:endParaRPr lang="en-US"/>
-          </a:p>
-        </p:txBody>
-      </p:sp>
-    </p:spTree>
-    <p:extLst>
-      <p:ext uri="{BB962C8B-B14F-4D97-AF65-F5344CB8AC3E}">
-        <p14:creationId xmlns:p14="http://schemas.microsoft.com/office/powerpoint/2010/main" val="2566472314"/>
-      </p:ext>
-    </p:extLst>
-  </p:cSld>
-  <p:clrMapOvr>
-    <a:masterClrMapping/>
-  </p:clrMapOvr>
-  <p:transition>
-    <p:fade/>
-  </p:transition>
-  <p:timing>
-    <p:tnLst>
-      <p:par>
-        <p:cTn id="1" dur="indefinite" restart="never" nodeType="tmRoot"/>
-      </p:par>
-    </p:tnLst>
-  </p:timing>
-</p:sld>
-</file>
-
-<file path=ppt/slides/slide7.xml><?xml version="1.0" encoding="utf-8"?>
-<p:sld xmlns:a="http://schemas.openxmlformats.org/drawingml/2006/main" xmlns:r="http://schemas.openxmlformats.org/officeDocument/2006/relationships" xmlns:p="http://schemas.openxmlformats.org/presentationml/2006/main">
-  <p:cSld>
-    <p:spTree>
-      <p:nvGrpSpPr>
-        <p:cNvPr id="1" name=""/>
-        <p:cNvGrpSpPr/>
-        <p:nvPr/>
-      </p:nvGrpSpPr>
-      <p:grpSpPr>
-        <a:xfrm>
-          <a:off x="0" y="0"/>
-          <a:ext cx="0" cy="0"/>
-          <a:chOff x="0" y="0"/>
-          <a:chExt cx="0" cy="0"/>
-        </a:xfrm>
-      </p:grpSpPr>
-      <p:sp>
-        <p:nvSpPr>
-          <p:cNvPr id="2" name="Content Placeholder 1"/>
-          <p:cNvSpPr>
-            <a:spLocks noGrp="1"/>
-          </p:cNvSpPr>
-          <p:nvPr>
-            <p:ph idx="1"/>
-          </p:nvPr>
-        </p:nvSpPr>
         <p:spPr/>
         <p:txBody>
           <a:bodyPr/>
@@ -10746,7 +10517,7 @@
             <a:fld id="{FD0725B6-5DD5-4EEE-A0F0-572C51C8D44F}" type="slidenum">
               <a:rPr lang="en-US" smtClean="0"/>
               <a:pPr/>
-              <a:t>7</a:t>
+              <a:t>6</a:t>
             </a:fld>
             <a:endParaRPr lang="en-US"/>
           </a:p>
@@ -14214,7 +13985,7 @@
 </p:sld>
 </file>
 
-<file path=ppt/slides/slide8.xml><?xml version="1.0" encoding="utf-8"?>
+<file path=ppt/slides/slide7.xml><?xml version="1.0" encoding="utf-8"?>
 <p:sld xmlns:a="http://schemas.openxmlformats.org/drawingml/2006/main" xmlns:r="http://schemas.openxmlformats.org/officeDocument/2006/relationships" xmlns:p="http://schemas.openxmlformats.org/presentationml/2006/main">
   <p:cSld>
     <p:spTree>
@@ -14295,7 +14066,7 @@
             <a:fld id="{FD0725B6-5DD5-4EEE-A0F0-572C51C8D44F}" type="slidenum">
               <a:rPr lang="en-US" smtClean="0"/>
               <a:pPr/>
-              <a:t>8</a:t>
+              <a:t>7</a:t>
             </a:fld>
             <a:endParaRPr lang="en-US"/>
           </a:p>
@@ -14348,7 +14119,7 @@
 </p:sld>
 </file>
 
-<file path=ppt/slides/slide9.xml><?xml version="1.0" encoding="utf-8"?>
+<file path=ppt/slides/slide8.xml><?xml version="1.0" encoding="utf-8"?>
 <p:sld xmlns:a="http://schemas.openxmlformats.org/drawingml/2006/main" xmlns:r="http://schemas.openxmlformats.org/officeDocument/2006/relationships" xmlns:p="http://schemas.openxmlformats.org/presentationml/2006/main">
   <p:cSld>
     <p:spTree>
@@ -14405,7 +14176,7 @@
             <a:fld id="{FD0725B6-5DD5-4EEE-A0F0-572C51C8D44F}" type="slidenum">
               <a:rPr lang="en-US" smtClean="0"/>
               <a:pPr/>
-              <a:t>9</a:t>
+              <a:t>8</a:t>
             </a:fld>
             <a:endParaRPr lang="en-US"/>
           </a:p>
@@ -14441,6 +14212,120 @@
     <p:extLst>
       <p:ext uri="{BB962C8B-B14F-4D97-AF65-F5344CB8AC3E}">
         <p14:creationId xmlns:p14="http://schemas.microsoft.com/office/powerpoint/2010/main" val="898805001"/>
+      </p:ext>
+    </p:extLst>
+  </p:cSld>
+  <p:clrMapOvr>
+    <a:masterClrMapping/>
+  </p:clrMapOvr>
+  <p:transition>
+    <p:fade/>
+  </p:transition>
+</p:sld>
+</file>
+
+<file path=ppt/slides/slide9.xml><?xml version="1.0" encoding="utf-8"?>
+<p:sld xmlns:a="http://schemas.openxmlformats.org/drawingml/2006/main" xmlns:r="http://schemas.openxmlformats.org/officeDocument/2006/relationships" xmlns:p="http://schemas.openxmlformats.org/presentationml/2006/main">
+  <p:cSld>
+    <p:spTree>
+      <p:nvGrpSpPr>
+        <p:cNvPr id="1" name=""/>
+        <p:cNvGrpSpPr/>
+        <p:nvPr/>
+      </p:nvGrpSpPr>
+      <p:grpSpPr>
+        <a:xfrm>
+          <a:off x="0" y="0"/>
+          <a:ext cx="0" cy="0"/>
+          <a:chOff x="0" y="0"/>
+          <a:chExt cx="0" cy="0"/>
+        </a:xfrm>
+      </p:grpSpPr>
+      <p:sp>
+        <p:nvSpPr>
+          <p:cNvPr id="3" name="Title 2"/>
+          <p:cNvSpPr>
+            <a:spLocks noGrp="1"/>
+          </p:cNvSpPr>
+          <p:nvPr>
+            <p:ph type="title"/>
+          </p:nvPr>
+        </p:nvSpPr>
+        <p:spPr>
+          <a:xfrm>
+            <a:off x="1270000" y="304800"/>
+            <a:ext cx="10464800" cy="2743200"/>
+          </a:xfrm>
+        </p:spPr>
+        <p:txBody>
+          <a:bodyPr/>
+          <a:lstStyle/>
+          <a:p>
+            <a:r>
+              <a:rPr lang="en-US" dirty="0"/>
+              <a:t>Service / Request Flow</a:t>
+            </a:r>
+            <a:br>
+              <a:rPr lang="en-US" dirty="0"/>
+            </a:br>
+            <a:endParaRPr lang="en-US" dirty="0"/>
+          </a:p>
+        </p:txBody>
+      </p:sp>
+      <p:sp>
+        <p:nvSpPr>
+          <p:cNvPr id="4" name="Slide Number Placeholder 3"/>
+          <p:cNvSpPr>
+            <a:spLocks noGrp="1"/>
+          </p:cNvSpPr>
+          <p:nvPr>
+            <p:ph type="sldNum" sz="quarter" idx="10"/>
+          </p:nvPr>
+        </p:nvSpPr>
+        <p:spPr/>
+        <p:txBody>
+          <a:bodyPr/>
+          <a:lstStyle/>
+          <a:p>
+            <a:fld id="{FD0725B6-5DD5-4EEE-A0F0-572C51C8D44F}" type="slidenum">
+              <a:rPr lang="en-US" smtClean="0"/>
+              <a:pPr/>
+              <a:t>9</a:t>
+            </a:fld>
+            <a:endParaRPr lang="en-US"/>
+          </a:p>
+        </p:txBody>
+      </p:sp>
+      <p:pic>
+        <p:nvPicPr>
+          <p:cNvPr id="5" name="Content Placeholder 4"/>
+          <p:cNvPicPr>
+            <a:picLocks noGrp="1" noChangeAspect="1"/>
+          </p:cNvPicPr>
+          <p:nvPr>
+            <p:ph idx="1"/>
+          </p:nvPr>
+        </p:nvPicPr>
+        <p:blipFill>
+          <a:blip r:embed="rId2"/>
+          <a:stretch>
+            <a:fillRect/>
+          </a:stretch>
+        </p:blipFill>
+        <p:spPr>
+          <a:xfrm>
+            <a:off x="1016000" y="2751499"/>
+            <a:ext cx="10896600" cy="6382976"/>
+          </a:xfrm>
+          <a:prstGeom prst="rect">
+            <a:avLst/>
+          </a:prstGeom>
+        </p:spPr>
+      </p:pic>
+    </p:spTree>
+    <p:extLst>
+      <p:ext uri="{BB962C8B-B14F-4D97-AF65-F5344CB8AC3E}">
+        <p14:creationId xmlns:p14="http://schemas.microsoft.com/office/powerpoint/2010/main" val="1593345565"/>
       </p:ext>
     </p:extLst>
   </p:cSld>

--- a/outsidewar/deliverables/EEteamJ1 Final Presentation.pptx
+++ b/outsidewar/deliverables/EEteamJ1 Final Presentation.pptx
@@ -5,7 +5,7 @@
     <p:sldMasterId id="2147483649" r:id="rId1"/>
   </p:sldMasterIdLst>
   <p:notesMasterIdLst>
-    <p:notesMasterId r:id="rId35"/>
+    <p:notesMasterId r:id="rId45"/>
   </p:notesMasterIdLst>
   <p:sldIdLst>
     <p:sldId id="343" r:id="rId2"/>
@@ -13,34 +13,44 @@
     <p:sldId id="384" r:id="rId4"/>
     <p:sldId id="370" r:id="rId5"/>
     <p:sldId id="371" r:id="rId6"/>
-    <p:sldId id="372" r:id="rId7"/>
-    <p:sldId id="386" r:id="rId8"/>
-    <p:sldId id="414" r:id="rId9"/>
-    <p:sldId id="416" r:id="rId10"/>
-    <p:sldId id="415" r:id="rId11"/>
-    <p:sldId id="387" r:id="rId12"/>
-    <p:sldId id="394" r:id="rId13"/>
-    <p:sldId id="374" r:id="rId14"/>
-    <p:sldId id="395" r:id="rId15"/>
-    <p:sldId id="375" r:id="rId16"/>
-    <p:sldId id="420" r:id="rId17"/>
-    <p:sldId id="419" r:id="rId18"/>
-    <p:sldId id="376" r:id="rId19"/>
-    <p:sldId id="377" r:id="rId20"/>
-    <p:sldId id="417" r:id="rId21"/>
-    <p:sldId id="385" r:id="rId22"/>
-    <p:sldId id="418" r:id="rId23"/>
-    <p:sldId id="373" r:id="rId24"/>
-    <p:sldId id="378" r:id="rId25"/>
-    <p:sldId id="381" r:id="rId26"/>
-    <p:sldId id="412" r:id="rId27"/>
-    <p:sldId id="382" r:id="rId28"/>
-    <p:sldId id="379" r:id="rId29"/>
-    <p:sldId id="390" r:id="rId30"/>
-    <p:sldId id="380" r:id="rId31"/>
-    <p:sldId id="393" r:id="rId32"/>
-    <p:sldId id="389" r:id="rId33"/>
-    <p:sldId id="348" r:id="rId34"/>
+    <p:sldId id="392" r:id="rId7"/>
+    <p:sldId id="372" r:id="rId8"/>
+    <p:sldId id="386" r:id="rId9"/>
+    <p:sldId id="414" r:id="rId10"/>
+    <p:sldId id="416" r:id="rId11"/>
+    <p:sldId id="415" r:id="rId12"/>
+    <p:sldId id="387" r:id="rId13"/>
+    <p:sldId id="394" r:id="rId14"/>
+    <p:sldId id="374" r:id="rId15"/>
+    <p:sldId id="395" r:id="rId16"/>
+    <p:sldId id="375" r:id="rId17"/>
+    <p:sldId id="420" r:id="rId18"/>
+    <p:sldId id="419" r:id="rId19"/>
+    <p:sldId id="437" r:id="rId20"/>
+    <p:sldId id="376" r:id="rId21"/>
+    <p:sldId id="377" r:id="rId22"/>
+    <p:sldId id="417" r:id="rId23"/>
+    <p:sldId id="385" r:id="rId24"/>
+    <p:sldId id="418" r:id="rId25"/>
+    <p:sldId id="421" r:id="rId26"/>
+    <p:sldId id="431" r:id="rId27"/>
+    <p:sldId id="436" r:id="rId28"/>
+    <p:sldId id="432" r:id="rId29"/>
+    <p:sldId id="433" r:id="rId30"/>
+    <p:sldId id="426" r:id="rId31"/>
+    <p:sldId id="434" r:id="rId32"/>
+    <p:sldId id="435" r:id="rId33"/>
+    <p:sldId id="373" r:id="rId34"/>
+    <p:sldId id="378" r:id="rId35"/>
+    <p:sldId id="381" r:id="rId36"/>
+    <p:sldId id="412" r:id="rId37"/>
+    <p:sldId id="382" r:id="rId38"/>
+    <p:sldId id="379" r:id="rId39"/>
+    <p:sldId id="390" r:id="rId40"/>
+    <p:sldId id="380" r:id="rId41"/>
+    <p:sldId id="393" r:id="rId42"/>
+    <p:sldId id="389" r:id="rId43"/>
+    <p:sldId id="348" r:id="rId44"/>
   </p:sldIdLst>
   <p:sldSz cx="13004800" cy="9753600"/>
   <p:notesSz cx="6858000" cy="9144000"/>
@@ -275,11 +285,11 @@
         </c:dLbls>
         <c:gapWidth val="219"/>
         <c:overlap val="-27"/>
-        <c:axId val="-107204848"/>
-        <c:axId val="-107202672"/>
+        <c:axId val="594290784"/>
+        <c:axId val="594293504"/>
       </c:barChart>
       <c:catAx>
-        <c:axId val="-107204848"/>
+        <c:axId val="594290784"/>
         <c:scaling>
           <c:orientation val="minMax"/>
         </c:scaling>
@@ -364,7 +374,7 @@
             <a:endParaRPr lang="en-US"/>
           </a:p>
         </c:txPr>
-        <c:crossAx val="-107202672"/>
+        <c:crossAx val="594293504"/>
         <c:crosses val="autoZero"/>
         <c:auto val="1"/>
         <c:lblAlgn val="ctr"/>
@@ -372,7 +382,7 @@
         <c:noMultiLvlLbl val="0"/>
       </c:catAx>
       <c:valAx>
-        <c:axId val="-107202672"/>
+        <c:axId val="594293504"/>
         <c:scaling>
           <c:orientation val="minMax"/>
         </c:scaling>
@@ -463,7 +473,7 @@
             <a:endParaRPr lang="en-US"/>
           </a:p>
         </c:txPr>
-        <c:crossAx val="-107204848"/>
+        <c:crossAx val="594290784"/>
         <c:crosses val="autoZero"/>
         <c:crossBetween val="between"/>
       </c:valAx>
@@ -643,7 +653,7 @@
             <a:fld id="{C3811913-B8DA-492B-B826-9518B83BF6E7}" type="datetimeFigureOut">
               <a:rPr lang="en-US"/>
               <a:pPr/>
-              <a:t>1/5/2016</a:t>
+              <a:t>1/13/2016</a:t>
             </a:fld>
             <a:endParaRPr lang="en-US"/>
           </a:p>
@@ -1523,7 +1533,7 @@
         <p:spPr>
           <a:extLst>
             <a:ext uri="{FAA26D3D-D897-4be2-8F04-BA451C77F1D7}">
-              <ma14:placeholderFlag xmlns:ma14="http://schemas.microsoft.com/office/mac/drawingml/2011/main" xmlns="" val="1"/>
+              <ma14:placeholderFlag xmlns="" xmlns:ma14="http://schemas.microsoft.com/office/mac/drawingml/2011/main" val="1"/>
             </a:ext>
           </a:extLst>
         </p:spPr>
@@ -1856,7 +1866,7 @@
         <p:spPr>
           <a:extLst>
             <a:ext uri="{FAA26D3D-D897-4be2-8F04-BA451C77F1D7}">
-              <ma14:placeholderFlag xmlns:ma14="http://schemas.microsoft.com/office/mac/drawingml/2011/main" xmlns="" val="1"/>
+              <ma14:placeholderFlag xmlns="" xmlns:ma14="http://schemas.microsoft.com/office/mac/drawingml/2011/main" val="1"/>
             </a:ext>
           </a:extLst>
         </p:spPr>
@@ -2168,7 +2178,7 @@
         <p:spPr>
           <a:extLst>
             <a:ext uri="{FAA26D3D-D897-4be2-8F04-BA451C77F1D7}">
-              <ma14:placeholderFlag xmlns:ma14="http://schemas.microsoft.com/office/mac/drawingml/2011/main" xmlns="" val="1"/>
+              <ma14:placeholderFlag xmlns="" xmlns:ma14="http://schemas.microsoft.com/office/mac/drawingml/2011/main" val="1"/>
             </a:ext>
           </a:extLst>
         </p:spPr>
@@ -2505,7 +2515,7 @@
         <p:spPr>
           <a:extLst>
             <a:ext uri="{FAA26D3D-D897-4be2-8F04-BA451C77F1D7}">
-              <ma14:placeholderFlag xmlns:ma14="http://schemas.microsoft.com/office/mac/drawingml/2011/main" xmlns="" val="1"/>
+              <ma14:placeholderFlag xmlns="" xmlns:ma14="http://schemas.microsoft.com/office/mac/drawingml/2011/main" val="1"/>
             </a:ext>
           </a:extLst>
         </p:spPr>
@@ -2700,7 +2710,7 @@
         <p:spPr>
           <a:extLst>
             <a:ext uri="{FAA26D3D-D897-4be2-8F04-BA451C77F1D7}">
-              <ma14:placeholderFlag xmlns:ma14="http://schemas.microsoft.com/office/mac/drawingml/2011/main" xmlns="" val="1"/>
+              <ma14:placeholderFlag xmlns="" xmlns:ma14="http://schemas.microsoft.com/office/mac/drawingml/2011/main" val="1"/>
             </a:ext>
           </a:extLst>
         </p:spPr>
@@ -2976,7 +2986,7 @@
         <p:spPr>
           <a:extLst>
             <a:ext uri="{FAA26D3D-D897-4be2-8F04-BA451C77F1D7}">
-              <ma14:placeholderFlag xmlns:ma14="http://schemas.microsoft.com/office/mac/drawingml/2011/main" xmlns="" val="1"/>
+              <ma14:placeholderFlag xmlns="" xmlns:ma14="http://schemas.microsoft.com/office/mac/drawingml/2011/main" val="1"/>
             </a:ext>
           </a:extLst>
         </p:spPr>
@@ -3226,7 +3236,7 @@
         <p:spPr>
           <a:extLst>
             <a:ext uri="{FAA26D3D-D897-4be2-8F04-BA451C77F1D7}">
-              <ma14:placeholderFlag xmlns:ma14="http://schemas.microsoft.com/office/mac/drawingml/2011/main" xmlns="" val="1"/>
+              <ma14:placeholderFlag xmlns="" xmlns:ma14="http://schemas.microsoft.com/office/mac/drawingml/2011/main" val="1"/>
             </a:ext>
           </a:extLst>
         </p:spPr>
@@ -3512,7 +3522,7 @@
               </a14:hiddenEffects>
             </a:ext>
             <a:ext uri="{FAA26D3D-D897-4be2-8F04-BA451C77F1D7}">
-              <ma14:placeholderFlag xmlns:ma14="http://schemas.microsoft.com/office/mac/drawingml/2011/main" xmlns="" val="1"/>
+              <ma14:placeholderFlag xmlns="" xmlns:ma14="http://schemas.microsoft.com/office/mac/drawingml/2011/main" val="1"/>
             </a:ext>
           </a:extLst>
         </p:spPr>
@@ -4166,7 +4176,7 @@
         <p:spPr>
           <a:extLst>
             <a:ext uri="{FAA26D3D-D897-4be2-8F04-BA451C77F1D7}">
-              <ma14:placeholderFlag xmlns:ma14="http://schemas.microsoft.com/office/mac/drawingml/2011/main" xmlns="" val="1"/>
+              <ma14:placeholderFlag xmlns="" xmlns:ma14="http://schemas.microsoft.com/office/mac/drawingml/2011/main" val="1"/>
             </a:ext>
           </a:extLst>
         </p:spPr>
@@ -4636,8 +4646,8 @@
         </p:nvSpPr>
         <p:spPr>
           <a:xfrm>
-            <a:off x="1270000" y="254000"/>
-            <a:ext cx="10464800" cy="2794000"/>
+            <a:off x="1270000" y="304800"/>
+            <a:ext cx="10464800" cy="2743200"/>
           </a:xfrm>
         </p:spPr>
         <p:txBody>
@@ -4646,7 +4656,7 @@
           <a:p>
             <a:r>
               <a:rPr lang="en-US" dirty="0"/>
-              <a:t>Market Trends</a:t>
+              <a:t>Service / Request Flow</a:t>
             </a:r>
             <a:br>
               <a:rPr lang="en-US" dirty="0"/>
@@ -4674,6 +4684,127 @@
               <a:rPr lang="en-US" smtClean="0"/>
               <a:pPr/>
               <a:t>10</a:t>
+            </a:fld>
+            <a:endParaRPr lang="en-US"/>
+          </a:p>
+        </p:txBody>
+      </p:sp>
+      <p:pic>
+        <p:nvPicPr>
+          <p:cNvPr id="5" name="Content Placeholder 4"/>
+          <p:cNvPicPr>
+            <a:picLocks noGrp="1" noChangeAspect="1"/>
+          </p:cNvPicPr>
+          <p:nvPr>
+            <p:ph idx="1"/>
+          </p:nvPr>
+        </p:nvPicPr>
+        <p:blipFill>
+          <a:blip r:embed="rId2"/>
+          <a:stretch>
+            <a:fillRect/>
+          </a:stretch>
+        </p:blipFill>
+        <p:spPr>
+          <a:xfrm>
+            <a:off x="1016000" y="2751499"/>
+            <a:ext cx="10896600" cy="6382976"/>
+          </a:xfrm>
+          <a:prstGeom prst="rect">
+            <a:avLst/>
+          </a:prstGeom>
+        </p:spPr>
+      </p:pic>
+    </p:spTree>
+    <p:extLst>
+      <p:ext uri="{BB962C8B-B14F-4D97-AF65-F5344CB8AC3E}">
+        <p14:creationId xmlns:p14="http://schemas.microsoft.com/office/powerpoint/2010/main" val="1593345565"/>
+      </p:ext>
+    </p:extLst>
+  </p:cSld>
+  <p:clrMapOvr>
+    <a:masterClrMapping/>
+  </p:clrMapOvr>
+  <p:transition>
+    <p:fade/>
+  </p:transition>
+  <p:timing>
+    <p:tnLst>
+      <p:par>
+        <p:cTn id="1" dur="indefinite" restart="never" nodeType="tmRoot"/>
+      </p:par>
+    </p:tnLst>
+  </p:timing>
+</p:sld>
+</file>
+
+<file path=ppt/slides/slide11.xml><?xml version="1.0" encoding="utf-8"?>
+<p:sld xmlns:a="http://schemas.openxmlformats.org/drawingml/2006/main" xmlns:r="http://schemas.openxmlformats.org/officeDocument/2006/relationships" xmlns:p="http://schemas.openxmlformats.org/presentationml/2006/main">
+  <p:cSld>
+    <p:spTree>
+      <p:nvGrpSpPr>
+        <p:cNvPr id="1" name=""/>
+        <p:cNvGrpSpPr/>
+        <p:nvPr/>
+      </p:nvGrpSpPr>
+      <p:grpSpPr>
+        <a:xfrm>
+          <a:off x="0" y="0"/>
+          <a:ext cx="0" cy="0"/>
+          <a:chOff x="0" y="0"/>
+          <a:chExt cx="0" cy="0"/>
+        </a:xfrm>
+      </p:grpSpPr>
+      <p:sp>
+        <p:nvSpPr>
+          <p:cNvPr id="3" name="Title 2"/>
+          <p:cNvSpPr>
+            <a:spLocks noGrp="1"/>
+          </p:cNvSpPr>
+          <p:nvPr>
+            <p:ph type="title"/>
+          </p:nvPr>
+        </p:nvSpPr>
+        <p:spPr>
+          <a:xfrm>
+            <a:off x="1270000" y="254000"/>
+            <a:ext cx="10464800" cy="2794000"/>
+          </a:xfrm>
+        </p:spPr>
+        <p:txBody>
+          <a:bodyPr/>
+          <a:lstStyle/>
+          <a:p>
+            <a:r>
+              <a:rPr lang="en-US" dirty="0"/>
+              <a:t>Market Trends</a:t>
+            </a:r>
+            <a:br>
+              <a:rPr lang="en-US" dirty="0"/>
+            </a:br>
+            <a:endParaRPr lang="en-US" dirty="0"/>
+          </a:p>
+        </p:txBody>
+      </p:sp>
+      <p:sp>
+        <p:nvSpPr>
+          <p:cNvPr id="4" name="Slide Number Placeholder 3"/>
+          <p:cNvSpPr>
+            <a:spLocks noGrp="1"/>
+          </p:cNvSpPr>
+          <p:nvPr>
+            <p:ph type="sldNum" sz="quarter" idx="10"/>
+          </p:nvPr>
+        </p:nvSpPr>
+        <p:spPr/>
+        <p:txBody>
+          <a:bodyPr/>
+          <a:lstStyle/>
+          <a:p>
+            <a:fld id="{FD0725B6-5DD5-4EEE-A0F0-572C51C8D44F}" type="slidenum">
+              <a:rPr lang="en-US" smtClean="0"/>
+              <a:pPr/>
+              <a:t>11</a:t>
             </a:fld>
             <a:endParaRPr lang="en-US"/>
           </a:p>
@@ -4795,211 +4926,6 @@
     <p:extLst>
       <p:ext uri="{BB962C8B-B14F-4D97-AF65-F5344CB8AC3E}">
         <p14:creationId xmlns:p14="http://schemas.microsoft.com/office/powerpoint/2010/main" val="2950380194"/>
-      </p:ext>
-    </p:extLst>
-  </p:cSld>
-  <p:clrMapOvr>
-    <a:masterClrMapping/>
-  </p:clrMapOvr>
-  <p:transition>
-    <p:fade/>
-  </p:transition>
-</p:sld>
-</file>
-
-<file path=ppt/slides/slide11.xml><?xml version="1.0" encoding="utf-8"?>
-<p:sld xmlns:a="http://schemas.openxmlformats.org/drawingml/2006/main" xmlns:r="http://schemas.openxmlformats.org/officeDocument/2006/relationships" xmlns:p="http://schemas.openxmlformats.org/presentationml/2006/main">
-  <p:cSld>
-    <p:spTree>
-      <p:nvGrpSpPr>
-        <p:cNvPr id="1" name=""/>
-        <p:cNvGrpSpPr/>
-        <p:nvPr/>
-      </p:nvGrpSpPr>
-      <p:grpSpPr>
-        <a:xfrm>
-          <a:off x="0" y="0"/>
-          <a:ext cx="0" cy="0"/>
-          <a:chOff x="0" y="0"/>
-          <a:chExt cx="0" cy="0"/>
-        </a:xfrm>
-      </p:grpSpPr>
-      <p:sp>
-        <p:nvSpPr>
-          <p:cNvPr id="2" name="Content Placeholder 1"/>
-          <p:cNvSpPr>
-            <a:spLocks noGrp="1"/>
-          </p:cNvSpPr>
-          <p:nvPr>
-            <p:ph idx="1"/>
-          </p:nvPr>
-        </p:nvSpPr>
-        <p:spPr>
-          <a:xfrm>
-            <a:off x="1270000" y="2540000"/>
-            <a:ext cx="10464800" cy="5308600"/>
-          </a:xfrm>
-        </p:spPr>
-        <p:txBody>
-          <a:bodyPr/>
-          <a:lstStyle/>
-          <a:p>
-            <a:pPr>
-              <a:buFont typeface="Arial" pitchFamily="34" charset="0"/>
-              <a:buChar char="•"/>
-            </a:pPr>
-            <a:r>
-              <a:rPr lang="en-US" sz="2400" dirty="0">
-                <a:latin typeface="Times New Roman" pitchFamily="18" charset="0"/>
-                <a:ea typeface="ヒラギノ角ゴ ProN W3" charset="0"/>
-                <a:cs typeface="Times New Roman" pitchFamily="18" charset="0"/>
-              </a:rPr>
-              <a:t>Database design ER diagram</a:t>
-            </a:r>
-          </a:p>
-          <a:p>
-            <a:pPr>
-              <a:buFont typeface="Arial" pitchFamily="34" charset="0"/>
-              <a:buChar char="•"/>
-            </a:pPr>
-            <a:r>
-              <a:rPr lang="en-US" altLang="ja-JP" sz="2400" dirty="0" smtClean="0">
-                <a:latin typeface="Times New Roman" pitchFamily="18" charset="0"/>
-                <a:ea typeface="ヒラギノ角ゴ ProN W3" charset="0"/>
-                <a:cs typeface="Times New Roman" pitchFamily="18" charset="0"/>
-              </a:rPr>
-              <a:t>4+1 Solution Architecture Document</a:t>
-            </a:r>
-          </a:p>
-          <a:p>
-            <a:pPr>
-              <a:buFont typeface="Arial" pitchFamily="34" charset="0"/>
-              <a:buChar char="•"/>
-            </a:pPr>
-            <a:r>
-              <a:rPr lang="en-US" altLang="ja-JP" sz="2400" dirty="0" smtClean="0">
-                <a:latin typeface="Times New Roman" pitchFamily="18" charset="0"/>
-                <a:ea typeface="ヒラギノ角ゴ ProN W3" charset="0"/>
-                <a:cs typeface="Times New Roman" pitchFamily="18" charset="0"/>
-              </a:rPr>
-              <a:t>Sonar Reports</a:t>
-            </a:r>
-          </a:p>
-          <a:p>
-            <a:pPr>
-              <a:buFont typeface="Arial" pitchFamily="34" charset="0"/>
-              <a:buChar char="•"/>
-            </a:pPr>
-            <a:r>
-              <a:rPr lang="en-US" altLang="ja-JP" sz="2400" dirty="0" smtClean="0">
-                <a:latin typeface="Times New Roman" pitchFamily="18" charset="0"/>
-                <a:ea typeface="ヒラギノ角ゴ ProN W3" charset="0"/>
-                <a:cs typeface="Times New Roman" pitchFamily="18" charset="0"/>
-              </a:rPr>
-              <a:t>Application </a:t>
-            </a:r>
-            <a:r>
-              <a:rPr lang="en-US" altLang="ja-JP" sz="2400" dirty="0">
-                <a:latin typeface="Times New Roman" pitchFamily="18" charset="0"/>
-                <a:ea typeface="ヒラギノ角ゴ ProN W3" charset="0"/>
-                <a:cs typeface="Times New Roman" pitchFamily="18" charset="0"/>
-              </a:rPr>
-              <a:t>Deployment </a:t>
-            </a:r>
-            <a:r>
-              <a:rPr lang="en-US" altLang="ja-JP" sz="2400" dirty="0" smtClean="0">
-                <a:latin typeface="Times New Roman" pitchFamily="18" charset="0"/>
-                <a:ea typeface="ヒラギノ角ゴ ProN W3" charset="0"/>
-                <a:cs typeface="Times New Roman" pitchFamily="18" charset="0"/>
-              </a:rPr>
-              <a:t>Document</a:t>
-            </a:r>
-          </a:p>
-          <a:p>
-            <a:pPr marL="0" indent="0">
-              <a:buNone/>
-            </a:pPr>
-            <a:endParaRPr lang="en-US" altLang="ja-JP" sz="2400" dirty="0" smtClean="0">
-              <a:latin typeface="Times New Roman" pitchFamily="18" charset="0"/>
-              <a:ea typeface="ヒラギノ角ゴ ProN W3" charset="0"/>
-              <a:cs typeface="Times New Roman" pitchFamily="18" charset="0"/>
-            </a:endParaRPr>
-          </a:p>
-          <a:p>
-            <a:pPr>
-              <a:buFont typeface="Arial" pitchFamily="34" charset="0"/>
-              <a:buChar char="•"/>
-            </a:pPr>
-            <a:endParaRPr lang="en-US" altLang="ja-JP" sz="2400" dirty="0">
-              <a:latin typeface="Times New Roman" pitchFamily="18" charset="0"/>
-              <a:ea typeface="ヒラギノ角ゴ ProN W3" charset="0"/>
-              <a:cs typeface="Times New Roman" pitchFamily="18" charset="0"/>
-            </a:endParaRPr>
-          </a:p>
-          <a:p>
-            <a:pPr>
-              <a:buFont typeface="Arial" pitchFamily="34" charset="0"/>
-              <a:buChar char="•"/>
-            </a:pPr>
-            <a:endParaRPr lang="en-US" altLang="ja-JP" sz="2400" dirty="0" smtClean="0">
-              <a:latin typeface="Times New Roman" pitchFamily="18" charset="0"/>
-              <a:ea typeface="ヒラギノ角ゴ ProN W3" charset="0"/>
-              <a:cs typeface="Times New Roman" pitchFamily="18" charset="0"/>
-            </a:endParaRPr>
-          </a:p>
-        </p:txBody>
-      </p:sp>
-      <p:sp>
-        <p:nvSpPr>
-          <p:cNvPr id="3" name="Title 2"/>
-          <p:cNvSpPr>
-            <a:spLocks noGrp="1"/>
-          </p:cNvSpPr>
-          <p:nvPr>
-            <p:ph type="title"/>
-          </p:nvPr>
-        </p:nvSpPr>
-        <p:spPr/>
-        <p:txBody>
-          <a:bodyPr/>
-          <a:lstStyle/>
-          <a:p>
-            <a:r>
-              <a:rPr lang="en-US" dirty="0" smtClean="0"/>
-              <a:t>Deliverables</a:t>
-            </a:r>
-            <a:endParaRPr lang="en-US" dirty="0"/>
-          </a:p>
-        </p:txBody>
-      </p:sp>
-      <p:sp>
-        <p:nvSpPr>
-          <p:cNvPr id="4" name="Slide Number Placeholder 3"/>
-          <p:cNvSpPr>
-            <a:spLocks noGrp="1"/>
-          </p:cNvSpPr>
-          <p:nvPr>
-            <p:ph type="sldNum" sz="quarter" idx="10"/>
-          </p:nvPr>
-        </p:nvSpPr>
-        <p:spPr/>
-        <p:txBody>
-          <a:bodyPr/>
-          <a:lstStyle/>
-          <a:p>
-            <a:fld id="{FD0725B6-5DD5-4EEE-A0F0-572C51C8D44F}" type="slidenum">
-              <a:rPr lang="en-US" smtClean="0"/>
-              <a:pPr/>
-              <a:t>11</a:t>
-            </a:fld>
-            <a:endParaRPr lang="en-US"/>
-          </a:p>
-        </p:txBody>
-      </p:sp>
-    </p:spTree>
-    <p:extLst>
-      <p:ext uri="{BB962C8B-B14F-4D97-AF65-F5344CB8AC3E}">
-        <p14:creationId xmlns:p14="http://schemas.microsoft.com/office/powerpoint/2010/main" val="3020450558"/>
       </p:ext>
     </p:extLst>
   </p:cSld>
@@ -5061,12 +4987,26 @@
               <a:buChar char="•"/>
             </a:pPr>
             <a:r>
+              <a:rPr lang="en-US" sz="2400" dirty="0">
+                <a:latin typeface="Times New Roman" pitchFamily="18" charset="0"/>
+                <a:ea typeface="ヒラギノ角ゴ ProN W3" charset="0"/>
+                <a:cs typeface="Times New Roman" pitchFamily="18" charset="0"/>
+              </a:rPr>
+              <a:t>Database design ER diagram</a:t>
+            </a:r>
+          </a:p>
+          <a:p>
+            <a:pPr>
+              <a:buFont typeface="Arial" pitchFamily="34" charset="0"/>
+              <a:buChar char="•"/>
+            </a:pPr>
+            <a:r>
               <a:rPr lang="en-US" altLang="ja-JP" sz="2400" dirty="0" smtClean="0">
                 <a:latin typeface="Times New Roman" pitchFamily="18" charset="0"/>
                 <a:ea typeface="ヒラギノ角ゴ ProN W3" charset="0"/>
                 <a:cs typeface="Times New Roman" pitchFamily="18" charset="0"/>
               </a:rPr>
-              <a:t>Test Plan</a:t>
+              <a:t>4+1 Solution Architecture Document</a:t>
             </a:r>
           </a:p>
           <a:p>
@@ -5080,7 +5020,7 @@
                 <a:ea typeface="ヒラギノ角ゴ ProN W3" charset="0"/>
                 <a:cs typeface="Times New Roman" pitchFamily="18" charset="0"/>
               </a:rPr>
-              <a:t>Test case scenarios</a:t>
+              <a:t>Sonar Reports</a:t>
             </a:r>
           </a:p>
           <a:p>
@@ -5094,8 +5034,56 @@
                 <a:ea typeface="ヒラギノ角ゴ ProN W3" charset="0"/>
                 <a:cs typeface="Times New Roman" pitchFamily="18" charset="0"/>
               </a:rPr>
-              <a:t>Automation framework Document</a:t>
-            </a:r>
+              <a:t>Application </a:t>
+            </a:r>
+            <a:r>
+              <a:rPr lang="en-US" altLang="ja-JP" sz="2400" dirty="0">
+                <a:latin typeface="Times New Roman" pitchFamily="18" charset="0"/>
+                <a:ea typeface="ヒラギノ角ゴ ProN W3" charset="0"/>
+                <a:cs typeface="Times New Roman" pitchFamily="18" charset="0"/>
+              </a:rPr>
+              <a:t>Deployment </a:t>
+            </a:r>
+            <a:r>
+              <a:rPr lang="en-US" altLang="ja-JP" sz="2400" dirty="0" smtClean="0">
+                <a:latin typeface="Times New Roman" pitchFamily="18" charset="0"/>
+                <a:ea typeface="ヒラギノ角ゴ ProN W3" charset="0"/>
+                <a:cs typeface="Times New Roman" pitchFamily="18" charset="0"/>
+              </a:rPr>
+              <a:t>Document</a:t>
+            </a:r>
+          </a:p>
+          <a:p>
+            <a:pPr marL="0" indent="0">
+              <a:buNone/>
+            </a:pPr>
+            <a:endParaRPr lang="en-US" altLang="ja-JP" sz="2400" dirty="0" smtClean="0">
+              <a:latin typeface="Times New Roman" pitchFamily="18" charset="0"/>
+              <a:ea typeface="ヒラギノ角ゴ ProN W3" charset="0"/>
+              <a:cs typeface="Times New Roman" pitchFamily="18" charset="0"/>
+            </a:endParaRPr>
+          </a:p>
+          <a:p>
+            <a:pPr>
+              <a:buFont typeface="Arial" pitchFamily="34" charset="0"/>
+              <a:buChar char="•"/>
+            </a:pPr>
+            <a:endParaRPr lang="en-US" altLang="ja-JP" sz="2400" dirty="0">
+              <a:latin typeface="Times New Roman" pitchFamily="18" charset="0"/>
+              <a:ea typeface="ヒラギノ角ゴ ProN W3" charset="0"/>
+              <a:cs typeface="Times New Roman" pitchFamily="18" charset="0"/>
+            </a:endParaRPr>
+          </a:p>
+          <a:p>
+            <a:pPr>
+              <a:buFont typeface="Arial" pitchFamily="34" charset="0"/>
+              <a:buChar char="•"/>
+            </a:pPr>
+            <a:endParaRPr lang="en-US" altLang="ja-JP" sz="2400" dirty="0" smtClean="0">
+              <a:latin typeface="Times New Roman" pitchFamily="18" charset="0"/>
+              <a:ea typeface="ヒラギノ角ゴ ProN W3" charset="0"/>
+              <a:cs typeface="Times New Roman" pitchFamily="18" charset="0"/>
+            </a:endParaRPr>
           </a:p>
         </p:txBody>
       </p:sp>
@@ -5149,7 +5137,7 @@
     </p:spTree>
     <p:extLst>
       <p:ext uri="{BB962C8B-B14F-4D97-AF65-F5344CB8AC3E}">
-        <p14:creationId xmlns:p14="http://schemas.microsoft.com/office/powerpoint/2010/main" val="3878379446"/>
+        <p14:creationId xmlns:p14="http://schemas.microsoft.com/office/powerpoint/2010/main" val="3020450558"/>
       </p:ext>
     </p:extLst>
   </p:cSld>
@@ -5196,16 +5184,56 @@
             <p:ph idx="1"/>
           </p:nvPr>
         </p:nvSpPr>
-        <p:spPr/>
+        <p:spPr>
+          <a:xfrm>
+            <a:off x="1270000" y="2540000"/>
+            <a:ext cx="10464800" cy="5308600"/>
+          </a:xfrm>
+        </p:spPr>
         <p:txBody>
           <a:bodyPr/>
           <a:lstStyle/>
           <a:p>
-            <a:pPr lvl="0"/>
-            <a:endParaRPr lang="en-US" sz="3200" dirty="0" smtClean="0"/>
-          </a:p>
-          <a:p>
-            <a:endParaRPr lang="en-US" sz="3200" dirty="0"/>
+            <a:pPr>
+              <a:buFont typeface="Arial" pitchFamily="34" charset="0"/>
+              <a:buChar char="•"/>
+            </a:pPr>
+            <a:r>
+              <a:rPr lang="en-US" altLang="ja-JP" sz="2400" dirty="0" smtClean="0">
+                <a:latin typeface="Times New Roman" pitchFamily="18" charset="0"/>
+                <a:ea typeface="ヒラギノ角ゴ ProN W3" charset="0"/>
+                <a:cs typeface="Times New Roman" pitchFamily="18" charset="0"/>
+              </a:rPr>
+              <a:t>Test Plan</a:t>
+            </a:r>
+          </a:p>
+          <a:p>
+            <a:pPr>
+              <a:buFont typeface="Arial" pitchFamily="34" charset="0"/>
+              <a:buChar char="•"/>
+            </a:pPr>
+            <a:r>
+              <a:rPr lang="en-US" altLang="ja-JP" sz="2400" dirty="0" smtClean="0">
+                <a:latin typeface="Times New Roman" pitchFamily="18" charset="0"/>
+                <a:ea typeface="ヒラギノ角ゴ ProN W3" charset="0"/>
+                <a:cs typeface="Times New Roman" pitchFamily="18" charset="0"/>
+              </a:rPr>
+              <a:t>Test case scenarios</a:t>
+            </a:r>
+          </a:p>
+          <a:p>
+            <a:pPr>
+              <a:buFont typeface="Arial" pitchFamily="34" charset="0"/>
+              <a:buChar char="•"/>
+            </a:pPr>
+            <a:r>
+              <a:rPr lang="en-US" altLang="ja-JP" sz="2400" dirty="0" smtClean="0">
+                <a:latin typeface="Times New Roman" pitchFamily="18" charset="0"/>
+                <a:ea typeface="ヒラギノ角ゴ ProN W3" charset="0"/>
+                <a:cs typeface="Times New Roman" pitchFamily="18" charset="0"/>
+              </a:rPr>
+              <a:t>Automation framework Document</a:t>
+            </a:r>
           </a:p>
         </p:txBody>
       </p:sp>
@@ -5219,20 +5247,14 @@
             <p:ph type="title"/>
           </p:nvPr>
         </p:nvSpPr>
-        <p:spPr>
-          <a:xfrm>
-            <a:off x="1397000" y="3733800"/>
-            <a:ext cx="10464800" cy="2032000"/>
-          </a:xfrm>
-        </p:spPr>
+        <p:spPr/>
         <p:txBody>
           <a:bodyPr/>
           <a:lstStyle/>
           <a:p>
-            <a:pPr algn="ctr"/>
             <a:r>
               <a:rPr lang="en-US" dirty="0" smtClean="0"/>
-              <a:t>Application Demonstration</a:t>
+              <a:t>Deliverables</a:t>
             </a:r>
             <a:endParaRPr lang="en-US" dirty="0"/>
           </a:p>
@@ -5265,7 +5287,7 @@
     </p:spTree>
     <p:extLst>
       <p:ext uri="{BB962C8B-B14F-4D97-AF65-F5344CB8AC3E}">
-        <p14:creationId xmlns:p14="http://schemas.microsoft.com/office/powerpoint/2010/main" val="850754063"/>
+        <p14:creationId xmlns:p14="http://schemas.microsoft.com/office/powerpoint/2010/main" val="3878379446"/>
       </p:ext>
     </p:extLst>
   </p:cSld>
@@ -5304,12 +5326,12 @@
       </p:grpSpPr>
       <p:sp>
         <p:nvSpPr>
-          <p:cNvPr id="4" name="Slide Number Placeholder 3"/>
+          <p:cNvPr id="2" name="Content Placeholder 1"/>
           <p:cNvSpPr>
             <a:spLocks noGrp="1"/>
           </p:cNvSpPr>
           <p:nvPr>
-            <p:ph type="sldNum" sz="quarter" idx="10"/>
+            <p:ph idx="1"/>
           </p:nvPr>
         </p:nvSpPr>
         <p:spPr/>
@@ -5317,18 +5339,17 @@
           <a:bodyPr/>
           <a:lstStyle/>
           <a:p>
-            <a:fld id="{FD0725B6-5DD5-4EEE-A0F0-572C51C8D44F}" type="slidenum">
-              <a:rPr lang="en-US" smtClean="0"/>
-              <a:pPr/>
-              <a:t>14</a:t>
-            </a:fld>
-            <a:endParaRPr lang="en-US"/>
+            <a:pPr lvl="0"/>
+            <a:endParaRPr lang="en-US" sz="3200" dirty="0" smtClean="0"/>
+          </a:p>
+          <a:p>
+            <a:endParaRPr lang="en-US" sz="3200" dirty="0"/>
           </a:p>
         </p:txBody>
       </p:sp>
       <p:sp>
         <p:nvSpPr>
-          <p:cNvPr id="5" name="Title 2"/>
+          <p:cNvPr id="3" name="Title 2"/>
           <p:cNvSpPr>
             <a:spLocks noGrp="1"/>
           </p:cNvSpPr>
@@ -5349,16 +5370,40 @@
             <a:pPr algn="ctr"/>
             <a:r>
               <a:rPr lang="en-US" dirty="0" smtClean="0"/>
-              <a:t>Code Walkthrough</a:t>
+              <a:t>Application Demonstration</a:t>
             </a:r>
             <a:endParaRPr lang="en-US" dirty="0"/>
+          </a:p>
+        </p:txBody>
+      </p:sp>
+      <p:sp>
+        <p:nvSpPr>
+          <p:cNvPr id="4" name="Slide Number Placeholder 3"/>
+          <p:cNvSpPr>
+            <a:spLocks noGrp="1"/>
+          </p:cNvSpPr>
+          <p:nvPr>
+            <p:ph type="sldNum" sz="quarter" idx="10"/>
+          </p:nvPr>
+        </p:nvSpPr>
+        <p:spPr/>
+        <p:txBody>
+          <a:bodyPr/>
+          <a:lstStyle/>
+          <a:p>
+            <a:fld id="{FD0725B6-5DD5-4EEE-A0F0-572C51C8D44F}" type="slidenum">
+              <a:rPr lang="en-US" smtClean="0"/>
+              <a:pPr/>
+              <a:t>14</a:t>
+            </a:fld>
+            <a:endParaRPr lang="en-US"/>
           </a:p>
         </p:txBody>
       </p:sp>
     </p:spTree>
     <p:extLst>
       <p:ext uri="{BB962C8B-B14F-4D97-AF65-F5344CB8AC3E}">
-        <p14:creationId xmlns:p14="http://schemas.microsoft.com/office/powerpoint/2010/main" val="3768333805"/>
+        <p14:creationId xmlns:p14="http://schemas.microsoft.com/office/powerpoint/2010/main" val="850754063"/>
       </p:ext>
     </p:extLst>
   </p:cSld>
@@ -5397,6 +5442,99 @@
       </p:grpSpPr>
       <p:sp>
         <p:nvSpPr>
+          <p:cNvPr id="4" name="Slide Number Placeholder 3"/>
+          <p:cNvSpPr>
+            <a:spLocks noGrp="1"/>
+          </p:cNvSpPr>
+          <p:nvPr>
+            <p:ph type="sldNum" sz="quarter" idx="10"/>
+          </p:nvPr>
+        </p:nvSpPr>
+        <p:spPr/>
+        <p:txBody>
+          <a:bodyPr/>
+          <a:lstStyle/>
+          <a:p>
+            <a:fld id="{FD0725B6-5DD5-4EEE-A0F0-572C51C8D44F}" type="slidenum">
+              <a:rPr lang="en-US" smtClean="0"/>
+              <a:pPr/>
+              <a:t>15</a:t>
+            </a:fld>
+            <a:endParaRPr lang="en-US"/>
+          </a:p>
+        </p:txBody>
+      </p:sp>
+      <p:sp>
+        <p:nvSpPr>
+          <p:cNvPr id="5" name="Title 2"/>
+          <p:cNvSpPr>
+            <a:spLocks noGrp="1"/>
+          </p:cNvSpPr>
+          <p:nvPr>
+            <p:ph type="title"/>
+          </p:nvPr>
+        </p:nvSpPr>
+        <p:spPr>
+          <a:xfrm>
+            <a:off x="1397000" y="3733800"/>
+            <a:ext cx="10464800" cy="2032000"/>
+          </a:xfrm>
+        </p:spPr>
+        <p:txBody>
+          <a:bodyPr/>
+          <a:lstStyle/>
+          <a:p>
+            <a:pPr algn="ctr"/>
+            <a:r>
+              <a:rPr lang="en-US" dirty="0" smtClean="0"/>
+              <a:t>Code Walkthrough</a:t>
+            </a:r>
+            <a:endParaRPr lang="en-US" dirty="0"/>
+          </a:p>
+        </p:txBody>
+      </p:sp>
+    </p:spTree>
+    <p:extLst>
+      <p:ext uri="{BB962C8B-B14F-4D97-AF65-F5344CB8AC3E}">
+        <p14:creationId xmlns:p14="http://schemas.microsoft.com/office/powerpoint/2010/main" val="3768333805"/>
+      </p:ext>
+    </p:extLst>
+  </p:cSld>
+  <p:clrMapOvr>
+    <a:masterClrMapping/>
+  </p:clrMapOvr>
+  <p:transition>
+    <p:fade/>
+  </p:transition>
+  <p:timing>
+    <p:tnLst>
+      <p:par>
+        <p:cTn id="1" dur="indefinite" restart="never" nodeType="tmRoot"/>
+      </p:par>
+    </p:tnLst>
+  </p:timing>
+</p:sld>
+</file>
+
+<file path=ppt/slides/slide16.xml><?xml version="1.0" encoding="utf-8"?>
+<p:sld xmlns:a="http://schemas.openxmlformats.org/drawingml/2006/main" xmlns:r="http://schemas.openxmlformats.org/officeDocument/2006/relationships" xmlns:p="http://schemas.openxmlformats.org/presentationml/2006/main">
+  <p:cSld>
+    <p:spTree>
+      <p:nvGrpSpPr>
+        <p:cNvPr id="1" name=""/>
+        <p:cNvGrpSpPr/>
+        <p:nvPr/>
+      </p:nvGrpSpPr>
+      <p:grpSpPr>
+        <a:xfrm>
+          <a:off x="0" y="0"/>
+          <a:ext cx="0" cy="0"/>
+          <a:chOff x="0" y="0"/>
+          <a:chExt cx="0" cy="0"/>
+        </a:xfrm>
+      </p:grpSpPr>
+      <p:sp>
+        <p:nvSpPr>
           <p:cNvPr id="3" name="Title 2"/>
           <p:cNvSpPr>
             <a:spLocks noGrp="1"/>
@@ -5436,7 +5574,7 @@
             <a:fld id="{FD0725B6-5DD5-4EEE-A0F0-572C51C8D44F}" type="slidenum">
               <a:rPr lang="en-US" smtClean="0"/>
               <a:pPr/>
-              <a:t>15</a:t>
+              <a:t>16</a:t>
             </a:fld>
             <a:endParaRPr lang="en-US"/>
           </a:p>
@@ -5491,7 +5629,7 @@
 </p:sld>
 </file>
 
-<file path=ppt/slides/slide16.xml><?xml version="1.0" encoding="utf-8"?>
+<file path=ppt/slides/slide17.xml><?xml version="1.0" encoding="utf-8"?>
 <p:sld xmlns:a="http://schemas.openxmlformats.org/drawingml/2006/main" xmlns:r="http://schemas.openxmlformats.org/officeDocument/2006/relationships" xmlns:p="http://schemas.openxmlformats.org/presentationml/2006/main">
   <p:cSld>
     <p:spTree>
@@ -5549,7 +5687,7 @@
             <a:fld id="{FD0725B6-5DD5-4EEE-A0F0-572C51C8D44F}" type="slidenum">
               <a:rPr lang="en-US" smtClean="0"/>
               <a:pPr/>
-              <a:t>16</a:t>
+              <a:t>17</a:t>
             </a:fld>
             <a:endParaRPr lang="en-US"/>
           </a:p>
@@ -5604,7 +5742,7 @@
 </p:sld>
 </file>
 
-<file path=ppt/slides/slide17.xml><?xml version="1.0" encoding="utf-8"?>
+<file path=ppt/slides/slide18.xml><?xml version="1.0" encoding="utf-8"?>
 <p:sld xmlns:a="http://schemas.openxmlformats.org/drawingml/2006/main" xmlns:r="http://schemas.openxmlformats.org/officeDocument/2006/relationships" xmlns:p="http://schemas.openxmlformats.org/presentationml/2006/main">
   <p:cSld>
     <p:spTree>
@@ -5662,7 +5800,7 @@
             <a:fld id="{FD0725B6-5DD5-4EEE-A0F0-572C51C8D44F}" type="slidenum">
               <a:rPr lang="en-US" smtClean="0"/>
               <a:pPr/>
-              <a:t>17</a:t>
+              <a:t>18</a:t>
             </a:fld>
             <a:endParaRPr lang="en-US"/>
           </a:p>
@@ -5717,175 +5855,6 @@
 </p:sld>
 </file>
 
-<file path=ppt/slides/slide18.xml><?xml version="1.0" encoding="utf-8"?>
-<p:sld xmlns:a="http://schemas.openxmlformats.org/drawingml/2006/main" xmlns:r="http://schemas.openxmlformats.org/officeDocument/2006/relationships" xmlns:p="http://schemas.openxmlformats.org/presentationml/2006/main">
-  <p:cSld>
-    <p:spTree>
-      <p:nvGrpSpPr>
-        <p:cNvPr id="1" name=""/>
-        <p:cNvGrpSpPr/>
-        <p:nvPr/>
-      </p:nvGrpSpPr>
-      <p:grpSpPr>
-        <a:xfrm>
-          <a:off x="0" y="0"/>
-          <a:ext cx="0" cy="0"/>
-          <a:chOff x="0" y="0"/>
-          <a:chExt cx="0" cy="0"/>
-        </a:xfrm>
-      </p:grpSpPr>
-      <p:sp>
-        <p:nvSpPr>
-          <p:cNvPr id="2" name="Content Placeholder 1"/>
-          <p:cNvSpPr>
-            <a:spLocks noGrp="1"/>
-          </p:cNvSpPr>
-          <p:nvPr>
-            <p:ph idx="1"/>
-          </p:nvPr>
-        </p:nvSpPr>
-        <p:spPr/>
-        <p:txBody>
-          <a:bodyPr/>
-          <a:lstStyle/>
-          <a:p>
-            <a:r>
-              <a:rPr lang="en-US" sz="3200" dirty="0" smtClean="0"/>
-              <a:t>Build tools</a:t>
-            </a:r>
-          </a:p>
-          <a:p>
-            <a:pPr lvl="1"/>
-            <a:r>
-              <a:rPr lang="en-US" sz="2800" dirty="0" smtClean="0">
-                <a:solidFill>
-                  <a:srgbClr val="6D706D"/>
-                </a:solidFill>
-              </a:rPr>
-              <a:t>Maven 3.2.5</a:t>
-            </a:r>
-            <a:endParaRPr lang="en-US" sz="3200" dirty="0" smtClean="0"/>
-          </a:p>
-          <a:p>
-            <a:r>
-              <a:rPr lang="en-US" sz="3200" dirty="0" smtClean="0"/>
-              <a:t>CI tools</a:t>
-            </a:r>
-            <a:endParaRPr lang="en-US" sz="3200" dirty="0"/>
-          </a:p>
-          <a:p>
-            <a:pPr lvl="1"/>
-            <a:r>
-              <a:rPr lang="en-US" sz="2800" dirty="0" smtClean="0"/>
-              <a:t>Jenkins </a:t>
-            </a:r>
-            <a:r>
-              <a:rPr lang="en-US" sz="2800" dirty="0"/>
-              <a:t>CI </a:t>
-            </a:r>
-            <a:r>
-              <a:rPr lang="en-US" sz="2800" dirty="0" smtClean="0"/>
-              <a:t>for App</a:t>
-            </a:r>
-            <a:endParaRPr lang="en-US" sz="2800" dirty="0"/>
-          </a:p>
-          <a:p>
-            <a:pPr lvl="1"/>
-            <a:r>
-              <a:rPr lang="en-US" sz="2800" dirty="0" smtClean="0"/>
-              <a:t>Sonar and  Cucumber plugins.</a:t>
-            </a:r>
-            <a:endParaRPr lang="en-US" sz="2800" dirty="0"/>
-          </a:p>
-          <a:p>
-            <a:pPr marL="0" indent="0">
-              <a:buNone/>
-            </a:pPr>
-            <a:r>
-              <a:rPr lang="en-US" sz="3200" dirty="0" smtClean="0"/>
-              <a:t>.</a:t>
-            </a:r>
-            <a:endParaRPr lang="en-US" sz="3200" dirty="0"/>
-          </a:p>
-          <a:p>
-            <a:pPr lvl="0"/>
-            <a:endParaRPr lang="en-US" sz="3200" dirty="0" smtClean="0"/>
-          </a:p>
-          <a:p>
-            <a:endParaRPr lang="en-US" sz="3200" dirty="0"/>
-          </a:p>
-        </p:txBody>
-      </p:sp>
-      <p:sp>
-        <p:nvSpPr>
-          <p:cNvPr id="3" name="Title 2"/>
-          <p:cNvSpPr>
-            <a:spLocks noGrp="1"/>
-          </p:cNvSpPr>
-          <p:nvPr>
-            <p:ph type="title"/>
-          </p:nvPr>
-        </p:nvSpPr>
-        <p:spPr/>
-        <p:txBody>
-          <a:bodyPr/>
-          <a:lstStyle/>
-          <a:p>
-            <a:r>
-              <a:rPr lang="en-US" sz="6000" dirty="0" smtClean="0"/>
-              <a:t>Build &amp; CI Tools &amp; Techniques</a:t>
-            </a:r>
-            <a:endParaRPr lang="en-US" sz="6000" dirty="0"/>
-          </a:p>
-        </p:txBody>
-      </p:sp>
-      <p:sp>
-        <p:nvSpPr>
-          <p:cNvPr id="4" name="Slide Number Placeholder 3"/>
-          <p:cNvSpPr>
-            <a:spLocks noGrp="1"/>
-          </p:cNvSpPr>
-          <p:nvPr>
-            <p:ph type="sldNum" sz="quarter" idx="10"/>
-          </p:nvPr>
-        </p:nvSpPr>
-        <p:spPr/>
-        <p:txBody>
-          <a:bodyPr/>
-          <a:lstStyle/>
-          <a:p>
-            <a:fld id="{FD0725B6-5DD5-4EEE-A0F0-572C51C8D44F}" type="slidenum">
-              <a:rPr lang="en-US" smtClean="0"/>
-              <a:pPr/>
-              <a:t>18</a:t>
-            </a:fld>
-            <a:endParaRPr lang="en-US"/>
-          </a:p>
-        </p:txBody>
-      </p:sp>
-    </p:spTree>
-    <p:extLst>
-      <p:ext uri="{BB962C8B-B14F-4D97-AF65-F5344CB8AC3E}">
-        <p14:creationId xmlns:p14="http://schemas.microsoft.com/office/powerpoint/2010/main" val="4044501857"/>
-      </p:ext>
-    </p:extLst>
-  </p:cSld>
-  <p:clrMapOvr>
-    <a:masterClrMapping/>
-  </p:clrMapOvr>
-  <p:transition>
-    <p:fade/>
-  </p:transition>
-  <p:timing>
-    <p:tnLst>
-      <p:par>
-        <p:cTn id="1" dur="indefinite" restart="never" nodeType="tmRoot"/>
-      </p:par>
-    </p:tnLst>
-  </p:timing>
-</p:sld>
-</file>
-
 <file path=ppt/slides/slide19.xml><?xml version="1.0" encoding="utf-8"?>
 <p:sld xmlns:a="http://schemas.openxmlformats.org/drawingml/2006/main" xmlns:r="http://schemas.openxmlformats.org/officeDocument/2006/relationships" xmlns:p="http://schemas.openxmlformats.org/presentationml/2006/main">
   <p:cSld>
@@ -5903,130 +5872,32 @@
           <a:chExt cx="0" cy="0"/>
         </a:xfrm>
       </p:grpSpPr>
-      <p:sp>
-        <p:nvSpPr>
-          <p:cNvPr id="2" name="Content Placeholder 1"/>
-          <p:cNvSpPr>
-            <a:spLocks noGrp="1"/>
-          </p:cNvSpPr>
+      <p:pic>
+        <p:nvPicPr>
+          <p:cNvPr id="5" name="Content Placeholder 4"/>
+          <p:cNvPicPr>
+            <a:picLocks noGrp="1" noChangeAspect="1"/>
+          </p:cNvPicPr>
           <p:nvPr>
             <p:ph idx="1"/>
           </p:nvPr>
-        </p:nvSpPr>
+        </p:nvPicPr>
+        <p:blipFill>
+          <a:blip r:embed="rId2"/>
+          <a:stretch>
+            <a:fillRect/>
+          </a:stretch>
+        </p:blipFill>
         <p:spPr>
           <a:xfrm>
-            <a:off x="1270000" y="2438400"/>
-            <a:ext cx="10464800" cy="6959600"/>
+            <a:off x="1270000" y="2701773"/>
+            <a:ext cx="10464800" cy="6636053"/>
           </a:xfrm>
+          <a:prstGeom prst="rect">
+            <a:avLst/>
+          </a:prstGeom>
         </p:spPr>
-        <p:txBody>
-          <a:bodyPr/>
-          <a:lstStyle/>
-          <a:p>
-            <a:pPr lvl="0">
-              <a:spcAft>
-                <a:spcPts val="600"/>
-              </a:spcAft>
-            </a:pPr>
-            <a:r>
-              <a:rPr lang="en-US" sz="3200" dirty="0"/>
-              <a:t>QA Highlights</a:t>
-            </a:r>
-          </a:p>
-          <a:p>
-            <a:pPr lvl="1">
-              <a:spcAft>
-                <a:spcPts val="600"/>
-              </a:spcAft>
-            </a:pPr>
-            <a:r>
-              <a:rPr lang="en-US" sz="2800" dirty="0"/>
-              <a:t>QA was part of requirement understanding discussions, application flow creation.</a:t>
-            </a:r>
-          </a:p>
-          <a:p>
-            <a:pPr lvl="1">
-              <a:spcAft>
-                <a:spcPts val="600"/>
-              </a:spcAft>
-            </a:pPr>
-            <a:r>
-              <a:rPr lang="en-US" sz="2800" dirty="0"/>
-              <a:t>Setting up of testing process within the </a:t>
-            </a:r>
-            <a:r>
-              <a:rPr lang="en-US" sz="2800" dirty="0" smtClean="0"/>
-              <a:t>sprint</a:t>
-            </a:r>
-          </a:p>
-          <a:p>
-            <a:pPr lvl="1">
-              <a:spcAft>
-                <a:spcPts val="600"/>
-              </a:spcAft>
-            </a:pPr>
-            <a:r>
-              <a:rPr lang="en-US" sz="2800" dirty="0" smtClean="0"/>
-              <a:t>Feature File and Test Scenario in BBD Format</a:t>
-            </a:r>
-            <a:endParaRPr lang="en-US" sz="2800" dirty="0"/>
-          </a:p>
-          <a:p>
-            <a:pPr>
-              <a:spcAft>
-                <a:spcPts val="600"/>
-              </a:spcAft>
-            </a:pPr>
-            <a:r>
-              <a:rPr lang="en-US" sz="3200" dirty="0" smtClean="0"/>
-              <a:t>Test </a:t>
-            </a:r>
-            <a:r>
-              <a:rPr lang="en-US" sz="3200" dirty="0"/>
-              <a:t>Plan </a:t>
-            </a:r>
-          </a:p>
-          <a:p>
-            <a:pPr lvl="1">
-              <a:spcAft>
-                <a:spcPts val="600"/>
-              </a:spcAft>
-            </a:pPr>
-            <a:r>
-              <a:rPr lang="en-US" sz="2800" dirty="0"/>
-              <a:t>Covering </a:t>
-            </a:r>
-            <a:r>
-              <a:rPr lang="en-US" sz="2800" dirty="0" smtClean="0"/>
-              <a:t>major </a:t>
-            </a:r>
-            <a:r>
-              <a:rPr lang="en-US" sz="2800" dirty="0"/>
-              <a:t>type of testing</a:t>
-            </a:r>
-          </a:p>
-          <a:p>
-            <a:pPr lvl="1">
-              <a:spcAft>
-                <a:spcPts val="600"/>
-              </a:spcAft>
-            </a:pPr>
-            <a:r>
-              <a:rPr lang="en-US" sz="2800" dirty="0"/>
-              <a:t>Strategy for every testing type</a:t>
-            </a:r>
-          </a:p>
-          <a:p>
-            <a:pPr marL="0" indent="0">
-              <a:spcAft>
-                <a:spcPts val="600"/>
-              </a:spcAft>
-              <a:buNone/>
-            </a:pPr>
-            <a:endParaRPr lang="en-US" sz="3600" dirty="0"/>
-          </a:p>
-        </p:txBody>
-      </p:sp>
+      </p:pic>
       <p:sp>
         <p:nvSpPr>
           <p:cNvPr id="3" name="Title 2"/>
@@ -6044,12 +5915,9 @@
           <a:p>
             <a:r>
               <a:rPr lang="en-US" dirty="0" smtClean="0"/>
-              <a:t>QA </a:t>
-            </a:r>
-            <a:r>
-              <a:rPr lang="en-US" dirty="0"/>
-              <a:t>Highlights</a:t>
-            </a:r>
+              <a:t>Code Coverage</a:t>
+            </a:r>
+            <a:endParaRPr lang="en-US" dirty="0"/>
           </a:p>
         </p:txBody>
       </p:sp>
@@ -6080,7 +5948,7 @@
     </p:spTree>
     <p:extLst>
       <p:ext uri="{BB962C8B-B14F-4D97-AF65-F5344CB8AC3E}">
-        <p14:creationId xmlns:p14="http://schemas.microsoft.com/office/powerpoint/2010/main" val="794543978"/>
+        <p14:creationId xmlns:p14="http://schemas.microsoft.com/office/powerpoint/2010/main" val="3846985115"/>
       </p:ext>
     </p:extLst>
   </p:cSld>
@@ -6090,13 +5958,6 @@
   <p:transition>
     <p:fade/>
   </p:transition>
-  <p:timing>
-    <p:tnLst>
-      <p:par>
-        <p:cTn id="1" dur="indefinite" restart="never" nodeType="tmRoot"/>
-      </p:par>
-    </p:tnLst>
-  </p:timing>
 </p:sld>
 </file>
 
@@ -6760,160 +6621,75 @@
             <p:ph idx="1"/>
           </p:nvPr>
         </p:nvSpPr>
-        <p:spPr>
-          <a:xfrm>
-            <a:off x="1270000" y="2438400"/>
-            <a:ext cx="10464800" cy="6959600"/>
-          </a:xfrm>
-        </p:spPr>
+        <p:spPr/>
         <p:txBody>
           <a:bodyPr/>
           <a:lstStyle/>
           <a:p>
-            <a:pPr lvl="0">
-              <a:spcAft>
-                <a:spcPts val="600"/>
-              </a:spcAft>
-            </a:pPr>
             <a:r>
               <a:rPr lang="en-US" sz="3200" dirty="0" smtClean="0"/>
-              <a:t>Test Plan</a:t>
-            </a:r>
-          </a:p>
-          <a:p>
-            <a:pPr lvl="1">
-              <a:spcAft>
-                <a:spcPts val="600"/>
-              </a:spcAft>
-            </a:pPr>
-            <a:r>
-              <a:rPr lang="en-US" sz="2800" dirty="0">
-                <a:latin typeface="Times New Roman" pitchFamily="18" charset="0"/>
-                <a:cs typeface="Times New Roman" pitchFamily="18" charset="0"/>
+              <a:t>Build tools</a:t>
+            </a:r>
+          </a:p>
+          <a:p>
+            <a:pPr lvl="1"/>
+            <a:r>
+              <a:rPr lang="en-US" sz="2800" dirty="0" smtClean="0">
+                <a:solidFill>
+                  <a:srgbClr val="6D706D"/>
+                </a:solidFill>
               </a:rPr>
-              <a:t>Covering major type of </a:t>
-            </a:r>
-            <a:r>
-              <a:rPr lang="en-US" sz="2800" dirty="0" smtClean="0">
-                <a:latin typeface="Times New Roman" pitchFamily="18" charset="0"/>
-                <a:cs typeface="Times New Roman" pitchFamily="18" charset="0"/>
-              </a:rPr>
-              <a:t>testing</a:t>
-            </a:r>
+              <a:t>Maven 3.2.5</a:t>
+            </a:r>
+            <a:endParaRPr lang="en-US" sz="3200" dirty="0" smtClean="0"/>
+          </a:p>
+          <a:p>
+            <a:r>
+              <a:rPr lang="en-US" sz="3200" dirty="0" smtClean="0"/>
+              <a:t>CI tools</a:t>
+            </a:r>
+            <a:endParaRPr lang="en-US" sz="3200" dirty="0"/>
+          </a:p>
+          <a:p>
+            <a:pPr lvl="1"/>
             <a:r>
               <a:rPr lang="en-US" sz="2800" dirty="0" smtClean="0"/>
-              <a:t>.</a:t>
-            </a:r>
-          </a:p>
-          <a:p>
-            <a:pPr lvl="1">
-              <a:spcAft>
-                <a:spcPts val="600"/>
-              </a:spcAft>
-            </a:pPr>
+              <a:t>Jenkins </a:t>
+            </a:r>
+            <a:r>
+              <a:rPr lang="en-US" sz="2800" dirty="0"/>
+              <a:t>CI </a:t>
+            </a:r>
             <a:r>
               <a:rPr lang="en-US" sz="2800" dirty="0" smtClean="0"/>
-              <a:t>Strategy for every testing plan </a:t>
-            </a:r>
-          </a:p>
-          <a:p>
-            <a:pPr lvl="1">
-              <a:spcAft>
-                <a:spcPts val="600"/>
-              </a:spcAft>
-            </a:pPr>
-            <a:r>
-              <a:rPr lang="en-US" sz="2800" dirty="0">
-                <a:latin typeface="Times New Roman" pitchFamily="18" charset="0"/>
-                <a:cs typeface="Times New Roman" pitchFamily="18" charset="0"/>
-              </a:rPr>
-              <a:t>Defined Entry/Exit </a:t>
-            </a:r>
-            <a:r>
-              <a:rPr lang="en-US" sz="2800" dirty="0" smtClean="0">
-                <a:latin typeface="Times New Roman" pitchFamily="18" charset="0"/>
-                <a:cs typeface="Times New Roman" pitchFamily="18" charset="0"/>
-              </a:rPr>
-              <a:t>Criteria</a:t>
-            </a:r>
-          </a:p>
-          <a:p>
-            <a:pPr lvl="1">
-              <a:spcAft>
-                <a:spcPts val="600"/>
-              </a:spcAft>
-            </a:pPr>
-            <a:r>
-              <a:rPr lang="en-US" sz="2800" dirty="0">
-                <a:latin typeface="Times New Roman" pitchFamily="18" charset="0"/>
-                <a:cs typeface="Times New Roman" pitchFamily="18" charset="0"/>
-              </a:rPr>
-              <a:t>QA Policy and Test schedule </a:t>
-            </a:r>
-            <a:endParaRPr lang="en-US" sz="2800" dirty="0" smtClean="0"/>
-          </a:p>
-          <a:p>
-            <a:pPr>
-              <a:spcAft>
-                <a:spcPts val="600"/>
-              </a:spcAft>
-            </a:pPr>
-            <a:r>
-              <a:rPr lang="en-US" sz="3200" dirty="0" smtClean="0"/>
-              <a:t>BDD Test Scenario/Test Cases </a:t>
-            </a:r>
-          </a:p>
-          <a:p>
-            <a:pPr lvl="1">
-              <a:spcAft>
-                <a:spcPts val="600"/>
-              </a:spcAft>
-            </a:pPr>
-            <a:r>
-              <a:rPr lang="en-US" sz="2800" dirty="0">
-                <a:latin typeface="Times New Roman" panose="02020603050405020304" pitchFamily="18" charset="0"/>
-                <a:cs typeface="Times New Roman" panose="02020603050405020304" pitchFamily="18" charset="0"/>
-              </a:rPr>
-              <a:t>Containing </a:t>
-            </a:r>
-            <a:r>
-              <a:rPr lang="en-US" sz="2800" dirty="0" smtClean="0">
-                <a:latin typeface="Times New Roman" panose="02020603050405020304" pitchFamily="18" charset="0"/>
-                <a:cs typeface="Times New Roman" panose="02020603050405020304" pitchFamily="18" charset="0"/>
-              </a:rPr>
-              <a:t>BDD Test Scenario/Test </a:t>
-            </a:r>
-            <a:r>
-              <a:rPr lang="en-US" sz="2800" dirty="0">
-                <a:latin typeface="Times New Roman" panose="02020603050405020304" pitchFamily="18" charset="0"/>
-                <a:cs typeface="Times New Roman" panose="02020603050405020304" pitchFamily="18" charset="0"/>
-              </a:rPr>
-              <a:t>cases for the functionalities </a:t>
-            </a:r>
-            <a:r>
-              <a:rPr lang="en-US" sz="2800" dirty="0" smtClean="0">
-                <a:latin typeface="Times New Roman" panose="02020603050405020304" pitchFamily="18" charset="0"/>
-                <a:cs typeface="Times New Roman" panose="02020603050405020304" pitchFamily="18" charset="0"/>
-              </a:rPr>
-              <a:t>implemented</a:t>
-            </a:r>
-          </a:p>
-          <a:p>
-            <a:pPr lvl="1">
-              <a:spcAft>
-                <a:spcPts val="600"/>
-              </a:spcAft>
-            </a:pPr>
-            <a:endParaRPr lang="en-US" sz="2800" dirty="0" smtClean="0"/>
+              <a:t>for App</a:t>
+            </a:r>
+            <a:endParaRPr lang="en-US" sz="2800" dirty="0"/>
+          </a:p>
+          <a:p>
+            <a:pPr lvl="1"/>
+            <a:r>
+              <a:rPr lang="en-US" sz="2800" dirty="0" smtClean="0"/>
+              <a:t>Sonar and  Cucumber plugins.</a:t>
+            </a:r>
+            <a:endParaRPr lang="en-US" sz="2800" dirty="0"/>
           </a:p>
           <a:p>
             <a:pPr marL="0" indent="0">
-              <a:spcAft>
-                <a:spcPts val="600"/>
-              </a:spcAft>
               <a:buNone/>
             </a:pPr>
-            <a:endParaRPr lang="en-US" sz="3600" dirty="0"/>
+            <a:r>
+              <a:rPr lang="en-US" sz="3200" dirty="0" smtClean="0"/>
+              <a:t>.</a:t>
+            </a:r>
+            <a:endParaRPr lang="en-US" sz="3200" dirty="0"/>
+          </a:p>
+          <a:p>
+            <a:pPr lvl="0"/>
+            <a:endParaRPr lang="en-US" sz="3200" dirty="0" smtClean="0"/>
+          </a:p>
+          <a:p>
+            <a:endParaRPr lang="en-US" sz="3200" dirty="0"/>
           </a:p>
         </p:txBody>
       </p:sp>
@@ -6927,24 +6703,16 @@
             <p:ph type="title"/>
           </p:nvPr>
         </p:nvSpPr>
-        <p:spPr>
-          <a:xfrm>
-            <a:off x="1270000" y="76200"/>
-            <a:ext cx="10464800" cy="2032000"/>
-          </a:xfrm>
-        </p:spPr>
+        <p:spPr/>
         <p:txBody>
           <a:bodyPr/>
           <a:lstStyle/>
           <a:p>
             <a:r>
-              <a:rPr lang="en-US" dirty="0" smtClean="0"/>
-              <a:t>QA </a:t>
-            </a:r>
-            <a:r>
-              <a:rPr lang="en-US" dirty="0"/>
-              <a:t>Highlights</a:t>
-            </a:r>
+              <a:rPr lang="en-US" sz="6000" dirty="0" smtClean="0"/>
+              <a:t>Build &amp; CI Tools &amp; Techniques</a:t>
+            </a:r>
+            <a:endParaRPr lang="en-US" sz="6000" dirty="0"/>
           </a:p>
         </p:txBody>
       </p:sp>
@@ -6975,7 +6743,7 @@
     </p:spTree>
     <p:extLst>
       <p:ext uri="{BB962C8B-B14F-4D97-AF65-F5344CB8AC3E}">
-        <p14:creationId xmlns:p14="http://schemas.microsoft.com/office/powerpoint/2010/main" val="2791584546"/>
+        <p14:creationId xmlns:p14="http://schemas.microsoft.com/office/powerpoint/2010/main" val="4044501857"/>
       </p:ext>
     </p:extLst>
   </p:cSld>
@@ -7022,129 +6790,117 @@
             <p:ph idx="1"/>
           </p:nvPr>
         </p:nvSpPr>
-        <p:spPr/>
+        <p:spPr>
+          <a:xfrm>
+            <a:off x="1270000" y="2438400"/>
+            <a:ext cx="10464800" cy="6959600"/>
+          </a:xfrm>
+        </p:spPr>
         <p:txBody>
           <a:bodyPr/>
           <a:lstStyle/>
           <a:p>
+            <a:pPr lvl="0">
+              <a:spcAft>
+                <a:spcPts val="600"/>
+              </a:spcAft>
+            </a:pPr>
             <a:r>
               <a:rPr lang="en-US" sz="3200" dirty="0"/>
-              <a:t>Total </a:t>
-            </a:r>
+              <a:t>QA Highlights</a:t>
+            </a:r>
+          </a:p>
+          <a:p>
+            <a:pPr lvl="1">
+              <a:spcAft>
+                <a:spcPts val="600"/>
+              </a:spcAft>
+            </a:pPr>
+            <a:r>
+              <a:rPr lang="en-US" sz="2800" dirty="0"/>
+              <a:t>QA was part of requirement understanding discussions, application flow creation.</a:t>
+            </a:r>
+          </a:p>
+          <a:p>
+            <a:pPr lvl="1">
+              <a:spcAft>
+                <a:spcPts val="600"/>
+              </a:spcAft>
+            </a:pPr>
+            <a:r>
+              <a:rPr lang="en-US" sz="2800" dirty="0"/>
+              <a:t>Setting up of testing process within the </a:t>
+            </a:r>
+            <a:r>
+              <a:rPr lang="en-US" sz="2800" dirty="0" smtClean="0"/>
+              <a:t>sprint</a:t>
+            </a:r>
+          </a:p>
+          <a:p>
+            <a:pPr lvl="1">
+              <a:spcAft>
+                <a:spcPts val="600"/>
+              </a:spcAft>
+            </a:pPr>
+            <a:r>
+              <a:rPr lang="en-US" sz="2800" dirty="0" smtClean="0"/>
+              <a:t>Feature File and Test Scenario in BBD Format</a:t>
+            </a:r>
+            <a:endParaRPr lang="en-US" sz="2800" dirty="0"/>
+          </a:p>
+          <a:p>
+            <a:pPr>
+              <a:spcAft>
+                <a:spcPts val="600"/>
+              </a:spcAft>
+            </a:pPr>
             <a:r>
               <a:rPr lang="en-US" sz="3200" dirty="0" smtClean="0"/>
-              <a:t>BDD Features File : </a:t>
+              <a:t>Test </a:t>
             </a:r>
             <a:r>
               <a:rPr lang="en-US" sz="3200" dirty="0"/>
-              <a:t>5</a:t>
-            </a:r>
-            <a:endParaRPr lang="en-US" sz="3200" dirty="0" smtClean="0"/>
-          </a:p>
-          <a:p>
-            <a:r>
-              <a:rPr lang="en-US" sz="3200" dirty="0" smtClean="0"/>
-              <a:t>Total Number of Scenarios in each feature files</a:t>
-            </a:r>
-          </a:p>
-          <a:p>
-            <a:pPr lvl="1"/>
-            <a:r>
-              <a:rPr lang="en-US" sz="3200" dirty="0" err="1"/>
-              <a:t>ServiceAggregator_Registration.feature</a:t>
-            </a:r>
-            <a:r>
-              <a:rPr lang="en-US" sz="3200" dirty="0"/>
-              <a:t> </a:t>
-            </a:r>
-            <a:r>
-              <a:rPr lang="en-US" sz="3200" dirty="0" smtClean="0"/>
-              <a:t>:7</a:t>
-            </a:r>
-            <a:endParaRPr lang="en-US" sz="3200" dirty="0"/>
-          </a:p>
-          <a:p>
-            <a:pPr lvl="1"/>
-            <a:r>
-              <a:rPr lang="en-US" sz="3200" dirty="0" smtClean="0"/>
-              <a:t>Service_Platform_Admin_Portal.feature:7</a:t>
-            </a:r>
-          </a:p>
-          <a:p>
-            <a:pPr lvl="1"/>
-            <a:r>
-              <a:rPr lang="en-US" sz="3200" dirty="0" err="1"/>
-              <a:t>Service_Platform_Dashboard.feature</a:t>
-            </a:r>
-            <a:r>
-              <a:rPr lang="en-US" sz="3200" dirty="0"/>
-              <a:t> </a:t>
-            </a:r>
-            <a:r>
-              <a:rPr lang="en-US" sz="3200" dirty="0" smtClean="0"/>
-              <a:t>:2</a:t>
-            </a:r>
-          </a:p>
-          <a:p>
-            <a:pPr lvl="1"/>
-            <a:r>
-              <a:rPr lang="en-US" sz="3200" dirty="0" err="1" smtClean="0"/>
-              <a:t>Service_Platform_Login.feature</a:t>
-            </a:r>
-            <a:r>
-              <a:rPr lang="en-US" sz="3200" dirty="0" smtClean="0"/>
-              <a:t>: 6</a:t>
-            </a:r>
-          </a:p>
-          <a:p>
-            <a:pPr lvl="1"/>
-            <a:r>
-              <a:rPr lang="en-US" sz="3200" dirty="0" smtClean="0"/>
-              <a:t>Service_Platform_Zipped_Download.feature:4</a:t>
-            </a:r>
-          </a:p>
-          <a:p>
-            <a:r>
-              <a:rPr lang="en-US" sz="3200" dirty="0"/>
-              <a:t>Automation</a:t>
-            </a:r>
-          </a:p>
-          <a:p>
-            <a:pPr lvl="1"/>
-            <a:r>
-              <a:rPr lang="en-US" altLang="ja-JP" sz="3200" dirty="0">
-                <a:latin typeface="Times New Roman" pitchFamily="18" charset="0"/>
-                <a:ea typeface="ヒラギノ角ゴ ProN W3" charset="0"/>
-                <a:cs typeface="Times New Roman" pitchFamily="18" charset="0"/>
-              </a:rPr>
-              <a:t>Automation framework Document</a:t>
-            </a:r>
-          </a:p>
-          <a:p>
-            <a:pPr marL="571500" lvl="1" indent="0">
+              <a:t>Plan </a:t>
+            </a:r>
+          </a:p>
+          <a:p>
+            <a:pPr lvl="1">
+              <a:spcAft>
+                <a:spcPts val="600"/>
+              </a:spcAft>
+            </a:pPr>
+            <a:r>
+              <a:rPr lang="en-US" sz="2800" dirty="0"/>
+              <a:t>Covering </a:t>
+            </a:r>
+            <a:r>
+              <a:rPr lang="en-US" sz="2800" dirty="0" smtClean="0"/>
+              <a:t>major </a:t>
+            </a:r>
+            <a:r>
+              <a:rPr lang="en-US" sz="2800" dirty="0"/>
+              <a:t>type of testing</a:t>
+            </a:r>
+          </a:p>
+          <a:p>
+            <a:pPr lvl="1">
+              <a:spcAft>
+                <a:spcPts val="600"/>
+              </a:spcAft>
+            </a:pPr>
+            <a:r>
+              <a:rPr lang="en-US" sz="2800" dirty="0"/>
+              <a:t>Strategy for every testing type</a:t>
+            </a:r>
+          </a:p>
+          <a:p>
+            <a:pPr marL="0" indent="0">
+              <a:spcAft>
+                <a:spcPts val="600"/>
+              </a:spcAft>
               <a:buNone/>
             </a:pPr>
-            <a:endParaRPr lang="en-US" sz="3200" dirty="0" smtClean="0"/>
-          </a:p>
-          <a:p>
-            <a:pPr marL="571500" lvl="1" indent="0">
-              <a:buNone/>
-            </a:pPr>
-            <a:endParaRPr lang="en-US" sz="3200" dirty="0" smtClean="0"/>
-          </a:p>
-          <a:p>
-            <a:pPr lvl="1"/>
-            <a:endParaRPr lang="en-US" sz="3200" dirty="0"/>
-          </a:p>
-          <a:p>
-            <a:pPr lvl="1"/>
-            <a:endParaRPr lang="en-US" sz="3200" dirty="0" smtClean="0"/>
-          </a:p>
-          <a:p>
-            <a:pPr marL="0" indent="0">
-              <a:buNone/>
-            </a:pPr>
-            <a:endParaRPr lang="en-US" sz="3200" dirty="0"/>
+            <a:endParaRPr lang="en-US" sz="3600" dirty="0"/>
           </a:p>
         </p:txBody>
       </p:sp>
@@ -7165,9 +6921,12 @@
           <a:p>
             <a:r>
               <a:rPr lang="en-US" dirty="0" smtClean="0"/>
-              <a:t>QA Highlights</a:t>
-            </a:r>
-            <a:endParaRPr lang="en-US" dirty="0"/>
+              <a:t>QA </a:t>
+            </a:r>
+            <a:r>
+              <a:rPr lang="en-US" dirty="0"/>
+              <a:t>Highlights</a:t>
+            </a:r>
           </a:p>
         </p:txBody>
       </p:sp>
@@ -7198,7 +6957,7 @@
     </p:spTree>
     <p:extLst>
       <p:ext uri="{BB962C8B-B14F-4D97-AF65-F5344CB8AC3E}">
-        <p14:creationId xmlns:p14="http://schemas.microsoft.com/office/powerpoint/2010/main" val="4255829178"/>
+        <p14:creationId xmlns:p14="http://schemas.microsoft.com/office/powerpoint/2010/main" val="794543978"/>
       </p:ext>
     </p:extLst>
   </p:cSld>
@@ -7245,58 +7004,151 @@
             <p:ph idx="1"/>
           </p:nvPr>
         </p:nvSpPr>
-        <p:spPr/>
+        <p:spPr>
+          <a:xfrm>
+            <a:off x="1270000" y="2438400"/>
+            <a:ext cx="10464800" cy="6959600"/>
+          </a:xfrm>
+        </p:spPr>
         <p:txBody>
           <a:bodyPr/>
           <a:lstStyle/>
           <a:p>
+            <a:pPr lvl="0">
+              <a:spcAft>
+                <a:spcPts val="600"/>
+              </a:spcAft>
+            </a:pPr>
             <a:r>
               <a:rPr lang="en-US" sz="3200" dirty="0" smtClean="0"/>
-              <a:t>Improvement in right feature files in BDD format.</a:t>
-            </a:r>
-          </a:p>
-          <a:p>
+              <a:t>Test Plan</a:t>
+            </a:r>
+          </a:p>
+          <a:p>
+            <a:pPr lvl="1">
+              <a:spcAft>
+                <a:spcPts val="600"/>
+              </a:spcAft>
+            </a:pPr>
+            <a:r>
+              <a:rPr lang="en-US" sz="2800" dirty="0">
+                <a:cs typeface="Times New Roman" pitchFamily="18" charset="0"/>
+              </a:rPr>
+              <a:t>Covering major type of </a:t>
+            </a:r>
+            <a:r>
+              <a:rPr lang="en-US" sz="2800" dirty="0" smtClean="0">
+                <a:cs typeface="Times New Roman" pitchFamily="18" charset="0"/>
+              </a:rPr>
+              <a:t>testing</a:t>
+            </a:r>
+            <a:r>
+              <a:rPr lang="en-US" sz="2800" dirty="0" smtClean="0"/>
+              <a:t>.</a:t>
+            </a:r>
+          </a:p>
+          <a:p>
+            <a:pPr lvl="1">
+              <a:spcAft>
+                <a:spcPts val="600"/>
+              </a:spcAft>
+            </a:pPr>
+            <a:r>
+              <a:rPr lang="en-US" sz="2800" dirty="0" smtClean="0"/>
+              <a:t>Strategy for every testing plan </a:t>
+            </a:r>
+          </a:p>
+          <a:p>
+            <a:pPr lvl="1">
+              <a:spcAft>
+                <a:spcPts val="600"/>
+              </a:spcAft>
+            </a:pPr>
+            <a:r>
+              <a:rPr lang="en-US" sz="2800" dirty="0">
+                <a:cs typeface="Times New Roman" pitchFamily="18" charset="0"/>
+              </a:rPr>
+              <a:t>Defined Entry/Exit </a:t>
+            </a:r>
+            <a:r>
+              <a:rPr lang="en-US" sz="2800" dirty="0" smtClean="0">
+                <a:cs typeface="Times New Roman" pitchFamily="18" charset="0"/>
+              </a:rPr>
+              <a:t>Criteria</a:t>
+            </a:r>
+          </a:p>
+          <a:p>
+            <a:pPr lvl="1">
+              <a:spcAft>
+                <a:spcPts val="600"/>
+              </a:spcAft>
+            </a:pPr>
+            <a:r>
+              <a:rPr lang="en-US" sz="2800" dirty="0">
+                <a:cs typeface="Times New Roman" pitchFamily="18" charset="0"/>
+              </a:rPr>
+              <a:t>QA Policy and Test schedule </a:t>
+            </a:r>
+            <a:endParaRPr lang="en-US" sz="2800" dirty="0" smtClean="0"/>
+          </a:p>
+          <a:p>
+            <a:pPr>
+              <a:spcAft>
+                <a:spcPts val="600"/>
+              </a:spcAft>
+            </a:pPr>
             <a:r>
               <a:rPr lang="en-US" sz="3200" dirty="0" smtClean="0"/>
-              <a:t>Customized Cucumber Report.</a:t>
-            </a:r>
-            <a:endParaRPr lang="en-US" sz="3200" dirty="0"/>
-          </a:p>
-          <a:p>
-            <a:pPr marL="571500" lvl="1" indent="0">
+              <a:t>BDD Test Scenario/Test Cases </a:t>
+            </a:r>
+          </a:p>
+          <a:p>
+            <a:pPr lvl="1">
+              <a:spcAft>
+                <a:spcPts val="600"/>
+              </a:spcAft>
+            </a:pPr>
+            <a:r>
+              <a:rPr lang="en-US" sz="2800" dirty="0">
+                <a:cs typeface="Times New Roman" panose="02020603050405020304" pitchFamily="18" charset="0"/>
+              </a:rPr>
+              <a:t>Containing </a:t>
+            </a:r>
+            <a:r>
+              <a:rPr lang="en-US" sz="2800" dirty="0" smtClean="0">
+                <a:cs typeface="Times New Roman" panose="02020603050405020304" pitchFamily="18" charset="0"/>
+              </a:rPr>
+              <a:t>BDD Test Scenario/Test </a:t>
+            </a:r>
+            <a:r>
+              <a:rPr lang="en-US" sz="2800" dirty="0">
+                <a:cs typeface="Times New Roman" panose="02020603050405020304" pitchFamily="18" charset="0"/>
+              </a:rPr>
+              <a:t>cases for the functionalities </a:t>
+            </a:r>
+            <a:r>
+              <a:rPr lang="en-US" sz="2800" dirty="0" smtClean="0">
+                <a:cs typeface="Times New Roman" panose="02020603050405020304" pitchFamily="18" charset="0"/>
+              </a:rPr>
+              <a:t>implemented</a:t>
+            </a:r>
+          </a:p>
+          <a:p>
+            <a:pPr lvl="1">
+              <a:spcAft>
+                <a:spcPts val="600"/>
+              </a:spcAft>
+            </a:pPr>
+            <a:endParaRPr lang="en-US" sz="2800" dirty="0" smtClean="0"/>
+          </a:p>
+          <a:p>
+            <a:pPr marL="0" indent="0">
+              <a:spcAft>
+                <a:spcPts val="600"/>
+              </a:spcAft>
               <a:buNone/>
             </a:pPr>
-            <a:endParaRPr lang="en-US" altLang="ja-JP" sz="3200" dirty="0">
-              <a:latin typeface="Times New Roman" pitchFamily="18" charset="0"/>
-              <a:ea typeface="ヒラギノ角ゴ ProN W3" charset="0"/>
-              <a:cs typeface="Times New Roman" pitchFamily="18" charset="0"/>
-            </a:endParaRPr>
-          </a:p>
-          <a:p>
-            <a:pPr marL="571500" lvl="1" indent="0">
-              <a:buNone/>
-            </a:pPr>
-            <a:endParaRPr lang="en-US" sz="3200" dirty="0" smtClean="0"/>
-          </a:p>
-          <a:p>
-            <a:pPr marL="571500" lvl="1" indent="0">
-              <a:buNone/>
-            </a:pPr>
-            <a:endParaRPr lang="en-US" sz="3200" dirty="0" smtClean="0"/>
-          </a:p>
-          <a:p>
-            <a:pPr lvl="1"/>
-            <a:endParaRPr lang="en-US" sz="3200" dirty="0"/>
-          </a:p>
-          <a:p>
-            <a:pPr lvl="1"/>
-            <a:endParaRPr lang="en-US" sz="3200" dirty="0" smtClean="0"/>
-          </a:p>
-          <a:p>
-            <a:pPr marL="0" indent="0">
-              <a:buNone/>
-            </a:pPr>
-            <a:endParaRPr lang="en-US" sz="3200" dirty="0"/>
+            <a:endParaRPr lang="en-US" sz="3600" dirty="0"/>
           </a:p>
         </p:txBody>
       </p:sp>
@@ -7310,16 +7162,24 @@
             <p:ph type="title"/>
           </p:nvPr>
         </p:nvSpPr>
-        <p:spPr/>
+        <p:spPr>
+          <a:xfrm>
+            <a:off x="1270000" y="76200"/>
+            <a:ext cx="10464800" cy="2032000"/>
+          </a:xfrm>
+        </p:spPr>
         <p:txBody>
           <a:bodyPr/>
           <a:lstStyle/>
           <a:p>
             <a:r>
               <a:rPr lang="en-US" dirty="0" smtClean="0"/>
-              <a:t>Area of Improvement</a:t>
-            </a:r>
-            <a:endParaRPr lang="en-US" dirty="0"/>
+              <a:t>QA </a:t>
+            </a:r>
+            <a:r>
+              <a:rPr lang="en-US" dirty="0"/>
+              <a:t>Highlights</a:t>
+            </a:r>
           </a:p>
         </p:txBody>
       </p:sp>
@@ -7350,7 +7210,7 @@
     </p:spTree>
     <p:extLst>
       <p:ext uri="{BB962C8B-B14F-4D97-AF65-F5344CB8AC3E}">
-        <p14:creationId xmlns:p14="http://schemas.microsoft.com/office/powerpoint/2010/main" val="273424273"/>
+        <p14:creationId xmlns:p14="http://schemas.microsoft.com/office/powerpoint/2010/main" val="2791584546"/>
       </p:ext>
     </p:extLst>
   </p:cSld>
@@ -7404,49 +7264,122 @@
           <a:p>
             <a:r>
               <a:rPr lang="en-US" sz="3200" dirty="0"/>
-              <a:t>Total Sprints = </a:t>
+              <a:t>Total </a:t>
             </a:r>
             <a:r>
               <a:rPr lang="en-US" sz="3200" dirty="0" smtClean="0"/>
+              <a:t>BDD Features File : </a:t>
+            </a:r>
+            <a:r>
+              <a:rPr lang="en-US" sz="3200" dirty="0"/>
               <a:t>5</a:t>
             </a:r>
+            <a:endParaRPr lang="en-US" sz="3200" dirty="0" smtClean="0"/>
+          </a:p>
+          <a:p>
+            <a:r>
+              <a:rPr lang="en-US" sz="3200" dirty="0" smtClean="0"/>
+              <a:t>Total Number of Scenarios in each feature files</a:t>
+            </a:r>
+          </a:p>
+          <a:p>
+            <a:pPr lvl="1"/>
+            <a:r>
+              <a:rPr lang="en-US" sz="3200" dirty="0" err="1"/>
+              <a:t>ServiceAggregator_Registration.feature</a:t>
+            </a:r>
+            <a:r>
+              <a:rPr lang="en-US" sz="3200" dirty="0"/>
+              <a:t> </a:t>
+            </a:r>
+            <a:r>
+              <a:rPr lang="en-US" sz="3200" dirty="0" smtClean="0"/>
+              <a:t>:7</a:t>
+            </a:r>
             <a:endParaRPr lang="en-US" sz="3200" dirty="0"/>
           </a:p>
           <a:p>
+            <a:pPr lvl="1"/>
             <a:r>
               <a:rPr lang="en-US" sz="3200" dirty="0" smtClean="0"/>
-              <a:t>User </a:t>
+              <a:t>Service_Platform_Admin_Portal.feature:7</a:t>
+            </a:r>
+          </a:p>
+          <a:p>
+            <a:pPr lvl="1"/>
+            <a:r>
+              <a:rPr lang="en-US" sz="3200" dirty="0" err="1"/>
+              <a:t>Service_Platform_Dashboard.feature</a:t>
             </a:r>
             <a:r>
               <a:rPr lang="en-US" sz="3200" dirty="0"/>
-              <a:t>S</a:t>
+              <a:t> </a:t>
             </a:r>
             <a:r>
               <a:rPr lang="en-US" sz="3200" dirty="0" smtClean="0"/>
-              <a:t>tories </a:t>
-            </a:r>
+              <a:t>:2</a:t>
+            </a:r>
+          </a:p>
+          <a:p>
+            <a:pPr lvl="1"/>
+            <a:r>
+              <a:rPr lang="en-US" sz="3200" dirty="0" err="1" smtClean="0"/>
+              <a:t>Service_Platform_Login.feature</a:t>
+            </a:r>
+            <a:r>
+              <a:rPr lang="en-US" sz="3200" dirty="0" smtClean="0"/>
+              <a:t>: 6</a:t>
+            </a:r>
+          </a:p>
+          <a:p>
+            <a:pPr lvl="1"/>
+            <a:r>
+              <a:rPr lang="en-US" sz="3200" dirty="0" smtClean="0"/>
+              <a:t>Service_Platform_Zipped_Download.feature:4</a:t>
+            </a:r>
+          </a:p>
+          <a:p>
             <a:r>
               <a:rPr lang="en-US" sz="3200" dirty="0"/>
-              <a:t>= </a:t>
-            </a:r>
-            <a:r>
-              <a:rPr lang="en-US" sz="3200" dirty="0" smtClean="0"/>
-              <a:t>58</a:t>
-            </a:r>
-          </a:p>
-          <a:p>
-            <a:r>
-              <a:rPr lang="en-US" sz="3200" dirty="0" smtClean="0"/>
-              <a:t>Average </a:t>
-            </a:r>
-            <a:r>
-              <a:rPr lang="en-US" sz="3200" dirty="0"/>
-              <a:t>Sprint  Velocity </a:t>
-            </a:r>
-            <a:r>
-              <a:rPr lang="en-US" sz="3200" dirty="0" smtClean="0"/>
-              <a:t>=64</a:t>
-            </a:r>
+              <a:t>Automation</a:t>
+            </a:r>
+          </a:p>
+          <a:p>
+            <a:pPr lvl="1"/>
+            <a:r>
+              <a:rPr lang="en-US" altLang="ja-JP" sz="3200" dirty="0">
+                <a:latin typeface="Times New Roman" pitchFamily="18" charset="0"/>
+                <a:ea typeface="ヒラギノ角ゴ ProN W3" charset="0"/>
+                <a:cs typeface="Times New Roman" pitchFamily="18" charset="0"/>
+              </a:rPr>
+              <a:t>Automation framework Document</a:t>
+            </a:r>
+          </a:p>
+          <a:p>
+            <a:pPr marL="571500" lvl="1" indent="0">
+              <a:buNone/>
+            </a:pPr>
+            <a:endParaRPr lang="en-US" sz="3200" dirty="0" smtClean="0"/>
+          </a:p>
+          <a:p>
+            <a:pPr marL="571500" lvl="1" indent="0">
+              <a:buNone/>
+            </a:pPr>
+            <a:endParaRPr lang="en-US" sz="3200" dirty="0" smtClean="0"/>
+          </a:p>
+          <a:p>
+            <a:pPr lvl="1"/>
+            <a:endParaRPr lang="en-US" sz="3200" dirty="0"/>
+          </a:p>
+          <a:p>
+            <a:pPr lvl="1"/>
+            <a:endParaRPr lang="en-US" sz="3200" dirty="0" smtClean="0"/>
+          </a:p>
+          <a:p>
+            <a:pPr marL="0" indent="0">
+              <a:buNone/>
+            </a:pPr>
+            <a:endParaRPr lang="en-US" sz="3200" dirty="0"/>
           </a:p>
         </p:txBody>
       </p:sp>
@@ -7467,7 +7400,7 @@
           <a:p>
             <a:r>
               <a:rPr lang="en-US" dirty="0" smtClean="0"/>
-              <a:t>Project Metrics</a:t>
+              <a:t>QA Highlights</a:t>
             </a:r>
             <a:endParaRPr lang="en-US" dirty="0"/>
           </a:p>
@@ -7500,7 +7433,7 @@
     </p:spTree>
     <p:extLst>
       <p:ext uri="{BB962C8B-B14F-4D97-AF65-F5344CB8AC3E}">
-        <p14:creationId xmlns:p14="http://schemas.microsoft.com/office/powerpoint/2010/main" val="3429132619"/>
+        <p14:creationId xmlns:p14="http://schemas.microsoft.com/office/powerpoint/2010/main" val="4255829178"/>
       </p:ext>
     </p:extLst>
   </p:cSld>
@@ -7552,10 +7485,52 @@
           <a:bodyPr/>
           <a:lstStyle/>
           <a:p>
-            <a:pPr lvl="0"/>
+            <a:r>
+              <a:rPr lang="en-US" sz="3200" dirty="0" smtClean="0"/>
+              <a:t>Improvement in right feature files in BDD format.</a:t>
+            </a:r>
+          </a:p>
+          <a:p>
+            <a:r>
+              <a:rPr lang="en-US" sz="3200" dirty="0" smtClean="0"/>
+              <a:t>Customized Cucumber Report.</a:t>
+            </a:r>
+            <a:endParaRPr lang="en-US" sz="3200" dirty="0"/>
+          </a:p>
+          <a:p>
+            <a:pPr marL="571500" lvl="1" indent="0">
+              <a:buNone/>
+            </a:pPr>
+            <a:endParaRPr lang="en-US" altLang="ja-JP" sz="3200" dirty="0">
+              <a:latin typeface="Times New Roman" pitchFamily="18" charset="0"/>
+              <a:ea typeface="ヒラギノ角ゴ ProN W3" charset="0"/>
+              <a:cs typeface="Times New Roman" pitchFamily="18" charset="0"/>
+            </a:endParaRPr>
+          </a:p>
+          <a:p>
+            <a:pPr marL="571500" lvl="1" indent="0">
+              <a:buNone/>
+            </a:pPr>
             <a:endParaRPr lang="en-US" sz="3200" dirty="0" smtClean="0"/>
           </a:p>
           <a:p>
+            <a:pPr marL="571500" lvl="1" indent="0">
+              <a:buNone/>
+            </a:pPr>
+            <a:endParaRPr lang="en-US" sz="3200" dirty="0" smtClean="0"/>
+          </a:p>
+          <a:p>
+            <a:pPr lvl="1"/>
+            <a:endParaRPr lang="en-US" sz="3200" dirty="0"/>
+          </a:p>
+          <a:p>
+            <a:pPr lvl="1"/>
+            <a:endParaRPr lang="en-US" sz="3200" dirty="0" smtClean="0"/>
+          </a:p>
+          <a:p>
+            <a:pPr marL="0" indent="0">
+              <a:buNone/>
+            </a:pPr>
             <a:endParaRPr lang="en-US" sz="3200" dirty="0"/>
           </a:p>
         </p:txBody>
@@ -7576,8 +7551,8 @@
           <a:lstStyle/>
           <a:p>
             <a:r>
-              <a:rPr lang="en-US" sz="5400" dirty="0" smtClean="0"/>
-              <a:t>Scrum Tool – Agile Scrum Sheet</a:t>
+              <a:rPr lang="en-US" dirty="0" smtClean="0"/>
+              <a:t>Area of Improvement</a:t>
             </a:r>
             <a:endParaRPr lang="en-US" dirty="0"/>
           </a:p>
@@ -7607,67 +7582,10 @@
           </a:p>
         </p:txBody>
       </p:sp>
-      <p:sp>
-        <p:nvSpPr>
-          <p:cNvPr id="6" name="TextBox 5"/>
-          <p:cNvSpPr txBox="1"/>
-          <p:nvPr/>
-        </p:nvSpPr>
-        <p:spPr>
-          <a:xfrm>
-            <a:off x="1315558" y="2743200"/>
-            <a:ext cx="1986442" cy="738664"/>
-          </a:xfrm>
-          <a:prstGeom prst="rect">
-            <a:avLst/>
-          </a:prstGeom>
-          <a:noFill/>
-        </p:spPr>
-        <p:txBody>
-          <a:bodyPr wrap="none" rtlCol="0">
-            <a:spAutoFit/>
-          </a:bodyPr>
-          <a:lstStyle/>
-          <a:p>
-            <a:r>
-              <a:rPr lang="en-US" dirty="0" smtClean="0"/>
-              <a:t>Sprint </a:t>
-            </a:r>
-            <a:r>
-              <a:rPr lang="en-US" dirty="0"/>
-              <a:t>0</a:t>
-            </a:r>
-          </a:p>
-        </p:txBody>
-      </p:sp>
-      <p:pic>
-        <p:nvPicPr>
-          <p:cNvPr id="5" name="Picture 4"/>
-          <p:cNvPicPr>
-            <a:picLocks noChangeAspect="1"/>
-          </p:cNvPicPr>
-          <p:nvPr/>
-        </p:nvPicPr>
-        <p:blipFill>
-          <a:blip r:embed="rId2"/>
-          <a:stretch>
-            <a:fillRect/>
-          </a:stretch>
-        </p:blipFill>
-        <p:spPr>
-          <a:xfrm>
-            <a:off x="711200" y="3735864"/>
-            <a:ext cx="11506200" cy="5715000"/>
-          </a:xfrm>
-          <a:prstGeom prst="rect">
-            <a:avLst/>
-          </a:prstGeom>
-        </p:spPr>
-      </p:pic>
     </p:spTree>
     <p:extLst>
       <p:ext uri="{BB962C8B-B14F-4D97-AF65-F5344CB8AC3E}">
-        <p14:creationId xmlns:p14="http://schemas.microsoft.com/office/powerpoint/2010/main" val="3274724306"/>
+        <p14:creationId xmlns:p14="http://schemas.microsoft.com/office/powerpoint/2010/main" val="273424273"/>
       </p:ext>
     </p:extLst>
   </p:cSld>
@@ -7719,11 +7637,40 @@
           <a:bodyPr/>
           <a:lstStyle/>
           <a:p>
-            <a:pPr lvl="0"/>
-            <a:endParaRPr lang="en-US" sz="3200" dirty="0" smtClean="0"/>
-          </a:p>
-          <a:p>
-            <a:endParaRPr lang="en-US" sz="3200" dirty="0"/>
+            <a:r>
+              <a:rPr lang="en-US" sz="3200" dirty="0">
+                <a:solidFill>
+                  <a:srgbClr val="000000"/>
+                </a:solidFill>
+                <a:latin typeface="Franklin Gothic Book" panose="020B0503020102020204" pitchFamily="34" charset="0"/>
+                <a:ea typeface="DejaVu Sans"/>
+              </a:rPr>
+              <a:t>Test Execution Report - Sprint 4</a:t>
+            </a:r>
+            <a:endParaRPr lang="en-US" sz="3200" dirty="0">
+              <a:latin typeface="Franklin Gothic Book" panose="020B0503020102020204" pitchFamily="34" charset="0"/>
+            </a:endParaRPr>
+          </a:p>
+          <a:p>
+            <a:r>
+              <a:rPr lang="en-US" sz="3200" dirty="0">
+                <a:solidFill>
+                  <a:srgbClr val="000000"/>
+                </a:solidFill>
+                <a:latin typeface="Franklin Gothic Book" panose="020B0503020102020204" pitchFamily="34" charset="0"/>
+                <a:ea typeface="DejaVu Sans"/>
+              </a:rPr>
+              <a:t>Test Execution Report - Sprint 5</a:t>
+            </a:r>
+            <a:endParaRPr lang="en-US" sz="3200" dirty="0">
+              <a:latin typeface="Franklin Gothic Book" panose="020B0503020102020204" pitchFamily="34" charset="0"/>
+            </a:endParaRPr>
+          </a:p>
+          <a:p>
+            <a:pPr marL="0" indent="0">
+              <a:buNone/>
+            </a:pPr>
+            <a:endParaRPr lang="en-US" dirty="0"/>
           </a:p>
         </p:txBody>
       </p:sp>
@@ -7743,10 +7690,9 @@
           <a:lstStyle/>
           <a:p>
             <a:r>
-              <a:rPr lang="en-US" sz="5400" dirty="0"/>
-              <a:t>Scrum Tool – Agile Scrum Sheet</a:t>
-            </a:r>
-            <a:endParaRPr lang="en-US" dirty="0"/>
+              <a:rPr lang="en-US" sz="6000" dirty="0"/>
+              <a:t>QA statics for respective sprint</a:t>
+            </a:r>
           </a:p>
         </p:txBody>
       </p:sp>
@@ -7774,118 +7720,10 @@
           </a:p>
         </p:txBody>
       </p:sp>
-      <p:sp>
-        <p:nvSpPr>
-          <p:cNvPr id="6" name="TextBox 5"/>
-          <p:cNvSpPr txBox="1"/>
-          <p:nvPr/>
-        </p:nvSpPr>
-        <p:spPr>
-          <a:xfrm>
-            <a:off x="1315558" y="2743200"/>
-            <a:ext cx="1986442" cy="738664"/>
-          </a:xfrm>
-          <a:prstGeom prst="rect">
-            <a:avLst/>
-          </a:prstGeom>
-          <a:noFill/>
-        </p:spPr>
-        <p:txBody>
-          <a:bodyPr wrap="none" rtlCol="0">
-            <a:spAutoFit/>
-          </a:bodyPr>
-          <a:lstStyle/>
-          <a:p>
-            <a:r>
-              <a:rPr lang="en-US" dirty="0" smtClean="0"/>
-              <a:t>Sprint 1</a:t>
-            </a:r>
-            <a:endParaRPr lang="en-US" dirty="0"/>
-          </a:p>
-        </p:txBody>
-      </p:sp>
-      <p:sp>
-        <p:nvSpPr>
-          <p:cNvPr id="8" name="TextBox 7"/>
-          <p:cNvSpPr txBox="1"/>
-          <p:nvPr/>
-        </p:nvSpPr>
-        <p:spPr>
-          <a:xfrm>
-            <a:off x="8407400" y="2743200"/>
-            <a:ext cx="1986442" cy="738664"/>
-          </a:xfrm>
-          <a:prstGeom prst="rect">
-            <a:avLst/>
-          </a:prstGeom>
-          <a:noFill/>
-        </p:spPr>
-        <p:txBody>
-          <a:bodyPr wrap="none" rtlCol="0">
-            <a:spAutoFit/>
-          </a:bodyPr>
-          <a:lstStyle/>
-          <a:p>
-            <a:r>
-              <a:rPr lang="en-US" dirty="0" smtClean="0"/>
-              <a:t>Sprint 2</a:t>
-            </a:r>
-            <a:endParaRPr lang="en-US" dirty="0"/>
-          </a:p>
-        </p:txBody>
-      </p:sp>
-      <p:pic>
-        <p:nvPicPr>
-          <p:cNvPr id="7" name="Picture 6"/>
-          <p:cNvPicPr>
-            <a:picLocks noChangeAspect="1"/>
-          </p:cNvPicPr>
-          <p:nvPr/>
-        </p:nvPicPr>
-        <p:blipFill>
-          <a:blip r:embed="rId2"/>
-          <a:stretch>
-            <a:fillRect/>
-          </a:stretch>
-        </p:blipFill>
-        <p:spPr>
-          <a:xfrm>
-            <a:off x="7000320" y="3451385"/>
-            <a:ext cx="5140880" cy="5652610"/>
-          </a:xfrm>
-          <a:prstGeom prst="rect">
-            <a:avLst/>
-          </a:prstGeom>
-        </p:spPr>
-      </p:pic>
-      <p:pic>
-        <p:nvPicPr>
-          <p:cNvPr id="9" name="Picture 8"/>
-          <p:cNvPicPr>
-            <a:picLocks noChangeAspect="1"/>
-          </p:cNvPicPr>
-          <p:nvPr/>
-        </p:nvPicPr>
-        <p:blipFill>
-          <a:blip r:embed="rId3"/>
-          <a:stretch>
-            <a:fillRect/>
-          </a:stretch>
-        </p:blipFill>
-        <p:spPr>
-          <a:xfrm>
-            <a:off x="1092199" y="3481864"/>
-            <a:ext cx="5029201" cy="5652611"/>
-          </a:xfrm>
-          <a:prstGeom prst="rect">
-            <a:avLst/>
-          </a:prstGeom>
-        </p:spPr>
-      </p:pic>
     </p:spTree>
     <p:extLst>
       <p:ext uri="{BB962C8B-B14F-4D97-AF65-F5344CB8AC3E}">
-        <p14:creationId xmlns:p14="http://schemas.microsoft.com/office/powerpoint/2010/main" val="1473194747"/>
+        <p14:creationId xmlns:p14="http://schemas.microsoft.com/office/powerpoint/2010/main" val="450896047"/>
       </p:ext>
     </p:extLst>
   </p:cSld>
@@ -7924,29 +7762,6 @@
       </p:grpSpPr>
       <p:sp>
         <p:nvSpPr>
-          <p:cNvPr id="2" name="Content Placeholder 1"/>
-          <p:cNvSpPr>
-            <a:spLocks noGrp="1"/>
-          </p:cNvSpPr>
-          <p:nvPr>
-            <p:ph idx="1"/>
-          </p:nvPr>
-        </p:nvSpPr>
-        <p:spPr/>
-        <p:txBody>
-          <a:bodyPr/>
-          <a:lstStyle/>
-          <a:p>
-            <a:pPr lvl="0"/>
-            <a:endParaRPr lang="en-US" sz="3200" dirty="0" smtClean="0"/>
-          </a:p>
-          <a:p>
-            <a:endParaRPr lang="en-US" sz="3200" dirty="0"/>
-          </a:p>
-        </p:txBody>
-      </p:sp>
-      <p:sp>
-        <p:nvSpPr>
           <p:cNvPr id="3" name="Title 2"/>
           <p:cNvSpPr>
             <a:spLocks noGrp="1"/>
@@ -7961,10 +7776,16 @@
           <a:lstStyle/>
           <a:p>
             <a:r>
-              <a:rPr lang="en-US" sz="5400" dirty="0"/>
-              <a:t>Scrum Tool – Agile Scrum Sheet</a:t>
-            </a:r>
-            <a:endParaRPr lang="en-US" dirty="0"/>
+              <a:rPr lang="en-US" sz="5400" dirty="0">
+                <a:solidFill>
+                  <a:srgbClr val="000000"/>
+                </a:solidFill>
+                <a:latin typeface="Franklin Gothic Book"/>
+                <a:ea typeface="DejaVu Sans"/>
+              </a:rPr>
+              <a:t>Test Execution Report : Sprint 4</a:t>
+            </a:r>
+            <a:endParaRPr lang="en-US" sz="5400" dirty="0"/>
           </a:p>
         </p:txBody>
       </p:sp>
@@ -7992,75 +7813,15 @@
           </a:p>
         </p:txBody>
       </p:sp>
-      <p:sp>
-        <p:nvSpPr>
-          <p:cNvPr id="6" name="TextBox 5"/>
-          <p:cNvSpPr txBox="1"/>
-          <p:nvPr/>
-        </p:nvSpPr>
-        <p:spPr>
-          <a:xfrm>
-            <a:off x="1315557" y="2743200"/>
-            <a:ext cx="1986442" cy="1384995"/>
-          </a:xfrm>
-          <a:prstGeom prst="rect">
-            <a:avLst/>
-          </a:prstGeom>
-          <a:noFill/>
-        </p:spPr>
-        <p:txBody>
-          <a:bodyPr wrap="none" rtlCol="0">
-            <a:spAutoFit/>
-          </a:bodyPr>
-          <a:lstStyle/>
-          <a:p>
-            <a:r>
-              <a:rPr lang="en-US" dirty="0" smtClean="0"/>
-              <a:t>Sprint 3</a:t>
-            </a:r>
-          </a:p>
-          <a:p>
-            <a:endParaRPr lang="en-US" dirty="0"/>
-          </a:p>
-        </p:txBody>
-      </p:sp>
-      <p:sp>
-        <p:nvSpPr>
-          <p:cNvPr id="8" name="TextBox 7"/>
-          <p:cNvSpPr txBox="1"/>
-          <p:nvPr/>
-        </p:nvSpPr>
-        <p:spPr>
-          <a:xfrm>
-            <a:off x="8407400" y="2743200"/>
-            <a:ext cx="1986442" cy="738664"/>
-          </a:xfrm>
-          <a:prstGeom prst="rect">
-            <a:avLst/>
-          </a:prstGeom>
-          <a:noFill/>
-        </p:spPr>
-        <p:txBody>
-          <a:bodyPr wrap="none" rtlCol="0">
-            <a:spAutoFit/>
-          </a:bodyPr>
-          <a:lstStyle/>
-          <a:p>
-            <a:r>
-              <a:rPr lang="en-US" dirty="0" smtClean="0"/>
-              <a:t>Sprint 4</a:t>
-            </a:r>
-            <a:endParaRPr lang="en-US" dirty="0"/>
-          </a:p>
-        </p:txBody>
-      </p:sp>
       <p:pic>
         <p:nvPicPr>
-          <p:cNvPr id="5" name="Picture 4"/>
+          <p:cNvPr id="13" name="Content Placeholder 12"/>
           <p:cNvPicPr>
-            <a:picLocks noChangeAspect="1"/>
+            <a:picLocks noGrp="1" noChangeAspect="1"/>
           </p:cNvPicPr>
-          <p:nvPr/>
+          <p:nvPr>
+            <p:ph idx="1"/>
+          </p:nvPr>
         </p:nvPicPr>
         <p:blipFill>
           <a:blip r:embed="rId2"/>
@@ -8070,42 +7831,39 @@
         </p:blipFill>
         <p:spPr>
           <a:xfrm>
-            <a:off x="7340600" y="3481864"/>
-            <a:ext cx="5045075" cy="5890736"/>
+            <a:off x="2006600" y="3048000"/>
+            <a:ext cx="8991600" cy="5562600"/>
           </a:xfrm>
           <a:prstGeom prst="rect">
             <a:avLst/>
           </a:prstGeom>
-        </p:spPr>
-      </p:pic>
-      <p:pic>
-        <p:nvPicPr>
-          <p:cNvPr id="7" name="Picture 6"/>
-          <p:cNvPicPr>
-            <a:picLocks noChangeAspect="1"/>
-          </p:cNvPicPr>
-          <p:nvPr/>
-        </p:nvPicPr>
-        <p:blipFill>
-          <a:blip r:embed="rId3"/>
-          <a:stretch>
-            <a:fillRect/>
-          </a:stretch>
-        </p:blipFill>
-        <p:spPr>
-          <a:xfrm>
-            <a:off x="1270000" y="3481864"/>
-            <a:ext cx="5156200" cy="5890736"/>
-          </a:xfrm>
-          <a:prstGeom prst="rect">
-            <a:avLst/>
-          </a:prstGeom>
+          <a:ln>
+            <a:noFill/>
+          </a:ln>
+          <a:effectLst>
+            <a:outerShdw blurRad="190500" dist="228600" dir="2700000" algn="ctr">
+              <a:srgbClr val="000000">
+                <a:alpha val="30000"/>
+              </a:srgbClr>
+            </a:outerShdw>
+          </a:effectLst>
+          <a:scene3d>
+            <a:camera prst="orthographicFront">
+              <a:rot lat="0" lon="0" rev="0"/>
+            </a:camera>
+            <a:lightRig rig="glow" dir="t">
+              <a:rot lat="0" lon="0" rev="4800000"/>
+            </a:lightRig>
+          </a:scene3d>
+          <a:sp3d prstMaterial="matte">
+            <a:bevelT w="127000" h="63500"/>
+          </a:sp3d>
         </p:spPr>
       </p:pic>
     </p:spTree>
     <p:extLst>
       <p:ext uri="{BB962C8B-B14F-4D97-AF65-F5344CB8AC3E}">
-        <p14:creationId xmlns:p14="http://schemas.microsoft.com/office/powerpoint/2010/main" val="475334905"/>
+        <p14:creationId xmlns:p14="http://schemas.microsoft.com/office/powerpoint/2010/main" val="401832761"/>
       </p:ext>
     </p:extLst>
   </p:cSld>
@@ -8115,13 +7873,6 @@
   <p:transition>
     <p:fade/>
   </p:transition>
-  <p:timing>
-    <p:tnLst>
-      <p:par>
-        <p:cTn id="1" dur="indefinite" restart="never" nodeType="tmRoot"/>
-      </p:par>
-    </p:tnLst>
-  </p:timing>
 </p:sld>
 </file>
 
@@ -8158,10 +7909,16 @@
           <a:lstStyle/>
           <a:p>
             <a:r>
-              <a:rPr lang="en-US" dirty="0" smtClean="0"/>
-              <a:t>Velocity Trend</a:t>
-            </a:r>
-            <a:endParaRPr lang="en-US" dirty="0"/>
+              <a:rPr lang="en-US" sz="5400" dirty="0">
+                <a:solidFill>
+                  <a:srgbClr val="000000"/>
+                </a:solidFill>
+                <a:latin typeface="Franklin Gothic Book"/>
+                <a:ea typeface="DejaVu Sans"/>
+              </a:rPr>
+              <a:t>Defect Status: Sprint 4</a:t>
+            </a:r>
+            <a:endParaRPr lang="en-US" sz="5400" dirty="0"/>
           </a:p>
         </p:txBody>
       </p:sp>
@@ -8189,34 +7946,51 @@
           </a:p>
         </p:txBody>
       </p:sp>
-      <p:graphicFrame>
-        <p:nvGraphicFramePr>
-          <p:cNvPr id="5" name="Chart 4"/>
-          <p:cNvGraphicFramePr>
-            <a:graphicFrameLocks/>
-          </p:cNvGraphicFramePr>
+      <p:pic>
+        <p:nvPicPr>
+          <p:cNvPr id="16" name="Content Placeholder 15"/>
+          <p:cNvPicPr>
+            <a:picLocks noGrp="1" noChangeAspect="1"/>
+          </p:cNvPicPr>
           <p:nvPr>
-            <p:extLst>
-              <p:ext uri="{D42A27DB-BD31-4B8C-83A1-F6EECF244321}">
-                <p14:modId xmlns:p14="http://schemas.microsoft.com/office/powerpoint/2010/main" val="3694268306"/>
-              </p:ext>
-            </p:extLst>
+            <p:ph idx="1"/>
           </p:nvPr>
-        </p:nvGraphicFramePr>
-        <p:xfrm>
-          <a:off x="1270000" y="3124200"/>
-          <a:ext cx="10718800" cy="4800600"/>
-        </p:xfrm>
-        <a:graphic>
-          <a:graphicData uri="http://schemas.openxmlformats.org/drawingml/2006/chart">
-            <c:chart xmlns:c="http://schemas.openxmlformats.org/drawingml/2006/chart" xmlns:r="http://schemas.openxmlformats.org/officeDocument/2006/relationships" r:id="rId2"/>
-          </a:graphicData>
-        </a:graphic>
-      </p:graphicFrame>
+        </p:nvPicPr>
+        <p:blipFill>
+          <a:blip r:embed="rId2"/>
+          <a:stretch>
+            <a:fillRect/>
+          </a:stretch>
+        </p:blipFill>
+        <p:spPr>
+          <a:xfrm>
+            <a:off x="2768600" y="3352800"/>
+            <a:ext cx="7391399" cy="4876800"/>
+          </a:xfrm>
+          <a:prstGeom prst="rect">
+            <a:avLst/>
+          </a:prstGeom>
+          <a:ln>
+            <a:noFill/>
+          </a:ln>
+          <a:effectLst/>
+          <a:scene3d>
+            <a:camera prst="orthographicFront">
+              <a:rot lat="0" lon="0" rev="0"/>
+            </a:camera>
+            <a:lightRig rig="contrasting" dir="t">
+              <a:rot lat="0" lon="0" rev="7800000"/>
+            </a:lightRig>
+          </a:scene3d>
+          <a:sp3d>
+            <a:bevelT w="139700" h="139700"/>
+          </a:sp3d>
+        </p:spPr>
+      </p:pic>
     </p:spTree>
     <p:extLst>
       <p:ext uri="{BB962C8B-B14F-4D97-AF65-F5344CB8AC3E}">
-        <p14:creationId xmlns:p14="http://schemas.microsoft.com/office/powerpoint/2010/main" val="3579674985"/>
+        <p14:creationId xmlns:p14="http://schemas.microsoft.com/office/powerpoint/2010/main" val="2105174822"/>
       </p:ext>
     </p:extLst>
   </p:cSld>
@@ -8246,158 +8020,53 @@
           <a:chExt cx="0" cy="0"/>
         </a:xfrm>
       </p:grpSpPr>
-      <p:sp>
-        <p:nvSpPr>
-          <p:cNvPr id="2" name="Content Placeholder 1"/>
-          <p:cNvSpPr>
-            <a:spLocks noGrp="1"/>
-          </p:cNvSpPr>
+      <p:pic>
+        <p:nvPicPr>
+          <p:cNvPr id="5" name="Content Placeholder 4"/>
+          <p:cNvPicPr>
+            <a:picLocks noGrp="1" noChangeAspect="1"/>
+          </p:cNvPicPr>
           <p:nvPr>
             <p:ph idx="1"/>
           </p:nvPr>
-        </p:nvSpPr>
+        </p:nvPicPr>
+        <p:blipFill>
+          <a:blip r:embed="rId2"/>
+          <a:stretch>
+            <a:fillRect/>
+          </a:stretch>
+        </p:blipFill>
         <p:spPr>
           <a:xfrm>
-            <a:off x="1270000" y="2540000"/>
-            <a:ext cx="10464800" cy="6146800"/>
+            <a:off x="1701800" y="3352800"/>
+            <a:ext cx="9448799" cy="5334000"/>
           </a:xfrm>
+          <a:prstGeom prst="rect">
+            <a:avLst/>
+          </a:prstGeom>
+          <a:ln>
+            <a:noFill/>
+          </a:ln>
+          <a:effectLst>
+            <a:outerShdw blurRad="190500" dist="228600" dir="2700000" algn="ctr">
+              <a:srgbClr val="000000">
+                <a:alpha val="30000"/>
+              </a:srgbClr>
+            </a:outerShdw>
+          </a:effectLst>
+          <a:scene3d>
+            <a:camera prst="orthographicFront">
+              <a:rot lat="0" lon="0" rev="0"/>
+            </a:camera>
+            <a:lightRig rig="glow" dir="t">
+              <a:rot lat="0" lon="0" rev="4800000"/>
+            </a:lightRig>
+          </a:scene3d>
+          <a:sp3d prstMaterial="matte">
+            <a:bevelT w="127000" h="63500"/>
+          </a:sp3d>
         </p:spPr>
-        <p:txBody>
-          <a:bodyPr/>
-          <a:lstStyle/>
-          <a:p>
-            <a:pPr lvl="0">
-              <a:spcBef>
-                <a:spcPts val="600"/>
-              </a:spcBef>
-              <a:spcAft>
-                <a:spcPts val="600"/>
-              </a:spcAft>
-            </a:pPr>
-            <a:r>
-              <a:rPr lang="en-US" sz="2800" dirty="0" smtClean="0"/>
-              <a:t>Coordinating with team members from different locations.</a:t>
-            </a:r>
-          </a:p>
-          <a:p>
-            <a:pPr lvl="0">
-              <a:spcBef>
-                <a:spcPts val="600"/>
-              </a:spcBef>
-              <a:spcAft>
-                <a:spcPts val="600"/>
-              </a:spcAft>
-            </a:pPr>
-            <a:r>
-              <a:rPr lang="en-US" sz="2800" dirty="0" smtClean="0"/>
-              <a:t>Frequent changes in team structure at early stage of project.</a:t>
-            </a:r>
-          </a:p>
-          <a:p>
-            <a:pPr lvl="0">
-              <a:spcBef>
-                <a:spcPts val="600"/>
-              </a:spcBef>
-              <a:spcAft>
-                <a:spcPts val="600"/>
-              </a:spcAft>
-            </a:pPr>
-            <a:r>
-              <a:rPr lang="en-US" sz="2800" dirty="0" smtClean="0"/>
-              <a:t>Estimation and Requirement gathering</a:t>
-            </a:r>
-          </a:p>
-          <a:p>
-            <a:pPr lvl="1">
-              <a:spcBef>
-                <a:spcPts val="600"/>
-              </a:spcBef>
-              <a:spcAft>
-                <a:spcPts val="600"/>
-              </a:spcAft>
-            </a:pPr>
-            <a:r>
-              <a:rPr lang="en-US" sz="2800" dirty="0"/>
-              <a:t>Could not estimate properly because of lack of domain understanding</a:t>
-            </a:r>
-            <a:r>
-              <a:rPr lang="en-US" sz="2800" dirty="0" smtClean="0"/>
-              <a:t>.</a:t>
-            </a:r>
-          </a:p>
-          <a:p>
-            <a:pPr>
-              <a:spcBef>
-                <a:spcPts val="600"/>
-              </a:spcBef>
-              <a:spcAft>
-                <a:spcPts val="600"/>
-              </a:spcAft>
-            </a:pPr>
-            <a:r>
-              <a:rPr lang="en-US" sz="2800" dirty="0" smtClean="0"/>
-              <a:t>New Technologies like</a:t>
-            </a:r>
-          </a:p>
-          <a:p>
-            <a:pPr lvl="1">
-              <a:spcBef>
-                <a:spcPts val="600"/>
-              </a:spcBef>
-              <a:spcAft>
-                <a:spcPts val="600"/>
-              </a:spcAft>
-            </a:pPr>
-            <a:r>
-              <a:rPr lang="en-US" sz="2800" dirty="0" smtClean="0"/>
-              <a:t>Angular JS.</a:t>
-            </a:r>
-          </a:p>
-          <a:p>
-            <a:pPr lvl="1">
-              <a:spcBef>
-                <a:spcPts val="600"/>
-              </a:spcBef>
-              <a:spcAft>
-                <a:spcPts val="600"/>
-              </a:spcAft>
-            </a:pPr>
-            <a:r>
-              <a:rPr lang="en-US" sz="2800" dirty="0" smtClean="0"/>
-              <a:t>Bootstrap.</a:t>
-            </a:r>
-          </a:p>
-          <a:p>
-            <a:pPr lvl="1">
-              <a:spcBef>
-                <a:spcPts val="600"/>
-              </a:spcBef>
-              <a:spcAft>
-                <a:spcPts val="600"/>
-              </a:spcAft>
-            </a:pPr>
-            <a:r>
-              <a:rPr lang="en-US" sz="2800" dirty="0" smtClean="0"/>
-              <a:t>Multitenancy</a:t>
-            </a:r>
-          </a:p>
-          <a:p>
-            <a:pPr>
-              <a:spcBef>
-                <a:spcPts val="600"/>
-              </a:spcBef>
-              <a:spcAft>
-                <a:spcPts val="600"/>
-              </a:spcAft>
-            </a:pPr>
-            <a:r>
-              <a:rPr lang="en-US" sz="2800" dirty="0" smtClean="0"/>
-              <a:t>Completion of Testing within the Sprint.</a:t>
-            </a:r>
-            <a:endParaRPr lang="en-US" sz="2800" dirty="0"/>
-          </a:p>
-        </p:txBody>
-      </p:sp>
+      </p:pic>
       <p:sp>
         <p:nvSpPr>
           <p:cNvPr id="3" name="Title 2"/>
@@ -8414,10 +8083,26 @@
           <a:lstStyle/>
           <a:p>
             <a:r>
-              <a:rPr lang="en-US" dirty="0" smtClean="0"/>
-              <a:t>Challenges</a:t>
-            </a:r>
-            <a:endParaRPr lang="en-US" dirty="0"/>
+              <a:rPr lang="en-US" sz="5400" dirty="0">
+                <a:solidFill>
+                  <a:srgbClr val="000000"/>
+                </a:solidFill>
+                <a:latin typeface="Franklin Gothic Book"/>
+                <a:ea typeface="DejaVu Sans"/>
+              </a:rPr>
+              <a:t>Defect Status: Sprint </a:t>
+            </a:r>
+            <a:r>
+              <a:rPr lang="en-US" sz="5400" dirty="0" smtClean="0">
+                <a:solidFill>
+                  <a:srgbClr val="000000"/>
+                </a:solidFill>
+                <a:latin typeface="Franklin Gothic Book"/>
+                <a:ea typeface="DejaVu Sans"/>
+              </a:rPr>
+              <a:t>4</a:t>
+            </a:r>
+            <a:endParaRPr lang="en-US" sz="5400" dirty="0"/>
           </a:p>
         </p:txBody>
       </p:sp>
@@ -8448,7 +8133,7 @@
     </p:spTree>
     <p:extLst>
       <p:ext uri="{BB962C8B-B14F-4D97-AF65-F5344CB8AC3E}">
-        <p14:creationId xmlns:p14="http://schemas.microsoft.com/office/powerpoint/2010/main" val="3627197052"/>
+        <p14:creationId xmlns:p14="http://schemas.microsoft.com/office/powerpoint/2010/main" val="2448789424"/>
       </p:ext>
     </p:extLst>
   </p:cSld>
@@ -8478,73 +8163,53 @@
           <a:chExt cx="0" cy="0"/>
         </a:xfrm>
       </p:grpSpPr>
-      <p:sp>
-        <p:nvSpPr>
-          <p:cNvPr id="2" name="Content Placeholder 1"/>
-          <p:cNvSpPr>
-            <a:spLocks noGrp="1"/>
-          </p:cNvSpPr>
+      <p:pic>
+        <p:nvPicPr>
+          <p:cNvPr id="5" name="Content Placeholder 4"/>
+          <p:cNvPicPr>
+            <a:picLocks noGrp="1" noChangeAspect="1"/>
+          </p:cNvPicPr>
           <p:nvPr>
             <p:ph idx="1"/>
           </p:nvPr>
-        </p:nvSpPr>
-        <p:spPr/>
-        <p:txBody>
-          <a:bodyPr/>
-          <a:lstStyle/>
-          <a:p>
-            <a:r>
-              <a:rPr lang="en-US" sz="3200" dirty="0" smtClean="0"/>
-              <a:t>Daily Stand Up</a:t>
-            </a:r>
-          </a:p>
-          <a:p>
-            <a:r>
-              <a:rPr lang="en-US" sz="3200" dirty="0" smtClean="0"/>
-              <a:t>Daily Logs of Status</a:t>
-            </a:r>
-          </a:p>
-          <a:p>
-            <a:r>
-              <a:rPr lang="en-US" sz="3200" dirty="0" smtClean="0"/>
-              <a:t>Daily Update of Scrum sheet</a:t>
-            </a:r>
-          </a:p>
-          <a:p>
-            <a:r>
-              <a:rPr lang="en-US" sz="3200" dirty="0" smtClean="0"/>
-              <a:t>Weekly Evaluations</a:t>
-            </a:r>
-          </a:p>
-          <a:p>
-            <a:r>
-              <a:rPr lang="en-US" sz="3200" dirty="0" smtClean="0"/>
-              <a:t>Code Review </a:t>
-            </a:r>
-          </a:p>
-          <a:p>
-            <a:r>
-              <a:rPr lang="en-US" sz="3200" dirty="0" smtClean="0"/>
-              <a:t>Sprint Planning  &amp; Retrospective Meetings</a:t>
-            </a:r>
-          </a:p>
-          <a:p>
-            <a:r>
-              <a:rPr lang="en-US" sz="3200" dirty="0" smtClean="0"/>
-              <a:t>Had a Review Demo with Owner</a:t>
-            </a:r>
-          </a:p>
-          <a:p>
-            <a:r>
-              <a:rPr lang="en-US" sz="3200" dirty="0" smtClean="0"/>
-              <a:t>Had an Acceptance Demo with Owner</a:t>
-            </a:r>
-          </a:p>
-          <a:p>
-            <a:endParaRPr lang="en-US" sz="3200" dirty="0"/>
-          </a:p>
-        </p:txBody>
-      </p:sp>
+        </p:nvPicPr>
+        <p:blipFill>
+          <a:blip r:embed="rId2"/>
+          <a:stretch>
+            <a:fillRect/>
+          </a:stretch>
+        </p:blipFill>
+        <p:spPr>
+          <a:xfrm>
+            <a:off x="2006600" y="3429000"/>
+            <a:ext cx="8991599" cy="5181600"/>
+          </a:xfrm>
+          <a:prstGeom prst="rect">
+            <a:avLst/>
+          </a:prstGeom>
+          <a:ln>
+            <a:noFill/>
+          </a:ln>
+          <a:effectLst>
+            <a:outerShdw blurRad="190500" dist="228600" dir="2700000" algn="ctr">
+              <a:srgbClr val="000000">
+                <a:alpha val="30000"/>
+              </a:srgbClr>
+            </a:outerShdw>
+          </a:effectLst>
+          <a:scene3d>
+            <a:camera prst="orthographicFront">
+              <a:rot lat="0" lon="0" rev="0"/>
+            </a:camera>
+            <a:lightRig rig="glow" dir="t">
+              <a:rot lat="0" lon="0" rev="4800000"/>
+            </a:lightRig>
+          </a:scene3d>
+          <a:sp3d prstMaterial="matte">
+            <a:bevelT w="127000" h="63500"/>
+          </a:sp3d>
+        </p:spPr>
+      </p:pic>
       <p:sp>
         <p:nvSpPr>
           <p:cNvPr id="3" name="Title 2"/>
@@ -8561,10 +8226,16 @@
           <a:lstStyle/>
           <a:p>
             <a:r>
-              <a:rPr lang="en-US" dirty="0" smtClean="0"/>
-              <a:t>Processes</a:t>
-            </a:r>
-            <a:endParaRPr lang="en-US" dirty="0"/>
+              <a:rPr lang="en-US" sz="5400" dirty="0">
+                <a:solidFill>
+                  <a:srgbClr val="000000"/>
+                </a:solidFill>
+                <a:latin typeface="Franklin Gothic Book"/>
+                <a:ea typeface="DejaVu Sans"/>
+              </a:rPr>
+              <a:t>Test Execution Report : Sprint 5</a:t>
+            </a:r>
+            <a:endParaRPr lang="en-US" sz="5400" dirty="0"/>
           </a:p>
         </p:txBody>
       </p:sp>
@@ -8595,7 +8266,7 @@
     </p:spTree>
     <p:extLst>
       <p:ext uri="{BB962C8B-B14F-4D97-AF65-F5344CB8AC3E}">
-        <p14:creationId xmlns:p14="http://schemas.microsoft.com/office/powerpoint/2010/main" val="2532835921"/>
+        <p14:creationId xmlns:p14="http://schemas.microsoft.com/office/powerpoint/2010/main" val="1160735473"/>
       </p:ext>
     </p:extLst>
   </p:cSld>
@@ -9461,95 +9132,6 @@
       </p:grpSpPr>
       <p:sp>
         <p:nvSpPr>
-          <p:cNvPr id="2" name="Content Placeholder 1"/>
-          <p:cNvSpPr>
-            <a:spLocks noGrp="1"/>
-          </p:cNvSpPr>
-          <p:nvPr>
-            <p:ph idx="1"/>
-          </p:nvPr>
-        </p:nvSpPr>
-        <p:spPr>
-          <a:xfrm>
-            <a:off x="1270000" y="2489200"/>
-            <a:ext cx="10464800" cy="6959600"/>
-          </a:xfrm>
-        </p:spPr>
-        <p:txBody>
-          <a:bodyPr/>
-          <a:lstStyle/>
-          <a:p>
-            <a:pPr lvl="0"/>
-            <a:r>
-              <a:rPr lang="en-US" sz="3200" dirty="0" smtClean="0"/>
-              <a:t>Working with members from different locations</a:t>
-            </a:r>
-          </a:p>
-          <a:p>
-            <a:pPr lvl="0"/>
-            <a:r>
-              <a:rPr lang="en-US" sz="3200" dirty="0" smtClean="0"/>
-              <a:t>Multitenant Application</a:t>
-            </a:r>
-          </a:p>
-          <a:p>
-            <a:pPr lvl="0"/>
-            <a:r>
-              <a:rPr lang="en-US" sz="3200" dirty="0" smtClean="0"/>
-              <a:t>Followed Agile methodology</a:t>
-            </a:r>
-          </a:p>
-          <a:p>
-            <a:pPr lvl="0"/>
-            <a:r>
-              <a:rPr lang="en-US" sz="3200" dirty="0" smtClean="0"/>
-              <a:t>Using SCRUM Tool </a:t>
-            </a:r>
-            <a:r>
-              <a:rPr lang="en-US" sz="3200" dirty="0"/>
-              <a:t>– </a:t>
-            </a:r>
-            <a:r>
-              <a:rPr lang="en-US" sz="3200" dirty="0" smtClean="0"/>
-              <a:t>Scrum desk, effectively</a:t>
-            </a:r>
-          </a:p>
-          <a:p>
-            <a:pPr lvl="0"/>
-            <a:r>
-              <a:rPr lang="en-US" sz="3200" dirty="0" smtClean="0"/>
-              <a:t>Significance of updating the tool regularly</a:t>
-            </a:r>
-          </a:p>
-          <a:p>
-            <a:pPr lvl="0"/>
-            <a:r>
-              <a:rPr lang="en-US" sz="3200" dirty="0" smtClean="0"/>
-              <a:t>Unit test Cases</a:t>
-            </a:r>
-          </a:p>
-          <a:p>
-            <a:pPr lvl="0"/>
-            <a:r>
-              <a:rPr lang="en-US" sz="3200" dirty="0" smtClean="0"/>
-              <a:t>Test process and planning</a:t>
-            </a:r>
-          </a:p>
-          <a:p>
-            <a:pPr lvl="0"/>
-            <a:endParaRPr lang="en-US" sz="3200" dirty="0"/>
-          </a:p>
-          <a:p>
-            <a:pPr lvl="0"/>
-            <a:endParaRPr lang="en-US" sz="3200" dirty="0" smtClean="0"/>
-          </a:p>
-          <a:p>
-            <a:endParaRPr lang="en-US" sz="3200" dirty="0"/>
-          </a:p>
-        </p:txBody>
-      </p:sp>
-      <p:sp>
-        <p:nvSpPr>
           <p:cNvPr id="3" name="Title 2"/>
           <p:cNvSpPr>
             <a:spLocks noGrp="1"/>
@@ -9558,16 +9140,40 @@
             <p:ph type="title"/>
           </p:nvPr>
         </p:nvSpPr>
-        <p:spPr/>
+        <p:spPr>
+          <a:xfrm>
+            <a:off x="1270000" y="228600"/>
+            <a:ext cx="10464800" cy="2667000"/>
+          </a:xfrm>
+        </p:spPr>
         <p:txBody>
           <a:bodyPr/>
           <a:lstStyle/>
           <a:p>
             <a:r>
-              <a:rPr lang="en-US" dirty="0" smtClean="0"/>
-              <a:t>Collective Learning</a:t>
-            </a:r>
-            <a:endParaRPr lang="en-US" dirty="0"/>
+              <a:rPr lang="en-US" sz="5400" dirty="0">
+                <a:solidFill>
+                  <a:srgbClr val="000000"/>
+                </a:solidFill>
+                <a:latin typeface="+mn-lt"/>
+                <a:ea typeface="DejaVu Sans"/>
+              </a:rPr>
+              <a:t>Test Execution Report : Sprint 5</a:t>
+            </a:r>
+            <a:r>
+              <a:rPr lang="en-US" sz="5400" dirty="0">
+                <a:latin typeface="+mn-lt"/>
+              </a:rPr>
+              <a:t/>
+            </a:r>
+            <a:br>
+              <a:rPr lang="en-US" sz="5400" dirty="0">
+                <a:latin typeface="+mn-lt"/>
+              </a:rPr>
+            </a:br>
+            <a:endParaRPr lang="en-US" sz="5400" dirty="0">
+              <a:latin typeface="+mn-lt"/>
+            </a:endParaRPr>
           </a:p>
         </p:txBody>
       </p:sp>
@@ -9595,10 +9201,49 @@
           </a:p>
         </p:txBody>
       </p:sp>
+      <p:pic>
+        <p:nvPicPr>
+          <p:cNvPr id="2" name="Picture 1"/>
+          <p:cNvPicPr>
+            <a:picLocks noChangeAspect="1"/>
+          </p:cNvPicPr>
+          <p:nvPr/>
+        </p:nvPicPr>
+        <p:blipFill>
+          <a:blip r:embed="rId2"/>
+          <a:stretch>
+            <a:fillRect/>
+          </a:stretch>
+        </p:blipFill>
+        <p:spPr>
+          <a:xfrm>
+            <a:off x="2235200" y="3498984"/>
+            <a:ext cx="8305799" cy="4832856"/>
+          </a:xfrm>
+          <a:prstGeom prst="rect">
+            <a:avLst/>
+          </a:prstGeom>
+          <a:ln>
+            <a:noFill/>
+          </a:ln>
+          <a:effectLst/>
+          <a:scene3d>
+            <a:camera prst="orthographicFront">
+              <a:rot lat="0" lon="0" rev="0"/>
+            </a:camera>
+            <a:lightRig rig="contrasting" dir="t">
+              <a:rot lat="0" lon="0" rev="7800000"/>
+            </a:lightRig>
+          </a:scene3d>
+          <a:sp3d>
+            <a:bevelT w="139700" h="139700"/>
+          </a:sp3d>
+        </p:spPr>
+      </p:pic>
     </p:spTree>
     <p:extLst>
       <p:ext uri="{BB962C8B-B14F-4D97-AF65-F5344CB8AC3E}">
-        <p14:creationId xmlns:p14="http://schemas.microsoft.com/office/powerpoint/2010/main" val="1328395740"/>
+        <p14:creationId xmlns:p14="http://schemas.microsoft.com/office/powerpoint/2010/main" val="559346887"/>
       </p:ext>
     </p:extLst>
   </p:cSld>
@@ -9635,99 +9280,53 @@
           <a:chExt cx="0" cy="0"/>
         </a:xfrm>
       </p:grpSpPr>
-      <p:sp>
-        <p:nvSpPr>
-          <p:cNvPr id="2" name="Content Placeholder 1"/>
-          <p:cNvSpPr>
-            <a:spLocks noGrp="1"/>
-          </p:cNvSpPr>
+      <p:pic>
+        <p:nvPicPr>
+          <p:cNvPr id="5" name="Content Placeholder 4"/>
+          <p:cNvPicPr>
+            <a:picLocks noGrp="1" noChangeAspect="1"/>
+          </p:cNvPicPr>
           <p:nvPr>
             <p:ph idx="1"/>
           </p:nvPr>
-        </p:nvSpPr>
+        </p:nvPicPr>
+        <p:blipFill>
+          <a:blip r:embed="rId2"/>
+          <a:stretch>
+            <a:fillRect/>
+          </a:stretch>
+        </p:blipFill>
         <p:spPr>
           <a:xfrm>
-            <a:off x="1270000" y="2489200"/>
-            <a:ext cx="10464800" cy="6959600"/>
+            <a:off x="2387600" y="3581400"/>
+            <a:ext cx="8381999" cy="4648200"/>
           </a:xfrm>
+          <a:prstGeom prst="rect">
+            <a:avLst/>
+          </a:prstGeom>
+          <a:ln>
+            <a:noFill/>
+          </a:ln>
+          <a:effectLst>
+            <a:outerShdw blurRad="190500" dist="228600" dir="2700000" algn="ctr">
+              <a:srgbClr val="000000">
+                <a:alpha val="30000"/>
+              </a:srgbClr>
+            </a:outerShdw>
+          </a:effectLst>
+          <a:scene3d>
+            <a:camera prst="orthographicFront">
+              <a:rot lat="0" lon="0" rev="0"/>
+            </a:camera>
+            <a:lightRig rig="glow" dir="t">
+              <a:rot lat="0" lon="0" rev="4800000"/>
+            </a:lightRig>
+          </a:scene3d>
+          <a:sp3d prstMaterial="matte">
+            <a:bevelT w="127000" h="63500"/>
+          </a:sp3d>
         </p:spPr>
-        <p:txBody>
-          <a:bodyPr/>
-          <a:lstStyle/>
-          <a:p>
-            <a:pPr lvl="0"/>
-            <a:r>
-              <a:rPr lang="en-US" sz="3200" dirty="0" smtClean="0"/>
-              <a:t>Complete Project Cycle</a:t>
-            </a:r>
-          </a:p>
-          <a:p>
-            <a:pPr lvl="0"/>
-            <a:r>
-              <a:rPr lang="en-US" sz="3200" dirty="0"/>
-              <a:t>Managing tasks while working on multiple </a:t>
-            </a:r>
-            <a:r>
-              <a:rPr lang="en-US" sz="3200" dirty="0" smtClean="0"/>
-              <a:t>projects</a:t>
-            </a:r>
-          </a:p>
-          <a:p>
-            <a:pPr lvl="0"/>
-            <a:r>
-              <a:rPr lang="en-US" sz="3200" dirty="0" smtClean="0"/>
-              <a:t>Accommodating Change Requests</a:t>
-            </a:r>
-          </a:p>
-          <a:p>
-            <a:pPr lvl="0"/>
-            <a:r>
-              <a:rPr lang="en-US" sz="3200" dirty="0" smtClean="0"/>
-              <a:t>Writing features file in BDD Format.</a:t>
-            </a:r>
-          </a:p>
-          <a:p>
-            <a:pPr lvl="0"/>
-            <a:r>
-              <a:rPr lang="en-US" sz="3200" dirty="0" smtClean="0"/>
-              <a:t>Understating of writing feature files using user story.</a:t>
-            </a:r>
-          </a:p>
-          <a:p>
-            <a:pPr lvl="0"/>
-            <a:r>
-              <a:rPr lang="en-US" sz="3200" dirty="0" smtClean="0"/>
-              <a:t>Writing feature file in table format</a:t>
-            </a:r>
-          </a:p>
-          <a:p>
-            <a:pPr lvl="0"/>
-            <a:r>
-              <a:rPr lang="en-US" sz="3200" dirty="0" smtClean="0"/>
-              <a:t>Sprint Boot</a:t>
-            </a:r>
-          </a:p>
-          <a:p>
-            <a:pPr marL="0" lvl="0" indent="0">
-              <a:buNone/>
-            </a:pPr>
-            <a:endParaRPr lang="en-US" sz="3200" dirty="0" smtClean="0"/>
-          </a:p>
-          <a:p>
-            <a:pPr marL="0" lvl="0" indent="0">
-              <a:buNone/>
-            </a:pPr>
-            <a:endParaRPr lang="en-US" sz="3200" dirty="0"/>
-          </a:p>
-          <a:p>
-            <a:pPr lvl="0"/>
-            <a:endParaRPr lang="en-US" sz="3200" dirty="0" smtClean="0"/>
-          </a:p>
-          <a:p>
-            <a:endParaRPr lang="en-US" sz="3200" dirty="0"/>
-          </a:p>
-        </p:txBody>
-      </p:sp>
+      </p:pic>
       <p:sp>
         <p:nvSpPr>
           <p:cNvPr id="3" name="Title 2"/>
@@ -9744,10 +9343,16 @@
           <a:lstStyle/>
           <a:p>
             <a:r>
-              <a:rPr lang="en-US" dirty="0" smtClean="0"/>
-              <a:t>Collective Learning</a:t>
-            </a:r>
-            <a:endParaRPr lang="en-US" dirty="0"/>
+              <a:rPr lang="en-US" sz="5400" dirty="0">
+                <a:solidFill>
+                  <a:srgbClr val="000000"/>
+                </a:solidFill>
+                <a:latin typeface="Franklin Gothic Book"/>
+                <a:ea typeface="DejaVu Sans"/>
+              </a:rPr>
+              <a:t>Defect Status : Sprint 5</a:t>
+            </a:r>
+            <a:endParaRPr lang="en-US" sz="5400" dirty="0"/>
           </a:p>
         </p:txBody>
       </p:sp>
@@ -9778,7 +9383,7 @@
     </p:spTree>
     <p:extLst>
       <p:ext uri="{BB962C8B-B14F-4D97-AF65-F5344CB8AC3E}">
-        <p14:creationId xmlns:p14="http://schemas.microsoft.com/office/powerpoint/2010/main" val="3740603699"/>
+        <p14:creationId xmlns:p14="http://schemas.microsoft.com/office/powerpoint/2010/main" val="2058774060"/>
       </p:ext>
     </p:extLst>
   </p:cSld>
@@ -9788,17 +9393,143 @@
   <p:transition>
     <p:fade/>
   </p:transition>
-  <p:timing>
-    <p:tnLst>
-      <p:par>
-        <p:cTn id="1" dur="indefinite" restart="never" nodeType="tmRoot"/>
-      </p:par>
-    </p:tnLst>
-  </p:timing>
 </p:sld>
 </file>
 
 <file path=ppt/slides/slide32.xml><?xml version="1.0" encoding="utf-8"?>
+<p:sld xmlns:a="http://schemas.openxmlformats.org/drawingml/2006/main" xmlns:r="http://schemas.openxmlformats.org/officeDocument/2006/relationships" xmlns:p="http://schemas.openxmlformats.org/presentationml/2006/main">
+  <p:cSld>
+    <p:spTree>
+      <p:nvGrpSpPr>
+        <p:cNvPr id="1" name=""/>
+        <p:cNvGrpSpPr/>
+        <p:nvPr/>
+      </p:nvGrpSpPr>
+      <p:grpSpPr>
+        <a:xfrm>
+          <a:off x="0" y="0"/>
+          <a:ext cx="0" cy="0"/>
+          <a:chOff x="0" y="0"/>
+          <a:chExt cx="0" cy="0"/>
+        </a:xfrm>
+      </p:grpSpPr>
+      <p:pic>
+        <p:nvPicPr>
+          <p:cNvPr id="5" name="Content Placeholder 4"/>
+          <p:cNvPicPr>
+            <a:picLocks noGrp="1" noChangeAspect="1"/>
+          </p:cNvPicPr>
+          <p:nvPr>
+            <p:ph idx="1"/>
+          </p:nvPr>
+        </p:nvPicPr>
+        <p:blipFill>
+          <a:blip r:embed="rId2"/>
+          <a:stretch>
+            <a:fillRect/>
+          </a:stretch>
+        </p:blipFill>
+        <p:spPr>
+          <a:xfrm>
+            <a:off x="2159000" y="3657600"/>
+            <a:ext cx="8762999" cy="4800600"/>
+          </a:xfrm>
+          <a:prstGeom prst="rect">
+            <a:avLst/>
+          </a:prstGeom>
+          <a:ln>
+            <a:noFill/>
+          </a:ln>
+          <a:effectLst>
+            <a:outerShdw blurRad="190500" dist="228600" dir="2700000" algn="ctr">
+              <a:srgbClr val="000000">
+                <a:alpha val="30000"/>
+              </a:srgbClr>
+            </a:outerShdw>
+          </a:effectLst>
+          <a:scene3d>
+            <a:camera prst="orthographicFront">
+              <a:rot lat="0" lon="0" rev="0"/>
+            </a:camera>
+            <a:lightRig rig="glow" dir="t">
+              <a:rot lat="0" lon="0" rev="4800000"/>
+            </a:lightRig>
+          </a:scene3d>
+          <a:sp3d prstMaterial="matte">
+            <a:bevelT w="127000" h="63500"/>
+          </a:sp3d>
+        </p:spPr>
+      </p:pic>
+      <p:sp>
+        <p:nvSpPr>
+          <p:cNvPr id="3" name="Title 2"/>
+          <p:cNvSpPr>
+            <a:spLocks noGrp="1"/>
+          </p:cNvSpPr>
+          <p:nvPr>
+            <p:ph type="title"/>
+          </p:nvPr>
+        </p:nvSpPr>
+        <p:spPr/>
+        <p:txBody>
+          <a:bodyPr/>
+          <a:lstStyle/>
+          <a:p>
+            <a:r>
+              <a:rPr lang="en-US" sz="5400" dirty="0">
+                <a:solidFill>
+                  <a:srgbClr val="000000"/>
+                </a:solidFill>
+                <a:latin typeface="Franklin Gothic Book"/>
+                <a:ea typeface="DejaVu Sans"/>
+              </a:rPr>
+              <a:t>Defect Status (Overall) :</a:t>
+            </a:r>
+            <a:endParaRPr lang="en-US" sz="5400" dirty="0"/>
+          </a:p>
+        </p:txBody>
+      </p:sp>
+      <p:sp>
+        <p:nvSpPr>
+          <p:cNvPr id="4" name="Slide Number Placeholder 3"/>
+          <p:cNvSpPr>
+            <a:spLocks noGrp="1"/>
+          </p:cNvSpPr>
+          <p:nvPr>
+            <p:ph type="sldNum" sz="quarter" idx="10"/>
+          </p:nvPr>
+        </p:nvSpPr>
+        <p:spPr/>
+        <p:txBody>
+          <a:bodyPr/>
+          <a:lstStyle/>
+          <a:p>
+            <a:fld id="{FD0725B6-5DD5-4EEE-A0F0-572C51C8D44F}" type="slidenum">
+              <a:rPr lang="en-US" smtClean="0"/>
+              <a:pPr/>
+              <a:t>32</a:t>
+            </a:fld>
+            <a:endParaRPr lang="en-US"/>
+          </a:p>
+        </p:txBody>
+      </p:sp>
+    </p:spTree>
+    <p:extLst>
+      <p:ext uri="{BB962C8B-B14F-4D97-AF65-F5344CB8AC3E}">
+        <p14:creationId xmlns:p14="http://schemas.microsoft.com/office/powerpoint/2010/main" val="3288322921"/>
+      </p:ext>
+    </p:extLst>
+  </p:cSld>
+  <p:clrMapOvr>
+    <a:masterClrMapping/>
+  </p:clrMapOvr>
+  <p:transition>
+    <p:fade/>
+  </p:transition>
+</p:sld>
+</file>
+
+<file path=ppt/slides/slide33.xml><?xml version="1.0" encoding="utf-8"?>
 <p:sld xmlns:a="http://schemas.openxmlformats.org/drawingml/2006/main" xmlns:r="http://schemas.openxmlformats.org/officeDocument/2006/relationships" xmlns:p="http://schemas.openxmlformats.org/presentationml/2006/main">
   <p:cSld>
     <p:spTree>
@@ -9831,14 +9562,49 @@
           <a:lstStyle/>
           <a:p>
             <a:r>
+              <a:rPr lang="en-US" sz="3200" dirty="0"/>
+              <a:t>Total Sprints = </a:t>
+            </a:r>
+            <a:r>
               <a:rPr lang="en-US" sz="3200" dirty="0" smtClean="0"/>
-              <a:t>We would like to thank Raghvendra and Bhagyesh for their continuous guidance, taking out time every day to attend our calls, closely examining and providing feedback</a:t>
-            </a:r>
+              <a:t>5</a:t>
+            </a:r>
+            <a:endParaRPr lang="en-US" sz="3200" dirty="0"/>
           </a:p>
           <a:p>
             <a:r>
               <a:rPr lang="en-US" sz="3200" dirty="0" smtClean="0"/>
-              <a:t>Thank you for letting us know where we lacked and for keeping us aligned in right direction.</a:t>
+              <a:t>User </a:t>
+            </a:r>
+            <a:r>
+              <a:rPr lang="en-US" sz="3200" dirty="0"/>
+              <a:t>S</a:t>
+            </a:r>
+            <a:r>
+              <a:rPr lang="en-US" sz="3200" dirty="0" smtClean="0"/>
+              <a:t>tories </a:t>
+            </a:r>
+            <a:r>
+              <a:rPr lang="en-US" sz="3200" dirty="0"/>
+              <a:t>= </a:t>
+            </a:r>
+            <a:r>
+              <a:rPr lang="en-US" sz="3200" dirty="0" smtClean="0"/>
+              <a:t>58</a:t>
+            </a:r>
+          </a:p>
+          <a:p>
+            <a:r>
+              <a:rPr lang="en-US" sz="3200" dirty="0" smtClean="0"/>
+              <a:t>Average </a:t>
+            </a:r>
+            <a:r>
+              <a:rPr lang="en-US" sz="3200" dirty="0"/>
+              <a:t>Sprint  Velocity </a:t>
+            </a:r>
+            <a:r>
+              <a:rPr lang="en-US" sz="3200" dirty="0" smtClean="0"/>
+              <a:t>=64</a:t>
             </a:r>
           </a:p>
         </p:txBody>
@@ -9860,7 +9626,7 @@
           <a:p>
             <a:r>
               <a:rPr lang="en-US" dirty="0" smtClean="0"/>
-              <a:t>Gratitude</a:t>
+              <a:t>Project Metrics</a:t>
             </a:r>
             <a:endParaRPr lang="en-US" dirty="0"/>
           </a:p>
@@ -9884,7 +9650,7 @@
             <a:fld id="{FD0725B6-5DD5-4EEE-A0F0-572C51C8D44F}" type="slidenum">
               <a:rPr lang="en-US" smtClean="0"/>
               <a:pPr/>
-              <a:t>32</a:t>
+              <a:t>33</a:t>
             </a:fld>
             <a:endParaRPr lang="en-US"/>
           </a:p>
@@ -9893,7 +9659,7 @@
     </p:spTree>
     <p:extLst>
       <p:ext uri="{BB962C8B-B14F-4D97-AF65-F5344CB8AC3E}">
-        <p14:creationId xmlns:p14="http://schemas.microsoft.com/office/powerpoint/2010/main" val="475891249"/>
+        <p14:creationId xmlns:p14="http://schemas.microsoft.com/office/powerpoint/2010/main" val="3429132619"/>
       </p:ext>
     </p:extLst>
   </p:cSld>
@@ -9913,8 +9679,613 @@
 </p:sld>
 </file>
 
-<file path=ppt/slides/slide33.xml><?xml version="1.0" encoding="utf-8"?>
-<p:sld xmlns:a="http://schemas.openxmlformats.org/drawingml/2006/main" xmlns:r="http://schemas.openxmlformats.org/officeDocument/2006/relationships" xmlns:p="http://schemas.openxmlformats.org/presentationml/2006/main" showMasterSp="0">
+<file path=ppt/slides/slide34.xml><?xml version="1.0" encoding="utf-8"?>
+<p:sld xmlns:a="http://schemas.openxmlformats.org/drawingml/2006/main" xmlns:r="http://schemas.openxmlformats.org/officeDocument/2006/relationships" xmlns:p="http://schemas.openxmlformats.org/presentationml/2006/main">
+  <p:cSld>
+    <p:spTree>
+      <p:nvGrpSpPr>
+        <p:cNvPr id="1" name=""/>
+        <p:cNvGrpSpPr/>
+        <p:nvPr/>
+      </p:nvGrpSpPr>
+      <p:grpSpPr>
+        <a:xfrm>
+          <a:off x="0" y="0"/>
+          <a:ext cx="0" cy="0"/>
+          <a:chOff x="0" y="0"/>
+          <a:chExt cx="0" cy="0"/>
+        </a:xfrm>
+      </p:grpSpPr>
+      <p:sp>
+        <p:nvSpPr>
+          <p:cNvPr id="2" name="Content Placeholder 1"/>
+          <p:cNvSpPr>
+            <a:spLocks noGrp="1"/>
+          </p:cNvSpPr>
+          <p:nvPr>
+            <p:ph idx="1"/>
+          </p:nvPr>
+        </p:nvSpPr>
+        <p:spPr/>
+        <p:txBody>
+          <a:bodyPr/>
+          <a:lstStyle/>
+          <a:p>
+            <a:pPr lvl="0"/>
+            <a:endParaRPr lang="en-US" sz="3200" dirty="0" smtClean="0"/>
+          </a:p>
+          <a:p>
+            <a:endParaRPr lang="en-US" sz="3200" dirty="0"/>
+          </a:p>
+        </p:txBody>
+      </p:sp>
+      <p:sp>
+        <p:nvSpPr>
+          <p:cNvPr id="3" name="Title 2"/>
+          <p:cNvSpPr>
+            <a:spLocks noGrp="1"/>
+          </p:cNvSpPr>
+          <p:nvPr>
+            <p:ph type="title"/>
+          </p:nvPr>
+        </p:nvSpPr>
+        <p:spPr/>
+        <p:txBody>
+          <a:bodyPr/>
+          <a:lstStyle/>
+          <a:p>
+            <a:r>
+              <a:rPr lang="en-US" sz="5400" dirty="0" smtClean="0"/>
+              <a:t>Scrum Tool – Agile Scrum Sheet</a:t>
+            </a:r>
+            <a:endParaRPr lang="en-US" dirty="0"/>
+          </a:p>
+        </p:txBody>
+      </p:sp>
+      <p:sp>
+        <p:nvSpPr>
+          <p:cNvPr id="4" name="Slide Number Placeholder 3"/>
+          <p:cNvSpPr>
+            <a:spLocks noGrp="1"/>
+          </p:cNvSpPr>
+          <p:nvPr>
+            <p:ph type="sldNum" sz="quarter" idx="10"/>
+          </p:nvPr>
+        </p:nvSpPr>
+        <p:spPr/>
+        <p:txBody>
+          <a:bodyPr/>
+          <a:lstStyle/>
+          <a:p>
+            <a:fld id="{FD0725B6-5DD5-4EEE-A0F0-572C51C8D44F}" type="slidenum">
+              <a:rPr lang="en-US" smtClean="0"/>
+              <a:pPr/>
+              <a:t>34</a:t>
+            </a:fld>
+            <a:endParaRPr lang="en-US"/>
+          </a:p>
+        </p:txBody>
+      </p:sp>
+      <p:sp>
+        <p:nvSpPr>
+          <p:cNvPr id="6" name="TextBox 5"/>
+          <p:cNvSpPr txBox="1"/>
+          <p:nvPr/>
+        </p:nvSpPr>
+        <p:spPr>
+          <a:xfrm>
+            <a:off x="1315558" y="2743200"/>
+            <a:ext cx="1986442" cy="738664"/>
+          </a:xfrm>
+          <a:prstGeom prst="rect">
+            <a:avLst/>
+          </a:prstGeom>
+          <a:noFill/>
+        </p:spPr>
+        <p:txBody>
+          <a:bodyPr wrap="none" rtlCol="0">
+            <a:spAutoFit/>
+          </a:bodyPr>
+          <a:lstStyle/>
+          <a:p>
+            <a:r>
+              <a:rPr lang="en-US" dirty="0" smtClean="0"/>
+              <a:t>Sprint </a:t>
+            </a:r>
+            <a:r>
+              <a:rPr lang="en-US" dirty="0"/>
+              <a:t>0</a:t>
+            </a:r>
+          </a:p>
+        </p:txBody>
+      </p:sp>
+      <p:pic>
+        <p:nvPicPr>
+          <p:cNvPr id="5" name="Picture 4"/>
+          <p:cNvPicPr>
+            <a:picLocks noChangeAspect="1"/>
+          </p:cNvPicPr>
+          <p:nvPr/>
+        </p:nvPicPr>
+        <p:blipFill>
+          <a:blip r:embed="rId2"/>
+          <a:stretch>
+            <a:fillRect/>
+          </a:stretch>
+        </p:blipFill>
+        <p:spPr>
+          <a:xfrm>
+            <a:off x="711200" y="3735864"/>
+            <a:ext cx="11506200" cy="5715000"/>
+          </a:xfrm>
+          <a:prstGeom prst="rect">
+            <a:avLst/>
+          </a:prstGeom>
+        </p:spPr>
+      </p:pic>
+    </p:spTree>
+    <p:extLst>
+      <p:ext uri="{BB962C8B-B14F-4D97-AF65-F5344CB8AC3E}">
+        <p14:creationId xmlns:p14="http://schemas.microsoft.com/office/powerpoint/2010/main" val="3274724306"/>
+      </p:ext>
+    </p:extLst>
+  </p:cSld>
+  <p:clrMapOvr>
+    <a:masterClrMapping/>
+  </p:clrMapOvr>
+  <p:transition>
+    <p:fade/>
+  </p:transition>
+  <p:timing>
+    <p:tnLst>
+      <p:par>
+        <p:cTn id="1" dur="indefinite" restart="never" nodeType="tmRoot"/>
+      </p:par>
+    </p:tnLst>
+  </p:timing>
+</p:sld>
+</file>
+
+<file path=ppt/slides/slide35.xml><?xml version="1.0" encoding="utf-8"?>
+<p:sld xmlns:a="http://schemas.openxmlformats.org/drawingml/2006/main" xmlns:r="http://schemas.openxmlformats.org/officeDocument/2006/relationships" xmlns:p="http://schemas.openxmlformats.org/presentationml/2006/main">
+  <p:cSld>
+    <p:spTree>
+      <p:nvGrpSpPr>
+        <p:cNvPr id="1" name=""/>
+        <p:cNvGrpSpPr/>
+        <p:nvPr/>
+      </p:nvGrpSpPr>
+      <p:grpSpPr>
+        <a:xfrm>
+          <a:off x="0" y="0"/>
+          <a:ext cx="0" cy="0"/>
+          <a:chOff x="0" y="0"/>
+          <a:chExt cx="0" cy="0"/>
+        </a:xfrm>
+      </p:grpSpPr>
+      <p:sp>
+        <p:nvSpPr>
+          <p:cNvPr id="2" name="Content Placeholder 1"/>
+          <p:cNvSpPr>
+            <a:spLocks noGrp="1"/>
+          </p:cNvSpPr>
+          <p:nvPr>
+            <p:ph idx="1"/>
+          </p:nvPr>
+        </p:nvSpPr>
+        <p:spPr/>
+        <p:txBody>
+          <a:bodyPr/>
+          <a:lstStyle/>
+          <a:p>
+            <a:pPr lvl="0"/>
+            <a:endParaRPr lang="en-US" sz="3200" dirty="0" smtClean="0"/>
+          </a:p>
+          <a:p>
+            <a:endParaRPr lang="en-US" sz="3200" dirty="0"/>
+          </a:p>
+        </p:txBody>
+      </p:sp>
+      <p:sp>
+        <p:nvSpPr>
+          <p:cNvPr id="3" name="Title 2"/>
+          <p:cNvSpPr>
+            <a:spLocks noGrp="1"/>
+          </p:cNvSpPr>
+          <p:nvPr>
+            <p:ph type="title"/>
+          </p:nvPr>
+        </p:nvSpPr>
+        <p:spPr/>
+        <p:txBody>
+          <a:bodyPr/>
+          <a:lstStyle/>
+          <a:p>
+            <a:r>
+              <a:rPr lang="en-US" sz="5400" dirty="0"/>
+              <a:t>Scrum Tool – Agile Scrum Sheet</a:t>
+            </a:r>
+            <a:endParaRPr lang="en-US" dirty="0"/>
+          </a:p>
+        </p:txBody>
+      </p:sp>
+      <p:sp>
+        <p:nvSpPr>
+          <p:cNvPr id="4" name="Slide Number Placeholder 3"/>
+          <p:cNvSpPr>
+            <a:spLocks noGrp="1"/>
+          </p:cNvSpPr>
+          <p:nvPr>
+            <p:ph type="sldNum" sz="quarter" idx="10"/>
+          </p:nvPr>
+        </p:nvSpPr>
+        <p:spPr/>
+        <p:txBody>
+          <a:bodyPr/>
+          <a:lstStyle/>
+          <a:p>
+            <a:fld id="{FD0725B6-5DD5-4EEE-A0F0-572C51C8D44F}" type="slidenum">
+              <a:rPr lang="en-US" smtClean="0"/>
+              <a:pPr/>
+              <a:t>35</a:t>
+            </a:fld>
+            <a:endParaRPr lang="en-US"/>
+          </a:p>
+        </p:txBody>
+      </p:sp>
+      <p:sp>
+        <p:nvSpPr>
+          <p:cNvPr id="6" name="TextBox 5"/>
+          <p:cNvSpPr txBox="1"/>
+          <p:nvPr/>
+        </p:nvSpPr>
+        <p:spPr>
+          <a:xfrm>
+            <a:off x="1315558" y="2743200"/>
+            <a:ext cx="1986442" cy="738664"/>
+          </a:xfrm>
+          <a:prstGeom prst="rect">
+            <a:avLst/>
+          </a:prstGeom>
+          <a:noFill/>
+        </p:spPr>
+        <p:txBody>
+          <a:bodyPr wrap="none" rtlCol="0">
+            <a:spAutoFit/>
+          </a:bodyPr>
+          <a:lstStyle/>
+          <a:p>
+            <a:r>
+              <a:rPr lang="en-US" dirty="0" smtClean="0"/>
+              <a:t>Sprint 1</a:t>
+            </a:r>
+            <a:endParaRPr lang="en-US" dirty="0"/>
+          </a:p>
+        </p:txBody>
+      </p:sp>
+      <p:sp>
+        <p:nvSpPr>
+          <p:cNvPr id="8" name="TextBox 7"/>
+          <p:cNvSpPr txBox="1"/>
+          <p:nvPr/>
+        </p:nvSpPr>
+        <p:spPr>
+          <a:xfrm>
+            <a:off x="8407400" y="2743200"/>
+            <a:ext cx="1986442" cy="738664"/>
+          </a:xfrm>
+          <a:prstGeom prst="rect">
+            <a:avLst/>
+          </a:prstGeom>
+          <a:noFill/>
+        </p:spPr>
+        <p:txBody>
+          <a:bodyPr wrap="none" rtlCol="0">
+            <a:spAutoFit/>
+          </a:bodyPr>
+          <a:lstStyle/>
+          <a:p>
+            <a:r>
+              <a:rPr lang="en-US" dirty="0" smtClean="0"/>
+              <a:t>Sprint 2</a:t>
+            </a:r>
+            <a:endParaRPr lang="en-US" dirty="0"/>
+          </a:p>
+        </p:txBody>
+      </p:sp>
+      <p:pic>
+        <p:nvPicPr>
+          <p:cNvPr id="7" name="Picture 6"/>
+          <p:cNvPicPr>
+            <a:picLocks noChangeAspect="1"/>
+          </p:cNvPicPr>
+          <p:nvPr/>
+        </p:nvPicPr>
+        <p:blipFill>
+          <a:blip r:embed="rId2"/>
+          <a:stretch>
+            <a:fillRect/>
+          </a:stretch>
+        </p:blipFill>
+        <p:spPr>
+          <a:xfrm>
+            <a:off x="7000320" y="3451385"/>
+            <a:ext cx="5140880" cy="5652610"/>
+          </a:xfrm>
+          <a:prstGeom prst="rect">
+            <a:avLst/>
+          </a:prstGeom>
+        </p:spPr>
+      </p:pic>
+      <p:pic>
+        <p:nvPicPr>
+          <p:cNvPr id="9" name="Picture 8"/>
+          <p:cNvPicPr>
+            <a:picLocks noChangeAspect="1"/>
+          </p:cNvPicPr>
+          <p:nvPr/>
+        </p:nvPicPr>
+        <p:blipFill>
+          <a:blip r:embed="rId3"/>
+          <a:stretch>
+            <a:fillRect/>
+          </a:stretch>
+        </p:blipFill>
+        <p:spPr>
+          <a:xfrm>
+            <a:off x="1092199" y="3481864"/>
+            <a:ext cx="5029201" cy="5652611"/>
+          </a:xfrm>
+          <a:prstGeom prst="rect">
+            <a:avLst/>
+          </a:prstGeom>
+        </p:spPr>
+      </p:pic>
+    </p:spTree>
+    <p:extLst>
+      <p:ext uri="{BB962C8B-B14F-4D97-AF65-F5344CB8AC3E}">
+        <p14:creationId xmlns:p14="http://schemas.microsoft.com/office/powerpoint/2010/main" val="1473194747"/>
+      </p:ext>
+    </p:extLst>
+  </p:cSld>
+  <p:clrMapOvr>
+    <a:masterClrMapping/>
+  </p:clrMapOvr>
+  <p:transition>
+    <p:fade/>
+  </p:transition>
+  <p:timing>
+    <p:tnLst>
+      <p:par>
+        <p:cTn id="1" dur="indefinite" restart="never" nodeType="tmRoot"/>
+      </p:par>
+    </p:tnLst>
+  </p:timing>
+</p:sld>
+</file>
+
+<file path=ppt/slides/slide36.xml><?xml version="1.0" encoding="utf-8"?>
+<p:sld xmlns:a="http://schemas.openxmlformats.org/drawingml/2006/main" xmlns:r="http://schemas.openxmlformats.org/officeDocument/2006/relationships" xmlns:p="http://schemas.openxmlformats.org/presentationml/2006/main">
+  <p:cSld>
+    <p:spTree>
+      <p:nvGrpSpPr>
+        <p:cNvPr id="1" name=""/>
+        <p:cNvGrpSpPr/>
+        <p:nvPr/>
+      </p:nvGrpSpPr>
+      <p:grpSpPr>
+        <a:xfrm>
+          <a:off x="0" y="0"/>
+          <a:ext cx="0" cy="0"/>
+          <a:chOff x="0" y="0"/>
+          <a:chExt cx="0" cy="0"/>
+        </a:xfrm>
+      </p:grpSpPr>
+      <p:sp>
+        <p:nvSpPr>
+          <p:cNvPr id="2" name="Content Placeholder 1"/>
+          <p:cNvSpPr>
+            <a:spLocks noGrp="1"/>
+          </p:cNvSpPr>
+          <p:nvPr>
+            <p:ph idx="1"/>
+          </p:nvPr>
+        </p:nvSpPr>
+        <p:spPr/>
+        <p:txBody>
+          <a:bodyPr/>
+          <a:lstStyle/>
+          <a:p>
+            <a:pPr lvl="0"/>
+            <a:endParaRPr lang="en-US" sz="3200" dirty="0" smtClean="0"/>
+          </a:p>
+          <a:p>
+            <a:endParaRPr lang="en-US" sz="3200" dirty="0"/>
+          </a:p>
+        </p:txBody>
+      </p:sp>
+      <p:sp>
+        <p:nvSpPr>
+          <p:cNvPr id="3" name="Title 2"/>
+          <p:cNvSpPr>
+            <a:spLocks noGrp="1"/>
+          </p:cNvSpPr>
+          <p:nvPr>
+            <p:ph type="title"/>
+          </p:nvPr>
+        </p:nvSpPr>
+        <p:spPr/>
+        <p:txBody>
+          <a:bodyPr/>
+          <a:lstStyle/>
+          <a:p>
+            <a:r>
+              <a:rPr lang="en-US" sz="5400" dirty="0"/>
+              <a:t>Scrum Tool – Agile Scrum Sheet</a:t>
+            </a:r>
+            <a:endParaRPr lang="en-US" dirty="0"/>
+          </a:p>
+        </p:txBody>
+      </p:sp>
+      <p:sp>
+        <p:nvSpPr>
+          <p:cNvPr id="4" name="Slide Number Placeholder 3"/>
+          <p:cNvSpPr>
+            <a:spLocks noGrp="1"/>
+          </p:cNvSpPr>
+          <p:nvPr>
+            <p:ph type="sldNum" sz="quarter" idx="10"/>
+          </p:nvPr>
+        </p:nvSpPr>
+        <p:spPr/>
+        <p:txBody>
+          <a:bodyPr/>
+          <a:lstStyle/>
+          <a:p>
+            <a:fld id="{FD0725B6-5DD5-4EEE-A0F0-572C51C8D44F}" type="slidenum">
+              <a:rPr lang="en-US" smtClean="0"/>
+              <a:pPr/>
+              <a:t>36</a:t>
+            </a:fld>
+            <a:endParaRPr lang="en-US"/>
+          </a:p>
+        </p:txBody>
+      </p:sp>
+      <p:sp>
+        <p:nvSpPr>
+          <p:cNvPr id="6" name="TextBox 5"/>
+          <p:cNvSpPr txBox="1"/>
+          <p:nvPr/>
+        </p:nvSpPr>
+        <p:spPr>
+          <a:xfrm>
+            <a:off x="1315557" y="2743200"/>
+            <a:ext cx="1986442" cy="1384995"/>
+          </a:xfrm>
+          <a:prstGeom prst="rect">
+            <a:avLst/>
+          </a:prstGeom>
+          <a:noFill/>
+        </p:spPr>
+        <p:txBody>
+          <a:bodyPr wrap="none" rtlCol="0">
+            <a:spAutoFit/>
+          </a:bodyPr>
+          <a:lstStyle/>
+          <a:p>
+            <a:r>
+              <a:rPr lang="en-US" dirty="0" smtClean="0"/>
+              <a:t>Sprint 3</a:t>
+            </a:r>
+          </a:p>
+          <a:p>
+            <a:endParaRPr lang="en-US" dirty="0"/>
+          </a:p>
+        </p:txBody>
+      </p:sp>
+      <p:sp>
+        <p:nvSpPr>
+          <p:cNvPr id="8" name="TextBox 7"/>
+          <p:cNvSpPr txBox="1"/>
+          <p:nvPr/>
+        </p:nvSpPr>
+        <p:spPr>
+          <a:xfrm>
+            <a:off x="8407400" y="2743200"/>
+            <a:ext cx="1986442" cy="738664"/>
+          </a:xfrm>
+          <a:prstGeom prst="rect">
+            <a:avLst/>
+          </a:prstGeom>
+          <a:noFill/>
+        </p:spPr>
+        <p:txBody>
+          <a:bodyPr wrap="none" rtlCol="0">
+            <a:spAutoFit/>
+          </a:bodyPr>
+          <a:lstStyle/>
+          <a:p>
+            <a:r>
+              <a:rPr lang="en-US" dirty="0" smtClean="0"/>
+              <a:t>Sprint 4</a:t>
+            </a:r>
+            <a:endParaRPr lang="en-US" dirty="0"/>
+          </a:p>
+        </p:txBody>
+      </p:sp>
+      <p:pic>
+        <p:nvPicPr>
+          <p:cNvPr id="5" name="Picture 4"/>
+          <p:cNvPicPr>
+            <a:picLocks noChangeAspect="1"/>
+          </p:cNvPicPr>
+          <p:nvPr/>
+        </p:nvPicPr>
+        <p:blipFill>
+          <a:blip r:embed="rId2"/>
+          <a:stretch>
+            <a:fillRect/>
+          </a:stretch>
+        </p:blipFill>
+        <p:spPr>
+          <a:xfrm>
+            <a:off x="7340600" y="3481864"/>
+            <a:ext cx="5045075" cy="5890736"/>
+          </a:xfrm>
+          <a:prstGeom prst="rect">
+            <a:avLst/>
+          </a:prstGeom>
+        </p:spPr>
+      </p:pic>
+      <p:pic>
+        <p:nvPicPr>
+          <p:cNvPr id="7" name="Picture 6"/>
+          <p:cNvPicPr>
+            <a:picLocks noChangeAspect="1"/>
+          </p:cNvPicPr>
+          <p:nvPr/>
+        </p:nvPicPr>
+        <p:blipFill>
+          <a:blip r:embed="rId3"/>
+          <a:stretch>
+            <a:fillRect/>
+          </a:stretch>
+        </p:blipFill>
+        <p:spPr>
+          <a:xfrm>
+            <a:off x="1270000" y="3481864"/>
+            <a:ext cx="5156200" cy="5890736"/>
+          </a:xfrm>
+          <a:prstGeom prst="rect">
+            <a:avLst/>
+          </a:prstGeom>
+        </p:spPr>
+      </p:pic>
+    </p:spTree>
+    <p:extLst>
+      <p:ext uri="{BB962C8B-B14F-4D97-AF65-F5344CB8AC3E}">
+        <p14:creationId xmlns:p14="http://schemas.microsoft.com/office/powerpoint/2010/main" val="475334905"/>
+      </p:ext>
+    </p:extLst>
+  </p:cSld>
+  <p:clrMapOvr>
+    <a:masterClrMapping/>
+  </p:clrMapOvr>
+  <p:transition>
+    <p:fade/>
+  </p:transition>
+  <p:timing>
+    <p:tnLst>
+      <p:par>
+        <p:cTn id="1" dur="indefinite" restart="never" nodeType="tmRoot"/>
+      </p:par>
+    </p:tnLst>
+  </p:timing>
+</p:sld>
+</file>
+
+<file path=ppt/slides/slide37.xml><?xml version="1.0" encoding="utf-8"?>
+<p:sld xmlns:a="http://schemas.openxmlformats.org/drawingml/2006/main" xmlns:r="http://schemas.openxmlformats.org/officeDocument/2006/relationships" xmlns:p="http://schemas.openxmlformats.org/presentationml/2006/main">
   <p:cSld>
     <p:spTree>
       <p:nvGrpSpPr>
@@ -9940,20 +10311,14 @@
             <p:ph type="title"/>
           </p:nvPr>
         </p:nvSpPr>
-        <p:spPr>
-          <a:xfrm>
-            <a:off x="3683000" y="2514600"/>
-            <a:ext cx="5334000" cy="2286000"/>
-          </a:xfrm>
-        </p:spPr>
+        <p:spPr/>
         <p:txBody>
           <a:bodyPr/>
           <a:lstStyle/>
           <a:p>
-            <a:pPr algn="ctr"/>
             <a:r>
               <a:rPr lang="en-US" dirty="0" smtClean="0"/>
-              <a:t>Thank You</a:t>
+              <a:t>Velocity Trend</a:t>
             </a:r>
             <a:endParaRPr lang="en-US" dirty="0"/>
           </a:p>
@@ -9977,7 +10342,270 @@
             <a:fld id="{FD0725B6-5DD5-4EEE-A0F0-572C51C8D44F}" type="slidenum">
               <a:rPr lang="en-US" smtClean="0"/>
               <a:pPr/>
-              <a:t>33</a:t>
+              <a:t>37</a:t>
+            </a:fld>
+            <a:endParaRPr lang="en-US"/>
+          </a:p>
+        </p:txBody>
+      </p:sp>
+      <p:graphicFrame>
+        <p:nvGraphicFramePr>
+          <p:cNvPr id="5" name="Chart 4"/>
+          <p:cNvGraphicFramePr>
+            <a:graphicFrameLocks/>
+          </p:cNvGraphicFramePr>
+          <p:nvPr>
+            <p:extLst>
+              <p:ext uri="{D42A27DB-BD31-4B8C-83A1-F6EECF244321}">
+                <p14:modId xmlns:p14="http://schemas.microsoft.com/office/powerpoint/2010/main" val="3694268306"/>
+              </p:ext>
+            </p:extLst>
+          </p:nvPr>
+        </p:nvGraphicFramePr>
+        <p:xfrm>
+          <a:off x="1270000" y="3124200"/>
+          <a:ext cx="10718800" cy="4800600"/>
+        </p:xfrm>
+        <a:graphic>
+          <a:graphicData uri="http://schemas.openxmlformats.org/drawingml/2006/chart">
+            <c:chart xmlns:c="http://schemas.openxmlformats.org/drawingml/2006/chart" xmlns:r="http://schemas.openxmlformats.org/officeDocument/2006/relationships" r:id="rId2"/>
+          </a:graphicData>
+        </a:graphic>
+      </p:graphicFrame>
+    </p:spTree>
+    <p:extLst>
+      <p:ext uri="{BB962C8B-B14F-4D97-AF65-F5344CB8AC3E}">
+        <p14:creationId xmlns:p14="http://schemas.microsoft.com/office/powerpoint/2010/main" val="3579674985"/>
+      </p:ext>
+    </p:extLst>
+  </p:cSld>
+  <p:clrMapOvr>
+    <a:masterClrMapping/>
+  </p:clrMapOvr>
+  <p:transition>
+    <p:fade/>
+  </p:transition>
+  <p:timing>
+    <p:tnLst>
+      <p:par>
+        <p:cTn id="1" dur="indefinite" restart="never" nodeType="tmRoot"/>
+      </p:par>
+    </p:tnLst>
+  </p:timing>
+</p:sld>
+</file>
+
+<file path=ppt/slides/slide38.xml><?xml version="1.0" encoding="utf-8"?>
+<p:sld xmlns:a="http://schemas.openxmlformats.org/drawingml/2006/main" xmlns:r="http://schemas.openxmlformats.org/officeDocument/2006/relationships" xmlns:p="http://schemas.openxmlformats.org/presentationml/2006/main">
+  <p:cSld>
+    <p:spTree>
+      <p:nvGrpSpPr>
+        <p:cNvPr id="1" name=""/>
+        <p:cNvGrpSpPr/>
+        <p:nvPr/>
+      </p:nvGrpSpPr>
+      <p:grpSpPr>
+        <a:xfrm>
+          <a:off x="0" y="0"/>
+          <a:ext cx="0" cy="0"/>
+          <a:chOff x="0" y="0"/>
+          <a:chExt cx="0" cy="0"/>
+        </a:xfrm>
+      </p:grpSpPr>
+      <p:sp>
+        <p:nvSpPr>
+          <p:cNvPr id="2" name="Content Placeholder 1"/>
+          <p:cNvSpPr>
+            <a:spLocks noGrp="1"/>
+          </p:cNvSpPr>
+          <p:nvPr>
+            <p:ph idx="1"/>
+          </p:nvPr>
+        </p:nvSpPr>
+        <p:spPr>
+          <a:xfrm>
+            <a:off x="1270000" y="2540000"/>
+            <a:ext cx="10464800" cy="6146800"/>
+          </a:xfrm>
+        </p:spPr>
+        <p:txBody>
+          <a:bodyPr/>
+          <a:lstStyle/>
+          <a:p>
+            <a:pPr lvl="0">
+              <a:spcBef>
+                <a:spcPts val="600"/>
+              </a:spcBef>
+              <a:spcAft>
+                <a:spcPts val="600"/>
+              </a:spcAft>
+            </a:pPr>
+            <a:r>
+              <a:rPr lang="en-US" sz="2800" dirty="0" smtClean="0"/>
+              <a:t>Coordinating with team members from different locations.</a:t>
+            </a:r>
+          </a:p>
+          <a:p>
+            <a:pPr lvl="0">
+              <a:spcBef>
+                <a:spcPts val="600"/>
+              </a:spcBef>
+              <a:spcAft>
+                <a:spcPts val="600"/>
+              </a:spcAft>
+            </a:pPr>
+            <a:r>
+              <a:rPr lang="en-US" sz="2800" dirty="0" smtClean="0"/>
+              <a:t>Frequent changes in team structure at early stage of project.</a:t>
+            </a:r>
+          </a:p>
+          <a:p>
+            <a:pPr lvl="0">
+              <a:spcBef>
+                <a:spcPts val="600"/>
+              </a:spcBef>
+              <a:spcAft>
+                <a:spcPts val="600"/>
+              </a:spcAft>
+            </a:pPr>
+            <a:r>
+              <a:rPr lang="en-US" sz="2800" dirty="0" smtClean="0"/>
+              <a:t>Estimation and Requirement gathering</a:t>
+            </a:r>
+          </a:p>
+          <a:p>
+            <a:pPr lvl="1">
+              <a:spcBef>
+                <a:spcPts val="600"/>
+              </a:spcBef>
+              <a:spcAft>
+                <a:spcPts val="600"/>
+              </a:spcAft>
+            </a:pPr>
+            <a:r>
+              <a:rPr lang="en-US" sz="2800" dirty="0"/>
+              <a:t>Could not estimate properly because of lack of domain understanding</a:t>
+            </a:r>
+            <a:r>
+              <a:rPr lang="en-US" sz="2800" dirty="0" smtClean="0"/>
+              <a:t>.</a:t>
+            </a:r>
+          </a:p>
+          <a:p>
+            <a:pPr>
+              <a:spcBef>
+                <a:spcPts val="600"/>
+              </a:spcBef>
+              <a:spcAft>
+                <a:spcPts val="600"/>
+              </a:spcAft>
+            </a:pPr>
+            <a:r>
+              <a:rPr lang="en-US" sz="2800" dirty="0" smtClean="0"/>
+              <a:t>New Technologies like</a:t>
+            </a:r>
+          </a:p>
+          <a:p>
+            <a:pPr lvl="1">
+              <a:spcBef>
+                <a:spcPts val="600"/>
+              </a:spcBef>
+              <a:spcAft>
+                <a:spcPts val="600"/>
+              </a:spcAft>
+            </a:pPr>
+            <a:r>
+              <a:rPr lang="en-US" sz="2800" dirty="0" smtClean="0"/>
+              <a:t>Angular JS.</a:t>
+            </a:r>
+          </a:p>
+          <a:p>
+            <a:pPr lvl="1">
+              <a:spcBef>
+                <a:spcPts val="600"/>
+              </a:spcBef>
+              <a:spcAft>
+                <a:spcPts val="600"/>
+              </a:spcAft>
+            </a:pPr>
+            <a:r>
+              <a:rPr lang="en-US" sz="2800" dirty="0" smtClean="0"/>
+              <a:t>Bootstrap.</a:t>
+            </a:r>
+          </a:p>
+          <a:p>
+            <a:pPr lvl="1">
+              <a:spcBef>
+                <a:spcPts val="600"/>
+              </a:spcBef>
+              <a:spcAft>
+                <a:spcPts val="600"/>
+              </a:spcAft>
+            </a:pPr>
+            <a:r>
+              <a:rPr lang="en-US" sz="2800" dirty="0" smtClean="0"/>
+              <a:t>Multitenancy</a:t>
+            </a:r>
+          </a:p>
+          <a:p>
+            <a:pPr>
+              <a:spcBef>
+                <a:spcPts val="600"/>
+              </a:spcBef>
+              <a:spcAft>
+                <a:spcPts val="600"/>
+              </a:spcAft>
+            </a:pPr>
+            <a:r>
+              <a:rPr lang="en-US" sz="2800" dirty="0" smtClean="0"/>
+              <a:t>Completion of Testing within the Sprint.</a:t>
+            </a:r>
+            <a:endParaRPr lang="en-US" sz="2800" dirty="0"/>
+          </a:p>
+        </p:txBody>
+      </p:sp>
+      <p:sp>
+        <p:nvSpPr>
+          <p:cNvPr id="3" name="Title 2"/>
+          <p:cNvSpPr>
+            <a:spLocks noGrp="1"/>
+          </p:cNvSpPr>
+          <p:nvPr>
+            <p:ph type="title"/>
+          </p:nvPr>
+        </p:nvSpPr>
+        <p:spPr/>
+        <p:txBody>
+          <a:bodyPr/>
+          <a:lstStyle/>
+          <a:p>
+            <a:r>
+              <a:rPr lang="en-US" dirty="0" smtClean="0"/>
+              <a:t>Challenges</a:t>
+            </a:r>
+            <a:endParaRPr lang="en-US" dirty="0"/>
+          </a:p>
+        </p:txBody>
+      </p:sp>
+      <p:sp>
+        <p:nvSpPr>
+          <p:cNvPr id="4" name="Slide Number Placeholder 3"/>
+          <p:cNvSpPr>
+            <a:spLocks noGrp="1"/>
+          </p:cNvSpPr>
+          <p:nvPr>
+            <p:ph type="sldNum" sz="quarter" idx="10"/>
+          </p:nvPr>
+        </p:nvSpPr>
+        <p:spPr/>
+        <p:txBody>
+          <a:bodyPr/>
+          <a:lstStyle/>
+          <a:p>
+            <a:fld id="{FD0725B6-5DD5-4EEE-A0F0-572C51C8D44F}" type="slidenum">
+              <a:rPr lang="en-US" smtClean="0"/>
+              <a:pPr/>
+              <a:t>38</a:t>
             </a:fld>
             <a:endParaRPr lang="en-US"/>
           </a:p>
@@ -9986,7 +10614,161 @@
     </p:spTree>
     <p:extLst>
       <p:ext uri="{BB962C8B-B14F-4D97-AF65-F5344CB8AC3E}">
-        <p14:creationId xmlns:p14="http://schemas.microsoft.com/office/powerpoint/2010/main" val="4221170673"/>
+        <p14:creationId xmlns:p14="http://schemas.microsoft.com/office/powerpoint/2010/main" val="3627197052"/>
+      </p:ext>
+    </p:extLst>
+  </p:cSld>
+  <p:clrMapOvr>
+    <a:masterClrMapping/>
+  </p:clrMapOvr>
+  <p:transition>
+    <p:fade/>
+  </p:transition>
+  <p:timing>
+    <p:tnLst>
+      <p:par>
+        <p:cTn id="1" dur="indefinite" restart="never" nodeType="tmRoot"/>
+      </p:par>
+    </p:tnLst>
+  </p:timing>
+</p:sld>
+</file>
+
+<file path=ppt/slides/slide39.xml><?xml version="1.0" encoding="utf-8"?>
+<p:sld xmlns:a="http://schemas.openxmlformats.org/drawingml/2006/main" xmlns:r="http://schemas.openxmlformats.org/officeDocument/2006/relationships" xmlns:p="http://schemas.openxmlformats.org/presentationml/2006/main">
+  <p:cSld>
+    <p:spTree>
+      <p:nvGrpSpPr>
+        <p:cNvPr id="1" name=""/>
+        <p:cNvGrpSpPr/>
+        <p:nvPr/>
+      </p:nvGrpSpPr>
+      <p:grpSpPr>
+        <a:xfrm>
+          <a:off x="0" y="0"/>
+          <a:ext cx="0" cy="0"/>
+          <a:chOff x="0" y="0"/>
+          <a:chExt cx="0" cy="0"/>
+        </a:xfrm>
+      </p:grpSpPr>
+      <p:sp>
+        <p:nvSpPr>
+          <p:cNvPr id="2" name="Content Placeholder 1"/>
+          <p:cNvSpPr>
+            <a:spLocks noGrp="1"/>
+          </p:cNvSpPr>
+          <p:nvPr>
+            <p:ph idx="1"/>
+          </p:nvPr>
+        </p:nvSpPr>
+        <p:spPr/>
+        <p:txBody>
+          <a:bodyPr/>
+          <a:lstStyle/>
+          <a:p>
+            <a:r>
+              <a:rPr lang="en-US" sz="3200" dirty="0" smtClean="0"/>
+              <a:t>Daily Stand Up</a:t>
+            </a:r>
+          </a:p>
+          <a:p>
+            <a:r>
+              <a:rPr lang="en-US" sz="3200" dirty="0" smtClean="0"/>
+              <a:t>Daily Logs of Status</a:t>
+            </a:r>
+          </a:p>
+          <a:p>
+            <a:r>
+              <a:rPr lang="en-US" sz="3200" dirty="0" smtClean="0"/>
+              <a:t>Daily Update of Scrum sheet</a:t>
+            </a:r>
+          </a:p>
+          <a:p>
+            <a:r>
+              <a:rPr lang="en-US" sz="3200" dirty="0" smtClean="0"/>
+              <a:t>Weekly Evaluations</a:t>
+            </a:r>
+          </a:p>
+          <a:p>
+            <a:r>
+              <a:rPr lang="en-US" sz="3200" dirty="0" smtClean="0"/>
+              <a:t>Code Review </a:t>
+            </a:r>
+          </a:p>
+          <a:p>
+            <a:r>
+              <a:rPr lang="en-US" sz="3200" dirty="0" smtClean="0"/>
+              <a:t>Sprint Planning  &amp; Retrospective Meetings</a:t>
+            </a:r>
+          </a:p>
+          <a:p>
+            <a:r>
+              <a:rPr lang="en-US" sz="3200" dirty="0" smtClean="0"/>
+              <a:t>Had a Review Demo with Owner</a:t>
+            </a:r>
+          </a:p>
+          <a:p>
+            <a:r>
+              <a:rPr lang="en-US" sz="3200" dirty="0" smtClean="0"/>
+              <a:t>Had an Acceptance Demo with Owner</a:t>
+            </a:r>
+          </a:p>
+          <a:p>
+            <a:endParaRPr lang="en-US" sz="3200" dirty="0"/>
+          </a:p>
+        </p:txBody>
+      </p:sp>
+      <p:sp>
+        <p:nvSpPr>
+          <p:cNvPr id="3" name="Title 2"/>
+          <p:cNvSpPr>
+            <a:spLocks noGrp="1"/>
+          </p:cNvSpPr>
+          <p:nvPr>
+            <p:ph type="title"/>
+          </p:nvPr>
+        </p:nvSpPr>
+        <p:spPr/>
+        <p:txBody>
+          <a:bodyPr/>
+          <a:lstStyle/>
+          <a:p>
+            <a:r>
+              <a:rPr lang="en-US" dirty="0" smtClean="0"/>
+              <a:t>Processes</a:t>
+            </a:r>
+            <a:endParaRPr lang="en-US" dirty="0"/>
+          </a:p>
+        </p:txBody>
+      </p:sp>
+      <p:sp>
+        <p:nvSpPr>
+          <p:cNvPr id="4" name="Slide Number Placeholder 3"/>
+          <p:cNvSpPr>
+            <a:spLocks noGrp="1"/>
+          </p:cNvSpPr>
+          <p:nvPr>
+            <p:ph type="sldNum" sz="quarter" idx="10"/>
+          </p:nvPr>
+        </p:nvSpPr>
+        <p:spPr/>
+        <p:txBody>
+          <a:bodyPr/>
+          <a:lstStyle/>
+          <a:p>
+            <a:fld id="{FD0725B6-5DD5-4EEE-A0F0-572C51C8D44F}" type="slidenum">
+              <a:rPr lang="en-US" smtClean="0"/>
+              <a:pPr/>
+              <a:t>39</a:t>
+            </a:fld>
+            <a:endParaRPr lang="en-US"/>
+          </a:p>
+        </p:txBody>
+      </p:sp>
+    </p:spTree>
+    <p:extLst>
+      <p:ext uri="{BB962C8B-B14F-4D97-AF65-F5344CB8AC3E}">
+        <p14:creationId xmlns:p14="http://schemas.microsoft.com/office/powerpoint/2010/main" val="2532835921"/>
       </p:ext>
     </p:extLst>
   </p:cSld>
@@ -10252,6 +11034,570 @@
 </p:sld>
 </file>
 
+<file path=ppt/slides/slide40.xml><?xml version="1.0" encoding="utf-8"?>
+<p:sld xmlns:a="http://schemas.openxmlformats.org/drawingml/2006/main" xmlns:r="http://schemas.openxmlformats.org/officeDocument/2006/relationships" xmlns:p="http://schemas.openxmlformats.org/presentationml/2006/main">
+  <p:cSld>
+    <p:spTree>
+      <p:nvGrpSpPr>
+        <p:cNvPr id="1" name=""/>
+        <p:cNvGrpSpPr/>
+        <p:nvPr/>
+      </p:nvGrpSpPr>
+      <p:grpSpPr>
+        <a:xfrm>
+          <a:off x="0" y="0"/>
+          <a:ext cx="0" cy="0"/>
+          <a:chOff x="0" y="0"/>
+          <a:chExt cx="0" cy="0"/>
+        </a:xfrm>
+      </p:grpSpPr>
+      <p:sp>
+        <p:nvSpPr>
+          <p:cNvPr id="2" name="Content Placeholder 1"/>
+          <p:cNvSpPr>
+            <a:spLocks noGrp="1"/>
+          </p:cNvSpPr>
+          <p:nvPr>
+            <p:ph idx="1"/>
+          </p:nvPr>
+        </p:nvSpPr>
+        <p:spPr>
+          <a:xfrm>
+            <a:off x="1270000" y="2489200"/>
+            <a:ext cx="10464800" cy="6959600"/>
+          </a:xfrm>
+        </p:spPr>
+        <p:txBody>
+          <a:bodyPr/>
+          <a:lstStyle/>
+          <a:p>
+            <a:pPr lvl="0"/>
+            <a:r>
+              <a:rPr lang="en-US" sz="3200" dirty="0" smtClean="0"/>
+              <a:t>Working with members from different locations</a:t>
+            </a:r>
+          </a:p>
+          <a:p>
+            <a:pPr lvl="0"/>
+            <a:r>
+              <a:rPr lang="en-US" sz="3200" dirty="0" smtClean="0"/>
+              <a:t>Multitenant Application</a:t>
+            </a:r>
+          </a:p>
+          <a:p>
+            <a:pPr lvl="0"/>
+            <a:r>
+              <a:rPr lang="en-US" sz="3200" dirty="0" smtClean="0"/>
+              <a:t>Followed Agile methodology</a:t>
+            </a:r>
+          </a:p>
+          <a:p>
+            <a:pPr lvl="0"/>
+            <a:r>
+              <a:rPr lang="en-US" sz="3200" dirty="0" smtClean="0"/>
+              <a:t>Using SCRUM Tool </a:t>
+            </a:r>
+            <a:r>
+              <a:rPr lang="en-US" sz="3200" dirty="0"/>
+              <a:t>– </a:t>
+            </a:r>
+            <a:r>
+              <a:rPr lang="en-US" sz="3200" dirty="0" smtClean="0"/>
+              <a:t>Scrum desk, effectively</a:t>
+            </a:r>
+          </a:p>
+          <a:p>
+            <a:pPr lvl="0"/>
+            <a:r>
+              <a:rPr lang="en-US" sz="3200" dirty="0" smtClean="0"/>
+              <a:t>Significance of updating the tool regularly</a:t>
+            </a:r>
+          </a:p>
+          <a:p>
+            <a:pPr lvl="0"/>
+            <a:r>
+              <a:rPr lang="en-US" sz="3200" dirty="0" smtClean="0"/>
+              <a:t>Unit test Cases</a:t>
+            </a:r>
+          </a:p>
+          <a:p>
+            <a:pPr lvl="0"/>
+            <a:r>
+              <a:rPr lang="en-US" sz="3200" dirty="0" smtClean="0"/>
+              <a:t>Test process and planning</a:t>
+            </a:r>
+          </a:p>
+          <a:p>
+            <a:pPr lvl="0"/>
+            <a:endParaRPr lang="en-US" sz="3200" dirty="0"/>
+          </a:p>
+          <a:p>
+            <a:pPr lvl="0"/>
+            <a:endParaRPr lang="en-US" sz="3200" dirty="0" smtClean="0"/>
+          </a:p>
+          <a:p>
+            <a:endParaRPr lang="en-US" sz="3200" dirty="0"/>
+          </a:p>
+        </p:txBody>
+      </p:sp>
+      <p:sp>
+        <p:nvSpPr>
+          <p:cNvPr id="3" name="Title 2"/>
+          <p:cNvSpPr>
+            <a:spLocks noGrp="1"/>
+          </p:cNvSpPr>
+          <p:nvPr>
+            <p:ph type="title"/>
+          </p:nvPr>
+        </p:nvSpPr>
+        <p:spPr/>
+        <p:txBody>
+          <a:bodyPr/>
+          <a:lstStyle/>
+          <a:p>
+            <a:r>
+              <a:rPr lang="en-US" dirty="0" smtClean="0"/>
+              <a:t>Collective Learning</a:t>
+            </a:r>
+            <a:endParaRPr lang="en-US" dirty="0"/>
+          </a:p>
+        </p:txBody>
+      </p:sp>
+      <p:sp>
+        <p:nvSpPr>
+          <p:cNvPr id="4" name="Slide Number Placeholder 3"/>
+          <p:cNvSpPr>
+            <a:spLocks noGrp="1"/>
+          </p:cNvSpPr>
+          <p:nvPr>
+            <p:ph type="sldNum" sz="quarter" idx="10"/>
+          </p:nvPr>
+        </p:nvSpPr>
+        <p:spPr/>
+        <p:txBody>
+          <a:bodyPr/>
+          <a:lstStyle/>
+          <a:p>
+            <a:fld id="{FD0725B6-5DD5-4EEE-A0F0-572C51C8D44F}" type="slidenum">
+              <a:rPr lang="en-US" smtClean="0"/>
+              <a:pPr/>
+              <a:t>40</a:t>
+            </a:fld>
+            <a:endParaRPr lang="en-US"/>
+          </a:p>
+        </p:txBody>
+      </p:sp>
+    </p:spTree>
+    <p:extLst>
+      <p:ext uri="{BB962C8B-B14F-4D97-AF65-F5344CB8AC3E}">
+        <p14:creationId xmlns:p14="http://schemas.microsoft.com/office/powerpoint/2010/main" val="1328395740"/>
+      </p:ext>
+    </p:extLst>
+  </p:cSld>
+  <p:clrMapOvr>
+    <a:masterClrMapping/>
+  </p:clrMapOvr>
+  <p:transition>
+    <p:fade/>
+  </p:transition>
+  <p:timing>
+    <p:tnLst>
+      <p:par>
+        <p:cTn id="1" dur="indefinite" restart="never" nodeType="tmRoot"/>
+      </p:par>
+    </p:tnLst>
+  </p:timing>
+</p:sld>
+</file>
+
+<file path=ppt/slides/slide41.xml><?xml version="1.0" encoding="utf-8"?>
+<p:sld xmlns:a="http://schemas.openxmlformats.org/drawingml/2006/main" xmlns:r="http://schemas.openxmlformats.org/officeDocument/2006/relationships" xmlns:p="http://schemas.openxmlformats.org/presentationml/2006/main">
+  <p:cSld>
+    <p:spTree>
+      <p:nvGrpSpPr>
+        <p:cNvPr id="1" name=""/>
+        <p:cNvGrpSpPr/>
+        <p:nvPr/>
+      </p:nvGrpSpPr>
+      <p:grpSpPr>
+        <a:xfrm>
+          <a:off x="0" y="0"/>
+          <a:ext cx="0" cy="0"/>
+          <a:chOff x="0" y="0"/>
+          <a:chExt cx="0" cy="0"/>
+        </a:xfrm>
+      </p:grpSpPr>
+      <p:sp>
+        <p:nvSpPr>
+          <p:cNvPr id="2" name="Content Placeholder 1"/>
+          <p:cNvSpPr>
+            <a:spLocks noGrp="1"/>
+          </p:cNvSpPr>
+          <p:nvPr>
+            <p:ph idx="1"/>
+          </p:nvPr>
+        </p:nvSpPr>
+        <p:spPr>
+          <a:xfrm>
+            <a:off x="1270000" y="2489200"/>
+            <a:ext cx="10464800" cy="6959600"/>
+          </a:xfrm>
+        </p:spPr>
+        <p:txBody>
+          <a:bodyPr/>
+          <a:lstStyle/>
+          <a:p>
+            <a:pPr lvl="0"/>
+            <a:r>
+              <a:rPr lang="en-US" sz="3200" dirty="0" smtClean="0"/>
+              <a:t>Complete Project Cycle</a:t>
+            </a:r>
+          </a:p>
+          <a:p>
+            <a:pPr lvl="0"/>
+            <a:r>
+              <a:rPr lang="en-US" sz="3200" dirty="0"/>
+              <a:t>Managing tasks while working on multiple </a:t>
+            </a:r>
+            <a:r>
+              <a:rPr lang="en-US" sz="3200" dirty="0" smtClean="0"/>
+              <a:t>projects</a:t>
+            </a:r>
+          </a:p>
+          <a:p>
+            <a:pPr lvl="0"/>
+            <a:r>
+              <a:rPr lang="en-US" sz="3200" dirty="0" smtClean="0"/>
+              <a:t>Accommodating Change Requests</a:t>
+            </a:r>
+          </a:p>
+          <a:p>
+            <a:pPr lvl="0"/>
+            <a:r>
+              <a:rPr lang="en-US" sz="3200" dirty="0" smtClean="0"/>
+              <a:t>Writing features file in BDD Format.</a:t>
+            </a:r>
+          </a:p>
+          <a:p>
+            <a:pPr lvl="0"/>
+            <a:r>
+              <a:rPr lang="en-US" sz="3200" dirty="0" smtClean="0"/>
+              <a:t>Understating of writing feature files using user story.</a:t>
+            </a:r>
+          </a:p>
+          <a:p>
+            <a:pPr lvl="0"/>
+            <a:r>
+              <a:rPr lang="en-US" sz="3200" dirty="0" smtClean="0"/>
+              <a:t>Writing feature file in table format</a:t>
+            </a:r>
+          </a:p>
+          <a:p>
+            <a:pPr lvl="0"/>
+            <a:r>
+              <a:rPr lang="en-US" sz="3200" dirty="0" smtClean="0"/>
+              <a:t>Sprint Boot</a:t>
+            </a:r>
+          </a:p>
+          <a:p>
+            <a:pPr marL="0" lvl="0" indent="0">
+              <a:buNone/>
+            </a:pPr>
+            <a:endParaRPr lang="en-US" sz="3200" dirty="0" smtClean="0"/>
+          </a:p>
+          <a:p>
+            <a:pPr marL="0" lvl="0" indent="0">
+              <a:buNone/>
+            </a:pPr>
+            <a:endParaRPr lang="en-US" sz="3200" dirty="0"/>
+          </a:p>
+          <a:p>
+            <a:pPr lvl="0"/>
+            <a:endParaRPr lang="en-US" sz="3200" dirty="0" smtClean="0"/>
+          </a:p>
+          <a:p>
+            <a:endParaRPr lang="en-US" sz="3200" dirty="0"/>
+          </a:p>
+        </p:txBody>
+      </p:sp>
+      <p:sp>
+        <p:nvSpPr>
+          <p:cNvPr id="3" name="Title 2"/>
+          <p:cNvSpPr>
+            <a:spLocks noGrp="1"/>
+          </p:cNvSpPr>
+          <p:nvPr>
+            <p:ph type="title"/>
+          </p:nvPr>
+        </p:nvSpPr>
+        <p:spPr/>
+        <p:txBody>
+          <a:bodyPr/>
+          <a:lstStyle/>
+          <a:p>
+            <a:r>
+              <a:rPr lang="en-US" dirty="0" smtClean="0"/>
+              <a:t>Collective Learning</a:t>
+            </a:r>
+            <a:endParaRPr lang="en-US" dirty="0"/>
+          </a:p>
+        </p:txBody>
+      </p:sp>
+      <p:sp>
+        <p:nvSpPr>
+          <p:cNvPr id="4" name="Slide Number Placeholder 3"/>
+          <p:cNvSpPr>
+            <a:spLocks noGrp="1"/>
+          </p:cNvSpPr>
+          <p:nvPr>
+            <p:ph type="sldNum" sz="quarter" idx="10"/>
+          </p:nvPr>
+        </p:nvSpPr>
+        <p:spPr/>
+        <p:txBody>
+          <a:bodyPr/>
+          <a:lstStyle/>
+          <a:p>
+            <a:fld id="{FD0725B6-5DD5-4EEE-A0F0-572C51C8D44F}" type="slidenum">
+              <a:rPr lang="en-US" smtClean="0"/>
+              <a:pPr/>
+              <a:t>41</a:t>
+            </a:fld>
+            <a:endParaRPr lang="en-US"/>
+          </a:p>
+        </p:txBody>
+      </p:sp>
+    </p:spTree>
+    <p:extLst>
+      <p:ext uri="{BB962C8B-B14F-4D97-AF65-F5344CB8AC3E}">
+        <p14:creationId xmlns:p14="http://schemas.microsoft.com/office/powerpoint/2010/main" val="3740603699"/>
+      </p:ext>
+    </p:extLst>
+  </p:cSld>
+  <p:clrMapOvr>
+    <a:masterClrMapping/>
+  </p:clrMapOvr>
+  <p:transition>
+    <p:fade/>
+  </p:transition>
+  <p:timing>
+    <p:tnLst>
+      <p:par>
+        <p:cTn id="1" dur="indefinite" restart="never" nodeType="tmRoot"/>
+      </p:par>
+    </p:tnLst>
+  </p:timing>
+</p:sld>
+</file>
+
+<file path=ppt/slides/slide42.xml><?xml version="1.0" encoding="utf-8"?>
+<p:sld xmlns:a="http://schemas.openxmlformats.org/drawingml/2006/main" xmlns:r="http://schemas.openxmlformats.org/officeDocument/2006/relationships" xmlns:p="http://schemas.openxmlformats.org/presentationml/2006/main">
+  <p:cSld>
+    <p:spTree>
+      <p:nvGrpSpPr>
+        <p:cNvPr id="1" name=""/>
+        <p:cNvGrpSpPr/>
+        <p:nvPr/>
+      </p:nvGrpSpPr>
+      <p:grpSpPr>
+        <a:xfrm>
+          <a:off x="0" y="0"/>
+          <a:ext cx="0" cy="0"/>
+          <a:chOff x="0" y="0"/>
+          <a:chExt cx="0" cy="0"/>
+        </a:xfrm>
+      </p:grpSpPr>
+      <p:sp>
+        <p:nvSpPr>
+          <p:cNvPr id="2" name="Content Placeholder 1"/>
+          <p:cNvSpPr>
+            <a:spLocks noGrp="1"/>
+          </p:cNvSpPr>
+          <p:nvPr>
+            <p:ph idx="1"/>
+          </p:nvPr>
+        </p:nvSpPr>
+        <p:spPr/>
+        <p:txBody>
+          <a:bodyPr/>
+          <a:lstStyle/>
+          <a:p>
+            <a:r>
+              <a:rPr lang="en-US" sz="3200" dirty="0" smtClean="0"/>
+              <a:t>We would like to thank Raghvendra and Bhagyesh for their continuous guidance, taking out time every day to attend our calls, closely examining and providing feedback</a:t>
+            </a:r>
+          </a:p>
+          <a:p>
+            <a:r>
+              <a:rPr lang="en-US" sz="3200" dirty="0" smtClean="0"/>
+              <a:t>Thank you for letting us know where we lacked and for keeping us aligned in right direction.</a:t>
+            </a:r>
+          </a:p>
+        </p:txBody>
+      </p:sp>
+      <p:sp>
+        <p:nvSpPr>
+          <p:cNvPr id="3" name="Title 2"/>
+          <p:cNvSpPr>
+            <a:spLocks noGrp="1"/>
+          </p:cNvSpPr>
+          <p:nvPr>
+            <p:ph type="title"/>
+          </p:nvPr>
+        </p:nvSpPr>
+        <p:spPr/>
+        <p:txBody>
+          <a:bodyPr/>
+          <a:lstStyle/>
+          <a:p>
+            <a:r>
+              <a:rPr lang="en-US" dirty="0" smtClean="0"/>
+              <a:t>Gratitude</a:t>
+            </a:r>
+            <a:endParaRPr lang="en-US" dirty="0"/>
+          </a:p>
+        </p:txBody>
+      </p:sp>
+      <p:sp>
+        <p:nvSpPr>
+          <p:cNvPr id="4" name="Slide Number Placeholder 3"/>
+          <p:cNvSpPr>
+            <a:spLocks noGrp="1"/>
+          </p:cNvSpPr>
+          <p:nvPr>
+            <p:ph type="sldNum" sz="quarter" idx="10"/>
+          </p:nvPr>
+        </p:nvSpPr>
+        <p:spPr/>
+        <p:txBody>
+          <a:bodyPr/>
+          <a:lstStyle/>
+          <a:p>
+            <a:fld id="{FD0725B6-5DD5-4EEE-A0F0-572C51C8D44F}" type="slidenum">
+              <a:rPr lang="en-US" smtClean="0"/>
+              <a:pPr/>
+              <a:t>42</a:t>
+            </a:fld>
+            <a:endParaRPr lang="en-US"/>
+          </a:p>
+        </p:txBody>
+      </p:sp>
+    </p:spTree>
+    <p:extLst>
+      <p:ext uri="{BB962C8B-B14F-4D97-AF65-F5344CB8AC3E}">
+        <p14:creationId xmlns:p14="http://schemas.microsoft.com/office/powerpoint/2010/main" val="475891249"/>
+      </p:ext>
+    </p:extLst>
+  </p:cSld>
+  <p:clrMapOvr>
+    <a:masterClrMapping/>
+  </p:clrMapOvr>
+  <p:transition>
+    <p:fade/>
+  </p:transition>
+  <p:timing>
+    <p:tnLst>
+      <p:par>
+        <p:cTn id="1" dur="indefinite" restart="never" nodeType="tmRoot"/>
+      </p:par>
+    </p:tnLst>
+  </p:timing>
+</p:sld>
+</file>
+
+<file path=ppt/slides/slide43.xml><?xml version="1.0" encoding="utf-8"?>
+<p:sld xmlns:a="http://schemas.openxmlformats.org/drawingml/2006/main" xmlns:r="http://schemas.openxmlformats.org/officeDocument/2006/relationships" xmlns:p="http://schemas.openxmlformats.org/presentationml/2006/main" showMasterSp="0">
+  <p:cSld>
+    <p:spTree>
+      <p:nvGrpSpPr>
+        <p:cNvPr id="1" name=""/>
+        <p:cNvGrpSpPr/>
+        <p:nvPr/>
+      </p:nvGrpSpPr>
+      <p:grpSpPr>
+        <a:xfrm>
+          <a:off x="0" y="0"/>
+          <a:ext cx="0" cy="0"/>
+          <a:chOff x="0" y="0"/>
+          <a:chExt cx="0" cy="0"/>
+        </a:xfrm>
+      </p:grpSpPr>
+      <p:sp>
+        <p:nvSpPr>
+          <p:cNvPr id="3" name="Title 2"/>
+          <p:cNvSpPr>
+            <a:spLocks noGrp="1"/>
+          </p:cNvSpPr>
+          <p:nvPr>
+            <p:ph type="title"/>
+          </p:nvPr>
+        </p:nvSpPr>
+        <p:spPr>
+          <a:xfrm>
+            <a:off x="3683000" y="2514600"/>
+            <a:ext cx="5334000" cy="2286000"/>
+          </a:xfrm>
+        </p:spPr>
+        <p:txBody>
+          <a:bodyPr/>
+          <a:lstStyle/>
+          <a:p>
+            <a:pPr algn="ctr"/>
+            <a:r>
+              <a:rPr lang="en-US" dirty="0" smtClean="0"/>
+              <a:t>Thank You</a:t>
+            </a:r>
+            <a:endParaRPr lang="en-US" dirty="0"/>
+          </a:p>
+        </p:txBody>
+      </p:sp>
+      <p:sp>
+        <p:nvSpPr>
+          <p:cNvPr id="4" name="Slide Number Placeholder 3"/>
+          <p:cNvSpPr>
+            <a:spLocks noGrp="1"/>
+          </p:cNvSpPr>
+          <p:nvPr>
+            <p:ph type="sldNum" sz="quarter" idx="10"/>
+          </p:nvPr>
+        </p:nvSpPr>
+        <p:spPr/>
+        <p:txBody>
+          <a:bodyPr/>
+          <a:lstStyle/>
+          <a:p>
+            <a:fld id="{FD0725B6-5DD5-4EEE-A0F0-572C51C8D44F}" type="slidenum">
+              <a:rPr lang="en-US" smtClean="0"/>
+              <a:pPr/>
+              <a:t>43</a:t>
+            </a:fld>
+            <a:endParaRPr lang="en-US"/>
+          </a:p>
+        </p:txBody>
+      </p:sp>
+    </p:spTree>
+    <p:extLst>
+      <p:ext uri="{BB962C8B-B14F-4D97-AF65-F5344CB8AC3E}">
+        <p14:creationId xmlns:p14="http://schemas.microsoft.com/office/powerpoint/2010/main" val="4221170673"/>
+      </p:ext>
+    </p:extLst>
+  </p:cSld>
+  <p:clrMapOvr>
+    <a:masterClrMapping/>
+  </p:clrMapOvr>
+  <p:transition>
+    <p:fade/>
+  </p:transition>
+  <p:timing>
+    <p:tnLst>
+      <p:par>
+        <p:cTn id="1" dur="indefinite" restart="never" nodeType="tmRoot"/>
+      </p:par>
+    </p:tnLst>
+  </p:timing>
+</p:sld>
+</file>
+
 <file path=ppt/slides/slide5.xml><?xml version="1.0" encoding="utf-8"?>
 <p:sld xmlns:a="http://schemas.openxmlformats.org/drawingml/2006/main" xmlns:r="http://schemas.openxmlformats.org/officeDocument/2006/relationships" xmlns:p="http://schemas.openxmlformats.org/presentationml/2006/main">
   <p:cSld>
@@ -10458,6 +11804,120 @@
             <p:ph idx="1"/>
           </p:nvPr>
         </p:nvSpPr>
+        <p:spPr>
+          <a:xfrm>
+            <a:off x="1270000" y="2540000"/>
+            <a:ext cx="10464800" cy="3708400"/>
+          </a:xfrm>
+        </p:spPr>
+        <p:txBody>
+          <a:bodyPr/>
+          <a:lstStyle/>
+          <a:p>
+            <a:endParaRPr lang="en-US" sz="2400" dirty="0" smtClean="0">
+              <a:latin typeface="Times New Roman" pitchFamily="18" charset="0"/>
+              <a:cs typeface="Times New Roman" pitchFamily="18" charset="0"/>
+            </a:endParaRPr>
+          </a:p>
+        </p:txBody>
+      </p:sp>
+      <p:sp>
+        <p:nvSpPr>
+          <p:cNvPr id="3" name="Title 2"/>
+          <p:cNvSpPr>
+            <a:spLocks noGrp="1"/>
+          </p:cNvSpPr>
+          <p:nvPr>
+            <p:ph type="title"/>
+          </p:nvPr>
+        </p:nvSpPr>
+        <p:spPr/>
+        <p:txBody>
+          <a:bodyPr/>
+          <a:lstStyle/>
+          <a:p>
+            <a:r>
+              <a:rPr lang="en-US" sz="5400" dirty="0" smtClean="0"/>
+              <a:t>Change Requests </a:t>
+            </a:r>
+            <a:endParaRPr lang="en-US" sz="4000" dirty="0"/>
+          </a:p>
+        </p:txBody>
+      </p:sp>
+      <p:sp>
+        <p:nvSpPr>
+          <p:cNvPr id="4" name="Slide Number Placeholder 3"/>
+          <p:cNvSpPr>
+            <a:spLocks noGrp="1"/>
+          </p:cNvSpPr>
+          <p:nvPr>
+            <p:ph type="sldNum" sz="quarter" idx="10"/>
+          </p:nvPr>
+        </p:nvSpPr>
+        <p:spPr/>
+        <p:txBody>
+          <a:bodyPr/>
+          <a:lstStyle/>
+          <a:p>
+            <a:fld id="{FD0725B6-5DD5-4EEE-A0F0-572C51C8D44F}" type="slidenum">
+              <a:rPr lang="en-US" smtClean="0"/>
+              <a:pPr/>
+              <a:t>6</a:t>
+            </a:fld>
+            <a:endParaRPr lang="en-US"/>
+          </a:p>
+        </p:txBody>
+      </p:sp>
+    </p:spTree>
+    <p:extLst>
+      <p:ext uri="{BB962C8B-B14F-4D97-AF65-F5344CB8AC3E}">
+        <p14:creationId xmlns:p14="http://schemas.microsoft.com/office/powerpoint/2010/main" val="2566472314"/>
+      </p:ext>
+    </p:extLst>
+  </p:cSld>
+  <p:clrMapOvr>
+    <a:masterClrMapping/>
+  </p:clrMapOvr>
+  <p:transition>
+    <p:fade/>
+  </p:transition>
+  <p:timing>
+    <p:tnLst>
+      <p:par>
+        <p:cTn id="1" dur="indefinite" restart="never" nodeType="tmRoot"/>
+      </p:par>
+    </p:tnLst>
+  </p:timing>
+</p:sld>
+</file>
+
+<file path=ppt/slides/slide7.xml><?xml version="1.0" encoding="utf-8"?>
+<p:sld xmlns:a="http://schemas.openxmlformats.org/drawingml/2006/main" xmlns:r="http://schemas.openxmlformats.org/officeDocument/2006/relationships" xmlns:p="http://schemas.openxmlformats.org/presentationml/2006/main">
+  <p:cSld>
+    <p:spTree>
+      <p:nvGrpSpPr>
+        <p:cNvPr id="1" name=""/>
+        <p:cNvGrpSpPr/>
+        <p:nvPr/>
+      </p:nvGrpSpPr>
+      <p:grpSpPr>
+        <a:xfrm>
+          <a:off x="0" y="0"/>
+          <a:ext cx="0" cy="0"/>
+          <a:chOff x="0" y="0"/>
+          <a:chExt cx="0" cy="0"/>
+        </a:xfrm>
+      </p:grpSpPr>
+      <p:sp>
+        <p:nvSpPr>
+          <p:cNvPr id="2" name="Content Placeholder 1"/>
+          <p:cNvSpPr>
+            <a:spLocks noGrp="1"/>
+          </p:cNvSpPr>
+          <p:nvPr>
+            <p:ph idx="1"/>
+          </p:nvPr>
+        </p:nvSpPr>
         <p:spPr/>
         <p:txBody>
           <a:bodyPr/>
@@ -10517,7 +11977,7 @@
             <a:fld id="{FD0725B6-5DD5-4EEE-A0F0-572C51C8D44F}" type="slidenum">
               <a:rPr lang="en-US" smtClean="0"/>
               <a:pPr/>
-              <a:t>6</a:t>
+              <a:t>7</a:t>
             </a:fld>
             <a:endParaRPr lang="en-US"/>
           </a:p>
@@ -13985,7 +15445,7 @@
 </p:sld>
 </file>
 
-<file path=ppt/slides/slide7.xml><?xml version="1.0" encoding="utf-8"?>
+<file path=ppt/slides/slide8.xml><?xml version="1.0" encoding="utf-8"?>
 <p:sld xmlns:a="http://schemas.openxmlformats.org/drawingml/2006/main" xmlns:r="http://schemas.openxmlformats.org/officeDocument/2006/relationships" xmlns:p="http://schemas.openxmlformats.org/presentationml/2006/main">
   <p:cSld>
     <p:spTree>
@@ -14066,7 +15526,7 @@
             <a:fld id="{FD0725B6-5DD5-4EEE-A0F0-572C51C8D44F}" type="slidenum">
               <a:rPr lang="en-US" smtClean="0"/>
               <a:pPr/>
-              <a:t>7</a:t>
+              <a:t>8</a:t>
             </a:fld>
             <a:endParaRPr lang="en-US"/>
           </a:p>
@@ -14119,7 +15579,7 @@
 </p:sld>
 </file>
 
-<file path=ppt/slides/slide8.xml><?xml version="1.0" encoding="utf-8"?>
+<file path=ppt/slides/slide9.xml><?xml version="1.0" encoding="utf-8"?>
 <p:sld xmlns:a="http://schemas.openxmlformats.org/drawingml/2006/main" xmlns:r="http://schemas.openxmlformats.org/officeDocument/2006/relationships" xmlns:p="http://schemas.openxmlformats.org/presentationml/2006/main">
   <p:cSld>
     <p:spTree>
@@ -14176,7 +15636,7 @@
             <a:fld id="{FD0725B6-5DD5-4EEE-A0F0-572C51C8D44F}" type="slidenum">
               <a:rPr lang="en-US" smtClean="0"/>
               <a:pPr/>
-              <a:t>8</a:t>
+              <a:t>9</a:t>
             </a:fld>
             <a:endParaRPr lang="en-US"/>
           </a:p>
@@ -14221,120 +15681,13 @@
   <p:transition>
     <p:fade/>
   </p:transition>
-</p:sld>
-</file>
-
-<file path=ppt/slides/slide9.xml><?xml version="1.0" encoding="utf-8"?>
-<p:sld xmlns:a="http://schemas.openxmlformats.org/drawingml/2006/main" xmlns:r="http://schemas.openxmlformats.org/officeDocument/2006/relationships" xmlns:p="http://schemas.openxmlformats.org/presentationml/2006/main">
-  <p:cSld>
-    <p:spTree>
-      <p:nvGrpSpPr>
-        <p:cNvPr id="1" name=""/>
-        <p:cNvGrpSpPr/>
-        <p:nvPr/>
-      </p:nvGrpSpPr>
-      <p:grpSpPr>
-        <a:xfrm>
-          <a:off x="0" y="0"/>
-          <a:ext cx="0" cy="0"/>
-          <a:chOff x="0" y="0"/>
-          <a:chExt cx="0" cy="0"/>
-        </a:xfrm>
-      </p:grpSpPr>
-      <p:sp>
-        <p:nvSpPr>
-          <p:cNvPr id="3" name="Title 2"/>
-          <p:cNvSpPr>
-            <a:spLocks noGrp="1"/>
-          </p:cNvSpPr>
-          <p:nvPr>
-            <p:ph type="title"/>
-          </p:nvPr>
-        </p:nvSpPr>
-        <p:spPr>
-          <a:xfrm>
-            <a:off x="1270000" y="304800"/>
-            <a:ext cx="10464800" cy="2743200"/>
-          </a:xfrm>
-        </p:spPr>
-        <p:txBody>
-          <a:bodyPr/>
-          <a:lstStyle/>
-          <a:p>
-            <a:r>
-              <a:rPr lang="en-US" dirty="0"/>
-              <a:t>Service / Request Flow</a:t>
-            </a:r>
-            <a:br>
-              <a:rPr lang="en-US" dirty="0"/>
-            </a:br>
-            <a:endParaRPr lang="en-US" dirty="0"/>
-          </a:p>
-        </p:txBody>
-      </p:sp>
-      <p:sp>
-        <p:nvSpPr>
-          <p:cNvPr id="4" name="Slide Number Placeholder 3"/>
-          <p:cNvSpPr>
-            <a:spLocks noGrp="1"/>
-          </p:cNvSpPr>
-          <p:nvPr>
-            <p:ph type="sldNum" sz="quarter" idx="10"/>
-          </p:nvPr>
-        </p:nvSpPr>
-        <p:spPr/>
-        <p:txBody>
-          <a:bodyPr/>
-          <a:lstStyle/>
-          <a:p>
-            <a:fld id="{FD0725B6-5DD5-4EEE-A0F0-572C51C8D44F}" type="slidenum">
-              <a:rPr lang="en-US" smtClean="0"/>
-              <a:pPr/>
-              <a:t>9</a:t>
-            </a:fld>
-            <a:endParaRPr lang="en-US"/>
-          </a:p>
-        </p:txBody>
-      </p:sp>
-      <p:pic>
-        <p:nvPicPr>
-          <p:cNvPr id="5" name="Content Placeholder 4"/>
-          <p:cNvPicPr>
-            <a:picLocks noGrp="1" noChangeAspect="1"/>
-          </p:cNvPicPr>
-          <p:nvPr>
-            <p:ph idx="1"/>
-          </p:nvPr>
-        </p:nvPicPr>
-        <p:blipFill>
-          <a:blip r:embed="rId2"/>
-          <a:stretch>
-            <a:fillRect/>
-          </a:stretch>
-        </p:blipFill>
-        <p:spPr>
-          <a:xfrm>
-            <a:off x="1016000" y="2751499"/>
-            <a:ext cx="10896600" cy="6382976"/>
-          </a:xfrm>
-          <a:prstGeom prst="rect">
-            <a:avLst/>
-          </a:prstGeom>
-        </p:spPr>
-      </p:pic>
-    </p:spTree>
-    <p:extLst>
-      <p:ext uri="{BB962C8B-B14F-4D97-AF65-F5344CB8AC3E}">
-        <p14:creationId xmlns:p14="http://schemas.microsoft.com/office/powerpoint/2010/main" val="1593345565"/>
-      </p:ext>
-    </p:extLst>
-  </p:cSld>
-  <p:clrMapOvr>
-    <a:masterClrMapping/>
-  </p:clrMapOvr>
-  <p:transition>
-    <p:fade/>
-  </p:transition>
+  <p:timing>
+    <p:tnLst>
+      <p:par>
+        <p:cTn id="1" dur="indefinite" restart="never" nodeType="tmRoot"/>
+      </p:par>
+    </p:tnLst>
+  </p:timing>
 </p:sld>
 </file>
 
